--- a/diagrams/Nutrition Compass Presentation.pptx
+++ b/diagrams/Nutrition Compass Presentation.pptx
@@ -117,13 +117,18 @@
       </a:defRPr>
     </a:lvl9pPr>
   </p:defaultTextStyle>
+  <p:extLst>
+    <p:ext uri="{EFAFB233-063F-42B5-8137-9DF3F51BA10A}">
+      <p15:sldGuideLst xmlns:p15="http://schemas.microsoft.com/office/powerpoint/2012/main"/>
+    </p:ext>
+  </p:extLst>
 </p:presentation>
 </file>
 
 <file path=ppt/revisionInfo.xml><?xml version="1.0" encoding="utf-8"?>
 <p1510:revInfo xmlns:a="http://schemas.openxmlformats.org/drawingml/2006/main" xmlns:r="http://schemas.openxmlformats.org/officeDocument/2006/relationships" xmlns:p1510="http://schemas.microsoft.com/office/powerpoint/2015/10/main">
   <p1510:revLst>
-    <p1510:client id="{61DAA024-F5F8-43EC-9B0A-FFE5A2F563BA}" v="108" dt="2024-11-18T02:56:10.428"/>
+    <p1510:client id="{61DAA024-F5F8-43EC-9B0A-FFE5A2F563BA}" v="117" dt="2024-11-25T00:03:38.488"/>
   </p1510:revLst>
 </p1510:revInfo>
 </file>
@@ -133,7 +138,7 @@
   <pc:docChgLst>
     <pc:chgData name="Jia Jones" userId="a3b0c72f-e186-4738-b8d6-28e077c699c2" providerId="ADAL" clId="{61DAA024-F5F8-43EC-9B0A-FFE5A2F563BA}"/>
     <pc:docChg chg="undo redo custSel addSld modSld sldOrd">
-      <pc:chgData name="Jia Jones" userId="a3b0c72f-e186-4738-b8d6-28e077c699c2" providerId="ADAL" clId="{61DAA024-F5F8-43EC-9B0A-FFE5A2F563BA}" dt="2024-11-18T02:56:10.428" v="856"/>
+      <pc:chgData name="Jia Jones" userId="a3b0c72f-e186-4738-b8d6-28e077c699c2" providerId="ADAL" clId="{61DAA024-F5F8-43EC-9B0A-FFE5A2F563BA}" dt="2024-11-25T00:03:38.488" v="898"/>
       <pc:docMkLst>
         <pc:docMk/>
       </pc:docMkLst>
@@ -348,12 +353,28 @@
           <pc:sldMk cId="3163370101" sldId="261"/>
         </pc:sldMkLst>
       </pc:sldChg>
-      <pc:sldChg chg="modNotesTx">
-        <pc:chgData name="Jia Jones" userId="a3b0c72f-e186-4738-b8d6-28e077c699c2" providerId="ADAL" clId="{61DAA024-F5F8-43EC-9B0A-FFE5A2F563BA}" dt="2024-11-18T02:30:11.264" v="147" actId="20577"/>
+      <pc:sldChg chg="addSp delSp modSp mod modNotesTx">
+        <pc:chgData name="Jia Jones" userId="a3b0c72f-e186-4738-b8d6-28e077c699c2" providerId="ADAL" clId="{61DAA024-F5F8-43EC-9B0A-FFE5A2F563BA}" dt="2024-11-24T20:56:19.809" v="868" actId="1076"/>
         <pc:sldMkLst>
           <pc:docMk/>
           <pc:sldMk cId="3192155169" sldId="262"/>
         </pc:sldMkLst>
+        <pc:picChg chg="add del">
+          <ac:chgData name="Jia Jones" userId="a3b0c72f-e186-4738-b8d6-28e077c699c2" providerId="ADAL" clId="{61DAA024-F5F8-43EC-9B0A-FFE5A2F563BA}" dt="2024-11-24T20:38:39.556" v="859" actId="478"/>
+          <ac:picMkLst>
+            <pc:docMk/>
+            <pc:sldMk cId="3192155169" sldId="262"/>
+            <ac:picMk id="3" creationId="{CE13FB15-CD03-737E-2368-1403026ED0C8}"/>
+          </ac:picMkLst>
+        </pc:picChg>
+        <pc:picChg chg="add mod">
+          <ac:chgData name="Jia Jones" userId="a3b0c72f-e186-4738-b8d6-28e077c699c2" providerId="ADAL" clId="{61DAA024-F5F8-43EC-9B0A-FFE5A2F563BA}" dt="2024-11-24T20:56:19.809" v="868" actId="1076"/>
+          <ac:picMkLst>
+            <pc:docMk/>
+            <pc:sldMk cId="3192155169" sldId="262"/>
+            <ac:picMk id="8" creationId="{A306073B-68D9-4CD3-4EE5-4B6F6ABF4E21}"/>
+          </ac:picMkLst>
+        </pc:picChg>
       </pc:sldChg>
       <pc:sldChg chg="modNotesTx">
         <pc:chgData name="Jia Jones" userId="a3b0c72f-e186-4738-b8d6-28e077c699c2" providerId="ADAL" clId="{61DAA024-F5F8-43EC-9B0A-FFE5A2F563BA}" dt="2024-11-18T02:30:17.489" v="158" actId="20577"/>
@@ -416,7 +437,7 @@
         </pc:spChg>
       </pc:sldChg>
       <pc:sldChg chg="addSp delSp modSp add mod ord">
-        <pc:chgData name="Jia Jones" userId="a3b0c72f-e186-4738-b8d6-28e077c699c2" providerId="ADAL" clId="{61DAA024-F5F8-43EC-9B0A-FFE5A2F563BA}" dt="2024-11-18T02:54:47.979" v="727" actId="14100"/>
+        <pc:chgData name="Jia Jones" userId="a3b0c72f-e186-4738-b8d6-28e077c699c2" providerId="ADAL" clId="{61DAA024-F5F8-43EC-9B0A-FFE5A2F563BA}" dt="2024-11-25T00:03:38.488" v="898"/>
         <pc:sldMkLst>
           <pc:docMk/>
           <pc:sldMk cId="60783217" sldId="267"/>
@@ -445,6 +466,46 @@
             <ac:spMk id="6" creationId="{3AFDC5F3-7D1B-2273-A61F-B7AEA75F0AEF}"/>
           </ac:spMkLst>
         </pc:spChg>
+        <pc:grpChg chg="mod">
+          <ac:chgData name="Jia Jones" userId="a3b0c72f-e186-4738-b8d6-28e077c699c2" providerId="ADAL" clId="{61DAA024-F5F8-43EC-9B0A-FFE5A2F563BA}" dt="2024-11-25T00:02:41.896" v="872"/>
+          <ac:grpSpMkLst>
+            <pc:docMk/>
+            <pc:sldMk cId="60783217" sldId="267"/>
+            <ac:grpSpMk id="6" creationId="{6773178C-E067-896D-2C1C-D44FF635F712}"/>
+          </ac:grpSpMkLst>
+        </pc:grpChg>
+        <pc:grpChg chg="mod">
+          <ac:chgData name="Jia Jones" userId="a3b0c72f-e186-4738-b8d6-28e077c699c2" providerId="ADAL" clId="{61DAA024-F5F8-43EC-9B0A-FFE5A2F563BA}" dt="2024-11-25T00:03:20.628" v="887"/>
+          <ac:grpSpMkLst>
+            <pc:docMk/>
+            <pc:sldMk cId="60783217" sldId="267"/>
+            <ac:grpSpMk id="22" creationId="{B76D048E-633B-35EB-BB42-8414DBE365DF}"/>
+          </ac:grpSpMkLst>
+        </pc:grpChg>
+        <pc:grpChg chg="del mod">
+          <ac:chgData name="Jia Jones" userId="a3b0c72f-e186-4738-b8d6-28e077c699c2" providerId="ADAL" clId="{61DAA024-F5F8-43EC-9B0A-FFE5A2F563BA}" dt="2024-11-25T00:03:38.488" v="898"/>
+          <ac:grpSpMkLst>
+            <pc:docMk/>
+            <pc:sldMk cId="60783217" sldId="267"/>
+            <ac:grpSpMk id="23" creationId="{8FFDACED-89BF-E0B2-6747-33E022B2DAC2}"/>
+          </ac:grpSpMkLst>
+        </pc:grpChg>
+        <pc:grpChg chg="mod">
+          <ac:chgData name="Jia Jones" userId="a3b0c72f-e186-4738-b8d6-28e077c699c2" providerId="ADAL" clId="{61DAA024-F5F8-43EC-9B0A-FFE5A2F563BA}" dt="2024-11-25T00:03:27.280" v="891"/>
+          <ac:grpSpMkLst>
+            <pc:docMk/>
+            <pc:sldMk cId="60783217" sldId="267"/>
+            <ac:grpSpMk id="27" creationId="{650837B4-9539-73E3-DD12-97F0AFD9A804}"/>
+          </ac:grpSpMkLst>
+        </pc:grpChg>
+        <pc:grpChg chg="mod">
+          <ac:chgData name="Jia Jones" userId="a3b0c72f-e186-4738-b8d6-28e077c699c2" providerId="ADAL" clId="{61DAA024-F5F8-43EC-9B0A-FFE5A2F563BA}" dt="2024-11-25T00:03:38.488" v="898"/>
+          <ac:grpSpMkLst>
+            <pc:docMk/>
+            <pc:sldMk cId="60783217" sldId="267"/>
+            <ac:grpSpMk id="30" creationId="{5D65D07B-CB8B-AE33-29C0-B47F62B63B04}"/>
+          </ac:grpSpMkLst>
+        </pc:grpChg>
         <pc:picChg chg="del">
           <ac:chgData name="Jia Jones" userId="a3b0c72f-e186-4738-b8d6-28e077c699c2" providerId="ADAL" clId="{61DAA024-F5F8-43EC-9B0A-FFE5A2F563BA}" dt="2024-11-18T02:53:34.952" v="630" actId="478"/>
           <ac:picMkLst>
@@ -469,10 +530,626 @@
             <ac:picMk id="10" creationId="{933E71F2-9F22-4F86-CFEC-837D4391A204}"/>
           </ac:picMkLst>
         </pc:picChg>
+        <pc:inkChg chg="add">
+          <ac:chgData name="Jia Jones" userId="a3b0c72f-e186-4738-b8d6-28e077c699c2" providerId="ADAL" clId="{61DAA024-F5F8-43EC-9B0A-FFE5A2F563BA}" dt="2024-11-25T00:02:36.725" v="869" actId="9405"/>
+          <ac:inkMkLst>
+            <pc:docMk/>
+            <pc:sldMk cId="60783217" sldId="267"/>
+            <ac:inkMk id="3" creationId="{6B4D69D2-1AD8-95B7-6334-3D4D594A1CCC}"/>
+          </ac:inkMkLst>
+        </pc:inkChg>
+        <pc:inkChg chg="add mod">
+          <ac:chgData name="Jia Jones" userId="a3b0c72f-e186-4738-b8d6-28e077c699c2" providerId="ADAL" clId="{61DAA024-F5F8-43EC-9B0A-FFE5A2F563BA}" dt="2024-11-25T00:02:41.896" v="872"/>
+          <ac:inkMkLst>
+            <pc:docMk/>
+            <pc:sldMk cId="60783217" sldId="267"/>
+            <ac:inkMk id="4" creationId="{B081522D-D4AF-5A21-05CA-A0E274579686}"/>
+          </ac:inkMkLst>
+        </pc:inkChg>
+        <pc:inkChg chg="add mod">
+          <ac:chgData name="Jia Jones" userId="a3b0c72f-e186-4738-b8d6-28e077c699c2" providerId="ADAL" clId="{61DAA024-F5F8-43EC-9B0A-FFE5A2F563BA}" dt="2024-11-25T00:02:41.896" v="872"/>
+          <ac:inkMkLst>
+            <pc:docMk/>
+            <pc:sldMk cId="60783217" sldId="267"/>
+            <ac:inkMk id="5" creationId="{B1804638-B0C0-436B-F6F1-D047AF0555DA}"/>
+          </ac:inkMkLst>
+        </pc:inkChg>
+        <pc:inkChg chg="add">
+          <ac:chgData name="Jia Jones" userId="a3b0c72f-e186-4738-b8d6-28e077c699c2" providerId="ADAL" clId="{61DAA024-F5F8-43EC-9B0A-FFE5A2F563BA}" dt="2024-11-25T00:02:49.824" v="873" actId="9405"/>
+          <ac:inkMkLst>
+            <pc:docMk/>
+            <pc:sldMk cId="60783217" sldId="267"/>
+            <ac:inkMk id="7" creationId="{9036923E-9DC9-8E8A-CA74-976D05506352}"/>
+          </ac:inkMkLst>
+        </pc:inkChg>
+        <pc:inkChg chg="add">
+          <ac:chgData name="Jia Jones" userId="a3b0c72f-e186-4738-b8d6-28e077c699c2" providerId="ADAL" clId="{61DAA024-F5F8-43EC-9B0A-FFE5A2F563BA}" dt="2024-11-25T00:02:53.131" v="874" actId="9405"/>
+          <ac:inkMkLst>
+            <pc:docMk/>
+            <pc:sldMk cId="60783217" sldId="267"/>
+            <ac:inkMk id="9" creationId="{2C427A7F-A006-276C-FD77-C8B792CD7BE7}"/>
+          </ac:inkMkLst>
+        </pc:inkChg>
+        <pc:inkChg chg="add del">
+          <ac:chgData name="Jia Jones" userId="a3b0c72f-e186-4738-b8d6-28e077c699c2" providerId="ADAL" clId="{61DAA024-F5F8-43EC-9B0A-FFE5A2F563BA}" dt="2024-11-25T00:03:05.994" v="876" actId="9405"/>
+          <ac:inkMkLst>
+            <pc:docMk/>
+            <pc:sldMk cId="60783217" sldId="267"/>
+            <ac:inkMk id="11" creationId="{D4904312-891E-04E0-842E-2BA86F2EB30F}"/>
+          </ac:inkMkLst>
+        </pc:inkChg>
+        <pc:inkChg chg="add mod">
+          <ac:chgData name="Jia Jones" userId="a3b0c72f-e186-4738-b8d6-28e077c699c2" providerId="ADAL" clId="{61DAA024-F5F8-43EC-9B0A-FFE5A2F563BA}" dt="2024-11-25T00:03:38.488" v="898"/>
+          <ac:inkMkLst>
+            <pc:docMk/>
+            <pc:sldMk cId="60783217" sldId="267"/>
+            <ac:inkMk id="12" creationId="{0FB08E97-68C3-7C76-DEA7-F1E2B1D24127}"/>
+          </ac:inkMkLst>
+        </pc:inkChg>
+        <pc:inkChg chg="add mod">
+          <ac:chgData name="Jia Jones" userId="a3b0c72f-e186-4738-b8d6-28e077c699c2" providerId="ADAL" clId="{61DAA024-F5F8-43EC-9B0A-FFE5A2F563BA}" dt="2024-11-25T00:03:38.488" v="898"/>
+          <ac:inkMkLst>
+            <pc:docMk/>
+            <pc:sldMk cId="60783217" sldId="267"/>
+            <ac:inkMk id="13" creationId="{5291FFC6-B3D8-CF25-0176-9815BF1239B5}"/>
+          </ac:inkMkLst>
+        </pc:inkChg>
+        <pc:inkChg chg="add del mod">
+          <ac:chgData name="Jia Jones" userId="a3b0c72f-e186-4738-b8d6-28e077c699c2" providerId="ADAL" clId="{61DAA024-F5F8-43EC-9B0A-FFE5A2F563BA}" dt="2024-11-25T00:03:32.087" v="893"/>
+          <ac:inkMkLst>
+            <pc:docMk/>
+            <pc:sldMk cId="60783217" sldId="267"/>
+            <ac:inkMk id="14" creationId="{DE7CB20B-D98F-3BE0-7597-1A29B29A859A}"/>
+          </ac:inkMkLst>
+        </pc:inkChg>
+        <pc:inkChg chg="add del mod">
+          <ac:chgData name="Jia Jones" userId="a3b0c72f-e186-4738-b8d6-28e077c699c2" providerId="ADAL" clId="{61DAA024-F5F8-43EC-9B0A-FFE5A2F563BA}" dt="2024-11-25T00:03:32.087" v="892"/>
+          <ac:inkMkLst>
+            <pc:docMk/>
+            <pc:sldMk cId="60783217" sldId="267"/>
+            <ac:inkMk id="15" creationId="{961947F2-943E-A744-433A-3708ACA2C267}"/>
+          </ac:inkMkLst>
+        </pc:inkChg>
+        <pc:inkChg chg="add del mod">
+          <ac:chgData name="Jia Jones" userId="a3b0c72f-e186-4738-b8d6-28e077c699c2" providerId="ADAL" clId="{61DAA024-F5F8-43EC-9B0A-FFE5A2F563BA}" dt="2024-11-25T00:03:32.088" v="895"/>
+          <ac:inkMkLst>
+            <pc:docMk/>
+            <pc:sldMk cId="60783217" sldId="267"/>
+            <ac:inkMk id="16" creationId="{0D3EC563-FCE5-2763-04DA-6DE87A2023F3}"/>
+          </ac:inkMkLst>
+        </pc:inkChg>
+        <pc:inkChg chg="add del mod">
+          <ac:chgData name="Jia Jones" userId="a3b0c72f-e186-4738-b8d6-28e077c699c2" providerId="ADAL" clId="{61DAA024-F5F8-43EC-9B0A-FFE5A2F563BA}" dt="2024-11-25T00:03:32.088" v="894"/>
+          <ac:inkMkLst>
+            <pc:docMk/>
+            <pc:sldMk cId="60783217" sldId="267"/>
+            <ac:inkMk id="17" creationId="{019405DB-D2D5-6543-DD8C-21DC4B2D8585}"/>
+          </ac:inkMkLst>
+        </pc:inkChg>
+        <pc:inkChg chg="add mod">
+          <ac:chgData name="Jia Jones" userId="a3b0c72f-e186-4738-b8d6-28e077c699c2" providerId="ADAL" clId="{61DAA024-F5F8-43EC-9B0A-FFE5A2F563BA}" dt="2024-11-25T00:03:38.488" v="898"/>
+          <ac:inkMkLst>
+            <pc:docMk/>
+            <pc:sldMk cId="60783217" sldId="267"/>
+            <ac:inkMk id="18" creationId="{8EE84806-0C96-9096-5827-A1793890EEE2}"/>
+          </ac:inkMkLst>
+        </pc:inkChg>
+        <pc:inkChg chg="add mod">
+          <ac:chgData name="Jia Jones" userId="a3b0c72f-e186-4738-b8d6-28e077c699c2" providerId="ADAL" clId="{61DAA024-F5F8-43EC-9B0A-FFE5A2F563BA}" dt="2024-11-25T00:03:20.628" v="887"/>
+          <ac:inkMkLst>
+            <pc:docMk/>
+            <pc:sldMk cId="60783217" sldId="267"/>
+            <ac:inkMk id="19" creationId="{85D228C8-6219-53E8-64C0-6EC4FB06C202}"/>
+          </ac:inkMkLst>
+        </pc:inkChg>
+        <pc:inkChg chg="add mod">
+          <ac:chgData name="Jia Jones" userId="a3b0c72f-e186-4738-b8d6-28e077c699c2" providerId="ADAL" clId="{61DAA024-F5F8-43EC-9B0A-FFE5A2F563BA}" dt="2024-11-25T00:03:20.628" v="887"/>
+          <ac:inkMkLst>
+            <pc:docMk/>
+            <pc:sldMk cId="60783217" sldId="267"/>
+            <ac:inkMk id="20" creationId="{73475594-BAD9-F034-6E8D-056C1E448EE6}"/>
+          </ac:inkMkLst>
+        </pc:inkChg>
+        <pc:inkChg chg="add mod">
+          <ac:chgData name="Jia Jones" userId="a3b0c72f-e186-4738-b8d6-28e077c699c2" providerId="ADAL" clId="{61DAA024-F5F8-43EC-9B0A-FFE5A2F563BA}" dt="2024-11-25T00:03:20.628" v="887"/>
+          <ac:inkMkLst>
+            <pc:docMk/>
+            <pc:sldMk cId="60783217" sldId="267"/>
+            <ac:inkMk id="21" creationId="{BCB9B163-F335-E48F-C3A4-C4E70C3CAD98}"/>
+          </ac:inkMkLst>
+        </pc:inkChg>
+        <pc:inkChg chg="add mod">
+          <ac:chgData name="Jia Jones" userId="a3b0c72f-e186-4738-b8d6-28e077c699c2" providerId="ADAL" clId="{61DAA024-F5F8-43EC-9B0A-FFE5A2F563BA}" dt="2024-11-25T00:03:27.280" v="891"/>
+          <ac:inkMkLst>
+            <pc:docMk/>
+            <pc:sldMk cId="60783217" sldId="267"/>
+            <ac:inkMk id="24" creationId="{56362308-DBD9-F0EE-4350-6088D175339F}"/>
+          </ac:inkMkLst>
+        </pc:inkChg>
+        <pc:inkChg chg="add mod">
+          <ac:chgData name="Jia Jones" userId="a3b0c72f-e186-4738-b8d6-28e077c699c2" providerId="ADAL" clId="{61DAA024-F5F8-43EC-9B0A-FFE5A2F563BA}" dt="2024-11-25T00:03:27.280" v="891"/>
+          <ac:inkMkLst>
+            <pc:docMk/>
+            <pc:sldMk cId="60783217" sldId="267"/>
+            <ac:inkMk id="25" creationId="{D25147C2-D237-6923-060F-2EA8DED2D770}"/>
+          </ac:inkMkLst>
+        </pc:inkChg>
+        <pc:inkChg chg="add mod">
+          <ac:chgData name="Jia Jones" userId="a3b0c72f-e186-4738-b8d6-28e077c699c2" providerId="ADAL" clId="{61DAA024-F5F8-43EC-9B0A-FFE5A2F563BA}" dt="2024-11-25T00:03:27.280" v="891"/>
+          <ac:inkMkLst>
+            <pc:docMk/>
+            <pc:sldMk cId="60783217" sldId="267"/>
+            <ac:inkMk id="26" creationId="{900404E9-2E4B-9594-2AD4-3714B970CFA1}"/>
+          </ac:inkMkLst>
+        </pc:inkChg>
+        <pc:inkChg chg="add mod">
+          <ac:chgData name="Jia Jones" userId="a3b0c72f-e186-4738-b8d6-28e077c699c2" providerId="ADAL" clId="{61DAA024-F5F8-43EC-9B0A-FFE5A2F563BA}" dt="2024-11-25T00:03:38.488" v="898"/>
+          <ac:inkMkLst>
+            <pc:docMk/>
+            <pc:sldMk cId="60783217" sldId="267"/>
+            <ac:inkMk id="28" creationId="{31557660-3543-0537-A10F-AD655A8EDF2A}"/>
+          </ac:inkMkLst>
+        </pc:inkChg>
+        <pc:inkChg chg="add mod">
+          <ac:chgData name="Jia Jones" userId="a3b0c72f-e186-4738-b8d6-28e077c699c2" providerId="ADAL" clId="{61DAA024-F5F8-43EC-9B0A-FFE5A2F563BA}" dt="2024-11-25T00:03:38.488" v="898"/>
+          <ac:inkMkLst>
+            <pc:docMk/>
+            <pc:sldMk cId="60783217" sldId="267"/>
+            <ac:inkMk id="29" creationId="{E121846F-D2B4-8FDD-F488-35DEC0EC4D9A}"/>
+          </ac:inkMkLst>
+        </pc:inkChg>
       </pc:sldChg>
     </pc:docChg>
   </pc:docChgLst>
 </pc:chgInfo>
+</file>
+
+<file path=ppt/ink/ink1.xml><?xml version="1.0" encoding="utf-8"?>
+<inkml:ink xmlns:inkml="http://www.w3.org/2003/InkML">
+  <inkml:definitions>
+    <inkml:context xml:id="ctx0">
+      <inkml:inkSource xml:id="inkSrc0">
+        <inkml:traceFormat>
+          <inkml:channel name="X" type="integer" min="-2.14748E9" max="2.14748E9" units="cm"/>
+          <inkml:channel name="Y" type="integer" min="-2.14748E9" max="2.14748E9" units="cm"/>
+          <inkml:channel name="F" type="integer" max="32767" units="dev"/>
+        </inkml:traceFormat>
+        <inkml:channelProperties>
+          <inkml:channelProperty channel="X" name="resolution" value="1000" units="1/cm"/>
+          <inkml:channelProperty channel="Y" name="resolution" value="1000" units="1/cm"/>
+          <inkml:channelProperty channel="F" name="resolution" value="0" units="1/dev"/>
+        </inkml:channelProperties>
+      </inkml:inkSource>
+      <inkml:timestamp xml:id="ts0" timeString="2024-11-25T00:02:36.703"/>
+    </inkml:context>
+    <inkml:brush xml:id="br0">
+      <inkml:brushProperty name="width" value="0.035" units="cm"/>
+      <inkml:brushProperty name="height" value="0.035" units="cm"/>
+      <inkml:brushProperty name="color" value="#E71224"/>
+    </inkml:brush>
+  </inkml:definitions>
+  <inkml:trace contextRef="#ctx0" brushRef="#br0">0 719 24575,'3'1'0,"-1"0"0,1 0 0,-1 0 0,1 1 0,-1-1 0,0 1 0,0-1 0,0 1 0,0 0 0,0 0 0,0 0 0,0 0 0,0 0 0,1 3 0,2 1 0,23 30 0,31 53 0,8 11 0,-65-97 0,1 1 0,-1-1 0,1 1 0,0-1 0,0 0 0,1 0 0,-1-1 0,1 1 0,-1-1 0,1 1 0,0-1 0,0 0 0,0 0 0,7 1 0,-7-2 0,0-1 0,0 0 0,1 0 0,-1-1 0,0 1 0,0-1 0,0 0 0,0 0 0,0 0 0,-1 0 0,1-1 0,0 0 0,0 1 0,-1-1 0,1-1 0,3-2 0,32-25 0,-2-1 0,-1-2 0,44-51 0,-15 15 0,545-526 0,-535 524 0,-19 19-1365,-17 19-5461</inkml:trace>
+</inkml:ink>
+</file>
+
+<file path=ppt/ink/ink10.xml><?xml version="1.0" encoding="utf-8"?>
+<inkml:ink xmlns:inkml="http://www.w3.org/2003/InkML">
+  <inkml:definitions>
+    <inkml:context xml:id="ctx0">
+      <inkml:inkSource xml:id="inkSrc0">
+        <inkml:traceFormat>
+          <inkml:channel name="X" type="integer" min="-2.14748E9" max="2.14748E9" units="cm"/>
+          <inkml:channel name="Y" type="integer" min="-2.14748E9" max="2.14748E9" units="cm"/>
+          <inkml:channel name="F" type="integer" max="32767" units="dev"/>
+        </inkml:traceFormat>
+        <inkml:channelProperties>
+          <inkml:channelProperty channel="X" name="resolution" value="1000" units="1/cm"/>
+          <inkml:channelProperty channel="Y" name="resolution" value="1000" units="1/cm"/>
+          <inkml:channelProperty channel="F" name="resolution" value="0" units="1/dev"/>
+        </inkml:channelProperties>
+      </inkml:inkSource>
+      <inkml:timestamp xml:id="ts0" timeString="2024-11-25T00:03:23.266"/>
+    </inkml:context>
+    <inkml:brush xml:id="br0">
+      <inkml:brushProperty name="width" value="0.035" units="cm"/>
+      <inkml:brushProperty name="height" value="0.035" units="cm"/>
+      <inkml:brushProperty name="color" value="#E71224"/>
+    </inkml:brush>
+  </inkml:definitions>
+  <inkml:trace contextRef="#ctx0" brushRef="#br0">139 61 24575,'0'-3'0,"0"0"0,-1 0 0,0 1 0,1-1 0,-1 0 0,0 0 0,0 1 0,0-1 0,-1 1 0,1-1 0,-1 1 0,1 0 0,-1-1 0,0 1 0,0 0 0,0 0 0,0 0 0,0 0 0,0 1 0,0-1 0,-1 1 0,1-1 0,-1 1 0,1 0 0,-1 0 0,1 0 0,-1 0 0,0 0 0,0 0 0,1 1 0,-1 0 0,0-1 0,0 1 0,0 0 0,1 0 0,-1 1 0,0-1 0,0 0 0,0 1 0,1 0 0,-1 0 0,0-1 0,1 2 0,-1-1 0,1 0 0,-1 0 0,1 1 0,0 0 0,-1-1 0,1 1 0,0 0 0,0 0 0,0 0 0,0 0 0,1 0 0,-3 4 0,1 2 0,-1-1 0,2 1 0,-1 0 0,1 1 0,1-1 0,-1 0 0,1 0 0,1 1 0,-1-1 0,2 1 0,-1-1 0,2 10 0,-1-14 0,0 0 0,0-1 0,0 1 0,0 0 0,0-1 0,1 1 0,0-1 0,-1 1 0,1-1 0,1 1 0,-1-1 0,0 0 0,1 0 0,0 0 0,-1-1 0,1 1 0,0-1 0,0 1 0,1-1 0,-1 0 0,0 0 0,1-1 0,-1 1 0,1-1 0,0 1 0,-1-1 0,7 1 0,0-1 0,0 0 0,0-1 0,0 0 0,0-1 0,0 0 0,-1-1 0,1 0 0,12-3 0,-20 4 0,1 1 0,-1-1 0,1 0 0,-1 0 0,0 0 0,1 0 0,-1 0 0,0 0 0,0-1 0,0 1 0,0-1 0,0 1 0,0-1 0,0 0 0,0 0 0,-1 0 0,1 0 0,-1 0 0,1 0 0,-1 0 0,0 0 0,0-1 0,0 1 0,0 0 0,0-1 0,0 1 0,-1-1 0,1 1 0,-1-1 0,0 1 0,0-1 0,0 0 0,0 1 0,0-1 0,0 1 0,-2-5 0,1 3 0,-1 1 0,1 1 0,-1-1 0,0 0 0,0 0 0,0 0 0,0 1 0,0-1 0,-1 1 0,1 0 0,-1 0 0,-5-4 0,-16-17 0,35 34 0,-6-7 0,0 0 0,-1 1 0,1 0 0,-1 0 0,0 0 0,4 7 0,4 14 0,-1 0 0,-2 1 0,11 44 0,-18-60 0,0 0 0,-1 1 0,0-1 0,0 0 0,-1 0 0,-1 1 0,0-1 0,-1 0 0,0 0 0,0 0 0,-1 0 0,-5 11 0,6-18 0,0 0 0,-1 0 0,0-1 0,0 1 0,0-1 0,0 0 0,0 0 0,-1 0 0,1 0 0,-1 0 0,0-1 0,0 0 0,0 0 0,0 0 0,0 0 0,0 0 0,-1-1 0,1 0 0,0 0 0,-1 0 0,1 0 0,-1-1 0,1 0 0,-1 0 0,1 0 0,-1 0 0,1-1 0,-1 0 0,-6-2 0,4 2 0,0 0 0,1-1 0,-1 0 0,1 0 0,-1-1 0,1 0 0,0 0 0,0 0 0,0-1 0,0 0 0,1 0 0,0-1 0,0 1 0,0-1 0,0 0 0,1 0 0,-1-1 0,1 1 0,-3-8 0,-5-40-1365,10 27-5461</inkml:trace>
+</inkml:ink>
+</file>
+
+<file path=ppt/ink/ink11.xml><?xml version="1.0" encoding="utf-8"?>
+<inkml:ink xmlns:inkml="http://www.w3.org/2003/InkML">
+  <inkml:definitions>
+    <inkml:context xml:id="ctx0">
+      <inkml:inkSource xml:id="inkSrc0">
+        <inkml:traceFormat>
+          <inkml:channel name="X" type="integer" min="-2.14748E9" max="2.14748E9" units="cm"/>
+          <inkml:channel name="Y" type="integer" min="-2.14748E9" max="2.14748E9" units="cm"/>
+          <inkml:channel name="F" type="integer" max="32767" units="dev"/>
+        </inkml:traceFormat>
+        <inkml:channelProperties>
+          <inkml:channelProperty channel="X" name="resolution" value="1000" units="1/cm"/>
+          <inkml:channelProperty channel="Y" name="resolution" value="1000" units="1/cm"/>
+          <inkml:channelProperty channel="F" name="resolution" value="0" units="1/dev"/>
+        </inkml:channelProperties>
+      </inkml:inkSource>
+      <inkml:timestamp xml:id="ts0" timeString="2024-11-25T00:03:25.517"/>
+    </inkml:context>
+    <inkml:brush xml:id="br0">
+      <inkml:brushProperty name="width" value="0.035" units="cm"/>
+      <inkml:brushProperty name="height" value="0.035" units="cm"/>
+      <inkml:brushProperty name="color" value="#E71224"/>
+    </inkml:brush>
+  </inkml:definitions>
+  <inkml:trace contextRef="#ctx0" brushRef="#br0">41 191 24575,'4'0'0,"0"0"0,0 0 0,1 0 0,-1 0 0,0-1 0,0 0 0,0 0 0,0 0 0,0 0 0,0-1 0,0 1 0,0-1 0,0 0 0,0 0 0,-1-1 0,4-2 0,-4 1 0,0 0 0,0 0 0,0 0 0,-1 0 0,0-1 0,0 1 0,0-1 0,0 1 0,-1-1 0,0 0 0,0 0 0,0 0 0,0-9 0,0 9 0,-1 1 0,0-1 0,-1 0 0,1 0 0,-1 0 0,0 1 0,0-1 0,0 0 0,-1 1 0,1-1 0,-1 1 0,0 0 0,0-1 0,-1 1 0,0 0 0,-5-6 0,7 9 0,0-1 0,0 1 0,-1 0 0,1 0 0,-1 0 0,1 0 0,-1 0 0,1 1 0,-1-1 0,1 0 0,-1 1 0,0-1 0,1 1 0,-1-1 0,0 1 0,1 0 0,-1 0 0,0 0 0,-2 0 0,1 1 0,1-1 0,-1 1 0,0 0 0,1 0 0,-1 1 0,1-1 0,-1 0 0,1 1 0,0 0 0,0-1 0,0 1 0,-1 0 0,2 0 0,-1 0 0,-3 5 0,0 0 0,0 1 0,1 1 0,0-1 0,0 0 0,1 1 0,0 0 0,1 0 0,0 0 0,0 0 0,-1 15 0,2 1 0,1-1 0,4 45 0,-4-66 5,1 0 0,-1 0 0,1 0-1,0 0 1,0 0 0,0 0 0,0 0 0,0-1-1,0 1 1,1 0 0,0-1 0,-1 1 0,1-1-1,0 1 1,0-1 0,0 0 0,1 0-1,-1 0 1,1 0 0,-1 0 0,1 0 0,-1-1-1,1 1 1,4 1 0,3-1-217,-1 1 0,0-1 0,1-1-1,-1 0 1,1 0 0,14-1 0,5-1-6614</inkml:trace>
+</inkml:ink>
+</file>
+
+<file path=ppt/ink/ink12.xml><?xml version="1.0" encoding="utf-8"?>
+<inkml:ink xmlns:inkml="http://www.w3.org/2003/InkML">
+  <inkml:definitions>
+    <inkml:context xml:id="ctx0">
+      <inkml:inkSource xml:id="inkSrc0">
+        <inkml:traceFormat>
+          <inkml:channel name="X" type="integer" min="-2.14748E9" max="2.14748E9" units="cm"/>
+          <inkml:channel name="Y" type="integer" min="-2.14748E9" max="2.14748E9" units="cm"/>
+          <inkml:channel name="F" type="integer" max="32767" units="dev"/>
+        </inkml:traceFormat>
+        <inkml:channelProperties>
+          <inkml:channelProperty channel="X" name="resolution" value="1000" units="1/cm"/>
+          <inkml:channelProperty channel="Y" name="resolution" value="1000" units="1/cm"/>
+          <inkml:channelProperty channel="F" name="resolution" value="0" units="1/dev"/>
+        </inkml:channelProperties>
+      </inkml:inkSource>
+      <inkml:timestamp xml:id="ts0" timeString="2024-11-25T00:03:26.756"/>
+    </inkml:context>
+    <inkml:brush xml:id="br0">
+      <inkml:brushProperty name="width" value="0.035" units="cm"/>
+      <inkml:brushProperty name="height" value="0.035" units="cm"/>
+      <inkml:brushProperty name="color" value="#E71224"/>
+    </inkml:brush>
+  </inkml:definitions>
+  <inkml:trace contextRef="#ctx0" brushRef="#br0">0 221 24575,'1'5'0,"0"-1"0,0 1 0,0 0 0,1 0 0,-1 0 0,1-1 0,0 1 0,1-1 0,3 6 0,7 15 0,4 39 0,-15-51 0,1 1 0,1-1 0,9 23 0,-12-35 0,-1 0 0,0 0 0,1 0 0,-1 0 0,1 0 0,0 0 0,-1 0 0,1 0 0,0 0 0,-1 0 0,1 0 0,0-1 0,0 1 0,0 0 0,-1-1 0,1 1 0,0 0 0,0-1 0,0 1 0,0-1 0,0 1 0,0-1 0,1 0 0,-1 0 0,0 1 0,0-1 0,0 0 0,0 0 0,0 0 0,0 0 0,0 0 0,0 0 0,1 0 0,-1-1 0,0 1 0,0 0 0,0-1 0,0 1 0,0 0 0,0-1 0,0 1 0,0-1 0,0 0 0,0 1 0,0-1 0,-1 0 0,1 0 0,1-1 0,6-6 0,0 0 0,-1-1 0,0 0 0,6-10 0,-4 6 0,50-70 0,96-122 0,-144 194-151,0 1-1,1 0 0,-1 1 0,2 0 1,-1 1-1,1 1 0,0 0 1,17-6-1,-10 4-6674</inkml:trace>
+</inkml:ink>
+</file>
+
+<file path=ppt/ink/ink13.xml><?xml version="1.0" encoding="utf-8"?>
+<inkml:ink xmlns:inkml="http://www.w3.org/2003/InkML">
+  <inkml:definitions>
+    <inkml:context xml:id="ctx0">
+      <inkml:inkSource xml:id="inkSrc0">
+        <inkml:traceFormat>
+          <inkml:channel name="X" type="integer" min="-2.14748E9" max="2.14748E9" units="cm"/>
+          <inkml:channel name="Y" type="integer" min="-2.14748E9" max="2.14748E9" units="cm"/>
+          <inkml:channel name="F" type="integer" max="32767" units="dev"/>
+        </inkml:traceFormat>
+        <inkml:channelProperties>
+          <inkml:channelProperty channel="X" name="resolution" value="1000" units="1/cm"/>
+          <inkml:channelProperty channel="Y" name="resolution" value="1000" units="1/cm"/>
+          <inkml:channelProperty channel="F" name="resolution" value="0" units="1/dev"/>
+        </inkml:channelProperties>
+      </inkml:inkSource>
+      <inkml:timestamp xml:id="ts0" timeString="2024-11-25T00:03:07.534"/>
+    </inkml:context>
+    <inkml:brush xml:id="br0">
+      <inkml:brushProperty name="width" value="0.035" units="cm"/>
+      <inkml:brushProperty name="height" value="0.035" units="cm"/>
+      <inkml:brushProperty name="color" value="#E71224"/>
+    </inkml:brush>
+  </inkml:definitions>
+  <inkml:trace contextRef="#ctx0" brushRef="#br0">1 1 24575,'1'0'0,"1"1"0,-1 0 0,1-1 0,-1 1 0,0 0 0,1-1 0,-1 1 0,0 0 0,0 0 0,1 0 0,-1 0 0,0 1 0,0-1 0,0 0 0,0 0 0,0 1 0,-1-1 0,1 0 0,0 1 0,-1-1 0,1 1 0,-1-1 0,1 1 0,-1-1 0,0 1 0,1-1 0,-1 3 0,6 51 0,-6-50 0,0 165 0,2 25 0,12-131 120,-4-24-1605,-6-17-5341</inkml:trace>
+</inkml:ink>
+</file>
+
+<file path=ppt/ink/ink14.xml><?xml version="1.0" encoding="utf-8"?>
+<inkml:ink xmlns:inkml="http://www.w3.org/2003/InkML">
+  <inkml:definitions>
+    <inkml:context xml:id="ctx0">
+      <inkml:inkSource xml:id="inkSrc0">
+        <inkml:traceFormat>
+          <inkml:channel name="X" type="integer" min="-2.14748E9" max="2.14748E9" units="cm"/>
+          <inkml:channel name="Y" type="integer" min="-2.14748E9" max="2.14748E9" units="cm"/>
+          <inkml:channel name="F" type="integer" max="32767" units="dev"/>
+        </inkml:traceFormat>
+        <inkml:channelProperties>
+          <inkml:channelProperty channel="X" name="resolution" value="1000" units="1/cm"/>
+          <inkml:channelProperty channel="Y" name="resolution" value="1000" units="1/cm"/>
+          <inkml:channelProperty channel="F" name="resolution" value="0" units="1/dev"/>
+        </inkml:channelProperties>
+      </inkml:inkSource>
+      <inkml:timestamp xml:id="ts0" timeString="2024-11-25T00:03:08.278"/>
+    </inkml:context>
+    <inkml:brush xml:id="br0">
+      <inkml:brushProperty name="width" value="0.035" units="cm"/>
+      <inkml:brushProperty name="height" value="0.035" units="cm"/>
+      <inkml:brushProperty name="color" value="#E71224"/>
+    </inkml:brush>
+  </inkml:definitions>
+  <inkml:trace contextRef="#ctx0" brushRef="#br0">1 26 24575,'5'0'0,"8"0"0,7 0 0,5 0 0,5 0 0,2 0 0,1 0 0,1 0 0,0 0 0,0 0 0,-6-6 0,-2-1 0,-1 0 0,-3 1-8191</inkml:trace>
+</inkml:ink>
+</file>
+
+<file path=ppt/ink/ink15.xml><?xml version="1.0" encoding="utf-8"?>
+<inkml:ink xmlns:inkml="http://www.w3.org/2003/InkML">
+  <inkml:definitions>
+    <inkml:context xml:id="ctx0">
+      <inkml:inkSource xml:id="inkSrc0">
+        <inkml:traceFormat>
+          <inkml:channel name="X" type="integer" min="-2.14748E9" max="2.14748E9" units="cm"/>
+          <inkml:channel name="Y" type="integer" min="-2.14748E9" max="2.14748E9" units="cm"/>
+          <inkml:channel name="F" type="integer" max="32767" units="dev"/>
+        </inkml:traceFormat>
+        <inkml:channelProperties>
+          <inkml:channelProperty channel="X" name="resolution" value="1000" units="1/cm"/>
+          <inkml:channelProperty channel="Y" name="resolution" value="1000" units="1/cm"/>
+          <inkml:channelProperty channel="F" name="resolution" value="0" units="1/dev"/>
+        </inkml:channelProperties>
+      </inkml:inkSource>
+      <inkml:timestamp xml:id="ts0" timeString="2024-11-25T00:03:35.975"/>
+    </inkml:context>
+    <inkml:brush xml:id="br0">
+      <inkml:brushProperty name="width" value="0.035" units="cm"/>
+      <inkml:brushProperty name="height" value="0.035" units="cm"/>
+      <inkml:brushProperty name="color" value="#E71224"/>
+    </inkml:brush>
+  </inkml:definitions>
+  <inkml:trace contextRef="#ctx0" brushRef="#br0">0 154 24575,'31'0'0,"-1"-2"0,33-5 0,-54 5 0,0 1 0,0-1 0,0-1 0,0 0 0,0 0 0,-1-1 0,0 0 0,1-1 0,-2 1 0,1-2 0,7-5 0,-14 10 0,0 0 0,0 1 0,-1-1 0,1 0 0,0 0 0,-1 0 0,1 0 0,-1 0 0,1 0 0,-1 0 0,1 0 0,-1 0 0,0 0 0,0 0 0,1 0 0,-1 0 0,0 0 0,0 0 0,0 0 0,0 0 0,0 0 0,0 0 0,0-1 0,-1 1 0,1 0 0,-1-1 0,0-1 0,0 1 0,-1-1 0,1 0 0,-1 1 0,0-1 0,0 1 0,0-1 0,0 1 0,-4-3 0,0 0 0,-1 0 0,0 0 0,0 0 0,0 1 0,-1 0 0,-10-3 0,16 6 0,-1 0 0,0 0 0,1 0 0,-1 1 0,0-1 0,0 1 0,0 0 0,0 0 0,0 0 0,0 0 0,1 0 0,-1 0 0,0 1 0,0 0 0,0-1 0,0 1 0,1 0 0,-1 0 0,1 1 0,-1-1 0,0 1 0,1-1 0,0 1 0,-1 0 0,1-1 0,0 1 0,0 1 0,0-1 0,0 0 0,1 0 0,-1 1 0,0-1 0,1 1 0,0-1 0,0 1 0,0-1 0,0 1 0,0 0 0,0 0 0,0 0 0,1 3 0,-4 15 0,1 0 0,1 0 0,2 0 0,1 32 0,0-33 0,-1-15 0,0 0 0,0 0 0,1 0 0,0 0 0,0 0 0,0 0 0,0 0 0,1 0 0,-1 0 0,1-1 0,1 1 0,-1-1 0,1 1 0,2 3 0,-1-5 0,-1 0 0,1 0 0,-1-1 0,1 1 0,0-1 0,0 0 0,0 0 0,0 0 0,0-1 0,0 0 0,1 1 0,-1-1 0,0-1 0,1 1 0,-1-1 0,7 1 0,-3-1-54,113 1 235,-112-1-317,0-1 1,1 0-1,-1-1 0,0 0 1,0 0-1,0-1 1,-1 0-1,1 0 0,-1-1 1,14-8-1,-7-1-6690</inkml:trace>
+</inkml:ink>
+</file>
+
+<file path=ppt/ink/ink16.xml><?xml version="1.0" encoding="utf-8"?>
+<inkml:ink xmlns:inkml="http://www.w3.org/2003/InkML">
+  <inkml:definitions>
+    <inkml:context xml:id="ctx0">
+      <inkml:inkSource xml:id="inkSrc0">
+        <inkml:traceFormat>
+          <inkml:channel name="X" type="integer" min="-2.14748E9" max="2.14748E9" units="cm"/>
+          <inkml:channel name="Y" type="integer" min="-2.14748E9" max="2.14748E9" units="cm"/>
+          <inkml:channel name="F" type="integer" max="32767" units="dev"/>
+        </inkml:traceFormat>
+        <inkml:channelProperties>
+          <inkml:channelProperty channel="X" name="resolution" value="1000" units="1/cm"/>
+          <inkml:channelProperty channel="Y" name="resolution" value="1000" units="1/cm"/>
+          <inkml:channelProperty channel="F" name="resolution" value="0" units="1/dev"/>
+        </inkml:channelProperties>
+      </inkml:inkSource>
+      <inkml:timestamp xml:id="ts0" timeString="2024-11-25T00:03:37.604"/>
+    </inkml:context>
+    <inkml:brush xml:id="br0">
+      <inkml:brushProperty name="width" value="0.035" units="cm"/>
+      <inkml:brushProperty name="height" value="0.035" units="cm"/>
+      <inkml:brushProperty name="color" value="#E71224"/>
+    </inkml:brush>
+  </inkml:definitions>
+  <inkml:trace contextRef="#ctx0" brushRef="#br0">172 2 24575,'-26'-1'0,"15"0"0,0 1 0,-1 0 0,1 1 0,0 0 0,-16 4 0,23-4 0,1 0 0,0 1 0,1-1 0,-1 1 0,0-1 0,0 1 0,1 0 0,-1 0 0,1 0 0,-1 0 0,1 0 0,0 1 0,0-1 0,0 1 0,0-1 0,0 1 0,1 0 0,-1 0 0,1 0 0,-1 0 0,1 0 0,0 0 0,-1 6 0,-1 7 0,0 1 0,1-1 0,1 1 0,1 0 0,0 0 0,1 0 0,0 0 0,2-1 0,0 1 0,11 31 0,-11-42 7,1-1-1,-1 1 0,2-1 0,-1 0 1,0 0-1,1-1 0,0 1 1,0-1-1,0 0 0,1-1 1,0 1-1,-1-1 0,1 0 0,0 0 1,0-1-1,1 0 0,-1 0 1,10 1-1,-4 0-155,0-1 1,0 0-1,0-1 1,0-1-1,0 0 1,0 0-1,1-1 1,-1-1-1,12-2 1,-2-4-6678</inkml:trace>
+</inkml:ink>
+</file>
+
+<file path=ppt/ink/ink2.xml><?xml version="1.0" encoding="utf-8"?>
+<inkml:ink xmlns:inkml="http://www.w3.org/2003/InkML">
+  <inkml:definitions>
+    <inkml:context xml:id="ctx0">
+      <inkml:inkSource xml:id="inkSrc0">
+        <inkml:traceFormat>
+          <inkml:channel name="X" type="integer" min="-2.14748E9" max="2.14748E9" units="cm"/>
+          <inkml:channel name="Y" type="integer" min="-2.14748E9" max="2.14748E9" units="cm"/>
+          <inkml:channel name="F" type="integer" max="32767" units="dev"/>
+        </inkml:traceFormat>
+        <inkml:channelProperties>
+          <inkml:channelProperty channel="X" name="resolution" value="1000" units="1/cm"/>
+          <inkml:channelProperty channel="Y" name="resolution" value="1000" units="1/cm"/>
+          <inkml:channelProperty channel="F" name="resolution" value="0" units="1/dev"/>
+        </inkml:channelProperties>
+      </inkml:inkSource>
+      <inkml:timestamp xml:id="ts0" timeString="2024-11-25T00:02:37.939"/>
+    </inkml:context>
+    <inkml:brush xml:id="br0">
+      <inkml:brushProperty name="width" value="0.035" units="cm"/>
+      <inkml:brushProperty name="height" value="0.035" units="cm"/>
+      <inkml:brushProperty name="color" value="#E71224"/>
+    </inkml:brush>
+  </inkml:definitions>
+  <inkml:trace contextRef="#ctx0" brushRef="#br0">1 432 24575,'4'0'0,"0"1"0,0-1 0,0 1 0,0 0 0,0 0 0,0 1 0,0-1 0,0 1 0,0 0 0,-1-1 0,1 2 0,-1-1 0,0 0 0,1 1 0,-1 0 0,0-1 0,0 1 0,-1 1 0,1-1 0,-1 0 0,1 0 0,1 5 0,6 11 0,0 0 0,-1 1 0,7 26 0,-11-30 0,1 0 0,15 29 0,-20-44 0,0 0 0,-1 0 0,1 0 0,0 0 0,-1 0 0,1 0 0,0 0 0,0-1 0,0 1 0,0 0 0,0 0 0,0 0 0,0-1 0,0 1 0,0-1 0,0 1 0,0-1 0,0 1 0,0-1 0,0 0 0,1 1 0,-1-1 0,0 0 0,0 0 0,0 0 0,1 0 0,1 0 0,-1-1 0,0 0 0,1 0 0,-1 0 0,0 0 0,0-1 0,0 1 0,1-1 0,-1 1 0,-1-1 0,1 0 0,0 0 0,2-3 0,7-9 0,-1-1 0,-1-1 0,8-17 0,-13 25 0,22-46-111,220-403-1143,-208 396-5572</inkml:trace>
+</inkml:ink>
+</file>
+
+<file path=ppt/ink/ink3.xml><?xml version="1.0" encoding="utf-8"?>
+<inkml:ink xmlns:inkml="http://www.w3.org/2003/InkML">
+  <inkml:definitions>
+    <inkml:context xml:id="ctx0">
+      <inkml:inkSource xml:id="inkSrc0">
+        <inkml:traceFormat>
+          <inkml:channel name="X" type="integer" min="-2.14748E9" max="2.14748E9" units="cm"/>
+          <inkml:channel name="Y" type="integer" min="-2.14748E9" max="2.14748E9" units="cm"/>
+          <inkml:channel name="F" type="integer" max="32767" units="dev"/>
+        </inkml:traceFormat>
+        <inkml:channelProperties>
+          <inkml:channelProperty channel="X" name="resolution" value="1000" units="1/cm"/>
+          <inkml:channelProperty channel="Y" name="resolution" value="1000" units="1/cm"/>
+          <inkml:channelProperty channel="F" name="resolution" value="0" units="1/dev"/>
+        </inkml:channelProperties>
+      </inkml:inkSource>
+      <inkml:timestamp xml:id="ts0" timeString="2024-11-25T00:02:40.925"/>
+    </inkml:context>
+    <inkml:brush xml:id="br0">
+      <inkml:brushProperty name="width" value="0.035" units="cm"/>
+      <inkml:brushProperty name="height" value="0.035" units="cm"/>
+      <inkml:brushProperty name="color" value="#E71224"/>
+    </inkml:brush>
+  </inkml:definitions>
+  <inkml:trace contextRef="#ctx0" brushRef="#br0">0 515 24575,'2'0'0,"1"1"0,-1 0 0,0-1 0,0 1 0,0 0 0,0 0 0,0 0 0,0 0 0,0 1 0,0-1 0,0 1 0,0-1 0,-1 1 0,1-1 0,1 3 0,27 34 0,-19-24 0,-1 1 0,0 0 0,-1 0 0,-1 1 0,11 28 0,18 33 0,-36-75 0,0-1 0,0 1 0,0-1 0,0 1 0,0-1 0,0 1 0,0-1 0,0 0 0,1 0 0,-1 0 0,1 0 0,-1 0 0,1 0 0,-1 0 0,1 0 0,-1 0 0,1-1 0,0 1 0,-1-1 0,1 1 0,0-1 0,0 0 0,-1 1 0,1-1 0,0 0 0,0 0 0,-1 0 0,4-1 0,2-1 0,0-1 0,0 1 0,0-1 0,-1-1 0,13-7 0,-18 11 0,87-61 0,96-83 0,-31 22 0,362-214-520,-437 289-325,14-10-5981</inkml:trace>
+</inkml:ink>
+</file>
+
+<file path=ppt/ink/ink4.xml><?xml version="1.0" encoding="utf-8"?>
+<inkml:ink xmlns:inkml="http://www.w3.org/2003/InkML">
+  <inkml:definitions>
+    <inkml:context xml:id="ctx0">
+      <inkml:inkSource xml:id="inkSrc0">
+        <inkml:traceFormat>
+          <inkml:channel name="X" type="integer" min="-2.14748E9" max="2.14748E9" units="cm"/>
+          <inkml:channel name="Y" type="integer" min="-2.14748E9" max="2.14748E9" units="cm"/>
+          <inkml:channel name="F" type="integer" max="32767" units="dev"/>
+        </inkml:traceFormat>
+        <inkml:channelProperties>
+          <inkml:channelProperty channel="X" name="resolution" value="1000" units="1/cm"/>
+          <inkml:channelProperty channel="Y" name="resolution" value="1000" units="1/cm"/>
+          <inkml:channelProperty channel="F" name="resolution" value="0" units="1/dev"/>
+        </inkml:channelProperties>
+      </inkml:inkSource>
+      <inkml:timestamp xml:id="ts0" timeString="2024-11-25T00:02:49.823"/>
+    </inkml:context>
+    <inkml:brush xml:id="br0">
+      <inkml:brushProperty name="width" value="0.035" units="cm"/>
+      <inkml:brushProperty name="height" value="0.035" units="cm"/>
+      <inkml:brushProperty name="color" value="#E71224"/>
+    </inkml:brush>
+  </inkml:definitions>
+  <inkml:trace contextRef="#ctx0" brushRef="#br0">0 472 24575,'2'11'0,"0"-1"0,1 1 0,0-1 0,1 0 0,0 0 0,0 0 0,9 13 0,4 13 0,-1 3 0,-9-19 0,0-1 0,2 0 0,0-1 0,1 1 0,22 28 0,-31-45 0,1-1 0,-1 1 0,0-1 0,1 1 0,-1-1 0,1 1 0,0-1 0,0 0 0,-1 0 0,1 0 0,0 0 0,0 0 0,0 0 0,0-1 0,0 1 0,0-1 0,0 1 0,0-1 0,0 0 0,0 1 0,0-1 0,0 0 0,0 0 0,1-1 0,-1 1 0,0 0 0,0-1 0,0 1 0,0-1 0,0 0 0,0 0 0,-1 0 0,1 0 0,0 0 0,0 0 0,0 0 0,-1 0 0,1-1 0,-1 1 0,1-1 0,-1 1 0,3-4 0,5-6 0,-1 0 0,0-1 0,0 0 0,11-25 0,142-304 0,-145 314 0,1 0 0,26-31 0,-25 35 0,-1-1 0,26-46 0,-29 40-73,-6 11-357,2-1-1,14-21 0,-9 22-6395</inkml:trace>
+</inkml:ink>
+</file>
+
+<file path=ppt/ink/ink5.xml><?xml version="1.0" encoding="utf-8"?>
+<inkml:ink xmlns:inkml="http://www.w3.org/2003/InkML">
+  <inkml:definitions>
+    <inkml:context xml:id="ctx0">
+      <inkml:inkSource xml:id="inkSrc0">
+        <inkml:traceFormat>
+          <inkml:channel name="X" type="integer" min="-2.14748E9" max="2.14748E9" units="cm"/>
+          <inkml:channel name="Y" type="integer" min="-2.14748E9" max="2.14748E9" units="cm"/>
+          <inkml:channel name="F" type="integer" max="32767" units="dev"/>
+        </inkml:traceFormat>
+        <inkml:channelProperties>
+          <inkml:channelProperty channel="X" name="resolution" value="1000" units="1/cm"/>
+          <inkml:channelProperty channel="Y" name="resolution" value="1000" units="1/cm"/>
+          <inkml:channelProperty channel="F" name="resolution" value="0" units="1/dev"/>
+        </inkml:channelProperties>
+      </inkml:inkSource>
+      <inkml:timestamp xml:id="ts0" timeString="2024-11-25T00:02:53.130"/>
+    </inkml:context>
+    <inkml:brush xml:id="br0">
+      <inkml:brushProperty name="width" value="0.035" units="cm"/>
+      <inkml:brushProperty name="height" value="0.035" units="cm"/>
+      <inkml:brushProperty name="color" value="#E71224"/>
+    </inkml:brush>
+  </inkml:definitions>
+  <inkml:trace contextRef="#ctx0" brushRef="#br0">1 464 24575,'3'26'0,"1"-1"0,1 1 0,1-1 0,2 0 0,0-1 0,15 29 0,-12-25 0,-6-17 0,23 51 0,-27-60 0,1 1 0,-1 0 0,1 0 0,0-1 0,0 1 0,0-1 0,0 0 0,0 0 0,1 1 0,-1-1 0,1-1 0,-1 1 0,1 0 0,0-1 0,0 1 0,5 1 0,-6-3 0,0 0 0,0 0 0,0 0 0,0 0 0,0-1 0,0 1 0,0-1 0,-1 1 0,1-1 0,0 0 0,0 0 0,0 0 0,-1 0 0,1 0 0,0 0 0,-1 0 0,1-1 0,-1 1 0,1 0 0,-1-1 0,0 1 0,2-3 0,24-40 0,-25 41 0,34-62 0,-3-1 0,39-114 0,-58 145 0,0 1 0,3 0 0,0 1 0,3 1 0,29-39 0,27-44 0,-43 62-1365,-21 32-5461</inkml:trace>
+</inkml:ink>
+</file>
+
+<file path=ppt/ink/ink6.xml><?xml version="1.0" encoding="utf-8"?>
+<inkml:ink xmlns:inkml="http://www.w3.org/2003/InkML">
+  <inkml:definitions>
+    <inkml:context xml:id="ctx0">
+      <inkml:inkSource xml:id="inkSrc0">
+        <inkml:traceFormat>
+          <inkml:channel name="X" type="integer" min="-2.14748E9" max="2.14748E9" units="cm"/>
+          <inkml:channel name="Y" type="integer" min="-2.14748E9" max="2.14748E9" units="cm"/>
+          <inkml:channel name="F" type="integer" max="32767" units="dev"/>
+        </inkml:traceFormat>
+        <inkml:channelProperties>
+          <inkml:channelProperty channel="X" name="resolution" value="1000" units="1/cm"/>
+          <inkml:channelProperty channel="Y" name="resolution" value="1000" units="1/cm"/>
+          <inkml:channelProperty channel="F" name="resolution" value="0" units="1/dev"/>
+        </inkml:channelProperties>
+      </inkml:inkSource>
+      <inkml:timestamp xml:id="ts0" timeString="2024-11-25T00:03:15.103"/>
+    </inkml:context>
+    <inkml:brush xml:id="br0">
+      <inkml:brushProperty name="width" value="0.035" units="cm"/>
+      <inkml:brushProperty name="height" value="0.035" units="cm"/>
+      <inkml:brushProperty name="color" value="#E71224"/>
+    </inkml:brush>
+  </inkml:definitions>
+  <inkml:trace contextRef="#ctx0" brushRef="#br0">1 1 24575,'7'10'0,"-1"1"0,0-1 0,-1 1 0,0 1 0,-1-1 0,0 1 0,-1-1 0,0 1 0,-1 0 0,1 15 0,0-8 0,3 11 0,35 242 0,-41-288 0,1 1 0,1-1 0,4-22 0,-4 30 0,-1 0 0,2 0 0,-1-1 0,1 2 0,0-1 0,0 0 0,1 1 0,0-1 0,10-11 0,-12 17 0,1 0 0,-1 1 0,1 0 0,0 0 0,0 0 0,0 0 0,-1 0 0,1 0 0,0 1 0,0-1 0,0 1 0,0 0 0,0 0 0,0 0 0,0 0 0,0 0 0,0 1 0,0 0 0,0-1 0,0 1 0,0 0 0,-1 0 0,1 1 0,0-1 0,-1 0 0,1 1 0,3 2 0,4 3 0,0-1 0,-1 1 0,1 0 0,-1 1 0,13 15 0,-15-11-48,0 1 0,-1-1 1,0 1-1,-2 0 0,1 0 0,-1 0 0,3 28 0,-1-17-934,-2-2-5844</inkml:trace>
+</inkml:ink>
+</file>
+
+<file path=ppt/ink/ink7.xml><?xml version="1.0" encoding="utf-8"?>
+<inkml:ink xmlns:inkml="http://www.w3.org/2003/InkML">
+  <inkml:definitions>
+    <inkml:context xml:id="ctx0">
+      <inkml:inkSource xml:id="inkSrc0">
+        <inkml:traceFormat>
+          <inkml:channel name="X" type="integer" min="-2.14748E9" max="2.14748E9" units="cm"/>
+          <inkml:channel name="Y" type="integer" min="-2.14748E9" max="2.14748E9" units="cm"/>
+          <inkml:channel name="F" type="integer" max="32767" units="dev"/>
+        </inkml:traceFormat>
+        <inkml:channelProperties>
+          <inkml:channelProperty channel="X" name="resolution" value="1000" units="1/cm"/>
+          <inkml:channelProperty channel="Y" name="resolution" value="1000" units="1/cm"/>
+          <inkml:channelProperty channel="F" name="resolution" value="0" units="1/dev"/>
+        </inkml:channelProperties>
+      </inkml:inkSource>
+      <inkml:timestamp xml:id="ts0" timeString="2024-11-25T00:03:15.801"/>
+    </inkml:context>
+    <inkml:brush xml:id="br0">
+      <inkml:brushProperty name="width" value="0.035" units="cm"/>
+      <inkml:brushProperty name="height" value="0.035" units="cm"/>
+      <inkml:brushProperty name="color" value="#E71224"/>
+    </inkml:brush>
+  </inkml:definitions>
+  <inkml:trace contextRef="#ctx0" brushRef="#br0">1 0 24575,'0'6'0,"0"7"0,0 7 0,0 6 0,0 3 0,5 4 0,2 0 0,0 1 0,-1 0 0,-2 0 0,-2-1 0,0 0 0,-2 0 0,0 0 0,0-6-8191</inkml:trace>
+</inkml:ink>
+</file>
+
+<file path=ppt/ink/ink8.xml><?xml version="1.0" encoding="utf-8"?>
+<inkml:ink xmlns:inkml="http://www.w3.org/2003/InkML">
+  <inkml:definitions>
+    <inkml:context xml:id="ctx0">
+      <inkml:inkSource xml:id="inkSrc0">
+        <inkml:traceFormat>
+          <inkml:channel name="X" type="integer" min="-2.14748E9" max="2.14748E9" units="cm"/>
+          <inkml:channel name="Y" type="integer" min="-2.14748E9" max="2.14748E9" units="cm"/>
+          <inkml:channel name="F" type="integer" max="32767" units="dev"/>
+        </inkml:traceFormat>
+        <inkml:channelProperties>
+          <inkml:channelProperty channel="X" name="resolution" value="1000" units="1/cm"/>
+          <inkml:channelProperty channel="Y" name="resolution" value="1000" units="1/cm"/>
+          <inkml:channelProperty channel="F" name="resolution" value="0" units="1/dev"/>
+        </inkml:channelProperties>
+      </inkml:inkSource>
+      <inkml:timestamp xml:id="ts0" timeString="2024-11-25T00:03:17.100"/>
+    </inkml:context>
+    <inkml:brush xml:id="br0">
+      <inkml:brushProperty name="width" value="0.035" units="cm"/>
+      <inkml:brushProperty name="height" value="0.035" units="cm"/>
+      <inkml:brushProperty name="color" value="#E71224"/>
+    </inkml:brush>
+  </inkml:definitions>
+  <inkml:trace contextRef="#ctx0" brushRef="#br0">1 104 24575,'-1'-5'0,"1"1"0,0 0 0,1 0 0,-1 0 0,1-1 0,-1 1 0,1 0 0,0 0 0,1 0 0,-1 0 0,1 0 0,0 0 0,0 1 0,0-1 0,0 0 0,4-3 0,-2 4 0,0 0 0,0 0 0,0 0 0,1 1 0,-1 0 0,0 0 0,1 0 0,0 0 0,0 1 0,-1 0 0,1 0 0,0 0 0,9 0 0,6-2 0,1 2 0,-1 0 0,0 1 0,1 1 0,24 5 0,-41-6 0,0 1 0,1 1 0,-1-1 0,0 0 0,1 1 0,-1 0 0,0 0 0,0 0 0,0 1 0,-1-1 0,1 1 0,-1 0 0,1 0 0,-1 0 0,0 0 0,0 1 0,0-1 0,-1 1 0,1 0 0,-1 0 0,0 0 0,0 0 0,0 0 0,0 0 0,-1 1 0,0-1 0,0 1 0,0-1 0,0 6 0,0-5 0,0 0 0,-1 0 0,0 0 0,0 0 0,0 0 0,-1 0 0,0 0 0,0 0 0,0 0 0,0 0 0,-1 0 0,1 0 0,-2-1 0,1 1 0,0-1 0,-1 1 0,0-1 0,0 0 0,-4 6 0,1-6 0,1 0 0,0-1 0,-1 1 0,1-1 0,-1 0 0,0-1 0,0 1 0,0-1 0,0 0 0,-1-1 0,1 1 0,0-1 0,-1-1 0,-11 1 0,-148-5-1365,137 4-5461</inkml:trace>
+</inkml:ink>
+</file>
+
+<file path=ppt/ink/ink9.xml><?xml version="1.0" encoding="utf-8"?>
+<inkml:ink xmlns:inkml="http://www.w3.org/2003/InkML">
+  <inkml:definitions>
+    <inkml:context xml:id="ctx0">
+      <inkml:inkSource xml:id="inkSrc0">
+        <inkml:traceFormat>
+          <inkml:channel name="X" type="integer" min="-2.14748E9" max="2.14748E9" units="cm"/>
+          <inkml:channel name="Y" type="integer" min="-2.14748E9" max="2.14748E9" units="cm"/>
+          <inkml:channel name="F" type="integer" max="32767" units="dev"/>
+        </inkml:traceFormat>
+        <inkml:channelProperties>
+          <inkml:channelProperty channel="X" name="resolution" value="1000" units="1/cm"/>
+          <inkml:channelProperty channel="Y" name="resolution" value="1000" units="1/cm"/>
+          <inkml:channelProperty channel="F" name="resolution" value="0" units="1/dev"/>
+        </inkml:channelProperties>
+      </inkml:inkSource>
+      <inkml:timestamp xml:id="ts0" timeString="2024-11-25T00:03:19.743"/>
+    </inkml:context>
+    <inkml:brush xml:id="br0">
+      <inkml:brushProperty name="width" value="0.035" units="cm"/>
+      <inkml:brushProperty name="height" value="0.035" units="cm"/>
+      <inkml:brushProperty name="color" value="#E71224"/>
+    </inkml:brush>
+  </inkml:definitions>
+  <inkml:trace contextRef="#ctx0" brushRef="#br0">166 55 24575,'0'-2'0,"0"0"0,0 0 0,0 0 0,0 0 0,0 0 0,0 0 0,0 0 0,-1 0 0,1 0 0,-1 0 0,1 0 0,-1 0 0,0 0 0,0 1 0,0-1 0,0 0 0,0 0 0,0 1 0,-1-1 0,1 1 0,0-1 0,-1 1 0,1-1 0,-1 1 0,0 0 0,1 0 0,-1 0 0,0 0 0,0 0 0,0 0 0,0 0 0,0 1 0,0-1 0,0 1 0,0-1 0,0 1 0,0 0 0,0 0 0,0 0 0,0 0 0,0 0 0,0 0 0,0 0 0,-2 1 0,-1 0 0,-1 1 0,1-1 0,0 1 0,-1 0 0,1 0 0,0 0 0,1 1 0,-1 0 0,0 0 0,1 0 0,-1 0 0,1 1 0,0 0 0,0 0 0,-5 7 0,5-5 0,1-1 0,0 1 0,0-1 0,1 1 0,0 0 0,0 0 0,0 0 0,1 0 0,-1 0 0,2 1 0,-1-1 0,1 0 0,0 1 0,0-1 0,0 0 0,3 12 0,-2-14 0,1-1 0,-1 0 0,1 1 0,-1-1 0,1 0 0,0 0 0,0 0 0,1-1 0,-1 1 0,0 0 0,1-1 0,0 1 0,-1-1 0,1 0 0,0 0 0,0 0 0,0 0 0,1-1 0,-1 1 0,0-1 0,1 0 0,-1 0 0,1 0 0,-1 0 0,1 0 0,-1-1 0,1 0 0,-1 0 0,1 0 0,4 0 0,-6 0 0,1 0 0,-1 0 0,1 0 0,0-1 0,-1 1 0,1-1 0,-1 1 0,1-1 0,-1 0 0,1 0 0,-1 0 0,0 0 0,0-1 0,1 1 0,-1 0 0,0-1 0,0 0 0,0 1 0,0-1 0,2-3 0,-1 0 0,0-1 0,-1 1 0,1-1 0,-1 1 0,0-1 0,1-10 0,12-30 0,-14 45 0,-1 1 0,0-1 0,1 0 0,-1 0 0,1 0 0,-1 1 0,1-1 0,0 0 0,-1 1 0,1-1 0,0 0 0,-1 1 0,1-1 0,0 1 0,0-1 0,-1 1 0,1-1 0,0 1 0,0 0 0,0-1 0,0 1 0,0 0 0,0 0 0,-1 0 0,1-1 0,0 1 0,0 0 0,0 0 0,0 0 0,0 1 0,0-1 0,0 0 0,0 0 0,0 0 0,0 1 0,-1-1 0,1 0 0,0 1 0,0-1 0,0 1 0,-1-1 0,1 1 0,0-1 0,0 1 0,-1 0 0,1-1 0,0 1 0,0 1 0,36 44 0,-26-30 0,34 24-42,-28-26-1281,0 0-5503</inkml:trace>
+</inkml:ink>
 </file>
 
 <file path=ppt/notesMasters/notesMaster1.xml><?xml version="1.0" encoding="utf-8"?>
@@ -557,7 +1234,7 @@
           <a:p>
             <a:fld id="{C4B6C876-93E6-4EE5-9324-F405656A766B}" type="datetimeFigureOut">
               <a:rPr lang="en-US" smtClean="0"/>
-              <a:t>11/17/2024</a:t>
+              <a:t>11/24/2024</a:t>
             </a:fld>
             <a:endParaRPr lang="en-US"/>
           </a:p>
@@ -2648,7 +3325,7 @@
           <a:p>
             <a:fld id="{1E236618-E05F-499C-B335-24D95865ED56}" type="datetimeFigureOut">
               <a:rPr lang="en-US" smtClean="0"/>
-              <a:t>11/17/2024</a:t>
+              <a:t>11/24/2024</a:t>
             </a:fld>
             <a:endParaRPr lang="en-US"/>
           </a:p>
@@ -2846,7 +3523,7 @@
           <a:p>
             <a:fld id="{1E236618-E05F-499C-B335-24D95865ED56}" type="datetimeFigureOut">
               <a:rPr lang="en-US" smtClean="0"/>
-              <a:t>11/17/2024</a:t>
+              <a:t>11/24/2024</a:t>
             </a:fld>
             <a:endParaRPr lang="en-US"/>
           </a:p>
@@ -3054,7 +3731,7 @@
           <a:p>
             <a:fld id="{1E236618-E05F-499C-B335-24D95865ED56}" type="datetimeFigureOut">
               <a:rPr lang="en-US" smtClean="0"/>
-              <a:t>11/17/2024</a:t>
+              <a:t>11/24/2024</a:t>
             </a:fld>
             <a:endParaRPr lang="en-US"/>
           </a:p>
@@ -3252,7 +3929,7 @@
           <a:p>
             <a:fld id="{1E236618-E05F-499C-B335-24D95865ED56}" type="datetimeFigureOut">
               <a:rPr lang="en-US" smtClean="0"/>
-              <a:t>11/17/2024</a:t>
+              <a:t>11/24/2024</a:t>
             </a:fld>
             <a:endParaRPr lang="en-US"/>
           </a:p>
@@ -3527,7 +4204,7 @@
           <a:p>
             <a:fld id="{1E236618-E05F-499C-B335-24D95865ED56}" type="datetimeFigureOut">
               <a:rPr lang="en-US" smtClean="0"/>
-              <a:t>11/17/2024</a:t>
+              <a:t>11/24/2024</a:t>
             </a:fld>
             <a:endParaRPr lang="en-US"/>
           </a:p>
@@ -3792,7 +4469,7 @@
           <a:p>
             <a:fld id="{1E236618-E05F-499C-B335-24D95865ED56}" type="datetimeFigureOut">
               <a:rPr lang="en-US" smtClean="0"/>
-              <a:t>11/17/2024</a:t>
+              <a:t>11/24/2024</a:t>
             </a:fld>
             <a:endParaRPr lang="en-US"/>
           </a:p>
@@ -4204,7 +4881,7 @@
           <a:p>
             <a:fld id="{1E236618-E05F-499C-B335-24D95865ED56}" type="datetimeFigureOut">
               <a:rPr lang="en-US" smtClean="0"/>
-              <a:t>11/17/2024</a:t>
+              <a:t>11/24/2024</a:t>
             </a:fld>
             <a:endParaRPr lang="en-US"/>
           </a:p>
@@ -4345,7 +5022,7 @@
           <a:p>
             <a:fld id="{1E236618-E05F-499C-B335-24D95865ED56}" type="datetimeFigureOut">
               <a:rPr lang="en-US" smtClean="0"/>
-              <a:t>11/17/2024</a:t>
+              <a:t>11/24/2024</a:t>
             </a:fld>
             <a:endParaRPr lang="en-US"/>
           </a:p>
@@ -4458,7 +5135,7 @@
           <a:p>
             <a:fld id="{1E236618-E05F-499C-B335-24D95865ED56}" type="datetimeFigureOut">
               <a:rPr lang="en-US" smtClean="0"/>
-              <a:t>11/17/2024</a:t>
+              <a:t>11/24/2024</a:t>
             </a:fld>
             <a:endParaRPr lang="en-US"/>
           </a:p>
@@ -4769,7 +5446,7 @@
           <a:p>
             <a:fld id="{1E236618-E05F-499C-B335-24D95865ED56}" type="datetimeFigureOut">
               <a:rPr lang="en-US" smtClean="0"/>
-              <a:t>11/17/2024</a:t>
+              <a:t>11/24/2024</a:t>
             </a:fld>
             <a:endParaRPr lang="en-US"/>
           </a:p>
@@ -5057,7 +5734,7 @@
           <a:p>
             <a:fld id="{1E236618-E05F-499C-B335-24D95865ED56}" type="datetimeFigureOut">
               <a:rPr lang="en-US" smtClean="0"/>
-              <a:t>11/17/2024</a:t>
+              <a:t>11/24/2024</a:t>
             </a:fld>
             <a:endParaRPr lang="en-US"/>
           </a:p>
@@ -5298,7 +5975,7 @@
           <a:p>
             <a:fld id="{1E236618-E05F-499C-B335-24D95865ED56}" type="datetimeFigureOut">
               <a:rPr lang="en-US" smtClean="0"/>
-              <a:t>11/17/2024</a:t>
+              <a:t>11/24/2024</a:t>
             </a:fld>
             <a:endParaRPr lang="en-US"/>
           </a:p>
@@ -5843,6 +6520,906 @@
           </a:prstGeom>
         </p:spPr>
       </p:pic>
+      <mc:AlternateContent xmlns:mc="http://schemas.openxmlformats.org/markup-compatibility/2006">
+        <mc:Choice xmlns:p14="http://schemas.microsoft.com/office/powerpoint/2010/main" Requires="p14">
+          <p:contentPart p14:bwMode="auto" r:id="rId5">
+            <p14:nvContentPartPr>
+              <p14:cNvPr id="3" name="Ink 2">
+                <a:extLst>
+                  <a:ext uri="{FF2B5EF4-FFF2-40B4-BE49-F238E27FC236}">
+                    <a16:creationId xmlns:a16="http://schemas.microsoft.com/office/drawing/2014/main" id="{6B4D69D2-1AD8-95B7-6334-3D4D594A1CCC}"/>
+                  </a:ext>
+                </a:extLst>
+              </p14:cNvPr>
+              <p14:cNvContentPartPr/>
+              <p14:nvPr/>
+            </p14:nvContentPartPr>
+            <p14:xfrm>
+              <a:off x="2766803" y="3000277"/>
+              <a:ext cx="488520" cy="367200"/>
+            </p14:xfrm>
+          </p:contentPart>
+        </mc:Choice>
+        <mc:Fallback>
+          <p:pic>
+            <p:nvPicPr>
+              <p:cNvPr id="3" name="Ink 2">
+                <a:extLst>
+                  <a:ext uri="{FF2B5EF4-FFF2-40B4-BE49-F238E27FC236}">
+                    <a16:creationId xmlns:a16="http://schemas.microsoft.com/office/drawing/2014/main" id="{6B4D69D2-1AD8-95B7-6334-3D4D594A1CCC}"/>
+                  </a:ext>
+                </a:extLst>
+              </p:cNvPr>
+              <p:cNvPicPr/>
+              <p:nvPr/>
+            </p:nvPicPr>
+            <p:blipFill>
+              <a:blip r:embed="rId6"/>
+              <a:stretch>
+                <a:fillRect/>
+              </a:stretch>
+            </p:blipFill>
+            <p:spPr>
+              <a:xfrm>
+                <a:off x="2760683" y="2994157"/>
+                <a:ext cx="500760" cy="379440"/>
+              </a:xfrm>
+              <a:prstGeom prst="rect">
+                <a:avLst/>
+              </a:prstGeom>
+            </p:spPr>
+          </p:pic>
+        </mc:Fallback>
+      </mc:AlternateContent>
+      <p:grpSp>
+        <p:nvGrpSpPr>
+          <p:cNvPr id="6" name="Group 5">
+            <a:extLst>
+              <a:ext uri="{FF2B5EF4-FFF2-40B4-BE49-F238E27FC236}">
+                <a16:creationId xmlns:a16="http://schemas.microsoft.com/office/drawing/2014/main" id="{6773178C-E067-896D-2C1C-D44FF635F712}"/>
+              </a:ext>
+            </a:extLst>
+          </p:cNvPr>
+          <p:cNvGrpSpPr/>
+          <p:nvPr/>
+        </p:nvGrpSpPr>
+        <p:grpSpPr>
+          <a:xfrm>
+            <a:off x="5087363" y="3337957"/>
+            <a:ext cx="730440" cy="595440"/>
+            <a:chOff x="5087363" y="3337957"/>
+            <a:chExt cx="730440" cy="595440"/>
+          </a:xfrm>
+        </p:grpSpPr>
+        <mc:AlternateContent xmlns:mc="http://schemas.openxmlformats.org/markup-compatibility/2006">
+          <mc:Choice xmlns:p14="http://schemas.microsoft.com/office/powerpoint/2010/main" Requires="p14">
+            <p:contentPart p14:bwMode="auto" r:id="rId7">
+              <p14:nvContentPartPr>
+                <p14:cNvPr id="4" name="Ink 3">
+                  <a:extLst>
+                    <a:ext uri="{FF2B5EF4-FFF2-40B4-BE49-F238E27FC236}">
+                      <a16:creationId xmlns:a16="http://schemas.microsoft.com/office/drawing/2014/main" id="{B081522D-D4AF-5A21-05CA-A0E274579686}"/>
+                    </a:ext>
+                  </a:extLst>
+                </p14:cNvPr>
+                <p14:cNvContentPartPr/>
+                <p14:nvPr/>
+              </p14:nvContentPartPr>
+              <p14:xfrm>
+                <a:off x="5087363" y="3337957"/>
+                <a:ext cx="208080" cy="245160"/>
+              </p14:xfrm>
+            </p:contentPart>
+          </mc:Choice>
+          <mc:Fallback>
+            <p:pic>
+              <p:nvPicPr>
+                <p:cNvPr id="4" name="Ink 3">
+                  <a:extLst>
+                    <a:ext uri="{FF2B5EF4-FFF2-40B4-BE49-F238E27FC236}">
+                      <a16:creationId xmlns:a16="http://schemas.microsoft.com/office/drawing/2014/main" id="{B081522D-D4AF-5A21-05CA-A0E274579686}"/>
+                    </a:ext>
+                  </a:extLst>
+                </p:cNvPr>
+                <p:cNvPicPr/>
+                <p:nvPr/>
+              </p:nvPicPr>
+              <p:blipFill>
+                <a:blip r:embed="rId8"/>
+                <a:stretch>
+                  <a:fillRect/>
+                </a:stretch>
+              </p:blipFill>
+              <p:spPr>
+                <a:xfrm>
+                  <a:off x="5081243" y="3331837"/>
+                  <a:ext cx="220320" cy="257400"/>
+                </a:xfrm>
+                <a:prstGeom prst="rect">
+                  <a:avLst/>
+                </a:prstGeom>
+              </p:spPr>
+            </p:pic>
+          </mc:Fallback>
+        </mc:AlternateContent>
+        <mc:AlternateContent xmlns:mc="http://schemas.openxmlformats.org/markup-compatibility/2006">
+          <mc:Choice xmlns:p14="http://schemas.microsoft.com/office/powerpoint/2010/main" Requires="p14">
+            <p:contentPart p14:bwMode="auto" r:id="rId9">
+              <p14:nvContentPartPr>
+                <p14:cNvPr id="5" name="Ink 4">
+                  <a:extLst>
+                    <a:ext uri="{FF2B5EF4-FFF2-40B4-BE49-F238E27FC236}">
+                      <a16:creationId xmlns:a16="http://schemas.microsoft.com/office/drawing/2014/main" id="{B1804638-B0C0-436B-F6F1-D047AF0555DA}"/>
+                    </a:ext>
+                  </a:extLst>
+                </p14:cNvPr>
+                <p14:cNvContentPartPr/>
+                <p14:nvPr/>
+              </p14:nvContentPartPr>
+              <p14:xfrm>
+                <a:off x="5322083" y="3647917"/>
+                <a:ext cx="495720" cy="285480"/>
+              </p14:xfrm>
+            </p:contentPart>
+          </mc:Choice>
+          <mc:Fallback>
+            <p:pic>
+              <p:nvPicPr>
+                <p:cNvPr id="5" name="Ink 4">
+                  <a:extLst>
+                    <a:ext uri="{FF2B5EF4-FFF2-40B4-BE49-F238E27FC236}">
+                      <a16:creationId xmlns:a16="http://schemas.microsoft.com/office/drawing/2014/main" id="{B1804638-B0C0-436B-F6F1-D047AF0555DA}"/>
+                    </a:ext>
+                  </a:extLst>
+                </p:cNvPr>
+                <p:cNvPicPr/>
+                <p:nvPr/>
+              </p:nvPicPr>
+              <p:blipFill>
+                <a:blip r:embed="rId10"/>
+                <a:stretch>
+                  <a:fillRect/>
+                </a:stretch>
+              </p:blipFill>
+              <p:spPr>
+                <a:xfrm>
+                  <a:off x="5315963" y="3641797"/>
+                  <a:ext cx="507960" cy="297720"/>
+                </a:xfrm>
+                <a:prstGeom prst="rect">
+                  <a:avLst/>
+                </a:prstGeom>
+              </p:spPr>
+            </p:pic>
+          </mc:Fallback>
+        </mc:AlternateContent>
+      </p:grpSp>
+      <mc:AlternateContent xmlns:mc="http://schemas.openxmlformats.org/markup-compatibility/2006">
+        <mc:Choice xmlns:p14="http://schemas.microsoft.com/office/powerpoint/2010/main" Requires="p14">
+          <p:contentPart p14:bwMode="auto" r:id="rId11">
+            <p14:nvContentPartPr>
+              <p14:cNvPr id="7" name="Ink 6">
+                <a:extLst>
+                  <a:ext uri="{FF2B5EF4-FFF2-40B4-BE49-F238E27FC236}">
+                    <a16:creationId xmlns:a16="http://schemas.microsoft.com/office/drawing/2014/main" id="{9036923E-9DC9-8E8A-CA74-976D05506352}"/>
+                  </a:ext>
+                </a:extLst>
+              </p14:cNvPr>
+              <p14:cNvContentPartPr/>
+              <p14:nvPr/>
+            </p14:nvContentPartPr>
+            <p14:xfrm>
+              <a:off x="9436883" y="3569797"/>
+              <a:ext cx="237960" cy="289800"/>
+            </p14:xfrm>
+          </p:contentPart>
+        </mc:Choice>
+        <mc:Fallback>
+          <p:pic>
+            <p:nvPicPr>
+              <p:cNvPr id="7" name="Ink 6">
+                <a:extLst>
+                  <a:ext uri="{FF2B5EF4-FFF2-40B4-BE49-F238E27FC236}">
+                    <a16:creationId xmlns:a16="http://schemas.microsoft.com/office/drawing/2014/main" id="{9036923E-9DC9-8E8A-CA74-976D05506352}"/>
+                  </a:ext>
+                </a:extLst>
+              </p:cNvPr>
+              <p:cNvPicPr/>
+              <p:nvPr/>
+            </p:nvPicPr>
+            <p:blipFill>
+              <a:blip r:embed="rId12"/>
+              <a:stretch>
+                <a:fillRect/>
+              </a:stretch>
+            </p:blipFill>
+            <p:spPr>
+              <a:xfrm>
+                <a:off x="9430763" y="3563677"/>
+                <a:ext cx="250200" cy="302040"/>
+              </a:xfrm>
+              <a:prstGeom prst="rect">
+                <a:avLst/>
+              </a:prstGeom>
+            </p:spPr>
+          </p:pic>
+        </mc:Fallback>
+      </mc:AlternateContent>
+      <mc:AlternateContent xmlns:mc="http://schemas.openxmlformats.org/markup-compatibility/2006">
+        <mc:Choice xmlns:p14="http://schemas.microsoft.com/office/powerpoint/2010/main" Requires="p14">
+          <p:contentPart p14:bwMode="auto" r:id="rId13">
+            <p14:nvContentPartPr>
+              <p14:cNvPr id="9" name="Ink 8">
+                <a:extLst>
+                  <a:ext uri="{FF2B5EF4-FFF2-40B4-BE49-F238E27FC236}">
+                    <a16:creationId xmlns:a16="http://schemas.microsoft.com/office/drawing/2014/main" id="{2C427A7F-A006-276C-FD77-C8B792CD7BE7}"/>
+                  </a:ext>
+                </a:extLst>
+              </p14:cNvPr>
+              <p14:cNvContentPartPr/>
+              <p14:nvPr/>
+            </p14:nvContentPartPr>
+            <p14:xfrm>
+              <a:off x="11921963" y="2857717"/>
+              <a:ext cx="218880" cy="290880"/>
+            </p14:xfrm>
+          </p:contentPart>
+        </mc:Choice>
+        <mc:Fallback>
+          <p:pic>
+            <p:nvPicPr>
+              <p:cNvPr id="9" name="Ink 8">
+                <a:extLst>
+                  <a:ext uri="{FF2B5EF4-FFF2-40B4-BE49-F238E27FC236}">
+                    <a16:creationId xmlns:a16="http://schemas.microsoft.com/office/drawing/2014/main" id="{2C427A7F-A006-276C-FD77-C8B792CD7BE7}"/>
+                  </a:ext>
+                </a:extLst>
+              </p:cNvPr>
+              <p:cNvPicPr/>
+              <p:nvPr/>
+            </p:nvPicPr>
+            <p:blipFill>
+              <a:blip r:embed="rId14"/>
+              <a:stretch>
+                <a:fillRect/>
+              </a:stretch>
+            </p:blipFill>
+            <p:spPr>
+              <a:xfrm>
+                <a:off x="11915843" y="2851597"/>
+                <a:ext cx="231120" cy="303120"/>
+              </a:xfrm>
+              <a:prstGeom prst="rect">
+                <a:avLst/>
+              </a:prstGeom>
+            </p:spPr>
+          </p:pic>
+        </mc:Fallback>
+      </mc:AlternateContent>
+      <mc:AlternateContent xmlns:mc="http://schemas.openxmlformats.org/markup-compatibility/2006">
+        <mc:Choice xmlns:p14="http://schemas.microsoft.com/office/powerpoint/2010/main" Requires="p14">
+          <p:contentPart p14:bwMode="auto" r:id="rId15">
+            <p14:nvContentPartPr>
+              <p14:cNvPr id="18" name="Ink 17">
+                <a:extLst>
+                  <a:ext uri="{FF2B5EF4-FFF2-40B4-BE49-F238E27FC236}">
+                    <a16:creationId xmlns:a16="http://schemas.microsoft.com/office/drawing/2014/main" id="{8EE84806-0C96-9096-5827-A1793890EEE2}"/>
+                  </a:ext>
+                </a:extLst>
+              </p14:cNvPr>
+              <p14:cNvContentPartPr/>
+              <p14:nvPr/>
+            </p14:nvContentPartPr>
+            <p14:xfrm>
+              <a:off x="1089923" y="4595077"/>
+              <a:ext cx="127800" cy="188280"/>
+            </p14:xfrm>
+          </p:contentPart>
+        </mc:Choice>
+        <mc:Fallback>
+          <p:pic>
+            <p:nvPicPr>
+              <p:cNvPr id="18" name="Ink 17">
+                <a:extLst>
+                  <a:ext uri="{FF2B5EF4-FFF2-40B4-BE49-F238E27FC236}">
+                    <a16:creationId xmlns:a16="http://schemas.microsoft.com/office/drawing/2014/main" id="{8EE84806-0C96-9096-5827-A1793890EEE2}"/>
+                  </a:ext>
+                </a:extLst>
+              </p:cNvPr>
+              <p:cNvPicPr/>
+              <p:nvPr/>
+            </p:nvPicPr>
+            <p:blipFill>
+              <a:blip r:embed="rId16"/>
+              <a:stretch>
+                <a:fillRect/>
+              </a:stretch>
+            </p:blipFill>
+            <p:spPr>
+              <a:xfrm>
+                <a:off x="1083803" y="4588957"/>
+                <a:ext cx="140040" cy="200520"/>
+              </a:xfrm>
+              <a:prstGeom prst="rect">
+                <a:avLst/>
+              </a:prstGeom>
+            </p:spPr>
+          </p:pic>
+        </mc:Fallback>
+      </mc:AlternateContent>
+      <p:grpSp>
+        <p:nvGrpSpPr>
+          <p:cNvPr id="22" name="Group 21">
+            <a:extLst>
+              <a:ext uri="{FF2B5EF4-FFF2-40B4-BE49-F238E27FC236}">
+                <a16:creationId xmlns:a16="http://schemas.microsoft.com/office/drawing/2014/main" id="{B76D048E-633B-35EB-BB42-8414DBE365DF}"/>
+              </a:ext>
+            </a:extLst>
+          </p:cNvPr>
+          <p:cNvGrpSpPr/>
+          <p:nvPr/>
+        </p:nvGrpSpPr>
+        <p:grpSpPr>
+          <a:xfrm>
+            <a:off x="1394843" y="4633957"/>
+            <a:ext cx="286920" cy="171360"/>
+            <a:chOff x="1394843" y="4633957"/>
+            <a:chExt cx="286920" cy="171360"/>
+          </a:xfrm>
+        </p:grpSpPr>
+        <mc:AlternateContent xmlns:mc="http://schemas.openxmlformats.org/markup-compatibility/2006">
+          <mc:Choice xmlns:p14="http://schemas.microsoft.com/office/powerpoint/2010/main" Requires="p14">
+            <p:contentPart p14:bwMode="auto" r:id="rId17">
+              <p14:nvContentPartPr>
+                <p14:cNvPr id="19" name="Ink 18">
+                  <a:extLst>
+                    <a:ext uri="{FF2B5EF4-FFF2-40B4-BE49-F238E27FC236}">
+                      <a16:creationId xmlns:a16="http://schemas.microsoft.com/office/drawing/2014/main" id="{85D228C8-6219-53E8-64C0-6EC4FB06C202}"/>
+                    </a:ext>
+                  </a:extLst>
+                </p14:cNvPr>
+                <p14:cNvContentPartPr/>
+                <p14:nvPr/>
+              </p14:nvContentPartPr>
+              <p14:xfrm>
+                <a:off x="1394843" y="4653757"/>
+                <a:ext cx="12240" cy="151560"/>
+              </p14:xfrm>
+            </p:contentPart>
+          </mc:Choice>
+          <mc:Fallback>
+            <p:pic>
+              <p:nvPicPr>
+                <p:cNvPr id="19" name="Ink 18">
+                  <a:extLst>
+                    <a:ext uri="{FF2B5EF4-FFF2-40B4-BE49-F238E27FC236}">
+                      <a16:creationId xmlns:a16="http://schemas.microsoft.com/office/drawing/2014/main" id="{85D228C8-6219-53E8-64C0-6EC4FB06C202}"/>
+                    </a:ext>
+                  </a:extLst>
+                </p:cNvPr>
+                <p:cNvPicPr/>
+                <p:nvPr/>
+              </p:nvPicPr>
+              <p:blipFill>
+                <a:blip r:embed="rId18"/>
+                <a:stretch>
+                  <a:fillRect/>
+                </a:stretch>
+              </p:blipFill>
+              <p:spPr>
+                <a:xfrm>
+                  <a:off x="1388723" y="4647637"/>
+                  <a:ext cx="24480" cy="163800"/>
+                </a:xfrm>
+                <a:prstGeom prst="rect">
+                  <a:avLst/>
+                </a:prstGeom>
+              </p:spPr>
+            </p:pic>
+          </mc:Fallback>
+        </mc:AlternateContent>
+        <mc:AlternateContent xmlns:mc="http://schemas.openxmlformats.org/markup-compatibility/2006">
+          <mc:Choice xmlns:p14="http://schemas.microsoft.com/office/powerpoint/2010/main" Requires="p14">
+            <p:contentPart p14:bwMode="auto" r:id="rId19">
+              <p14:nvContentPartPr>
+                <p14:cNvPr id="20" name="Ink 19">
+                  <a:extLst>
+                    <a:ext uri="{FF2B5EF4-FFF2-40B4-BE49-F238E27FC236}">
+                      <a16:creationId xmlns:a16="http://schemas.microsoft.com/office/drawing/2014/main" id="{73475594-BAD9-F034-6E8D-056C1E448EE6}"/>
+                    </a:ext>
+                  </a:extLst>
+                </p14:cNvPr>
+                <p14:cNvContentPartPr/>
+                <p14:nvPr/>
+              </p14:nvContentPartPr>
+              <p14:xfrm>
+                <a:off x="1406363" y="4640077"/>
+                <a:ext cx="119880" cy="86400"/>
+              </p14:xfrm>
+            </p:contentPart>
+          </mc:Choice>
+          <mc:Fallback>
+            <p:pic>
+              <p:nvPicPr>
+                <p:cNvPr id="20" name="Ink 19">
+                  <a:extLst>
+                    <a:ext uri="{FF2B5EF4-FFF2-40B4-BE49-F238E27FC236}">
+                      <a16:creationId xmlns:a16="http://schemas.microsoft.com/office/drawing/2014/main" id="{73475594-BAD9-F034-6E8D-056C1E448EE6}"/>
+                    </a:ext>
+                  </a:extLst>
+                </p:cNvPr>
+                <p:cNvPicPr/>
+                <p:nvPr/>
+              </p:nvPicPr>
+              <p:blipFill>
+                <a:blip r:embed="rId20"/>
+                <a:stretch>
+                  <a:fillRect/>
+                </a:stretch>
+              </p:blipFill>
+              <p:spPr>
+                <a:xfrm>
+                  <a:off x="1400243" y="4633957"/>
+                  <a:ext cx="132120" cy="98640"/>
+                </a:xfrm>
+                <a:prstGeom prst="rect">
+                  <a:avLst/>
+                </a:prstGeom>
+              </p:spPr>
+            </p:pic>
+          </mc:Fallback>
+        </mc:AlternateContent>
+        <mc:AlternateContent xmlns:mc="http://schemas.openxmlformats.org/markup-compatibility/2006">
+          <mc:Choice xmlns:p14="http://schemas.microsoft.com/office/powerpoint/2010/main" Requires="p14">
+            <p:contentPart p14:bwMode="auto" r:id="rId21">
+              <p14:nvContentPartPr>
+                <p14:cNvPr id="21" name="Ink 20">
+                  <a:extLst>
+                    <a:ext uri="{FF2B5EF4-FFF2-40B4-BE49-F238E27FC236}">
+                      <a16:creationId xmlns:a16="http://schemas.microsoft.com/office/drawing/2014/main" id="{BCB9B163-F335-E48F-C3A4-C4E70C3CAD98}"/>
+                    </a:ext>
+                  </a:extLst>
+                </p14:cNvPr>
+                <p14:cNvContentPartPr/>
+                <p14:nvPr/>
+              </p14:nvContentPartPr>
+              <p14:xfrm>
+                <a:off x="1558283" y="4633957"/>
+                <a:ext cx="123480" cy="83880"/>
+              </p14:xfrm>
+            </p:contentPart>
+          </mc:Choice>
+          <mc:Fallback>
+            <p:pic>
+              <p:nvPicPr>
+                <p:cNvPr id="21" name="Ink 20">
+                  <a:extLst>
+                    <a:ext uri="{FF2B5EF4-FFF2-40B4-BE49-F238E27FC236}">
+                      <a16:creationId xmlns:a16="http://schemas.microsoft.com/office/drawing/2014/main" id="{BCB9B163-F335-E48F-C3A4-C4E70C3CAD98}"/>
+                    </a:ext>
+                  </a:extLst>
+                </p:cNvPr>
+                <p:cNvPicPr/>
+                <p:nvPr/>
+              </p:nvPicPr>
+              <p:blipFill>
+                <a:blip r:embed="rId22"/>
+                <a:stretch>
+                  <a:fillRect/>
+                </a:stretch>
+              </p:blipFill>
+              <p:spPr>
+                <a:xfrm>
+                  <a:off x="1552163" y="4627837"/>
+                  <a:ext cx="135720" cy="96120"/>
+                </a:xfrm>
+                <a:prstGeom prst="rect">
+                  <a:avLst/>
+                </a:prstGeom>
+              </p:spPr>
+            </p:pic>
+          </mc:Fallback>
+        </mc:AlternateContent>
+      </p:grpSp>
+      <p:grpSp>
+        <p:nvGrpSpPr>
+          <p:cNvPr id="27" name="Group 26">
+            <a:extLst>
+              <a:ext uri="{FF2B5EF4-FFF2-40B4-BE49-F238E27FC236}">
+                <a16:creationId xmlns:a16="http://schemas.microsoft.com/office/drawing/2014/main" id="{650837B4-9539-73E3-DD12-97F0AFD9A804}"/>
+              </a:ext>
+            </a:extLst>
+          </p:cNvPr>
+          <p:cNvGrpSpPr/>
+          <p:nvPr/>
+        </p:nvGrpSpPr>
+        <p:grpSpPr>
+          <a:xfrm>
+            <a:off x="1720283" y="4597957"/>
+            <a:ext cx="592200" cy="223560"/>
+            <a:chOff x="1720283" y="4597957"/>
+            <a:chExt cx="592200" cy="223560"/>
+          </a:xfrm>
+        </p:grpSpPr>
+        <mc:AlternateContent xmlns:mc="http://schemas.openxmlformats.org/markup-compatibility/2006">
+          <mc:Choice xmlns:p14="http://schemas.microsoft.com/office/powerpoint/2010/main" Requires="p14">
+            <p:contentPart p14:bwMode="auto" r:id="rId23">
+              <p14:nvContentPartPr>
+                <p14:cNvPr id="24" name="Ink 23">
+                  <a:extLst>
+                    <a:ext uri="{FF2B5EF4-FFF2-40B4-BE49-F238E27FC236}">
+                      <a16:creationId xmlns:a16="http://schemas.microsoft.com/office/drawing/2014/main" id="{56362308-DBD9-F0EE-4350-6088D175339F}"/>
+                    </a:ext>
+                  </a:extLst>
+                </p14:cNvPr>
+                <p14:cNvContentPartPr/>
+                <p14:nvPr/>
+              </p14:nvContentPartPr>
+              <p14:xfrm>
+                <a:off x="1720283" y="4644037"/>
+                <a:ext cx="99000" cy="177480"/>
+              </p14:xfrm>
+            </p:contentPart>
+          </mc:Choice>
+          <mc:Fallback>
+            <p:pic>
+              <p:nvPicPr>
+                <p:cNvPr id="24" name="Ink 23">
+                  <a:extLst>
+                    <a:ext uri="{FF2B5EF4-FFF2-40B4-BE49-F238E27FC236}">
+                      <a16:creationId xmlns:a16="http://schemas.microsoft.com/office/drawing/2014/main" id="{56362308-DBD9-F0EE-4350-6088D175339F}"/>
+                    </a:ext>
+                  </a:extLst>
+                </p:cNvPr>
+                <p:cNvPicPr/>
+                <p:nvPr/>
+              </p:nvPicPr>
+              <p:blipFill>
+                <a:blip r:embed="rId24"/>
+                <a:stretch>
+                  <a:fillRect/>
+                </a:stretch>
+              </p:blipFill>
+              <p:spPr>
+                <a:xfrm>
+                  <a:off x="1714163" y="4637917"/>
+                  <a:ext cx="111240" cy="189720"/>
+                </a:xfrm>
+                <a:prstGeom prst="rect">
+                  <a:avLst/>
+                </a:prstGeom>
+              </p:spPr>
+            </p:pic>
+          </mc:Fallback>
+        </mc:AlternateContent>
+        <mc:AlternateContent xmlns:mc="http://schemas.openxmlformats.org/markup-compatibility/2006">
+          <mc:Choice xmlns:p14="http://schemas.microsoft.com/office/powerpoint/2010/main" Requires="p14">
+            <p:contentPart p14:bwMode="auto" r:id="rId25">
+              <p14:nvContentPartPr>
+                <p14:cNvPr id="25" name="Ink 24">
+                  <a:extLst>
+                    <a:ext uri="{FF2B5EF4-FFF2-40B4-BE49-F238E27FC236}">
+                      <a16:creationId xmlns:a16="http://schemas.microsoft.com/office/drawing/2014/main" id="{D25147C2-D237-6923-060F-2EA8DED2D770}"/>
+                    </a:ext>
+                  </a:extLst>
+                </p14:cNvPr>
+                <p14:cNvContentPartPr/>
+                <p14:nvPr/>
+              </p14:nvContentPartPr>
+              <p14:xfrm>
+                <a:off x="1908203" y="4632157"/>
+                <a:ext cx="58320" cy="118080"/>
+              </p14:xfrm>
+            </p:contentPart>
+          </mc:Choice>
+          <mc:Fallback>
+            <p:pic>
+              <p:nvPicPr>
+                <p:cNvPr id="25" name="Ink 24">
+                  <a:extLst>
+                    <a:ext uri="{FF2B5EF4-FFF2-40B4-BE49-F238E27FC236}">
+                      <a16:creationId xmlns:a16="http://schemas.microsoft.com/office/drawing/2014/main" id="{D25147C2-D237-6923-060F-2EA8DED2D770}"/>
+                    </a:ext>
+                  </a:extLst>
+                </p:cNvPr>
+                <p:cNvPicPr/>
+                <p:nvPr/>
+              </p:nvPicPr>
+              <p:blipFill>
+                <a:blip r:embed="rId26"/>
+                <a:stretch>
+                  <a:fillRect/>
+                </a:stretch>
+              </p:blipFill>
+              <p:spPr>
+                <a:xfrm>
+                  <a:off x="1902083" y="4626037"/>
+                  <a:ext cx="70560" cy="130320"/>
+                </a:xfrm>
+                <a:prstGeom prst="rect">
+                  <a:avLst/>
+                </a:prstGeom>
+              </p:spPr>
+            </p:pic>
+          </mc:Fallback>
+        </mc:AlternateContent>
+        <mc:AlternateContent xmlns:mc="http://schemas.openxmlformats.org/markup-compatibility/2006">
+          <mc:Choice xmlns:p14="http://schemas.microsoft.com/office/powerpoint/2010/main" Requires="p14">
+            <p:contentPart p14:bwMode="auto" r:id="rId27">
+              <p14:nvContentPartPr>
+                <p14:cNvPr id="26" name="Ink 25">
+                  <a:extLst>
+                    <a:ext uri="{FF2B5EF4-FFF2-40B4-BE49-F238E27FC236}">
+                      <a16:creationId xmlns:a16="http://schemas.microsoft.com/office/drawing/2014/main" id="{900404E9-2E4B-9594-2AD4-3714B970CFA1}"/>
+                    </a:ext>
+                  </a:extLst>
+                </p14:cNvPr>
+                <p14:cNvContentPartPr/>
+                <p14:nvPr/>
+              </p14:nvContentPartPr>
+              <p14:xfrm>
+                <a:off x="2121683" y="4597957"/>
+                <a:ext cx="190800" cy="164880"/>
+              </p14:xfrm>
+            </p:contentPart>
+          </mc:Choice>
+          <mc:Fallback>
+            <p:pic>
+              <p:nvPicPr>
+                <p:cNvPr id="26" name="Ink 25">
+                  <a:extLst>
+                    <a:ext uri="{FF2B5EF4-FFF2-40B4-BE49-F238E27FC236}">
+                      <a16:creationId xmlns:a16="http://schemas.microsoft.com/office/drawing/2014/main" id="{900404E9-2E4B-9594-2AD4-3714B970CFA1}"/>
+                    </a:ext>
+                  </a:extLst>
+                </p:cNvPr>
+                <p:cNvPicPr/>
+                <p:nvPr/>
+              </p:nvPicPr>
+              <p:blipFill>
+                <a:blip r:embed="rId28"/>
+                <a:stretch>
+                  <a:fillRect/>
+                </a:stretch>
+              </p:blipFill>
+              <p:spPr>
+                <a:xfrm>
+                  <a:off x="2115563" y="4591837"/>
+                  <a:ext cx="203040" cy="177120"/>
+                </a:xfrm>
+                <a:prstGeom prst="rect">
+                  <a:avLst/>
+                </a:prstGeom>
+              </p:spPr>
+            </p:pic>
+          </mc:Fallback>
+        </mc:AlternateContent>
+      </p:grpSp>
+      <p:grpSp>
+        <p:nvGrpSpPr>
+          <p:cNvPr id="30" name="Group 29">
+            <a:extLst>
+              <a:ext uri="{FF2B5EF4-FFF2-40B4-BE49-F238E27FC236}">
+                <a16:creationId xmlns:a16="http://schemas.microsoft.com/office/drawing/2014/main" id="{5D65D07B-CB8B-AE33-29C0-B47F62B63B04}"/>
+              </a:ext>
+            </a:extLst>
+          </p:cNvPr>
+          <p:cNvGrpSpPr/>
+          <p:nvPr/>
+        </p:nvGrpSpPr>
+        <p:grpSpPr>
+          <a:xfrm>
+            <a:off x="597803" y="4583557"/>
+            <a:ext cx="486000" cy="224640"/>
+            <a:chOff x="597803" y="4583557"/>
+            <a:chExt cx="486000" cy="224640"/>
+          </a:xfrm>
+        </p:grpSpPr>
+        <mc:AlternateContent xmlns:mc="http://schemas.openxmlformats.org/markup-compatibility/2006">
+          <mc:Choice xmlns:p14="http://schemas.microsoft.com/office/powerpoint/2010/main" Requires="p14">
+            <p:contentPart p14:bwMode="auto" r:id="rId29">
+              <p14:nvContentPartPr>
+                <p14:cNvPr id="12" name="Ink 11">
+                  <a:extLst>
+                    <a:ext uri="{FF2B5EF4-FFF2-40B4-BE49-F238E27FC236}">
+                      <a16:creationId xmlns:a16="http://schemas.microsoft.com/office/drawing/2014/main" id="{0FB08E97-68C3-7C76-DEA7-F1E2B1D24127}"/>
+                    </a:ext>
+                  </a:extLst>
+                </p14:cNvPr>
+                <p14:cNvContentPartPr/>
+                <p14:nvPr/>
+              </p14:nvContentPartPr>
+              <p14:xfrm>
+                <a:off x="632723" y="4583557"/>
+                <a:ext cx="22680" cy="211320"/>
+              </p14:xfrm>
+            </p:contentPart>
+          </mc:Choice>
+          <mc:Fallback>
+            <p:pic>
+              <p:nvPicPr>
+                <p:cNvPr id="12" name="Ink 11">
+                  <a:extLst>
+                    <a:ext uri="{FF2B5EF4-FFF2-40B4-BE49-F238E27FC236}">
+                      <a16:creationId xmlns:a16="http://schemas.microsoft.com/office/drawing/2014/main" id="{0FB08E97-68C3-7C76-DEA7-F1E2B1D24127}"/>
+                    </a:ext>
+                  </a:extLst>
+                </p:cNvPr>
+                <p:cNvPicPr/>
+                <p:nvPr/>
+              </p:nvPicPr>
+              <p:blipFill>
+                <a:blip r:embed="rId30"/>
+                <a:stretch>
+                  <a:fillRect/>
+                </a:stretch>
+              </p:blipFill>
+              <p:spPr>
+                <a:xfrm>
+                  <a:off x="626603" y="4577437"/>
+                  <a:ext cx="34920" cy="223560"/>
+                </a:xfrm>
+                <a:prstGeom prst="rect">
+                  <a:avLst/>
+                </a:prstGeom>
+              </p:spPr>
+            </p:pic>
+          </mc:Fallback>
+        </mc:AlternateContent>
+        <mc:AlternateContent xmlns:mc="http://schemas.openxmlformats.org/markup-compatibility/2006">
+          <mc:Choice xmlns:p14="http://schemas.microsoft.com/office/powerpoint/2010/main" Requires="p14">
+            <p:contentPart p14:bwMode="auto" r:id="rId31">
+              <p14:nvContentPartPr>
+                <p14:cNvPr id="13" name="Ink 12">
+                  <a:extLst>
+                    <a:ext uri="{FF2B5EF4-FFF2-40B4-BE49-F238E27FC236}">
+                      <a16:creationId xmlns:a16="http://schemas.microsoft.com/office/drawing/2014/main" id="{5291FFC6-B3D8-CF25-0176-9815BF1239B5}"/>
+                    </a:ext>
+                  </a:extLst>
+                </p14:cNvPr>
+                <p14:cNvContentPartPr/>
+                <p14:nvPr/>
+              </p14:nvContentPartPr>
+              <p14:xfrm>
+                <a:off x="597803" y="4703437"/>
+                <a:ext cx="130320" cy="9720"/>
+              </p14:xfrm>
+            </p:contentPart>
+          </mc:Choice>
+          <mc:Fallback>
+            <p:pic>
+              <p:nvPicPr>
+                <p:cNvPr id="13" name="Ink 12">
+                  <a:extLst>
+                    <a:ext uri="{FF2B5EF4-FFF2-40B4-BE49-F238E27FC236}">
+                      <a16:creationId xmlns:a16="http://schemas.microsoft.com/office/drawing/2014/main" id="{5291FFC6-B3D8-CF25-0176-9815BF1239B5}"/>
+                    </a:ext>
+                  </a:extLst>
+                </p:cNvPr>
+                <p:cNvPicPr/>
+                <p:nvPr/>
+              </p:nvPicPr>
+              <p:blipFill>
+                <a:blip r:embed="rId32"/>
+                <a:stretch>
+                  <a:fillRect/>
+                </a:stretch>
+              </p:blipFill>
+              <p:spPr>
+                <a:xfrm>
+                  <a:off x="591683" y="4697317"/>
+                  <a:ext cx="142560" cy="21960"/>
+                </a:xfrm>
+                <a:prstGeom prst="rect">
+                  <a:avLst/>
+                </a:prstGeom>
+              </p:spPr>
+            </p:pic>
+          </mc:Fallback>
+        </mc:AlternateContent>
+        <mc:AlternateContent xmlns:mc="http://schemas.openxmlformats.org/markup-compatibility/2006">
+          <mc:Choice xmlns:p14="http://schemas.microsoft.com/office/powerpoint/2010/main" Requires="p14">
+            <p:contentPart p14:bwMode="auto" r:id="rId33">
+              <p14:nvContentPartPr>
+                <p14:cNvPr id="28" name="Ink 27">
+                  <a:extLst>
+                    <a:ext uri="{FF2B5EF4-FFF2-40B4-BE49-F238E27FC236}">
+                      <a16:creationId xmlns:a16="http://schemas.microsoft.com/office/drawing/2014/main" id="{31557660-3543-0537-A10F-AD655A8EDF2A}"/>
+                    </a:ext>
+                  </a:extLst>
+                </p14:cNvPr>
+                <p14:cNvContentPartPr/>
+                <p14:nvPr/>
+              </p14:nvContentPartPr>
+              <p14:xfrm>
+                <a:off x="797243" y="4668877"/>
+                <a:ext cx="149040" cy="117000"/>
+              </p14:xfrm>
+            </p:contentPart>
+          </mc:Choice>
+          <mc:Fallback>
+            <p:pic>
+              <p:nvPicPr>
+                <p:cNvPr id="28" name="Ink 27">
+                  <a:extLst>
+                    <a:ext uri="{FF2B5EF4-FFF2-40B4-BE49-F238E27FC236}">
+                      <a16:creationId xmlns:a16="http://schemas.microsoft.com/office/drawing/2014/main" id="{31557660-3543-0537-A10F-AD655A8EDF2A}"/>
+                    </a:ext>
+                  </a:extLst>
+                </p:cNvPr>
+                <p:cNvPicPr/>
+                <p:nvPr/>
+              </p:nvPicPr>
+              <p:blipFill>
+                <a:blip r:embed="rId34"/>
+                <a:stretch>
+                  <a:fillRect/>
+                </a:stretch>
+              </p:blipFill>
+              <p:spPr>
+                <a:xfrm>
+                  <a:off x="791123" y="4662757"/>
+                  <a:ext cx="161280" cy="129240"/>
+                </a:xfrm>
+                <a:prstGeom prst="rect">
+                  <a:avLst/>
+                </a:prstGeom>
+              </p:spPr>
+            </p:pic>
+          </mc:Fallback>
+        </mc:AlternateContent>
+        <mc:AlternateContent xmlns:mc="http://schemas.openxmlformats.org/markup-compatibility/2006">
+          <mc:Choice xmlns:p14="http://schemas.microsoft.com/office/powerpoint/2010/main" Requires="p14">
+            <p:contentPart p14:bwMode="auto" r:id="rId35">
+              <p14:nvContentPartPr>
+                <p14:cNvPr id="29" name="Ink 28">
+                  <a:extLst>
+                    <a:ext uri="{FF2B5EF4-FFF2-40B4-BE49-F238E27FC236}">
+                      <a16:creationId xmlns:a16="http://schemas.microsoft.com/office/drawing/2014/main" id="{E121846F-D2B4-8FDD-F488-35DEC0EC4D9A}"/>
+                    </a:ext>
+                  </a:extLst>
+                </p14:cNvPr>
+                <p14:cNvContentPartPr/>
+                <p14:nvPr/>
+              </p14:nvContentPartPr>
+              <p14:xfrm>
+                <a:off x="981203" y="4676797"/>
+                <a:ext cx="102600" cy="131400"/>
+              </p14:xfrm>
+            </p:contentPart>
+          </mc:Choice>
+          <mc:Fallback>
+            <p:pic>
+              <p:nvPicPr>
+                <p:cNvPr id="29" name="Ink 28">
+                  <a:extLst>
+                    <a:ext uri="{FF2B5EF4-FFF2-40B4-BE49-F238E27FC236}">
+                      <a16:creationId xmlns:a16="http://schemas.microsoft.com/office/drawing/2014/main" id="{E121846F-D2B4-8FDD-F488-35DEC0EC4D9A}"/>
+                    </a:ext>
+                  </a:extLst>
+                </p:cNvPr>
+                <p:cNvPicPr/>
+                <p:nvPr/>
+              </p:nvPicPr>
+              <p:blipFill>
+                <a:blip r:embed="rId36"/>
+                <a:stretch>
+                  <a:fillRect/>
+                </a:stretch>
+              </p:blipFill>
+              <p:spPr>
+                <a:xfrm>
+                  <a:off x="975083" y="4670677"/>
+                  <a:ext cx="114840" cy="143640"/>
+                </a:xfrm>
+                <a:prstGeom prst="rect">
+                  <a:avLst/>
+                </a:prstGeom>
+              </p:spPr>
+            </p:pic>
+          </mc:Fallback>
+        </mc:AlternateContent>
+      </p:grpSp>
     </p:spTree>
     <p:extLst>
       <p:ext uri="{BB962C8B-B14F-4D97-AF65-F5344CB8AC3E}">
@@ -10345,7 +11922,7 @@
                 <a:tabLst/>
                 <a:defRPr/>
               </a:pPr>
-              <a:endParaRPr kumimoji="0" lang="en-US" sz="1800" b="0" i="0" u="none" strike="noStrike" kern="1200" cap="none" spc="0" normalizeH="0" baseline="0" noProof="0">
+              <a:endParaRPr kumimoji="0" lang="en-US" sz="1800" b="0" i="0" u="none" strike="noStrike" kern="1200" cap="none" spc="0" normalizeH="0" baseline="0" noProof="0" dirty="0">
                 <a:ln>
                   <a:noFill/>
                 </a:ln>
@@ -10651,10 +12228,10 @@
       </p:grpSp>
       <p:pic>
         <p:nvPicPr>
-          <p:cNvPr id="3" name="Picture 2" descr="A diagram of a diagram&#10;&#10;Description automatically generated with medium confidence">
+          <p:cNvPr id="8" name="Picture 7" descr="A diagram of a diagram&#10;&#10;Description automatically generated">
             <a:extLst>
               <a:ext uri="{FF2B5EF4-FFF2-40B4-BE49-F238E27FC236}">
-                <a16:creationId xmlns:a16="http://schemas.microsoft.com/office/drawing/2014/main" id="{CE13FB15-CD03-737E-2368-1403026ED0C8}"/>
+                <a16:creationId xmlns:a16="http://schemas.microsoft.com/office/drawing/2014/main" id="{A306073B-68D9-4CD3-4EE5-4B6F6ABF4E21}"/>
               </a:ext>
             </a:extLst>
           </p:cNvPr>
@@ -10677,8 +12254,8 @@
         </p:blipFill>
         <p:spPr>
           <a:xfrm>
-            <a:off x="1361673" y="1418566"/>
-            <a:ext cx="9468654" cy="5312594"/>
+            <a:off x="1039091" y="1379685"/>
+            <a:ext cx="10113818" cy="5269451"/>
           </a:xfrm>
           <a:prstGeom prst="rect">
             <a:avLst/>

--- a/diagrams/Nutrition Compass Presentation.pptx
+++ b/diagrams/Nutrition Compass Presentation.pptx
@@ -128,7 +128,7 @@
 <file path=ppt/revisionInfo.xml><?xml version="1.0" encoding="utf-8"?>
 <p1510:revInfo xmlns:a="http://schemas.openxmlformats.org/drawingml/2006/main" xmlns:r="http://schemas.openxmlformats.org/officeDocument/2006/relationships" xmlns:p1510="http://schemas.microsoft.com/office/powerpoint/2015/10/main">
   <p1510:revLst>
-    <p1510:client id="{61DAA024-F5F8-43EC-9B0A-FFE5A2F563BA}" v="117" dt="2024-11-25T00:03:38.488"/>
+    <p1510:client id="{61DAA024-F5F8-43EC-9B0A-FFE5A2F563BA}" v="137" dt="2024-11-25T02:24:06.929"/>
   </p1510:revLst>
 </p1510:revInfo>
 </file>
@@ -138,7 +138,7 @@
   <pc:docChgLst>
     <pc:chgData name="Jia Jones" userId="a3b0c72f-e186-4738-b8d6-28e077c699c2" providerId="ADAL" clId="{61DAA024-F5F8-43EC-9B0A-FFE5A2F563BA}"/>
     <pc:docChg chg="undo redo custSel addSld modSld sldOrd">
-      <pc:chgData name="Jia Jones" userId="a3b0c72f-e186-4738-b8d6-28e077c699c2" providerId="ADAL" clId="{61DAA024-F5F8-43EC-9B0A-FFE5A2F563BA}" dt="2024-11-25T00:03:38.488" v="898"/>
+      <pc:chgData name="Jia Jones" userId="a3b0c72f-e186-4738-b8d6-28e077c699c2" providerId="ADAL" clId="{61DAA024-F5F8-43EC-9B0A-FFE5A2F563BA}" dt="2024-11-25T02:23:04.722" v="1403" actId="1076"/>
       <pc:docMkLst>
         <pc:docMk/>
       </pc:docMkLst>
@@ -383,12 +383,188 @@
           <pc:sldMk cId="1835518684" sldId="263"/>
         </pc:sldMkLst>
       </pc:sldChg>
-      <pc:sldChg chg="modNotesTx">
-        <pc:chgData name="Jia Jones" userId="a3b0c72f-e186-4738-b8d6-28e077c699c2" providerId="ADAL" clId="{61DAA024-F5F8-43EC-9B0A-FFE5A2F563BA}" dt="2024-11-18T02:53:21.008" v="624" actId="20577"/>
+      <pc:sldChg chg="addSp delSp modSp mod modNotesTx">
+        <pc:chgData name="Jia Jones" userId="a3b0c72f-e186-4738-b8d6-28e077c699c2" providerId="ADAL" clId="{61DAA024-F5F8-43EC-9B0A-FFE5A2F563BA}" dt="2024-11-25T02:23:04.722" v="1403" actId="1076"/>
         <pc:sldMkLst>
           <pc:docMk/>
           <pc:sldMk cId="3992931225" sldId="264"/>
         </pc:sldMkLst>
+        <pc:spChg chg="add del mod">
+          <ac:chgData name="Jia Jones" userId="a3b0c72f-e186-4738-b8d6-28e077c699c2" providerId="ADAL" clId="{61DAA024-F5F8-43EC-9B0A-FFE5A2F563BA}" dt="2024-11-25T02:16:06.625" v="1290" actId="478"/>
+          <ac:spMkLst>
+            <pc:docMk/>
+            <pc:sldMk cId="3992931225" sldId="264"/>
+            <ac:spMk id="9" creationId="{216489D1-DA59-4CF6-F859-0AB1824D1A54}"/>
+          </ac:spMkLst>
+        </pc:spChg>
+        <pc:spChg chg="add mod">
+          <ac:chgData name="Jia Jones" userId="a3b0c72f-e186-4738-b8d6-28e077c699c2" providerId="ADAL" clId="{61DAA024-F5F8-43EC-9B0A-FFE5A2F563BA}" dt="2024-11-25T02:20:39.396" v="1361" actId="1076"/>
+          <ac:spMkLst>
+            <pc:docMk/>
+            <pc:sldMk cId="3992931225" sldId="264"/>
+            <ac:spMk id="28" creationId="{BFC9E430-FA43-0C46-140A-7CD44FE41C0C}"/>
+          </ac:spMkLst>
+        </pc:spChg>
+        <pc:spChg chg="del mod">
+          <ac:chgData name="Jia Jones" userId="a3b0c72f-e186-4738-b8d6-28e077c699c2" providerId="ADAL" clId="{61DAA024-F5F8-43EC-9B0A-FFE5A2F563BA}" dt="2024-11-25T02:22:52.894" v="1399" actId="478"/>
+          <ac:spMkLst>
+            <pc:docMk/>
+            <pc:sldMk cId="3992931225" sldId="264"/>
+            <ac:spMk id="40" creationId="{25097C55-BDB3-185D-52F6-1D5068827C2B}"/>
+          </ac:spMkLst>
+        </pc:spChg>
+        <pc:grpChg chg="add mod">
+          <ac:chgData name="Jia Jones" userId="a3b0c72f-e186-4738-b8d6-28e077c699c2" providerId="ADAL" clId="{61DAA024-F5F8-43EC-9B0A-FFE5A2F563BA}" dt="2024-11-25T02:22:25.399" v="1398" actId="1076"/>
+          <ac:grpSpMkLst>
+            <pc:docMk/>
+            <pc:sldMk cId="3992931225" sldId="264"/>
+            <ac:grpSpMk id="34" creationId="{B9095A33-F278-330C-44CB-A1C9A5EB23E0}"/>
+          </ac:grpSpMkLst>
+        </pc:grpChg>
+        <pc:grpChg chg="add mod">
+          <ac:chgData name="Jia Jones" userId="a3b0c72f-e186-4738-b8d6-28e077c699c2" providerId="ADAL" clId="{61DAA024-F5F8-43EC-9B0A-FFE5A2F563BA}" dt="2024-11-25T02:22:25.399" v="1398" actId="1076"/>
+          <ac:grpSpMkLst>
+            <pc:docMk/>
+            <pc:sldMk cId="3992931225" sldId="264"/>
+            <ac:grpSpMk id="35" creationId="{24188FFF-333B-F6EE-57ED-4489D8FCF002}"/>
+          </ac:grpSpMkLst>
+        </pc:grpChg>
+        <pc:graphicFrameChg chg="add mod modGraphic">
+          <ac:chgData name="Jia Jones" userId="a3b0c72f-e186-4738-b8d6-28e077c699c2" providerId="ADAL" clId="{61DAA024-F5F8-43EC-9B0A-FFE5A2F563BA}" dt="2024-11-25T02:22:25.399" v="1398" actId="1076"/>
+          <ac:graphicFrameMkLst>
+            <pc:docMk/>
+            <pc:sldMk cId="3992931225" sldId="264"/>
+            <ac:graphicFrameMk id="2" creationId="{99EAAF6F-399F-86D8-E5D7-65AA2798F1C6}"/>
+          </ac:graphicFrameMkLst>
+        </pc:graphicFrameChg>
+        <pc:graphicFrameChg chg="add del mod modGraphic">
+          <ac:chgData name="Jia Jones" userId="a3b0c72f-e186-4738-b8d6-28e077c699c2" providerId="ADAL" clId="{61DAA024-F5F8-43EC-9B0A-FFE5A2F563BA}" dt="2024-11-25T02:22:25.399" v="1398" actId="1076"/>
+          <ac:graphicFrameMkLst>
+            <pc:docMk/>
+            <pc:sldMk cId="3992931225" sldId="264"/>
+            <ac:graphicFrameMk id="3" creationId="{36B19B70-CE81-9E23-DA87-8046804A3053}"/>
+          </ac:graphicFrameMkLst>
+        </pc:graphicFrameChg>
+        <pc:graphicFrameChg chg="add mod modGraphic">
+          <ac:chgData name="Jia Jones" userId="a3b0c72f-e186-4738-b8d6-28e077c699c2" providerId="ADAL" clId="{61DAA024-F5F8-43EC-9B0A-FFE5A2F563BA}" dt="2024-11-25T02:22:25.399" v="1398" actId="1076"/>
+          <ac:graphicFrameMkLst>
+            <pc:docMk/>
+            <pc:sldMk cId="3992931225" sldId="264"/>
+            <ac:graphicFrameMk id="8" creationId="{D74B1CE3-A0F5-E824-D98D-2A9F62BD1372}"/>
+          </ac:graphicFrameMkLst>
+        </pc:graphicFrameChg>
+        <pc:cxnChg chg="add mod">
+          <ac:chgData name="Jia Jones" userId="a3b0c72f-e186-4738-b8d6-28e077c699c2" providerId="ADAL" clId="{61DAA024-F5F8-43EC-9B0A-FFE5A2F563BA}" dt="2024-11-25T02:20:35.640" v="1360" actId="164"/>
+          <ac:cxnSpMkLst>
+            <pc:docMk/>
+            <pc:sldMk cId="3992931225" sldId="264"/>
+            <ac:cxnSpMk id="11" creationId="{EA030C68-3E07-F5C8-03E8-D05A9DC19CB8}"/>
+          </ac:cxnSpMkLst>
+        </pc:cxnChg>
+        <pc:cxnChg chg="add del mod">
+          <ac:chgData name="Jia Jones" userId="a3b0c72f-e186-4738-b8d6-28e077c699c2" providerId="ADAL" clId="{61DAA024-F5F8-43EC-9B0A-FFE5A2F563BA}" dt="2024-11-25T02:20:05.103" v="1352" actId="478"/>
+          <ac:cxnSpMkLst>
+            <pc:docMk/>
+            <pc:sldMk cId="3992931225" sldId="264"/>
+            <ac:cxnSpMk id="14" creationId="{6597C222-610C-39C6-A9FC-70CC90A648C7}"/>
+          </ac:cxnSpMkLst>
+        </pc:cxnChg>
+        <pc:cxnChg chg="add del mod">
+          <ac:chgData name="Jia Jones" userId="a3b0c72f-e186-4738-b8d6-28e077c699c2" providerId="ADAL" clId="{61DAA024-F5F8-43EC-9B0A-FFE5A2F563BA}" dt="2024-11-25T02:20:08.008" v="1353" actId="478"/>
+          <ac:cxnSpMkLst>
+            <pc:docMk/>
+            <pc:sldMk cId="3992931225" sldId="264"/>
+            <ac:cxnSpMk id="18" creationId="{01D1FEFE-77BC-E618-14F9-D8A3DC13B50C}"/>
+          </ac:cxnSpMkLst>
+        </pc:cxnChg>
+        <pc:cxnChg chg="add mod">
+          <ac:chgData name="Jia Jones" userId="a3b0c72f-e186-4738-b8d6-28e077c699c2" providerId="ADAL" clId="{61DAA024-F5F8-43EC-9B0A-FFE5A2F563BA}" dt="2024-11-25T02:20:35.640" v="1360" actId="164"/>
+          <ac:cxnSpMkLst>
+            <pc:docMk/>
+            <pc:sldMk cId="3992931225" sldId="264"/>
+            <ac:cxnSpMk id="20" creationId="{981C33E4-C04E-46F3-F083-DE6999A6C0DB}"/>
+          </ac:cxnSpMkLst>
+        </pc:cxnChg>
+        <pc:cxnChg chg="add mod">
+          <ac:chgData name="Jia Jones" userId="a3b0c72f-e186-4738-b8d6-28e077c699c2" providerId="ADAL" clId="{61DAA024-F5F8-43EC-9B0A-FFE5A2F563BA}" dt="2024-11-25T02:20:35.640" v="1360" actId="164"/>
+          <ac:cxnSpMkLst>
+            <pc:docMk/>
+            <pc:sldMk cId="3992931225" sldId="264"/>
+            <ac:cxnSpMk id="25" creationId="{6DF16B04-EEDE-8695-F434-FBE692672036}"/>
+          </ac:cxnSpMkLst>
+        </pc:cxnChg>
+        <pc:cxnChg chg="add mod">
+          <ac:chgData name="Jia Jones" userId="a3b0c72f-e186-4738-b8d6-28e077c699c2" providerId="ADAL" clId="{61DAA024-F5F8-43EC-9B0A-FFE5A2F563BA}" dt="2024-11-25T02:20:35.640" v="1360" actId="164"/>
+          <ac:cxnSpMkLst>
+            <pc:docMk/>
+            <pc:sldMk cId="3992931225" sldId="264"/>
+            <ac:cxnSpMk id="27" creationId="{A64446F5-5318-AB78-9239-99FE060E88A9}"/>
+          </ac:cxnSpMkLst>
+        </pc:cxnChg>
+        <pc:cxnChg chg="add mod">
+          <ac:chgData name="Jia Jones" userId="a3b0c72f-e186-4738-b8d6-28e077c699c2" providerId="ADAL" clId="{61DAA024-F5F8-43EC-9B0A-FFE5A2F563BA}" dt="2024-11-25T02:20:35.640" v="1360" actId="164"/>
+          <ac:cxnSpMkLst>
+            <pc:docMk/>
+            <pc:sldMk cId="3992931225" sldId="264"/>
+            <ac:cxnSpMk id="31" creationId="{34751190-FBD6-CFF9-0558-44B5A180B286}"/>
+          </ac:cxnSpMkLst>
+        </pc:cxnChg>
+        <pc:cxnChg chg="mod">
+          <ac:chgData name="Jia Jones" userId="a3b0c72f-e186-4738-b8d6-28e077c699c2" providerId="ADAL" clId="{61DAA024-F5F8-43EC-9B0A-FFE5A2F563BA}" dt="2024-11-25T02:20:41.888" v="1362"/>
+          <ac:cxnSpMkLst>
+            <pc:docMk/>
+            <pc:sldMk cId="3992931225" sldId="264"/>
+            <ac:cxnSpMk id="36" creationId="{29E77302-2097-14FA-6F4A-E2DFEAAC0736}"/>
+          </ac:cxnSpMkLst>
+        </pc:cxnChg>
+        <pc:cxnChg chg="del mod">
+          <ac:chgData name="Jia Jones" userId="a3b0c72f-e186-4738-b8d6-28e077c699c2" providerId="ADAL" clId="{61DAA024-F5F8-43EC-9B0A-FFE5A2F563BA}" dt="2024-11-25T02:22:56.541" v="1401" actId="478"/>
+          <ac:cxnSpMkLst>
+            <pc:docMk/>
+            <pc:sldMk cId="3992931225" sldId="264"/>
+            <ac:cxnSpMk id="37" creationId="{3EB68351-4A1D-ED14-BC28-E654C5B65EE5}"/>
+          </ac:cxnSpMkLst>
+        </pc:cxnChg>
+        <pc:cxnChg chg="mod">
+          <ac:chgData name="Jia Jones" userId="a3b0c72f-e186-4738-b8d6-28e077c699c2" providerId="ADAL" clId="{61DAA024-F5F8-43EC-9B0A-FFE5A2F563BA}" dt="2024-11-25T02:20:41.888" v="1362"/>
+          <ac:cxnSpMkLst>
+            <pc:docMk/>
+            <pc:sldMk cId="3992931225" sldId="264"/>
+            <ac:cxnSpMk id="38" creationId="{8A1FD8FD-2796-19D1-9CB4-C5E88F9A34CE}"/>
+          </ac:cxnSpMkLst>
+        </pc:cxnChg>
+        <pc:cxnChg chg="mod">
+          <ac:chgData name="Jia Jones" userId="a3b0c72f-e186-4738-b8d6-28e077c699c2" providerId="ADAL" clId="{61DAA024-F5F8-43EC-9B0A-FFE5A2F563BA}" dt="2024-11-25T02:20:41.888" v="1362"/>
+          <ac:cxnSpMkLst>
+            <pc:docMk/>
+            <pc:sldMk cId="3992931225" sldId="264"/>
+            <ac:cxnSpMk id="39" creationId="{54A928AD-C0D1-08CB-5823-81F79E6A0D65}"/>
+          </ac:cxnSpMkLst>
+        </pc:cxnChg>
+        <pc:cxnChg chg="del mod">
+          <ac:chgData name="Jia Jones" userId="a3b0c72f-e186-4738-b8d6-28e077c699c2" providerId="ADAL" clId="{61DAA024-F5F8-43EC-9B0A-FFE5A2F563BA}" dt="2024-11-25T02:22:55.349" v="1400" actId="478"/>
+          <ac:cxnSpMkLst>
+            <pc:docMk/>
+            <pc:sldMk cId="3992931225" sldId="264"/>
+            <ac:cxnSpMk id="41" creationId="{C72DA9F5-0C5F-1073-06FF-FB349D47D286}"/>
+          </ac:cxnSpMkLst>
+        </pc:cxnChg>
+        <pc:cxnChg chg="add mod">
+          <ac:chgData name="Jia Jones" userId="a3b0c72f-e186-4738-b8d6-28e077c699c2" providerId="ADAL" clId="{61DAA024-F5F8-43EC-9B0A-FFE5A2F563BA}" dt="2024-11-25T02:23:04.722" v="1403" actId="1076"/>
+          <ac:cxnSpMkLst>
+            <pc:docMk/>
+            <pc:sldMk cId="3992931225" sldId="264"/>
+            <ac:cxnSpMk id="42" creationId="{08074D2C-5E24-CF61-AA21-0FBE82B36332}"/>
+          </ac:cxnSpMkLst>
+        </pc:cxnChg>
+        <pc:cxnChg chg="add mod">
+          <ac:chgData name="Jia Jones" userId="a3b0c72f-e186-4738-b8d6-28e077c699c2" providerId="ADAL" clId="{61DAA024-F5F8-43EC-9B0A-FFE5A2F563BA}" dt="2024-11-25T02:23:04.722" v="1403" actId="1076"/>
+          <ac:cxnSpMkLst>
+            <pc:docMk/>
+            <pc:sldMk cId="3992931225" sldId="264"/>
+            <ac:cxnSpMk id="43" creationId="{A1729542-05F2-3626-E7D4-287F974B4BFB}"/>
+          </ac:cxnSpMkLst>
+        </pc:cxnChg>
       </pc:sldChg>
       <pc:sldChg chg="addSp modSp add mod modNotesTx">
         <pc:chgData name="Jia Jones" userId="a3b0c72f-e186-4738-b8d6-28e077c699c2" providerId="ADAL" clId="{61DAA024-F5F8-43EC-9B0A-FFE5A2F563BA}" dt="2024-11-18T02:56:06.100" v="855" actId="313"/>
@@ -6520,8 +6696,8 @@
           </a:prstGeom>
         </p:spPr>
       </p:pic>
-      <mc:AlternateContent xmlns:mc="http://schemas.openxmlformats.org/markup-compatibility/2006">
-        <mc:Choice xmlns:p14="http://schemas.microsoft.com/office/powerpoint/2010/main" Requires="p14">
+      <mc:AlternateContent xmlns:mc="http://schemas.openxmlformats.org/markup-compatibility/2006" xmlns:p14="http://schemas.microsoft.com/office/powerpoint/2010/main">
+        <mc:Choice Requires="p14">
           <p:contentPart p14:bwMode="auto" r:id="rId5">
             <p14:nvContentPartPr>
               <p14:cNvPr id="3" name="Ink 2">
@@ -6540,7 +6716,7 @@
             </p14:xfrm>
           </p:contentPart>
         </mc:Choice>
-        <mc:Fallback>
+        <mc:Fallback xmlns="">
           <p:pic>
             <p:nvPicPr>
               <p:cNvPr id="3" name="Ink 2">
@@ -6591,8 +6767,8 @@
             <a:chExt cx="730440" cy="595440"/>
           </a:xfrm>
         </p:grpSpPr>
-        <mc:AlternateContent xmlns:mc="http://schemas.openxmlformats.org/markup-compatibility/2006">
-          <mc:Choice xmlns:p14="http://schemas.microsoft.com/office/powerpoint/2010/main" Requires="p14">
+        <mc:AlternateContent xmlns:mc="http://schemas.openxmlformats.org/markup-compatibility/2006" xmlns:p14="http://schemas.microsoft.com/office/powerpoint/2010/main">
+          <mc:Choice Requires="p14">
             <p:contentPart p14:bwMode="auto" r:id="rId7">
               <p14:nvContentPartPr>
                 <p14:cNvPr id="4" name="Ink 3">
@@ -6611,7 +6787,7 @@
               </p14:xfrm>
             </p:contentPart>
           </mc:Choice>
-          <mc:Fallback>
+          <mc:Fallback xmlns="">
             <p:pic>
               <p:nvPicPr>
                 <p:cNvPr id="4" name="Ink 3">
@@ -6642,8 +6818,8 @@
             </p:pic>
           </mc:Fallback>
         </mc:AlternateContent>
-        <mc:AlternateContent xmlns:mc="http://schemas.openxmlformats.org/markup-compatibility/2006">
-          <mc:Choice xmlns:p14="http://schemas.microsoft.com/office/powerpoint/2010/main" Requires="p14">
+        <mc:AlternateContent xmlns:mc="http://schemas.openxmlformats.org/markup-compatibility/2006" xmlns:p14="http://schemas.microsoft.com/office/powerpoint/2010/main">
+          <mc:Choice Requires="p14">
             <p:contentPart p14:bwMode="auto" r:id="rId9">
               <p14:nvContentPartPr>
                 <p14:cNvPr id="5" name="Ink 4">
@@ -6662,7 +6838,7 @@
               </p14:xfrm>
             </p:contentPart>
           </mc:Choice>
-          <mc:Fallback>
+          <mc:Fallback xmlns="">
             <p:pic>
               <p:nvPicPr>
                 <p:cNvPr id="5" name="Ink 4">
@@ -6694,8 +6870,8 @@
           </mc:Fallback>
         </mc:AlternateContent>
       </p:grpSp>
-      <mc:AlternateContent xmlns:mc="http://schemas.openxmlformats.org/markup-compatibility/2006">
-        <mc:Choice xmlns:p14="http://schemas.microsoft.com/office/powerpoint/2010/main" Requires="p14">
+      <mc:AlternateContent xmlns:mc="http://schemas.openxmlformats.org/markup-compatibility/2006" xmlns:p14="http://schemas.microsoft.com/office/powerpoint/2010/main">
+        <mc:Choice Requires="p14">
           <p:contentPart p14:bwMode="auto" r:id="rId11">
             <p14:nvContentPartPr>
               <p14:cNvPr id="7" name="Ink 6">
@@ -6714,7 +6890,7 @@
             </p14:xfrm>
           </p:contentPart>
         </mc:Choice>
-        <mc:Fallback>
+        <mc:Fallback xmlns="">
           <p:pic>
             <p:nvPicPr>
               <p:cNvPr id="7" name="Ink 6">
@@ -6745,8 +6921,8 @@
           </p:pic>
         </mc:Fallback>
       </mc:AlternateContent>
-      <mc:AlternateContent xmlns:mc="http://schemas.openxmlformats.org/markup-compatibility/2006">
-        <mc:Choice xmlns:p14="http://schemas.microsoft.com/office/powerpoint/2010/main" Requires="p14">
+      <mc:AlternateContent xmlns:mc="http://schemas.openxmlformats.org/markup-compatibility/2006" xmlns:p14="http://schemas.microsoft.com/office/powerpoint/2010/main">
+        <mc:Choice Requires="p14">
           <p:contentPart p14:bwMode="auto" r:id="rId13">
             <p14:nvContentPartPr>
               <p14:cNvPr id="9" name="Ink 8">
@@ -6765,7 +6941,7 @@
             </p14:xfrm>
           </p:contentPart>
         </mc:Choice>
-        <mc:Fallback>
+        <mc:Fallback xmlns="">
           <p:pic>
             <p:nvPicPr>
               <p:cNvPr id="9" name="Ink 8">
@@ -6796,8 +6972,8 @@
           </p:pic>
         </mc:Fallback>
       </mc:AlternateContent>
-      <mc:AlternateContent xmlns:mc="http://schemas.openxmlformats.org/markup-compatibility/2006">
-        <mc:Choice xmlns:p14="http://schemas.microsoft.com/office/powerpoint/2010/main" Requires="p14">
+      <mc:AlternateContent xmlns:mc="http://schemas.openxmlformats.org/markup-compatibility/2006" xmlns:p14="http://schemas.microsoft.com/office/powerpoint/2010/main">
+        <mc:Choice Requires="p14">
           <p:contentPart p14:bwMode="auto" r:id="rId15">
             <p14:nvContentPartPr>
               <p14:cNvPr id="18" name="Ink 17">
@@ -6816,7 +6992,7 @@
             </p14:xfrm>
           </p:contentPart>
         </mc:Choice>
-        <mc:Fallback>
+        <mc:Fallback xmlns="">
           <p:pic>
             <p:nvPicPr>
               <p:cNvPr id="18" name="Ink 17">
@@ -6867,8 +7043,8 @@
             <a:chExt cx="286920" cy="171360"/>
           </a:xfrm>
         </p:grpSpPr>
-        <mc:AlternateContent xmlns:mc="http://schemas.openxmlformats.org/markup-compatibility/2006">
-          <mc:Choice xmlns:p14="http://schemas.microsoft.com/office/powerpoint/2010/main" Requires="p14">
+        <mc:AlternateContent xmlns:mc="http://schemas.openxmlformats.org/markup-compatibility/2006" xmlns:p14="http://schemas.microsoft.com/office/powerpoint/2010/main">
+          <mc:Choice Requires="p14">
             <p:contentPart p14:bwMode="auto" r:id="rId17">
               <p14:nvContentPartPr>
                 <p14:cNvPr id="19" name="Ink 18">
@@ -6887,7 +7063,7 @@
               </p14:xfrm>
             </p:contentPart>
           </mc:Choice>
-          <mc:Fallback>
+          <mc:Fallback xmlns="">
             <p:pic>
               <p:nvPicPr>
                 <p:cNvPr id="19" name="Ink 18">
@@ -6918,8 +7094,8 @@
             </p:pic>
           </mc:Fallback>
         </mc:AlternateContent>
-        <mc:AlternateContent xmlns:mc="http://schemas.openxmlformats.org/markup-compatibility/2006">
-          <mc:Choice xmlns:p14="http://schemas.microsoft.com/office/powerpoint/2010/main" Requires="p14">
+        <mc:AlternateContent xmlns:mc="http://schemas.openxmlformats.org/markup-compatibility/2006" xmlns:p14="http://schemas.microsoft.com/office/powerpoint/2010/main">
+          <mc:Choice Requires="p14">
             <p:contentPart p14:bwMode="auto" r:id="rId19">
               <p14:nvContentPartPr>
                 <p14:cNvPr id="20" name="Ink 19">
@@ -6938,7 +7114,7 @@
               </p14:xfrm>
             </p:contentPart>
           </mc:Choice>
-          <mc:Fallback>
+          <mc:Fallback xmlns="">
             <p:pic>
               <p:nvPicPr>
                 <p:cNvPr id="20" name="Ink 19">
@@ -6969,8 +7145,8 @@
             </p:pic>
           </mc:Fallback>
         </mc:AlternateContent>
-        <mc:AlternateContent xmlns:mc="http://schemas.openxmlformats.org/markup-compatibility/2006">
-          <mc:Choice xmlns:p14="http://schemas.microsoft.com/office/powerpoint/2010/main" Requires="p14">
+        <mc:AlternateContent xmlns:mc="http://schemas.openxmlformats.org/markup-compatibility/2006" xmlns:p14="http://schemas.microsoft.com/office/powerpoint/2010/main">
+          <mc:Choice Requires="p14">
             <p:contentPart p14:bwMode="auto" r:id="rId21">
               <p14:nvContentPartPr>
                 <p14:cNvPr id="21" name="Ink 20">
@@ -6989,7 +7165,7 @@
               </p14:xfrm>
             </p:contentPart>
           </mc:Choice>
-          <mc:Fallback>
+          <mc:Fallback xmlns="">
             <p:pic>
               <p:nvPicPr>
                 <p:cNvPr id="21" name="Ink 20">
@@ -7041,8 +7217,8 @@
             <a:chExt cx="592200" cy="223560"/>
           </a:xfrm>
         </p:grpSpPr>
-        <mc:AlternateContent xmlns:mc="http://schemas.openxmlformats.org/markup-compatibility/2006">
-          <mc:Choice xmlns:p14="http://schemas.microsoft.com/office/powerpoint/2010/main" Requires="p14">
+        <mc:AlternateContent xmlns:mc="http://schemas.openxmlformats.org/markup-compatibility/2006" xmlns:p14="http://schemas.microsoft.com/office/powerpoint/2010/main">
+          <mc:Choice Requires="p14">
             <p:contentPart p14:bwMode="auto" r:id="rId23">
               <p14:nvContentPartPr>
                 <p14:cNvPr id="24" name="Ink 23">
@@ -7061,7 +7237,7 @@
               </p14:xfrm>
             </p:contentPart>
           </mc:Choice>
-          <mc:Fallback>
+          <mc:Fallback xmlns="">
             <p:pic>
               <p:nvPicPr>
                 <p:cNvPr id="24" name="Ink 23">
@@ -7092,8 +7268,8 @@
             </p:pic>
           </mc:Fallback>
         </mc:AlternateContent>
-        <mc:AlternateContent xmlns:mc="http://schemas.openxmlformats.org/markup-compatibility/2006">
-          <mc:Choice xmlns:p14="http://schemas.microsoft.com/office/powerpoint/2010/main" Requires="p14">
+        <mc:AlternateContent xmlns:mc="http://schemas.openxmlformats.org/markup-compatibility/2006" xmlns:p14="http://schemas.microsoft.com/office/powerpoint/2010/main">
+          <mc:Choice Requires="p14">
             <p:contentPart p14:bwMode="auto" r:id="rId25">
               <p14:nvContentPartPr>
                 <p14:cNvPr id="25" name="Ink 24">
@@ -7112,7 +7288,7 @@
               </p14:xfrm>
             </p:contentPart>
           </mc:Choice>
-          <mc:Fallback>
+          <mc:Fallback xmlns="">
             <p:pic>
               <p:nvPicPr>
                 <p:cNvPr id="25" name="Ink 24">
@@ -7143,8 +7319,8 @@
             </p:pic>
           </mc:Fallback>
         </mc:AlternateContent>
-        <mc:AlternateContent xmlns:mc="http://schemas.openxmlformats.org/markup-compatibility/2006">
-          <mc:Choice xmlns:p14="http://schemas.microsoft.com/office/powerpoint/2010/main" Requires="p14">
+        <mc:AlternateContent xmlns:mc="http://schemas.openxmlformats.org/markup-compatibility/2006" xmlns:p14="http://schemas.microsoft.com/office/powerpoint/2010/main">
+          <mc:Choice Requires="p14">
             <p:contentPart p14:bwMode="auto" r:id="rId27">
               <p14:nvContentPartPr>
                 <p14:cNvPr id="26" name="Ink 25">
@@ -7163,7 +7339,7 @@
               </p14:xfrm>
             </p:contentPart>
           </mc:Choice>
-          <mc:Fallback>
+          <mc:Fallback xmlns="">
             <p:pic>
               <p:nvPicPr>
                 <p:cNvPr id="26" name="Ink 25">
@@ -7215,8 +7391,8 @@
             <a:chExt cx="486000" cy="224640"/>
           </a:xfrm>
         </p:grpSpPr>
-        <mc:AlternateContent xmlns:mc="http://schemas.openxmlformats.org/markup-compatibility/2006">
-          <mc:Choice xmlns:p14="http://schemas.microsoft.com/office/powerpoint/2010/main" Requires="p14">
+        <mc:AlternateContent xmlns:mc="http://schemas.openxmlformats.org/markup-compatibility/2006" xmlns:p14="http://schemas.microsoft.com/office/powerpoint/2010/main">
+          <mc:Choice Requires="p14">
             <p:contentPart p14:bwMode="auto" r:id="rId29">
               <p14:nvContentPartPr>
                 <p14:cNvPr id="12" name="Ink 11">
@@ -7235,7 +7411,7 @@
               </p14:xfrm>
             </p:contentPart>
           </mc:Choice>
-          <mc:Fallback>
+          <mc:Fallback xmlns="">
             <p:pic>
               <p:nvPicPr>
                 <p:cNvPr id="12" name="Ink 11">
@@ -7266,8 +7442,8 @@
             </p:pic>
           </mc:Fallback>
         </mc:AlternateContent>
-        <mc:AlternateContent xmlns:mc="http://schemas.openxmlformats.org/markup-compatibility/2006">
-          <mc:Choice xmlns:p14="http://schemas.microsoft.com/office/powerpoint/2010/main" Requires="p14">
+        <mc:AlternateContent xmlns:mc="http://schemas.openxmlformats.org/markup-compatibility/2006" xmlns:p14="http://schemas.microsoft.com/office/powerpoint/2010/main">
+          <mc:Choice Requires="p14">
             <p:contentPart p14:bwMode="auto" r:id="rId31">
               <p14:nvContentPartPr>
                 <p14:cNvPr id="13" name="Ink 12">
@@ -7286,7 +7462,7 @@
               </p14:xfrm>
             </p:contentPart>
           </mc:Choice>
-          <mc:Fallback>
+          <mc:Fallback xmlns="">
             <p:pic>
               <p:nvPicPr>
                 <p:cNvPr id="13" name="Ink 12">
@@ -7317,8 +7493,8 @@
             </p:pic>
           </mc:Fallback>
         </mc:AlternateContent>
-        <mc:AlternateContent xmlns:mc="http://schemas.openxmlformats.org/markup-compatibility/2006">
-          <mc:Choice xmlns:p14="http://schemas.microsoft.com/office/powerpoint/2010/main" Requires="p14">
+        <mc:AlternateContent xmlns:mc="http://schemas.openxmlformats.org/markup-compatibility/2006" xmlns:p14="http://schemas.microsoft.com/office/powerpoint/2010/main">
+          <mc:Choice Requires="p14">
             <p:contentPart p14:bwMode="auto" r:id="rId33">
               <p14:nvContentPartPr>
                 <p14:cNvPr id="28" name="Ink 27">
@@ -7337,7 +7513,7 @@
               </p14:xfrm>
             </p:contentPart>
           </mc:Choice>
-          <mc:Fallback>
+          <mc:Fallback xmlns="">
             <p:pic>
               <p:nvPicPr>
                 <p:cNvPr id="28" name="Ink 27">
@@ -7368,8 +7544,8 @@
             </p:pic>
           </mc:Fallback>
         </mc:AlternateContent>
-        <mc:AlternateContent xmlns:mc="http://schemas.openxmlformats.org/markup-compatibility/2006">
-          <mc:Choice xmlns:p14="http://schemas.microsoft.com/office/powerpoint/2010/main" Requires="p14">
+        <mc:AlternateContent xmlns:mc="http://schemas.openxmlformats.org/markup-compatibility/2006" xmlns:p14="http://schemas.microsoft.com/office/powerpoint/2010/main">
+          <mc:Choice Requires="p14">
             <p:contentPart p14:bwMode="auto" r:id="rId35">
               <p14:nvContentPartPr>
                 <p14:cNvPr id="29" name="Ink 28">
@@ -7388,7 +7564,7 @@
               </p14:xfrm>
             </p:contentPart>
           </mc:Choice>
-          <mc:Fallback>
+          <mc:Fallback xmlns="">
             <p:pic>
               <p:nvPicPr>
                 <p:cNvPr id="29" name="Ink 28">
@@ -13114,6 +13290,1535 @@
           </p:txBody>
         </p:sp>
       </p:grpSp>
+      <p:graphicFrame>
+        <p:nvGraphicFramePr>
+          <p:cNvPr id="2" name="Table 1">
+            <a:extLst>
+              <a:ext uri="{FF2B5EF4-FFF2-40B4-BE49-F238E27FC236}">
+                <a16:creationId xmlns:a16="http://schemas.microsoft.com/office/drawing/2014/main" id="{99EAAF6F-399F-86D8-E5D7-65AA2798F1C6}"/>
+              </a:ext>
+            </a:extLst>
+          </p:cNvPr>
+          <p:cNvGraphicFramePr>
+            <a:graphicFrameLocks noGrp="1"/>
+          </p:cNvGraphicFramePr>
+          <p:nvPr>
+            <p:extLst>
+              <p:ext uri="{D42A27DB-BD31-4B8C-83A1-F6EECF244321}">
+                <p14:modId xmlns:p14="http://schemas.microsoft.com/office/powerpoint/2010/main" val="3727605723"/>
+              </p:ext>
+            </p:extLst>
+          </p:nvPr>
+        </p:nvGraphicFramePr>
+        <p:xfrm>
+          <a:off x="442131" y="1721143"/>
+          <a:ext cx="3315418" cy="4820920"/>
+        </p:xfrm>
+        <a:graphic>
+          <a:graphicData uri="http://schemas.openxmlformats.org/drawingml/2006/table">
+            <a:tbl>
+              <a:tblPr firstRow="1" bandRow="1">
+                <a:tableStyleId>{5C22544A-7EE6-4342-B048-85BDC9FD1C3A}</a:tableStyleId>
+              </a:tblPr>
+              <a:tblGrid>
+                <a:gridCol w="1657709">
+                  <a:extLst>
+                    <a:ext uri="{9D8B030D-6E8A-4147-A177-3AD203B41FA5}">
+                      <a16:colId xmlns:a16="http://schemas.microsoft.com/office/drawing/2014/main" val="2575702891"/>
+                    </a:ext>
+                  </a:extLst>
+                </a:gridCol>
+                <a:gridCol w="1657709">
+                  <a:extLst>
+                    <a:ext uri="{9D8B030D-6E8A-4147-A177-3AD203B41FA5}">
+                      <a16:colId xmlns:a16="http://schemas.microsoft.com/office/drawing/2014/main" val="3419242887"/>
+                    </a:ext>
+                  </a:extLst>
+                </a:gridCol>
+              </a:tblGrid>
+              <a:tr h="370840">
+                <a:tc gridSpan="2">
+                  <a:txBody>
+                    <a:bodyPr/>
+                    <a:lstStyle/>
+                    <a:p>
+                      <a:pPr algn="ctr"/>
+                      <a:r>
+                        <a:rPr lang="en-US" dirty="0">
+                          <a:solidFill>
+                            <a:srgbClr val="0F3874"/>
+                          </a:solidFill>
+                        </a:rPr>
+                        <a:t>User</a:t>
+                      </a:r>
+                    </a:p>
+                  </a:txBody>
+                  <a:tcPr>
+                    <a:solidFill>
+                      <a:srgbClr val="E7EAED"/>
+                    </a:solidFill>
+                  </a:tcPr>
+                </a:tc>
+                <a:tc hMerge="1">
+                  <a:txBody>
+                    <a:bodyPr/>
+                    <a:lstStyle/>
+                    <a:p>
+                      <a:endParaRPr lang="en-US" dirty="0"/>
+                    </a:p>
+                  </a:txBody>
+                  <a:tcPr>
+                    <a:solidFill>
+                      <a:srgbClr val="E7EAED"/>
+                    </a:solidFill>
+                  </a:tcPr>
+                </a:tc>
+                <a:extLst>
+                  <a:ext uri="{0D108BD9-81ED-4DB2-BD59-A6C34878D82A}">
+                    <a16:rowId xmlns:a16="http://schemas.microsoft.com/office/drawing/2014/main" val="1748889807"/>
+                  </a:ext>
+                </a:extLst>
+              </a:tr>
+              <a:tr h="370840">
+                <a:tc>
+                  <a:txBody>
+                    <a:bodyPr/>
+                    <a:lstStyle/>
+                    <a:p>
+                      <a:r>
+                        <a:rPr lang="en-US" dirty="0">
+                          <a:solidFill>
+                            <a:srgbClr val="0F3874"/>
+                          </a:solidFill>
+                        </a:rPr>
+                        <a:t>ID</a:t>
+                      </a:r>
+                    </a:p>
+                  </a:txBody>
+                  <a:tcPr/>
+                </a:tc>
+                <a:tc>
+                  <a:txBody>
+                    <a:bodyPr/>
+                    <a:lstStyle/>
+                    <a:p>
+                      <a:r>
+                        <a:rPr lang="en-US" dirty="0">
+                          <a:solidFill>
+                            <a:srgbClr val="0F3874"/>
+                          </a:solidFill>
+                        </a:rPr>
+                        <a:t>Int</a:t>
+                      </a:r>
+                    </a:p>
+                  </a:txBody>
+                  <a:tcPr/>
+                </a:tc>
+                <a:extLst>
+                  <a:ext uri="{0D108BD9-81ED-4DB2-BD59-A6C34878D82A}">
+                    <a16:rowId xmlns:a16="http://schemas.microsoft.com/office/drawing/2014/main" val="438155033"/>
+                  </a:ext>
+                </a:extLst>
+              </a:tr>
+              <a:tr h="370840">
+                <a:tc>
+                  <a:txBody>
+                    <a:bodyPr/>
+                    <a:lstStyle/>
+                    <a:p>
+                      <a:r>
+                        <a:rPr lang="en-US" dirty="0">
+                          <a:solidFill>
+                            <a:srgbClr val="0F3874"/>
+                          </a:solidFill>
+                        </a:rPr>
+                        <a:t>FirstName</a:t>
+                      </a:r>
+                    </a:p>
+                  </a:txBody>
+                  <a:tcPr/>
+                </a:tc>
+                <a:tc>
+                  <a:txBody>
+                    <a:bodyPr/>
+                    <a:lstStyle/>
+                    <a:p>
+                      <a:r>
+                        <a:rPr lang="en-US" dirty="0">
+                          <a:solidFill>
+                            <a:srgbClr val="0F3874"/>
+                          </a:solidFill>
+                        </a:rPr>
+                        <a:t>VarChar</a:t>
+                      </a:r>
+                    </a:p>
+                  </a:txBody>
+                  <a:tcPr/>
+                </a:tc>
+                <a:extLst>
+                  <a:ext uri="{0D108BD9-81ED-4DB2-BD59-A6C34878D82A}">
+                    <a16:rowId xmlns:a16="http://schemas.microsoft.com/office/drawing/2014/main" val="2441643462"/>
+                  </a:ext>
+                </a:extLst>
+              </a:tr>
+              <a:tr h="370840">
+                <a:tc>
+                  <a:txBody>
+                    <a:bodyPr/>
+                    <a:lstStyle/>
+                    <a:p>
+                      <a:r>
+                        <a:rPr lang="en-US" dirty="0">
+                          <a:solidFill>
+                            <a:srgbClr val="0F3874"/>
+                          </a:solidFill>
+                        </a:rPr>
+                        <a:t>LastName</a:t>
+                      </a:r>
+                    </a:p>
+                  </a:txBody>
+                  <a:tcPr/>
+                </a:tc>
+                <a:tc>
+                  <a:txBody>
+                    <a:bodyPr/>
+                    <a:lstStyle/>
+                    <a:p>
+                      <a:r>
+                        <a:rPr lang="en-US" dirty="0">
+                          <a:solidFill>
+                            <a:srgbClr val="0F3874"/>
+                          </a:solidFill>
+                        </a:rPr>
+                        <a:t>VarChar</a:t>
+                      </a:r>
+                    </a:p>
+                  </a:txBody>
+                  <a:tcPr/>
+                </a:tc>
+                <a:extLst>
+                  <a:ext uri="{0D108BD9-81ED-4DB2-BD59-A6C34878D82A}">
+                    <a16:rowId xmlns:a16="http://schemas.microsoft.com/office/drawing/2014/main" val="2216924842"/>
+                  </a:ext>
+                </a:extLst>
+              </a:tr>
+              <a:tr h="370840">
+                <a:tc>
+                  <a:txBody>
+                    <a:bodyPr/>
+                    <a:lstStyle/>
+                    <a:p>
+                      <a:r>
+                        <a:rPr lang="en-US" dirty="0">
+                          <a:solidFill>
+                            <a:srgbClr val="0F3874"/>
+                          </a:solidFill>
+                        </a:rPr>
+                        <a:t>Email</a:t>
+                      </a:r>
+                    </a:p>
+                  </a:txBody>
+                  <a:tcPr/>
+                </a:tc>
+                <a:tc>
+                  <a:txBody>
+                    <a:bodyPr/>
+                    <a:lstStyle/>
+                    <a:p>
+                      <a:r>
+                        <a:rPr lang="en-US" dirty="0">
+                          <a:solidFill>
+                            <a:srgbClr val="0F3874"/>
+                          </a:solidFill>
+                        </a:rPr>
+                        <a:t>VarChar</a:t>
+                      </a:r>
+                    </a:p>
+                  </a:txBody>
+                  <a:tcPr/>
+                </a:tc>
+                <a:extLst>
+                  <a:ext uri="{0D108BD9-81ED-4DB2-BD59-A6C34878D82A}">
+                    <a16:rowId xmlns:a16="http://schemas.microsoft.com/office/drawing/2014/main" val="3726972817"/>
+                  </a:ext>
+                </a:extLst>
+              </a:tr>
+              <a:tr h="370840">
+                <a:tc>
+                  <a:txBody>
+                    <a:bodyPr/>
+                    <a:lstStyle/>
+                    <a:p>
+                      <a:r>
+                        <a:rPr lang="en-US" dirty="0">
+                          <a:solidFill>
+                            <a:srgbClr val="0F3874"/>
+                          </a:solidFill>
+                        </a:rPr>
+                        <a:t>Password</a:t>
+                      </a:r>
+                    </a:p>
+                  </a:txBody>
+                  <a:tcPr/>
+                </a:tc>
+                <a:tc>
+                  <a:txBody>
+                    <a:bodyPr/>
+                    <a:lstStyle/>
+                    <a:p>
+                      <a:r>
+                        <a:rPr lang="en-US" dirty="0">
+                          <a:solidFill>
+                            <a:srgbClr val="0F3874"/>
+                          </a:solidFill>
+                        </a:rPr>
+                        <a:t>VarChar</a:t>
+                      </a:r>
+                    </a:p>
+                  </a:txBody>
+                  <a:tcPr/>
+                </a:tc>
+                <a:extLst>
+                  <a:ext uri="{0D108BD9-81ED-4DB2-BD59-A6C34878D82A}">
+                    <a16:rowId xmlns:a16="http://schemas.microsoft.com/office/drawing/2014/main" val="1016691113"/>
+                  </a:ext>
+                </a:extLst>
+              </a:tr>
+              <a:tr h="370840">
+                <a:tc>
+                  <a:txBody>
+                    <a:bodyPr/>
+                    <a:lstStyle/>
+                    <a:p>
+                      <a:r>
+                        <a:rPr lang="en-US" dirty="0">
+                          <a:solidFill>
+                            <a:srgbClr val="0F3874"/>
+                          </a:solidFill>
+                        </a:rPr>
+                        <a:t>Age</a:t>
+                      </a:r>
+                    </a:p>
+                  </a:txBody>
+                  <a:tcPr/>
+                </a:tc>
+                <a:tc>
+                  <a:txBody>
+                    <a:bodyPr/>
+                    <a:lstStyle/>
+                    <a:p>
+                      <a:r>
+                        <a:rPr lang="en-US" dirty="0">
+                          <a:solidFill>
+                            <a:srgbClr val="0F3874"/>
+                          </a:solidFill>
+                        </a:rPr>
+                        <a:t>Int</a:t>
+                      </a:r>
+                    </a:p>
+                  </a:txBody>
+                  <a:tcPr/>
+                </a:tc>
+                <a:extLst>
+                  <a:ext uri="{0D108BD9-81ED-4DB2-BD59-A6C34878D82A}">
+                    <a16:rowId xmlns:a16="http://schemas.microsoft.com/office/drawing/2014/main" val="3745544634"/>
+                  </a:ext>
+                </a:extLst>
+              </a:tr>
+              <a:tr h="370840">
+                <a:tc>
+                  <a:txBody>
+                    <a:bodyPr/>
+                    <a:lstStyle/>
+                    <a:p>
+                      <a:r>
+                        <a:rPr lang="en-US" dirty="0">
+                          <a:solidFill>
+                            <a:srgbClr val="0F3874"/>
+                          </a:solidFill>
+                        </a:rPr>
+                        <a:t>Weight</a:t>
+                      </a:r>
+                    </a:p>
+                  </a:txBody>
+                  <a:tcPr/>
+                </a:tc>
+                <a:tc>
+                  <a:txBody>
+                    <a:bodyPr/>
+                    <a:lstStyle/>
+                    <a:p>
+                      <a:r>
+                        <a:rPr lang="en-US" dirty="0">
+                          <a:solidFill>
+                            <a:srgbClr val="0F3874"/>
+                          </a:solidFill>
+                        </a:rPr>
+                        <a:t>Int</a:t>
+                      </a:r>
+                    </a:p>
+                  </a:txBody>
+                  <a:tcPr/>
+                </a:tc>
+                <a:extLst>
+                  <a:ext uri="{0D108BD9-81ED-4DB2-BD59-A6C34878D82A}">
+                    <a16:rowId xmlns:a16="http://schemas.microsoft.com/office/drawing/2014/main" val="110469016"/>
+                  </a:ext>
+                </a:extLst>
+              </a:tr>
+              <a:tr h="370840">
+                <a:tc>
+                  <a:txBody>
+                    <a:bodyPr/>
+                    <a:lstStyle/>
+                    <a:p>
+                      <a:r>
+                        <a:rPr lang="en-US" dirty="0">
+                          <a:solidFill>
+                            <a:srgbClr val="0F3874"/>
+                          </a:solidFill>
+                        </a:rPr>
+                        <a:t>Sex</a:t>
+                      </a:r>
+                    </a:p>
+                  </a:txBody>
+                  <a:tcPr/>
+                </a:tc>
+                <a:tc>
+                  <a:txBody>
+                    <a:bodyPr/>
+                    <a:lstStyle/>
+                    <a:p>
+                      <a:r>
+                        <a:rPr lang="en-US" dirty="0">
+                          <a:solidFill>
+                            <a:srgbClr val="0F3874"/>
+                          </a:solidFill>
+                        </a:rPr>
+                        <a:t>VarChar</a:t>
+                      </a:r>
+                    </a:p>
+                  </a:txBody>
+                  <a:tcPr/>
+                </a:tc>
+                <a:extLst>
+                  <a:ext uri="{0D108BD9-81ED-4DB2-BD59-A6C34878D82A}">
+                    <a16:rowId xmlns:a16="http://schemas.microsoft.com/office/drawing/2014/main" val="3762331384"/>
+                  </a:ext>
+                </a:extLst>
+              </a:tr>
+              <a:tr h="370840">
+                <a:tc>
+                  <a:txBody>
+                    <a:bodyPr/>
+                    <a:lstStyle/>
+                    <a:p>
+                      <a:r>
+                        <a:rPr lang="en-US" dirty="0">
+                          <a:solidFill>
+                            <a:srgbClr val="0F3874"/>
+                          </a:solidFill>
+                        </a:rPr>
+                        <a:t>Height_Feet</a:t>
+                      </a:r>
+                    </a:p>
+                  </a:txBody>
+                  <a:tcPr/>
+                </a:tc>
+                <a:tc>
+                  <a:txBody>
+                    <a:bodyPr/>
+                    <a:lstStyle/>
+                    <a:p>
+                      <a:r>
+                        <a:rPr lang="en-US" dirty="0">
+                          <a:solidFill>
+                            <a:srgbClr val="0F3874"/>
+                          </a:solidFill>
+                        </a:rPr>
+                        <a:t>Int</a:t>
+                      </a:r>
+                    </a:p>
+                  </a:txBody>
+                  <a:tcPr/>
+                </a:tc>
+                <a:extLst>
+                  <a:ext uri="{0D108BD9-81ED-4DB2-BD59-A6C34878D82A}">
+                    <a16:rowId xmlns:a16="http://schemas.microsoft.com/office/drawing/2014/main" val="2151925983"/>
+                  </a:ext>
+                </a:extLst>
+              </a:tr>
+              <a:tr h="370840">
+                <a:tc>
+                  <a:txBody>
+                    <a:bodyPr/>
+                    <a:lstStyle/>
+                    <a:p>
+                      <a:r>
+                        <a:rPr lang="en-US" dirty="0" err="1">
+                          <a:solidFill>
+                            <a:srgbClr val="0F3874"/>
+                          </a:solidFill>
+                        </a:rPr>
+                        <a:t>Height_Inches</a:t>
+                      </a:r>
+                      <a:endParaRPr lang="en-US" dirty="0">
+                        <a:solidFill>
+                          <a:srgbClr val="0F3874"/>
+                        </a:solidFill>
+                      </a:endParaRPr>
+                    </a:p>
+                  </a:txBody>
+                  <a:tcPr/>
+                </a:tc>
+                <a:tc>
+                  <a:txBody>
+                    <a:bodyPr/>
+                    <a:lstStyle/>
+                    <a:p>
+                      <a:r>
+                        <a:rPr lang="en-US" dirty="0">
+                          <a:solidFill>
+                            <a:srgbClr val="0F3874"/>
+                          </a:solidFill>
+                        </a:rPr>
+                        <a:t>Int</a:t>
+                      </a:r>
+                    </a:p>
+                  </a:txBody>
+                  <a:tcPr/>
+                </a:tc>
+                <a:extLst>
+                  <a:ext uri="{0D108BD9-81ED-4DB2-BD59-A6C34878D82A}">
+                    <a16:rowId xmlns:a16="http://schemas.microsoft.com/office/drawing/2014/main" val="2381821828"/>
+                  </a:ext>
+                </a:extLst>
+              </a:tr>
+              <a:tr h="370840">
+                <a:tc>
+                  <a:txBody>
+                    <a:bodyPr/>
+                    <a:lstStyle/>
+                    <a:p>
+                      <a:r>
+                        <a:rPr lang="en-US" dirty="0" err="1">
+                          <a:solidFill>
+                            <a:srgbClr val="0F3874"/>
+                          </a:solidFill>
+                        </a:rPr>
+                        <a:t>Activity_Level</a:t>
+                      </a:r>
+                      <a:endParaRPr lang="en-US" dirty="0">
+                        <a:solidFill>
+                          <a:srgbClr val="0F3874"/>
+                        </a:solidFill>
+                      </a:endParaRPr>
+                    </a:p>
+                  </a:txBody>
+                  <a:tcPr/>
+                </a:tc>
+                <a:tc>
+                  <a:txBody>
+                    <a:bodyPr/>
+                    <a:lstStyle/>
+                    <a:p>
+                      <a:r>
+                        <a:rPr lang="en-US" dirty="0">
+                          <a:solidFill>
+                            <a:srgbClr val="0F3874"/>
+                          </a:solidFill>
+                        </a:rPr>
+                        <a:t>VarChar</a:t>
+                      </a:r>
+                    </a:p>
+                  </a:txBody>
+                  <a:tcPr/>
+                </a:tc>
+                <a:extLst>
+                  <a:ext uri="{0D108BD9-81ED-4DB2-BD59-A6C34878D82A}">
+                    <a16:rowId xmlns:a16="http://schemas.microsoft.com/office/drawing/2014/main" val="660646652"/>
+                  </a:ext>
+                </a:extLst>
+              </a:tr>
+              <a:tr h="370840">
+                <a:tc>
+                  <a:txBody>
+                    <a:bodyPr/>
+                    <a:lstStyle/>
+                    <a:p>
+                      <a:r>
+                        <a:rPr lang="en-US" dirty="0" err="1">
+                          <a:solidFill>
+                            <a:srgbClr val="0F3874"/>
+                          </a:solidFill>
+                        </a:rPr>
+                        <a:t>Weight_Goal</a:t>
+                      </a:r>
+                      <a:endParaRPr lang="en-US" dirty="0">
+                        <a:solidFill>
+                          <a:srgbClr val="0F3874"/>
+                        </a:solidFill>
+                      </a:endParaRPr>
+                    </a:p>
+                  </a:txBody>
+                  <a:tcPr/>
+                </a:tc>
+                <a:tc>
+                  <a:txBody>
+                    <a:bodyPr/>
+                    <a:lstStyle/>
+                    <a:p>
+                      <a:r>
+                        <a:rPr lang="en-US" dirty="0">
+                          <a:solidFill>
+                            <a:srgbClr val="0F3874"/>
+                          </a:solidFill>
+                        </a:rPr>
+                        <a:t>VarChar</a:t>
+                      </a:r>
+                    </a:p>
+                  </a:txBody>
+                  <a:tcPr/>
+                </a:tc>
+                <a:extLst>
+                  <a:ext uri="{0D108BD9-81ED-4DB2-BD59-A6C34878D82A}">
+                    <a16:rowId xmlns:a16="http://schemas.microsoft.com/office/drawing/2014/main" val="2532892024"/>
+                  </a:ext>
+                </a:extLst>
+              </a:tr>
+            </a:tbl>
+          </a:graphicData>
+        </a:graphic>
+      </p:graphicFrame>
+      <p:graphicFrame>
+        <p:nvGraphicFramePr>
+          <p:cNvPr id="3" name="Table 2">
+            <a:extLst>
+              <a:ext uri="{FF2B5EF4-FFF2-40B4-BE49-F238E27FC236}">
+                <a16:creationId xmlns:a16="http://schemas.microsoft.com/office/drawing/2014/main" id="{36B19B70-CE81-9E23-DA87-8046804A3053}"/>
+              </a:ext>
+            </a:extLst>
+          </p:cNvPr>
+          <p:cNvGraphicFramePr>
+            <a:graphicFrameLocks noGrp="1"/>
+          </p:cNvGraphicFramePr>
+          <p:nvPr>
+            <p:extLst>
+              <p:ext uri="{D42A27DB-BD31-4B8C-83A1-F6EECF244321}">
+                <p14:modId xmlns:p14="http://schemas.microsoft.com/office/powerpoint/2010/main" val="3990257921"/>
+              </p:ext>
+            </p:extLst>
+          </p:nvPr>
+        </p:nvGraphicFramePr>
+        <p:xfrm>
+          <a:off x="4666762" y="1721143"/>
+          <a:ext cx="2858476" cy="741680"/>
+        </p:xfrm>
+        <a:graphic>
+          <a:graphicData uri="http://schemas.openxmlformats.org/drawingml/2006/table">
+            <a:tbl>
+              <a:tblPr firstRow="1" bandRow="1">
+                <a:tableStyleId>{5C22544A-7EE6-4342-B048-85BDC9FD1C3A}</a:tableStyleId>
+              </a:tblPr>
+              <a:tblGrid>
+                <a:gridCol w="1429238">
+                  <a:extLst>
+                    <a:ext uri="{9D8B030D-6E8A-4147-A177-3AD203B41FA5}">
+                      <a16:colId xmlns:a16="http://schemas.microsoft.com/office/drawing/2014/main" val="2575702891"/>
+                    </a:ext>
+                  </a:extLst>
+                </a:gridCol>
+                <a:gridCol w="1429238">
+                  <a:extLst>
+                    <a:ext uri="{9D8B030D-6E8A-4147-A177-3AD203B41FA5}">
+                      <a16:colId xmlns:a16="http://schemas.microsoft.com/office/drawing/2014/main" val="3419242887"/>
+                    </a:ext>
+                  </a:extLst>
+                </a:gridCol>
+              </a:tblGrid>
+              <a:tr h="370840">
+                <a:tc gridSpan="2">
+                  <a:txBody>
+                    <a:bodyPr/>
+                    <a:lstStyle/>
+                    <a:p>
+                      <a:pPr algn="ctr"/>
+                      <a:r>
+                        <a:rPr lang="en-US" dirty="0">
+                          <a:solidFill>
+                            <a:srgbClr val="0F3874"/>
+                          </a:solidFill>
+                        </a:rPr>
+                        <a:t>Food</a:t>
+                      </a:r>
+                    </a:p>
+                  </a:txBody>
+                  <a:tcPr>
+                    <a:solidFill>
+                      <a:srgbClr val="E7EAED"/>
+                    </a:solidFill>
+                  </a:tcPr>
+                </a:tc>
+                <a:tc hMerge="1">
+                  <a:txBody>
+                    <a:bodyPr/>
+                    <a:lstStyle/>
+                    <a:p>
+                      <a:endParaRPr lang="en-US" dirty="0"/>
+                    </a:p>
+                  </a:txBody>
+                  <a:tcPr>
+                    <a:solidFill>
+                      <a:srgbClr val="E7EAED"/>
+                    </a:solidFill>
+                  </a:tcPr>
+                </a:tc>
+                <a:extLst>
+                  <a:ext uri="{0D108BD9-81ED-4DB2-BD59-A6C34878D82A}">
+                    <a16:rowId xmlns:a16="http://schemas.microsoft.com/office/drawing/2014/main" val="1748889807"/>
+                  </a:ext>
+                </a:extLst>
+              </a:tr>
+              <a:tr h="370840">
+                <a:tc>
+                  <a:txBody>
+                    <a:bodyPr/>
+                    <a:lstStyle/>
+                    <a:p>
+                      <a:r>
+                        <a:rPr lang="en-US" dirty="0">
+                          <a:solidFill>
+                            <a:srgbClr val="0F3874"/>
+                          </a:solidFill>
+                        </a:rPr>
+                        <a:t>Food_Name</a:t>
+                      </a:r>
+                    </a:p>
+                  </a:txBody>
+                  <a:tcPr/>
+                </a:tc>
+                <a:tc>
+                  <a:txBody>
+                    <a:bodyPr/>
+                    <a:lstStyle/>
+                    <a:p>
+                      <a:r>
+                        <a:rPr lang="en-US" dirty="0">
+                          <a:solidFill>
+                            <a:srgbClr val="0F3874"/>
+                          </a:solidFill>
+                        </a:rPr>
+                        <a:t>VarChar</a:t>
+                      </a:r>
+                    </a:p>
+                  </a:txBody>
+                  <a:tcPr/>
+                </a:tc>
+                <a:extLst>
+                  <a:ext uri="{0D108BD9-81ED-4DB2-BD59-A6C34878D82A}">
+                    <a16:rowId xmlns:a16="http://schemas.microsoft.com/office/drawing/2014/main" val="438155033"/>
+                  </a:ext>
+                </a:extLst>
+              </a:tr>
+            </a:tbl>
+          </a:graphicData>
+        </a:graphic>
+      </p:graphicFrame>
+      <p:graphicFrame>
+        <p:nvGraphicFramePr>
+          <p:cNvPr id="8" name="Table 7">
+            <a:extLst>
+              <a:ext uri="{FF2B5EF4-FFF2-40B4-BE49-F238E27FC236}">
+                <a16:creationId xmlns:a16="http://schemas.microsoft.com/office/drawing/2014/main" id="{D74B1CE3-A0F5-E824-D98D-2A9F62BD1372}"/>
+              </a:ext>
+            </a:extLst>
+          </p:cNvPr>
+          <p:cNvGraphicFramePr>
+            <a:graphicFrameLocks noGrp="1"/>
+          </p:cNvGraphicFramePr>
+          <p:nvPr>
+            <p:extLst>
+              <p:ext uri="{D42A27DB-BD31-4B8C-83A1-F6EECF244321}">
+                <p14:modId xmlns:p14="http://schemas.microsoft.com/office/powerpoint/2010/main" val="150720765"/>
+              </p:ext>
+            </p:extLst>
+          </p:nvPr>
+        </p:nvGraphicFramePr>
+        <p:xfrm>
+          <a:off x="8428891" y="1721143"/>
+          <a:ext cx="3315418" cy="2225040"/>
+        </p:xfrm>
+        <a:graphic>
+          <a:graphicData uri="http://schemas.openxmlformats.org/drawingml/2006/table">
+            <a:tbl>
+              <a:tblPr firstRow="1" bandRow="1">
+                <a:tableStyleId>{5C22544A-7EE6-4342-B048-85BDC9FD1C3A}</a:tableStyleId>
+              </a:tblPr>
+              <a:tblGrid>
+                <a:gridCol w="1657709">
+                  <a:extLst>
+                    <a:ext uri="{9D8B030D-6E8A-4147-A177-3AD203B41FA5}">
+                      <a16:colId xmlns:a16="http://schemas.microsoft.com/office/drawing/2014/main" val="2575702891"/>
+                    </a:ext>
+                  </a:extLst>
+                </a:gridCol>
+                <a:gridCol w="1657709">
+                  <a:extLst>
+                    <a:ext uri="{9D8B030D-6E8A-4147-A177-3AD203B41FA5}">
+                      <a16:colId xmlns:a16="http://schemas.microsoft.com/office/drawing/2014/main" val="3419242887"/>
+                    </a:ext>
+                  </a:extLst>
+                </a:gridCol>
+              </a:tblGrid>
+              <a:tr h="370840">
+                <a:tc gridSpan="2">
+                  <a:txBody>
+                    <a:bodyPr/>
+                    <a:lstStyle/>
+                    <a:p>
+                      <a:pPr algn="ctr"/>
+                      <a:r>
+                        <a:rPr lang="en-US" dirty="0">
+                          <a:solidFill>
+                            <a:srgbClr val="0F3874"/>
+                          </a:solidFill>
+                        </a:rPr>
+                        <a:t>Food Info</a:t>
+                      </a:r>
+                    </a:p>
+                  </a:txBody>
+                  <a:tcPr>
+                    <a:solidFill>
+                      <a:srgbClr val="E7EAED"/>
+                    </a:solidFill>
+                  </a:tcPr>
+                </a:tc>
+                <a:tc hMerge="1">
+                  <a:txBody>
+                    <a:bodyPr/>
+                    <a:lstStyle/>
+                    <a:p>
+                      <a:endParaRPr lang="en-US" dirty="0"/>
+                    </a:p>
+                  </a:txBody>
+                  <a:tcPr>
+                    <a:solidFill>
+                      <a:srgbClr val="E7EAED"/>
+                    </a:solidFill>
+                  </a:tcPr>
+                </a:tc>
+                <a:extLst>
+                  <a:ext uri="{0D108BD9-81ED-4DB2-BD59-A6C34878D82A}">
+                    <a16:rowId xmlns:a16="http://schemas.microsoft.com/office/drawing/2014/main" val="1748889807"/>
+                  </a:ext>
+                </a:extLst>
+              </a:tr>
+              <a:tr h="370840">
+                <a:tc>
+                  <a:txBody>
+                    <a:bodyPr/>
+                    <a:lstStyle/>
+                    <a:p>
+                      <a:r>
+                        <a:rPr lang="en-US" dirty="0">
+                          <a:solidFill>
+                            <a:srgbClr val="0F3874"/>
+                          </a:solidFill>
+                        </a:rPr>
+                        <a:t>Food_Name</a:t>
+                      </a:r>
+                    </a:p>
+                  </a:txBody>
+                  <a:tcPr/>
+                </a:tc>
+                <a:tc>
+                  <a:txBody>
+                    <a:bodyPr/>
+                    <a:lstStyle/>
+                    <a:p>
+                      <a:r>
+                        <a:rPr lang="en-US" dirty="0">
+                          <a:solidFill>
+                            <a:srgbClr val="0F3874"/>
+                          </a:solidFill>
+                        </a:rPr>
+                        <a:t>VarChar</a:t>
+                      </a:r>
+                    </a:p>
+                  </a:txBody>
+                  <a:tcPr/>
+                </a:tc>
+                <a:extLst>
+                  <a:ext uri="{0D108BD9-81ED-4DB2-BD59-A6C34878D82A}">
+                    <a16:rowId xmlns:a16="http://schemas.microsoft.com/office/drawing/2014/main" val="438155033"/>
+                  </a:ext>
+                </a:extLst>
+              </a:tr>
+              <a:tr h="370840">
+                <a:tc>
+                  <a:txBody>
+                    <a:bodyPr/>
+                    <a:lstStyle/>
+                    <a:p>
+                      <a:r>
+                        <a:rPr lang="en-US" dirty="0">
+                          <a:solidFill>
+                            <a:srgbClr val="0F3874"/>
+                          </a:solidFill>
+                        </a:rPr>
+                        <a:t>Calorie_Count</a:t>
+                      </a:r>
+                    </a:p>
+                  </a:txBody>
+                  <a:tcPr/>
+                </a:tc>
+                <a:tc>
+                  <a:txBody>
+                    <a:bodyPr/>
+                    <a:lstStyle/>
+                    <a:p>
+                      <a:r>
+                        <a:rPr lang="en-US" dirty="0">
+                          <a:solidFill>
+                            <a:srgbClr val="0F3874"/>
+                          </a:solidFill>
+                        </a:rPr>
+                        <a:t>Int</a:t>
+                      </a:r>
+                    </a:p>
+                  </a:txBody>
+                  <a:tcPr/>
+                </a:tc>
+                <a:extLst>
+                  <a:ext uri="{0D108BD9-81ED-4DB2-BD59-A6C34878D82A}">
+                    <a16:rowId xmlns:a16="http://schemas.microsoft.com/office/drawing/2014/main" val="2441643462"/>
+                  </a:ext>
+                </a:extLst>
+              </a:tr>
+              <a:tr h="370840">
+                <a:tc>
+                  <a:txBody>
+                    <a:bodyPr/>
+                    <a:lstStyle/>
+                    <a:p>
+                      <a:r>
+                        <a:rPr lang="en-US" dirty="0" err="1">
+                          <a:solidFill>
+                            <a:srgbClr val="0F3874"/>
+                          </a:solidFill>
+                        </a:rPr>
+                        <a:t>Carb_Count</a:t>
+                      </a:r>
+                      <a:endParaRPr lang="en-US" dirty="0">
+                        <a:solidFill>
+                          <a:srgbClr val="0F3874"/>
+                        </a:solidFill>
+                      </a:endParaRPr>
+                    </a:p>
+                  </a:txBody>
+                  <a:tcPr/>
+                </a:tc>
+                <a:tc>
+                  <a:txBody>
+                    <a:bodyPr/>
+                    <a:lstStyle/>
+                    <a:p>
+                      <a:r>
+                        <a:rPr lang="en-US" dirty="0">
+                          <a:solidFill>
+                            <a:srgbClr val="0F3874"/>
+                          </a:solidFill>
+                        </a:rPr>
+                        <a:t>Int</a:t>
+                      </a:r>
+                    </a:p>
+                  </a:txBody>
+                  <a:tcPr/>
+                </a:tc>
+                <a:extLst>
+                  <a:ext uri="{0D108BD9-81ED-4DB2-BD59-A6C34878D82A}">
+                    <a16:rowId xmlns:a16="http://schemas.microsoft.com/office/drawing/2014/main" val="2216924842"/>
+                  </a:ext>
+                </a:extLst>
+              </a:tr>
+              <a:tr h="370840">
+                <a:tc>
+                  <a:txBody>
+                    <a:bodyPr/>
+                    <a:lstStyle/>
+                    <a:p>
+                      <a:r>
+                        <a:rPr lang="en-US" dirty="0" err="1">
+                          <a:solidFill>
+                            <a:srgbClr val="0F3874"/>
+                          </a:solidFill>
+                        </a:rPr>
+                        <a:t>Protein_Count</a:t>
+                      </a:r>
+                      <a:endParaRPr lang="en-US" dirty="0">
+                        <a:solidFill>
+                          <a:srgbClr val="0F3874"/>
+                        </a:solidFill>
+                      </a:endParaRPr>
+                    </a:p>
+                  </a:txBody>
+                  <a:tcPr/>
+                </a:tc>
+                <a:tc>
+                  <a:txBody>
+                    <a:bodyPr/>
+                    <a:lstStyle/>
+                    <a:p>
+                      <a:r>
+                        <a:rPr lang="en-US" dirty="0">
+                          <a:solidFill>
+                            <a:srgbClr val="0F3874"/>
+                          </a:solidFill>
+                        </a:rPr>
+                        <a:t>Int</a:t>
+                      </a:r>
+                    </a:p>
+                  </a:txBody>
+                  <a:tcPr/>
+                </a:tc>
+                <a:extLst>
+                  <a:ext uri="{0D108BD9-81ED-4DB2-BD59-A6C34878D82A}">
+                    <a16:rowId xmlns:a16="http://schemas.microsoft.com/office/drawing/2014/main" val="3726972817"/>
+                  </a:ext>
+                </a:extLst>
+              </a:tr>
+              <a:tr h="370840">
+                <a:tc>
+                  <a:txBody>
+                    <a:bodyPr/>
+                    <a:lstStyle/>
+                    <a:p>
+                      <a:r>
+                        <a:rPr lang="en-US" dirty="0" err="1">
+                          <a:solidFill>
+                            <a:srgbClr val="0F3874"/>
+                          </a:solidFill>
+                        </a:rPr>
+                        <a:t>Fats_Count</a:t>
+                      </a:r>
+                      <a:endParaRPr lang="en-US" dirty="0">
+                        <a:solidFill>
+                          <a:srgbClr val="0F3874"/>
+                        </a:solidFill>
+                      </a:endParaRPr>
+                    </a:p>
+                  </a:txBody>
+                  <a:tcPr/>
+                </a:tc>
+                <a:tc>
+                  <a:txBody>
+                    <a:bodyPr/>
+                    <a:lstStyle/>
+                    <a:p>
+                      <a:r>
+                        <a:rPr lang="en-US" dirty="0">
+                          <a:solidFill>
+                            <a:srgbClr val="0F3874"/>
+                          </a:solidFill>
+                        </a:rPr>
+                        <a:t>Int</a:t>
+                      </a:r>
+                    </a:p>
+                  </a:txBody>
+                  <a:tcPr/>
+                </a:tc>
+                <a:extLst>
+                  <a:ext uri="{0D108BD9-81ED-4DB2-BD59-A6C34878D82A}">
+                    <a16:rowId xmlns:a16="http://schemas.microsoft.com/office/drawing/2014/main" val="1016691113"/>
+                  </a:ext>
+                </a:extLst>
+              </a:tr>
+            </a:tbl>
+          </a:graphicData>
+        </a:graphic>
+      </p:graphicFrame>
+      <p:grpSp>
+        <p:nvGrpSpPr>
+          <p:cNvPr id="34" name="Group 33">
+            <a:extLst>
+              <a:ext uri="{FF2B5EF4-FFF2-40B4-BE49-F238E27FC236}">
+                <a16:creationId xmlns:a16="http://schemas.microsoft.com/office/drawing/2014/main" id="{B9095A33-F278-330C-44CB-A1C9A5EB23E0}"/>
+              </a:ext>
+            </a:extLst>
+          </p:cNvPr>
+          <p:cNvGrpSpPr/>
+          <p:nvPr/>
+        </p:nvGrpSpPr>
+        <p:grpSpPr>
+          <a:xfrm>
+            <a:off x="3772632" y="1827923"/>
+            <a:ext cx="888031" cy="152589"/>
+            <a:chOff x="3772632" y="1789823"/>
+            <a:chExt cx="888031" cy="152589"/>
+          </a:xfrm>
+        </p:grpSpPr>
+        <p:cxnSp>
+          <p:nvCxnSpPr>
+            <p:cNvPr id="11" name="Straight Connector 10">
+              <a:extLst>
+                <a:ext uri="{FF2B5EF4-FFF2-40B4-BE49-F238E27FC236}">
+                  <a16:creationId xmlns:a16="http://schemas.microsoft.com/office/drawing/2014/main" id="{EA030C68-3E07-F5C8-03E8-D05A9DC19CB8}"/>
+                </a:ext>
+              </a:extLst>
+            </p:cNvPr>
+            <p:cNvCxnSpPr>
+              <a:cxnSpLocks/>
+            </p:cNvCxnSpPr>
+            <p:nvPr/>
+          </p:nvCxnSpPr>
+          <p:spPr>
+            <a:xfrm flipV="1">
+              <a:off x="3772632" y="1866117"/>
+              <a:ext cx="888031" cy="1"/>
+            </a:xfrm>
+            <a:prstGeom prst="line">
+              <a:avLst/>
+            </a:prstGeom>
+          </p:spPr>
+          <p:style>
+            <a:lnRef idx="2">
+              <a:schemeClr val="accent1"/>
+            </a:lnRef>
+            <a:fillRef idx="0">
+              <a:schemeClr val="accent1"/>
+            </a:fillRef>
+            <a:effectRef idx="1">
+              <a:schemeClr val="accent1"/>
+            </a:effectRef>
+            <a:fontRef idx="minor">
+              <a:schemeClr val="tx1"/>
+            </a:fontRef>
+          </p:style>
+        </p:cxnSp>
+        <p:cxnSp>
+          <p:nvCxnSpPr>
+            <p:cNvPr id="20" name="Straight Connector 19">
+              <a:extLst>
+                <a:ext uri="{FF2B5EF4-FFF2-40B4-BE49-F238E27FC236}">
+                  <a16:creationId xmlns:a16="http://schemas.microsoft.com/office/drawing/2014/main" id="{981C33E4-C04E-46F3-F083-DE6999A6C0DB}"/>
+                </a:ext>
+              </a:extLst>
+            </p:cNvPr>
+            <p:cNvCxnSpPr>
+              <a:cxnSpLocks/>
+            </p:cNvCxnSpPr>
+            <p:nvPr/>
+          </p:nvCxnSpPr>
+          <p:spPr>
+            <a:xfrm>
+              <a:off x="4519797" y="1866117"/>
+              <a:ext cx="138485" cy="42749"/>
+            </a:xfrm>
+            <a:prstGeom prst="line">
+              <a:avLst/>
+            </a:prstGeom>
+          </p:spPr>
+          <p:style>
+            <a:lnRef idx="2">
+              <a:schemeClr val="accent1"/>
+            </a:lnRef>
+            <a:fillRef idx="0">
+              <a:schemeClr val="accent1"/>
+            </a:fillRef>
+            <a:effectRef idx="1">
+              <a:schemeClr val="accent1"/>
+            </a:effectRef>
+            <a:fontRef idx="minor">
+              <a:schemeClr val="tx1"/>
+            </a:fontRef>
+          </p:style>
+        </p:cxnSp>
+        <p:cxnSp>
+          <p:nvCxnSpPr>
+            <p:cNvPr id="25" name="Straight Connector 24">
+              <a:extLst>
+                <a:ext uri="{FF2B5EF4-FFF2-40B4-BE49-F238E27FC236}">
+                  <a16:creationId xmlns:a16="http://schemas.microsoft.com/office/drawing/2014/main" id="{6DF16B04-EEDE-8695-F434-FBE692672036}"/>
+                </a:ext>
+              </a:extLst>
+            </p:cNvPr>
+            <p:cNvCxnSpPr>
+              <a:cxnSpLocks/>
+            </p:cNvCxnSpPr>
+            <p:nvPr/>
+          </p:nvCxnSpPr>
+          <p:spPr>
+            <a:xfrm flipV="1">
+              <a:off x="3837048" y="1789823"/>
+              <a:ext cx="0" cy="152589"/>
+            </a:xfrm>
+            <a:prstGeom prst="line">
+              <a:avLst/>
+            </a:prstGeom>
+          </p:spPr>
+          <p:style>
+            <a:lnRef idx="2">
+              <a:schemeClr val="accent1"/>
+            </a:lnRef>
+            <a:fillRef idx="0">
+              <a:schemeClr val="accent1"/>
+            </a:fillRef>
+            <a:effectRef idx="1">
+              <a:schemeClr val="accent1"/>
+            </a:effectRef>
+            <a:fontRef idx="minor">
+              <a:schemeClr val="tx1"/>
+            </a:fontRef>
+          </p:style>
+        </p:cxnSp>
+        <p:cxnSp>
+          <p:nvCxnSpPr>
+            <p:cNvPr id="27" name="Straight Connector 26">
+              <a:extLst>
+                <a:ext uri="{FF2B5EF4-FFF2-40B4-BE49-F238E27FC236}">
+                  <a16:creationId xmlns:a16="http://schemas.microsoft.com/office/drawing/2014/main" id="{A64446F5-5318-AB78-9239-99FE060E88A9}"/>
+                </a:ext>
+              </a:extLst>
+            </p:cNvPr>
+            <p:cNvCxnSpPr>
+              <a:cxnSpLocks/>
+            </p:cNvCxnSpPr>
+            <p:nvPr/>
+          </p:nvCxnSpPr>
+          <p:spPr>
+            <a:xfrm flipV="1">
+              <a:off x="3887054" y="1789823"/>
+              <a:ext cx="0" cy="152589"/>
+            </a:xfrm>
+            <a:prstGeom prst="line">
+              <a:avLst/>
+            </a:prstGeom>
+          </p:spPr>
+          <p:style>
+            <a:lnRef idx="2">
+              <a:schemeClr val="accent1"/>
+            </a:lnRef>
+            <a:fillRef idx="0">
+              <a:schemeClr val="accent1"/>
+            </a:fillRef>
+            <a:effectRef idx="1">
+              <a:schemeClr val="accent1"/>
+            </a:effectRef>
+            <a:fontRef idx="minor">
+              <a:schemeClr val="tx1"/>
+            </a:fontRef>
+          </p:style>
+        </p:cxnSp>
+        <p:sp>
+          <p:nvSpPr>
+            <p:cNvPr id="28" name="Flowchart: Connector 27">
+              <a:extLst>
+                <a:ext uri="{FF2B5EF4-FFF2-40B4-BE49-F238E27FC236}">
+                  <a16:creationId xmlns:a16="http://schemas.microsoft.com/office/drawing/2014/main" id="{BFC9E430-FA43-0C46-140A-7CD44FE41C0C}"/>
+                </a:ext>
+              </a:extLst>
+            </p:cNvPr>
+            <p:cNvSpPr/>
+            <p:nvPr/>
+          </p:nvSpPr>
+          <p:spPr>
+            <a:xfrm>
+              <a:off x="4372317" y="1797536"/>
+              <a:ext cx="137160" cy="137160"/>
+            </a:xfrm>
+            <a:prstGeom prst="flowChartConnector">
+              <a:avLst/>
+            </a:prstGeom>
+            <a:ln>
+              <a:solidFill>
+                <a:srgbClr val="156082"/>
+              </a:solidFill>
+            </a:ln>
+          </p:spPr>
+          <p:style>
+            <a:lnRef idx="2">
+              <a:schemeClr val="accent1">
+                <a:shade val="15000"/>
+              </a:schemeClr>
+            </a:lnRef>
+            <a:fillRef idx="1">
+              <a:schemeClr val="accent1"/>
+            </a:fillRef>
+            <a:effectRef idx="0">
+              <a:schemeClr val="accent1"/>
+            </a:effectRef>
+            <a:fontRef idx="minor">
+              <a:schemeClr val="lt1"/>
+            </a:fontRef>
+          </p:style>
+          <p:txBody>
+            <a:bodyPr rtlCol="0" anchor="ctr"/>
+            <a:lstStyle/>
+            <a:p>
+              <a:pPr algn="ctr"/>
+              <a:endParaRPr lang="en-US" dirty="0">
+                <a:ln>
+                  <a:solidFill>
+                    <a:srgbClr val="0F3874"/>
+                  </a:solidFill>
+                </a:ln>
+                <a:solidFill>
+                  <a:srgbClr val="0F3874"/>
+                </a:solidFill>
+              </a:endParaRPr>
+            </a:p>
+          </p:txBody>
+        </p:sp>
+        <p:cxnSp>
+          <p:nvCxnSpPr>
+            <p:cNvPr id="31" name="Straight Connector 30">
+              <a:extLst>
+                <a:ext uri="{FF2B5EF4-FFF2-40B4-BE49-F238E27FC236}">
+                  <a16:creationId xmlns:a16="http://schemas.microsoft.com/office/drawing/2014/main" id="{34751190-FBD6-CFF9-0558-44B5A180B286}"/>
+                </a:ext>
+              </a:extLst>
+            </p:cNvPr>
+            <p:cNvCxnSpPr>
+              <a:cxnSpLocks/>
+            </p:cNvCxnSpPr>
+            <p:nvPr/>
+          </p:nvCxnSpPr>
+          <p:spPr>
+            <a:xfrm flipV="1">
+              <a:off x="4522178" y="1823369"/>
+              <a:ext cx="134264" cy="42747"/>
+            </a:xfrm>
+            <a:prstGeom prst="line">
+              <a:avLst/>
+            </a:prstGeom>
+          </p:spPr>
+          <p:style>
+            <a:lnRef idx="2">
+              <a:schemeClr val="accent1"/>
+            </a:lnRef>
+            <a:fillRef idx="0">
+              <a:schemeClr val="accent1"/>
+            </a:fillRef>
+            <a:effectRef idx="1">
+              <a:schemeClr val="accent1"/>
+            </a:effectRef>
+            <a:fontRef idx="minor">
+              <a:schemeClr val="tx1"/>
+            </a:fontRef>
+          </p:style>
+        </p:cxnSp>
+      </p:grpSp>
+      <p:grpSp>
+        <p:nvGrpSpPr>
+          <p:cNvPr id="35" name="Group 34">
+            <a:extLst>
+              <a:ext uri="{FF2B5EF4-FFF2-40B4-BE49-F238E27FC236}">
+                <a16:creationId xmlns:a16="http://schemas.microsoft.com/office/drawing/2014/main" id="{24188FFF-333B-F6EE-57ED-4489D8FCF002}"/>
+              </a:ext>
+            </a:extLst>
+          </p:cNvPr>
+          <p:cNvGrpSpPr/>
+          <p:nvPr/>
+        </p:nvGrpSpPr>
+        <p:grpSpPr>
+          <a:xfrm>
+            <a:off x="7533049" y="1820207"/>
+            <a:ext cx="888031" cy="152589"/>
+            <a:chOff x="3772632" y="1789823"/>
+            <a:chExt cx="888031" cy="152589"/>
+          </a:xfrm>
+        </p:grpSpPr>
+        <p:cxnSp>
+          <p:nvCxnSpPr>
+            <p:cNvPr id="36" name="Straight Connector 35">
+              <a:extLst>
+                <a:ext uri="{FF2B5EF4-FFF2-40B4-BE49-F238E27FC236}">
+                  <a16:creationId xmlns:a16="http://schemas.microsoft.com/office/drawing/2014/main" id="{29E77302-2097-14FA-6F4A-E2DFEAAC0736}"/>
+                </a:ext>
+              </a:extLst>
+            </p:cNvPr>
+            <p:cNvCxnSpPr>
+              <a:cxnSpLocks/>
+            </p:cNvCxnSpPr>
+            <p:nvPr/>
+          </p:nvCxnSpPr>
+          <p:spPr>
+            <a:xfrm flipV="1">
+              <a:off x="3772632" y="1866117"/>
+              <a:ext cx="888031" cy="1"/>
+            </a:xfrm>
+            <a:prstGeom prst="line">
+              <a:avLst/>
+            </a:prstGeom>
+          </p:spPr>
+          <p:style>
+            <a:lnRef idx="2">
+              <a:schemeClr val="accent1"/>
+            </a:lnRef>
+            <a:fillRef idx="0">
+              <a:schemeClr val="accent1"/>
+            </a:fillRef>
+            <a:effectRef idx="1">
+              <a:schemeClr val="accent1"/>
+            </a:effectRef>
+            <a:fontRef idx="minor">
+              <a:schemeClr val="tx1"/>
+            </a:fontRef>
+          </p:style>
+        </p:cxnSp>
+        <p:cxnSp>
+          <p:nvCxnSpPr>
+            <p:cNvPr id="38" name="Straight Connector 37">
+              <a:extLst>
+                <a:ext uri="{FF2B5EF4-FFF2-40B4-BE49-F238E27FC236}">
+                  <a16:creationId xmlns:a16="http://schemas.microsoft.com/office/drawing/2014/main" id="{8A1FD8FD-2796-19D1-9CB4-C5E88F9A34CE}"/>
+                </a:ext>
+              </a:extLst>
+            </p:cNvPr>
+            <p:cNvCxnSpPr>
+              <a:cxnSpLocks/>
+            </p:cNvCxnSpPr>
+            <p:nvPr/>
+          </p:nvCxnSpPr>
+          <p:spPr>
+            <a:xfrm flipV="1">
+              <a:off x="3837048" y="1789823"/>
+              <a:ext cx="0" cy="152589"/>
+            </a:xfrm>
+            <a:prstGeom prst="line">
+              <a:avLst/>
+            </a:prstGeom>
+          </p:spPr>
+          <p:style>
+            <a:lnRef idx="2">
+              <a:schemeClr val="accent1"/>
+            </a:lnRef>
+            <a:fillRef idx="0">
+              <a:schemeClr val="accent1"/>
+            </a:fillRef>
+            <a:effectRef idx="1">
+              <a:schemeClr val="accent1"/>
+            </a:effectRef>
+            <a:fontRef idx="minor">
+              <a:schemeClr val="tx1"/>
+            </a:fontRef>
+          </p:style>
+        </p:cxnSp>
+        <p:cxnSp>
+          <p:nvCxnSpPr>
+            <p:cNvPr id="39" name="Straight Connector 38">
+              <a:extLst>
+                <a:ext uri="{FF2B5EF4-FFF2-40B4-BE49-F238E27FC236}">
+                  <a16:creationId xmlns:a16="http://schemas.microsoft.com/office/drawing/2014/main" id="{54A928AD-C0D1-08CB-5823-81F79E6A0D65}"/>
+                </a:ext>
+              </a:extLst>
+            </p:cNvPr>
+            <p:cNvCxnSpPr>
+              <a:cxnSpLocks/>
+            </p:cNvCxnSpPr>
+            <p:nvPr/>
+          </p:nvCxnSpPr>
+          <p:spPr>
+            <a:xfrm flipV="1">
+              <a:off x="3887054" y="1789823"/>
+              <a:ext cx="0" cy="152589"/>
+            </a:xfrm>
+            <a:prstGeom prst="line">
+              <a:avLst/>
+            </a:prstGeom>
+          </p:spPr>
+          <p:style>
+            <a:lnRef idx="2">
+              <a:schemeClr val="accent1"/>
+            </a:lnRef>
+            <a:fillRef idx="0">
+              <a:schemeClr val="accent1"/>
+            </a:fillRef>
+            <a:effectRef idx="1">
+              <a:schemeClr val="accent1"/>
+            </a:effectRef>
+            <a:fontRef idx="minor">
+              <a:schemeClr val="tx1"/>
+            </a:fontRef>
+          </p:style>
+        </p:cxnSp>
+      </p:grpSp>
+      <p:cxnSp>
+        <p:nvCxnSpPr>
+          <p:cNvPr id="42" name="Straight Connector 41">
+            <a:extLst>
+              <a:ext uri="{FF2B5EF4-FFF2-40B4-BE49-F238E27FC236}">
+                <a16:creationId xmlns:a16="http://schemas.microsoft.com/office/drawing/2014/main" id="{08074D2C-5E24-CF61-AA21-0FBE82B36332}"/>
+              </a:ext>
+            </a:extLst>
+          </p:cNvPr>
+          <p:cNvCxnSpPr>
+            <a:cxnSpLocks/>
+          </p:cNvCxnSpPr>
+          <p:nvPr/>
+        </p:nvCxnSpPr>
+        <p:spPr>
+          <a:xfrm flipV="1">
+            <a:off x="8309458" y="1817042"/>
+            <a:ext cx="0" cy="152589"/>
+          </a:xfrm>
+          <a:prstGeom prst="line">
+            <a:avLst/>
+          </a:prstGeom>
+        </p:spPr>
+        <p:style>
+          <a:lnRef idx="2">
+            <a:schemeClr val="accent1"/>
+          </a:lnRef>
+          <a:fillRef idx="0">
+            <a:schemeClr val="accent1"/>
+          </a:fillRef>
+          <a:effectRef idx="1">
+            <a:schemeClr val="accent1"/>
+          </a:effectRef>
+          <a:fontRef idx="minor">
+            <a:schemeClr val="tx1"/>
+          </a:fontRef>
+        </p:style>
+      </p:cxnSp>
+      <p:cxnSp>
+        <p:nvCxnSpPr>
+          <p:cNvPr id="43" name="Straight Connector 42">
+            <a:extLst>
+              <a:ext uri="{FF2B5EF4-FFF2-40B4-BE49-F238E27FC236}">
+                <a16:creationId xmlns:a16="http://schemas.microsoft.com/office/drawing/2014/main" id="{A1729542-05F2-3626-E7D4-287F974B4BFB}"/>
+              </a:ext>
+            </a:extLst>
+          </p:cNvPr>
+          <p:cNvCxnSpPr>
+            <a:cxnSpLocks/>
+          </p:cNvCxnSpPr>
+          <p:nvPr/>
+        </p:nvCxnSpPr>
+        <p:spPr>
+          <a:xfrm flipV="1">
+            <a:off x="8359464" y="1817042"/>
+            <a:ext cx="0" cy="152589"/>
+          </a:xfrm>
+          <a:prstGeom prst="line">
+            <a:avLst/>
+          </a:prstGeom>
+        </p:spPr>
+        <p:style>
+          <a:lnRef idx="2">
+            <a:schemeClr val="accent1"/>
+          </a:lnRef>
+          <a:fillRef idx="0">
+            <a:schemeClr val="accent1"/>
+          </a:fillRef>
+          <a:effectRef idx="1">
+            <a:schemeClr val="accent1"/>
+          </a:effectRef>
+          <a:fontRef idx="minor">
+            <a:schemeClr val="tx1"/>
+          </a:fontRef>
+        </p:style>
+      </p:cxnSp>
     </p:spTree>
     <p:extLst>
       <p:ext uri="{BB962C8B-B14F-4D97-AF65-F5344CB8AC3E}">

--- a/diagrams/Nutrition Compass Presentation.pptx
+++ b/diagrams/Nutrition Compass Presentation.pptx
@@ -130,7 +130,7 @@
 <file path=ppt/revisionInfo.xml><?xml version="1.0" encoding="utf-8"?>
 <p1510:revInfo xmlns:a="http://schemas.openxmlformats.org/drawingml/2006/main" xmlns:r="http://schemas.openxmlformats.org/officeDocument/2006/relationships" xmlns:p1510="http://schemas.microsoft.com/office/powerpoint/2015/10/main">
   <p1510:revLst>
-    <p1510:client id="{61DAA024-F5F8-43EC-9B0A-FFE5A2F563BA}" v="238" dt="2024-11-28T05:07:18.623"/>
+    <p1510:client id="{61DAA024-F5F8-43EC-9B0A-FFE5A2F563BA}" v="239" dt="2024-11-30T03:00:00.510"/>
   </p1510:revLst>
 </p1510:revInfo>
 </file>
@@ -140,7 +140,7 @@
   <pc:docChgLst>
     <pc:chgData name="Jia Jones" userId="a3b0c72f-e186-4738-b8d6-28e077c699c2" providerId="ADAL" clId="{61DAA024-F5F8-43EC-9B0A-FFE5A2F563BA}"/>
     <pc:docChg chg="undo redo custSel addSld delSld modSld sldOrd">
-      <pc:chgData name="Jia Jones" userId="a3b0c72f-e186-4738-b8d6-28e077c699c2" providerId="ADAL" clId="{61DAA024-F5F8-43EC-9B0A-FFE5A2F563BA}" dt="2024-11-28T05:07:56.834" v="2961" actId="14100"/>
+      <pc:chgData name="Jia Jones" userId="a3b0c72f-e186-4738-b8d6-28e077c699c2" providerId="ADAL" clId="{61DAA024-F5F8-43EC-9B0A-FFE5A2F563BA}" dt="2024-11-30T03:00:00.507" v="2964" actId="1076"/>
       <pc:docMkLst>
         <pc:docMk/>
       </pc:docMkLst>
@@ -190,13 +190,13 @@
         </pc:spChg>
       </pc:sldChg>
       <pc:sldChg chg="addSp delSp modSp mod modNotesTx">
-        <pc:chgData name="Jia Jones" userId="a3b0c72f-e186-4738-b8d6-28e077c699c2" providerId="ADAL" clId="{61DAA024-F5F8-43EC-9B0A-FFE5A2F563BA}" dt="2024-11-28T02:31:57.899" v="1957" actId="1076"/>
+        <pc:chgData name="Jia Jones" userId="a3b0c72f-e186-4738-b8d6-28e077c699c2" providerId="ADAL" clId="{61DAA024-F5F8-43EC-9B0A-FFE5A2F563BA}" dt="2024-11-30T03:00:00.507" v="2964" actId="1076"/>
         <pc:sldMkLst>
           <pc:docMk/>
           <pc:sldMk cId="2789107386" sldId="260"/>
         </pc:sldMkLst>
         <pc:spChg chg="add del mod">
-          <ac:chgData name="Jia Jones" userId="a3b0c72f-e186-4738-b8d6-28e077c699c2" providerId="ADAL" clId="{61DAA024-F5F8-43EC-9B0A-FFE5A2F563BA}" dt="2024-11-18T02:48:59.049" v="546" actId="122"/>
+          <ac:chgData name="Jia Jones" userId="a3b0c72f-e186-4738-b8d6-28e077c699c2" providerId="ADAL" clId="{61DAA024-F5F8-43EC-9B0A-FFE5A2F563BA}" dt="2024-11-30T02:59:54.871" v="2963" actId="1076"/>
           <ac:spMkLst>
             <pc:docMk/>
             <pc:sldMk cId="2789107386" sldId="260"/>
@@ -244,7 +244,7 @@
           </ac:spMkLst>
         </pc:spChg>
         <pc:grpChg chg="add mod">
-          <ac:chgData name="Jia Jones" userId="a3b0c72f-e186-4738-b8d6-28e077c699c2" providerId="ADAL" clId="{61DAA024-F5F8-43EC-9B0A-FFE5A2F563BA}" dt="2024-11-28T02:31:49.445" v="1954" actId="1076"/>
+          <ac:chgData name="Jia Jones" userId="a3b0c72f-e186-4738-b8d6-28e077c699c2" providerId="ADAL" clId="{61DAA024-F5F8-43EC-9B0A-FFE5A2F563BA}" dt="2024-11-30T03:00:00.507" v="2964" actId="1076"/>
           <ac:grpSpMkLst>
             <pc:docMk/>
             <pc:sldMk cId="2789107386" sldId="260"/>
@@ -252,7 +252,7 @@
           </ac:grpSpMkLst>
         </pc:grpChg>
         <pc:picChg chg="add mod">
-          <ac:chgData name="Jia Jones" userId="a3b0c72f-e186-4738-b8d6-28e077c699c2" providerId="ADAL" clId="{61DAA024-F5F8-43EC-9B0A-FFE5A2F563BA}" dt="2024-11-28T02:31:57.899" v="1957" actId="1076"/>
+          <ac:chgData name="Jia Jones" userId="a3b0c72f-e186-4738-b8d6-28e077c699c2" providerId="ADAL" clId="{61DAA024-F5F8-43EC-9B0A-FFE5A2F563BA}" dt="2024-11-30T03:00:00.507" v="2964" actId="1076"/>
           <ac:picMkLst>
             <pc:docMk/>
             <pc:sldMk cId="2789107386" sldId="260"/>
@@ -260,7 +260,7 @@
           </ac:picMkLst>
         </pc:picChg>
         <pc:picChg chg="add mod">
-          <ac:chgData name="Jia Jones" userId="a3b0c72f-e186-4738-b8d6-28e077c699c2" providerId="ADAL" clId="{61DAA024-F5F8-43EC-9B0A-FFE5A2F563BA}" dt="2024-11-28T02:31:49.445" v="1954" actId="1076"/>
+          <ac:chgData name="Jia Jones" userId="a3b0c72f-e186-4738-b8d6-28e077c699c2" providerId="ADAL" clId="{61DAA024-F5F8-43EC-9B0A-FFE5A2F563BA}" dt="2024-11-30T03:00:00.507" v="2964" actId="1076"/>
           <ac:picMkLst>
             <pc:docMk/>
             <pc:sldMk cId="2789107386" sldId="260"/>
@@ -268,7 +268,7 @@
           </ac:picMkLst>
         </pc:picChg>
         <pc:picChg chg="add mod">
-          <ac:chgData name="Jia Jones" userId="a3b0c72f-e186-4738-b8d6-28e077c699c2" providerId="ADAL" clId="{61DAA024-F5F8-43EC-9B0A-FFE5A2F563BA}" dt="2024-11-28T02:31:56.450" v="1956" actId="1076"/>
+          <ac:chgData name="Jia Jones" userId="a3b0c72f-e186-4738-b8d6-28e077c699c2" providerId="ADAL" clId="{61DAA024-F5F8-43EC-9B0A-FFE5A2F563BA}" dt="2024-11-30T03:00:00.507" v="2964" actId="1076"/>
           <ac:picMkLst>
             <pc:docMk/>
             <pc:sldMk cId="2789107386" sldId="260"/>
@@ -276,7 +276,7 @@
           </ac:picMkLst>
         </pc:picChg>
         <pc:picChg chg="mod">
-          <ac:chgData name="Jia Jones" userId="a3b0c72f-e186-4738-b8d6-28e077c699c2" providerId="ADAL" clId="{61DAA024-F5F8-43EC-9B0A-FFE5A2F563BA}" dt="2024-11-28T02:31:49.445" v="1954" actId="1076"/>
+          <ac:chgData name="Jia Jones" userId="a3b0c72f-e186-4738-b8d6-28e077c699c2" providerId="ADAL" clId="{61DAA024-F5F8-43EC-9B0A-FFE5A2F563BA}" dt="2024-11-30T03:00:00.507" v="2964" actId="1076"/>
           <ac:picMkLst>
             <pc:docMk/>
             <pc:sldMk cId="2789107386" sldId="260"/>
@@ -284,7 +284,7 @@
           </ac:picMkLst>
         </pc:picChg>
         <pc:picChg chg="mod">
-          <ac:chgData name="Jia Jones" userId="a3b0c72f-e186-4738-b8d6-28e077c699c2" providerId="ADAL" clId="{61DAA024-F5F8-43EC-9B0A-FFE5A2F563BA}" dt="2024-11-28T02:31:49.445" v="1954" actId="1076"/>
+          <ac:chgData name="Jia Jones" userId="a3b0c72f-e186-4738-b8d6-28e077c699c2" providerId="ADAL" clId="{61DAA024-F5F8-43EC-9B0A-FFE5A2F563BA}" dt="2024-11-30T03:00:00.507" v="2964" actId="1076"/>
           <ac:picMkLst>
             <pc:docMk/>
             <pc:sldMk cId="2789107386" sldId="260"/>
@@ -308,7 +308,7 @@
           </ac:picMkLst>
         </pc:picChg>
         <pc:picChg chg="add mod">
-          <ac:chgData name="Jia Jones" userId="a3b0c72f-e186-4738-b8d6-28e077c699c2" providerId="ADAL" clId="{61DAA024-F5F8-43EC-9B0A-FFE5A2F563BA}" dt="2024-11-28T02:31:49.445" v="1954" actId="1076"/>
+          <ac:chgData name="Jia Jones" userId="a3b0c72f-e186-4738-b8d6-28e077c699c2" providerId="ADAL" clId="{61DAA024-F5F8-43EC-9B0A-FFE5A2F563BA}" dt="2024-11-30T03:00:00.507" v="2964" actId="1076"/>
           <ac:picMkLst>
             <pc:docMk/>
             <pc:sldMk cId="2789107386" sldId="260"/>
@@ -2253,7 +2253,7 @@
           <a:p>
             <a:fld id="{C4B6C876-93E6-4EE5-9324-F405656A766B}" type="datetimeFigureOut">
               <a:rPr lang="en-US" smtClean="0"/>
-              <a:t>11/27/2024</a:t>
+              <a:t>11/29/2024</a:t>
             </a:fld>
             <a:endParaRPr lang="en-US"/>
           </a:p>
@@ -4638,7 +4638,7 @@
           <a:p>
             <a:fld id="{1E236618-E05F-499C-B335-24D95865ED56}" type="datetimeFigureOut">
               <a:rPr lang="en-US" smtClean="0"/>
-              <a:t>11/27/2024</a:t>
+              <a:t>11/29/2024</a:t>
             </a:fld>
             <a:endParaRPr lang="en-US"/>
           </a:p>
@@ -4836,7 +4836,7 @@
           <a:p>
             <a:fld id="{1E236618-E05F-499C-B335-24D95865ED56}" type="datetimeFigureOut">
               <a:rPr lang="en-US" smtClean="0"/>
-              <a:t>11/27/2024</a:t>
+              <a:t>11/29/2024</a:t>
             </a:fld>
             <a:endParaRPr lang="en-US"/>
           </a:p>
@@ -5044,7 +5044,7 @@
           <a:p>
             <a:fld id="{1E236618-E05F-499C-B335-24D95865ED56}" type="datetimeFigureOut">
               <a:rPr lang="en-US" smtClean="0"/>
-              <a:t>11/27/2024</a:t>
+              <a:t>11/29/2024</a:t>
             </a:fld>
             <a:endParaRPr lang="en-US"/>
           </a:p>
@@ -5242,7 +5242,7 @@
           <a:p>
             <a:fld id="{1E236618-E05F-499C-B335-24D95865ED56}" type="datetimeFigureOut">
               <a:rPr lang="en-US" smtClean="0"/>
-              <a:t>11/27/2024</a:t>
+              <a:t>11/29/2024</a:t>
             </a:fld>
             <a:endParaRPr lang="en-US"/>
           </a:p>
@@ -5517,7 +5517,7 @@
           <a:p>
             <a:fld id="{1E236618-E05F-499C-B335-24D95865ED56}" type="datetimeFigureOut">
               <a:rPr lang="en-US" smtClean="0"/>
-              <a:t>11/27/2024</a:t>
+              <a:t>11/29/2024</a:t>
             </a:fld>
             <a:endParaRPr lang="en-US"/>
           </a:p>
@@ -5782,7 +5782,7 @@
           <a:p>
             <a:fld id="{1E236618-E05F-499C-B335-24D95865ED56}" type="datetimeFigureOut">
               <a:rPr lang="en-US" smtClean="0"/>
-              <a:t>11/27/2024</a:t>
+              <a:t>11/29/2024</a:t>
             </a:fld>
             <a:endParaRPr lang="en-US"/>
           </a:p>
@@ -6194,7 +6194,7 @@
           <a:p>
             <a:fld id="{1E236618-E05F-499C-B335-24D95865ED56}" type="datetimeFigureOut">
               <a:rPr lang="en-US" smtClean="0"/>
-              <a:t>11/27/2024</a:t>
+              <a:t>11/29/2024</a:t>
             </a:fld>
             <a:endParaRPr lang="en-US"/>
           </a:p>
@@ -6335,7 +6335,7 @@
           <a:p>
             <a:fld id="{1E236618-E05F-499C-B335-24D95865ED56}" type="datetimeFigureOut">
               <a:rPr lang="en-US" smtClean="0"/>
-              <a:t>11/27/2024</a:t>
+              <a:t>11/29/2024</a:t>
             </a:fld>
             <a:endParaRPr lang="en-US"/>
           </a:p>
@@ -6448,7 +6448,7 @@
           <a:p>
             <a:fld id="{1E236618-E05F-499C-B335-24D95865ED56}" type="datetimeFigureOut">
               <a:rPr lang="en-US" smtClean="0"/>
-              <a:t>11/27/2024</a:t>
+              <a:t>11/29/2024</a:t>
             </a:fld>
             <a:endParaRPr lang="en-US"/>
           </a:p>
@@ -6759,7 +6759,7 @@
           <a:p>
             <a:fld id="{1E236618-E05F-499C-B335-24D95865ED56}" type="datetimeFigureOut">
               <a:rPr lang="en-US" smtClean="0"/>
-              <a:t>11/27/2024</a:t>
+              <a:t>11/29/2024</a:t>
             </a:fld>
             <a:endParaRPr lang="en-US"/>
           </a:p>
@@ -7047,7 +7047,7 @@
           <a:p>
             <a:fld id="{1E236618-E05F-499C-B335-24D95865ED56}" type="datetimeFigureOut">
               <a:rPr lang="en-US" smtClean="0"/>
-              <a:t>11/27/2024</a:t>
+              <a:t>11/29/2024</a:t>
             </a:fld>
             <a:endParaRPr lang="en-US"/>
           </a:p>
@@ -7288,7 +7288,7 @@
           <a:p>
             <a:fld id="{1E236618-E05F-499C-B335-24D95865ED56}" type="datetimeFigureOut">
               <a:rPr lang="en-US" smtClean="0"/>
-              <a:t>11/27/2024</a:t>
+              <a:t>11/29/2024</a:t>
             </a:fld>
             <a:endParaRPr lang="en-US"/>
           </a:p>
@@ -8112,8 +8112,8 @@
           </p:pic>
         </mc:Fallback>
       </mc:AlternateContent>
-      <mc:AlternateContent xmlns:mc="http://schemas.openxmlformats.org/markup-compatibility/2006">
-        <mc:Choice xmlns:p14="http://schemas.microsoft.com/office/powerpoint/2010/main" Requires="p14">
+      <mc:AlternateContent xmlns:mc="http://schemas.openxmlformats.org/markup-compatibility/2006" xmlns:p14="http://schemas.microsoft.com/office/powerpoint/2010/main">
+        <mc:Choice Requires="p14">
           <p:contentPart p14:bwMode="auto" r:id="rId15">
             <p14:nvContentPartPr>
               <p14:cNvPr id="26" name="Ink 25">
@@ -8132,7 +8132,7 @@
             </p14:xfrm>
           </p:contentPart>
         </mc:Choice>
-        <mc:Fallback>
+        <mc:Fallback xmlns="">
           <p:pic>
             <p:nvPicPr>
               <p:cNvPr id="26" name="Ink 25">
@@ -8222,8 +8222,8 @@
           </a:p>
         </p:txBody>
       </p:sp>
-      <mc:AlternateContent xmlns:mc="http://schemas.openxmlformats.org/markup-compatibility/2006">
-        <mc:Choice xmlns:p14="http://schemas.microsoft.com/office/powerpoint/2010/main" Requires="p14">
+      <mc:AlternateContent xmlns:mc="http://schemas.openxmlformats.org/markup-compatibility/2006" xmlns:p14="http://schemas.microsoft.com/office/powerpoint/2010/main">
+        <mc:Choice Requires="p14">
           <p:contentPart p14:bwMode="auto" r:id="rId17">
             <p14:nvContentPartPr>
               <p14:cNvPr id="16" name="Ink 15">
@@ -8242,7 +8242,7 @@
             </p14:xfrm>
           </p:contentPart>
         </mc:Choice>
-        <mc:Fallback>
+        <mc:Fallback xmlns="">
           <p:pic>
             <p:nvPicPr>
               <p:cNvPr id="16" name="Ink 15">
@@ -8273,8 +8273,8 @@
           </p:pic>
         </mc:Fallback>
       </mc:AlternateContent>
-      <mc:AlternateContent xmlns:mc="http://schemas.openxmlformats.org/markup-compatibility/2006">
-        <mc:Choice xmlns:p14="http://schemas.microsoft.com/office/powerpoint/2010/main" Requires="p14">
+      <mc:AlternateContent xmlns:mc="http://schemas.openxmlformats.org/markup-compatibility/2006" xmlns:p14="http://schemas.microsoft.com/office/powerpoint/2010/main">
+        <mc:Choice Requires="p14">
           <p:contentPart p14:bwMode="auto" r:id="rId19">
             <p14:nvContentPartPr>
               <p14:cNvPr id="23" name="Ink 22">
@@ -8293,7 +8293,7 @@
             </p14:xfrm>
           </p:contentPart>
         </mc:Choice>
-        <mc:Fallback>
+        <mc:Fallback xmlns="">
           <p:pic>
             <p:nvPicPr>
               <p:cNvPr id="23" name="Ink 22">
@@ -8324,8 +8324,8 @@
           </p:pic>
         </mc:Fallback>
       </mc:AlternateContent>
-      <mc:AlternateContent xmlns:mc="http://schemas.openxmlformats.org/markup-compatibility/2006">
-        <mc:Choice xmlns:p14="http://schemas.microsoft.com/office/powerpoint/2010/main" Requires="p14">
+      <mc:AlternateContent xmlns:mc="http://schemas.openxmlformats.org/markup-compatibility/2006" xmlns:p14="http://schemas.microsoft.com/office/powerpoint/2010/main">
+        <mc:Choice Requires="p14">
           <p:contentPart p14:bwMode="auto" r:id="rId21">
             <p14:nvContentPartPr>
               <p14:cNvPr id="37" name="Ink 36">
@@ -8344,7 +8344,7 @@
             </p14:xfrm>
           </p:contentPart>
         </mc:Choice>
-        <mc:Fallback>
+        <mc:Fallback xmlns="">
           <p:pic>
             <p:nvPicPr>
               <p:cNvPr id="37" name="Ink 36">
@@ -8375,8 +8375,8 @@
           </p:pic>
         </mc:Fallback>
       </mc:AlternateContent>
-      <mc:AlternateContent xmlns:mc="http://schemas.openxmlformats.org/markup-compatibility/2006">
-        <mc:Choice xmlns:p14="http://schemas.microsoft.com/office/powerpoint/2010/main" Requires="p14">
+      <mc:AlternateContent xmlns:mc="http://schemas.openxmlformats.org/markup-compatibility/2006" xmlns:p14="http://schemas.microsoft.com/office/powerpoint/2010/main">
+        <mc:Choice Requires="p14">
           <p:contentPart p14:bwMode="auto" r:id="rId23">
             <p14:nvContentPartPr>
               <p14:cNvPr id="38" name="Ink 37">
@@ -8395,7 +8395,7 @@
             </p14:xfrm>
           </p:contentPart>
         </mc:Choice>
-        <mc:Fallback>
+        <mc:Fallback xmlns="">
           <p:pic>
             <p:nvPicPr>
               <p:cNvPr id="38" name="Ink 37">
@@ -8426,8 +8426,8 @@
           </p:pic>
         </mc:Fallback>
       </mc:AlternateContent>
-      <mc:AlternateContent xmlns:mc="http://schemas.openxmlformats.org/markup-compatibility/2006">
-        <mc:Choice xmlns:p14="http://schemas.microsoft.com/office/powerpoint/2010/main" Requires="p14">
+      <mc:AlternateContent xmlns:mc="http://schemas.openxmlformats.org/markup-compatibility/2006" xmlns:p14="http://schemas.microsoft.com/office/powerpoint/2010/main">
+        <mc:Choice Requires="p14">
           <p:contentPart p14:bwMode="auto" r:id="rId25">
             <p14:nvContentPartPr>
               <p14:cNvPr id="39" name="Ink 38">
@@ -8446,7 +8446,7 @@
             </p14:xfrm>
           </p:contentPart>
         </mc:Choice>
-        <mc:Fallback>
+        <mc:Fallback xmlns="">
           <p:pic>
             <p:nvPicPr>
               <p:cNvPr id="39" name="Ink 38">
@@ -8477,8 +8477,8 @@
           </p:pic>
         </mc:Fallback>
       </mc:AlternateContent>
-      <mc:AlternateContent xmlns:mc="http://schemas.openxmlformats.org/markup-compatibility/2006">
-        <mc:Choice xmlns:p14="http://schemas.microsoft.com/office/powerpoint/2010/main" Requires="p14">
+      <mc:AlternateContent xmlns:mc="http://schemas.openxmlformats.org/markup-compatibility/2006" xmlns:p14="http://schemas.microsoft.com/office/powerpoint/2010/main">
+        <mc:Choice Requires="p14">
           <p:contentPart p14:bwMode="auto" r:id="rId27">
             <p14:nvContentPartPr>
               <p14:cNvPr id="40" name="Ink 39">
@@ -8497,7 +8497,7 @@
             </p14:xfrm>
           </p:contentPart>
         </mc:Choice>
-        <mc:Fallback>
+        <mc:Fallback xmlns="">
           <p:pic>
             <p:nvPicPr>
               <p:cNvPr id="40" name="Ink 39">
@@ -8528,8 +8528,8 @@
           </p:pic>
         </mc:Fallback>
       </mc:AlternateContent>
-      <mc:AlternateContent xmlns:mc="http://schemas.openxmlformats.org/markup-compatibility/2006">
-        <mc:Choice xmlns:p14="http://schemas.microsoft.com/office/powerpoint/2010/main" Requires="p14">
+      <mc:AlternateContent xmlns:mc="http://schemas.openxmlformats.org/markup-compatibility/2006" xmlns:p14="http://schemas.microsoft.com/office/powerpoint/2010/main">
+        <mc:Choice Requires="p14">
           <p:contentPart p14:bwMode="auto" r:id="rId29">
             <p14:nvContentPartPr>
               <p14:cNvPr id="50" name="Ink 49">
@@ -8548,7 +8548,7 @@
             </p14:xfrm>
           </p:contentPart>
         </mc:Choice>
-        <mc:Fallback>
+        <mc:Fallback xmlns="">
           <p:pic>
             <p:nvPicPr>
               <p:cNvPr id="50" name="Ink 49">
@@ -8599,8 +8599,8 @@
             <a:chExt cx="594360" cy="264960"/>
           </a:xfrm>
         </p:grpSpPr>
-        <mc:AlternateContent xmlns:mc="http://schemas.openxmlformats.org/markup-compatibility/2006">
-          <mc:Choice xmlns:p14="http://schemas.microsoft.com/office/powerpoint/2010/main" Requires="p14">
+        <mc:AlternateContent xmlns:mc="http://schemas.openxmlformats.org/markup-compatibility/2006" xmlns:p14="http://schemas.microsoft.com/office/powerpoint/2010/main">
+          <mc:Choice Requires="p14">
             <p:contentPart p14:bwMode="auto" r:id="rId31">
               <p14:nvContentPartPr>
                 <p14:cNvPr id="43" name="Ink 42">
@@ -8619,7 +8619,7 @@
               </p14:xfrm>
             </p:contentPart>
           </mc:Choice>
-          <mc:Fallback>
+          <mc:Fallback xmlns="">
             <p:pic>
               <p:nvPicPr>
                 <p:cNvPr id="43" name="Ink 42">
@@ -8650,8 +8650,8 @@
             </p:pic>
           </mc:Fallback>
         </mc:AlternateContent>
-        <mc:AlternateContent xmlns:mc="http://schemas.openxmlformats.org/markup-compatibility/2006">
-          <mc:Choice xmlns:p14="http://schemas.microsoft.com/office/powerpoint/2010/main" Requires="p14">
+        <mc:AlternateContent xmlns:mc="http://schemas.openxmlformats.org/markup-compatibility/2006" xmlns:p14="http://schemas.microsoft.com/office/powerpoint/2010/main">
+          <mc:Choice Requires="p14">
             <p:contentPart p14:bwMode="auto" r:id="rId33">
               <p14:nvContentPartPr>
                 <p14:cNvPr id="44" name="Ink 43">
@@ -8670,7 +8670,7 @@
               </p14:xfrm>
             </p:contentPart>
           </mc:Choice>
-          <mc:Fallback>
+          <mc:Fallback xmlns="">
             <p:pic>
               <p:nvPicPr>
                 <p:cNvPr id="44" name="Ink 43">
@@ -8701,8 +8701,8 @@
             </p:pic>
           </mc:Fallback>
         </mc:AlternateContent>
-        <mc:AlternateContent xmlns:mc="http://schemas.openxmlformats.org/markup-compatibility/2006">
-          <mc:Choice xmlns:p14="http://schemas.microsoft.com/office/powerpoint/2010/main" Requires="p14">
+        <mc:AlternateContent xmlns:mc="http://schemas.openxmlformats.org/markup-compatibility/2006" xmlns:p14="http://schemas.microsoft.com/office/powerpoint/2010/main">
+          <mc:Choice Requires="p14">
             <p:contentPart p14:bwMode="auto" r:id="rId35">
               <p14:nvContentPartPr>
                 <p14:cNvPr id="45" name="Ink 44">
@@ -8721,7 +8721,7 @@
               </p14:xfrm>
             </p:contentPart>
           </mc:Choice>
-          <mc:Fallback>
+          <mc:Fallback xmlns="">
             <p:pic>
               <p:nvPicPr>
                 <p:cNvPr id="45" name="Ink 44">
@@ -8752,8 +8752,8 @@
             </p:pic>
           </mc:Fallback>
         </mc:AlternateContent>
-        <mc:AlternateContent xmlns:mc="http://schemas.openxmlformats.org/markup-compatibility/2006">
-          <mc:Choice xmlns:p14="http://schemas.microsoft.com/office/powerpoint/2010/main" Requires="p14">
+        <mc:AlternateContent xmlns:mc="http://schemas.openxmlformats.org/markup-compatibility/2006" xmlns:p14="http://schemas.microsoft.com/office/powerpoint/2010/main">
+          <mc:Choice Requires="p14">
             <p:contentPart p14:bwMode="auto" r:id="rId37">
               <p14:nvContentPartPr>
                 <p14:cNvPr id="47" name="Ink 46">
@@ -8772,7 +8772,7 @@
               </p14:xfrm>
             </p:contentPart>
           </mc:Choice>
-          <mc:Fallback>
+          <mc:Fallback xmlns="">
             <p:pic>
               <p:nvPicPr>
                 <p:cNvPr id="47" name="Ink 46">
@@ -8803,8 +8803,8 @@
             </p:pic>
           </mc:Fallback>
         </mc:AlternateContent>
-        <mc:AlternateContent xmlns:mc="http://schemas.openxmlformats.org/markup-compatibility/2006">
-          <mc:Choice xmlns:p14="http://schemas.microsoft.com/office/powerpoint/2010/main" Requires="p14">
+        <mc:AlternateContent xmlns:mc="http://schemas.openxmlformats.org/markup-compatibility/2006" xmlns:p14="http://schemas.microsoft.com/office/powerpoint/2010/main">
+          <mc:Choice Requires="p14">
             <p:contentPart p14:bwMode="auto" r:id="rId39">
               <p14:nvContentPartPr>
                 <p14:cNvPr id="54" name="Ink 53">
@@ -8823,7 +8823,7 @@
               </p14:xfrm>
             </p:contentPart>
           </mc:Choice>
-          <mc:Fallback>
+          <mc:Fallback xmlns="">
             <p:pic>
               <p:nvPicPr>
                 <p:cNvPr id="54" name="Ink 53">
@@ -9746,18 +9746,13 @@
                     <a:lstStyle/>
                     <a:p>
                       <a:r>
-                        <a:rPr lang="en-US" dirty="0" err="1">
+                        <a:rPr lang="en-US" dirty="0">
                           <a:solidFill>
                             <a:srgbClr val="0F3874"/>
                           </a:solidFill>
                         </a:rPr>
                         <a:t>Height_Inches</a:t>
                       </a:r>
-                      <a:endParaRPr lang="en-US" dirty="0">
-                        <a:solidFill>
-                          <a:srgbClr val="0F3874"/>
-                        </a:solidFill>
-                      </a:endParaRPr>
                     </a:p>
                   </a:txBody>
                   <a:tcPr/>
@@ -9792,18 +9787,13 @@
                     <a:lstStyle/>
                     <a:p>
                       <a:r>
-                        <a:rPr lang="en-US" dirty="0" err="1">
+                        <a:rPr lang="en-US" dirty="0">
                           <a:solidFill>
                             <a:srgbClr val="0F3874"/>
                           </a:solidFill>
                         </a:rPr>
                         <a:t>Activity_Level</a:t>
                       </a:r>
-                      <a:endParaRPr lang="en-US" dirty="0">
-                        <a:solidFill>
-                          <a:srgbClr val="0F3874"/>
-                        </a:solidFill>
-                      </a:endParaRPr>
                     </a:p>
                   </a:txBody>
                   <a:tcPr/>
@@ -9838,18 +9828,13 @@
                     <a:lstStyle/>
                     <a:p>
                       <a:r>
-                        <a:rPr lang="en-US" dirty="0" err="1">
+                        <a:rPr lang="en-US" dirty="0">
                           <a:solidFill>
                             <a:srgbClr val="0F3874"/>
                           </a:solidFill>
                         </a:rPr>
                         <a:t>Weight_Goal</a:t>
                       </a:r>
-                      <a:endParaRPr lang="en-US" dirty="0">
-                        <a:solidFill>
-                          <a:srgbClr val="0F3874"/>
-                        </a:solidFill>
-                      </a:endParaRPr>
                     </a:p>
                   </a:txBody>
                   <a:tcPr/>
@@ -15470,7 +15455,7 @@
         </p:blipFill>
         <p:spPr>
           <a:xfrm>
-            <a:off x="3362175" y="4638629"/>
+            <a:off x="3518963" y="4981529"/>
             <a:ext cx="2180791" cy="669541"/>
           </a:xfrm>
           <a:prstGeom prst="rect">
@@ -15499,7 +15484,7 @@
         </p:blipFill>
         <p:spPr>
           <a:xfrm>
-            <a:off x="4202988" y="2603259"/>
+            <a:off x="4359776" y="2946159"/>
             <a:ext cx="1424067" cy="1259082"/>
           </a:xfrm>
           <a:prstGeom prst="rect">
@@ -15529,7 +15514,7 @@
         </p:blipFill>
         <p:spPr>
           <a:xfrm>
-            <a:off x="679381" y="4395058"/>
+            <a:off x="836169" y="4737958"/>
             <a:ext cx="2313370" cy="1156685"/>
           </a:xfrm>
           <a:prstGeom prst="rect">
@@ -15551,7 +15536,7 @@
         </p:nvGrpSpPr>
         <p:grpSpPr>
           <a:xfrm>
-            <a:off x="503844" y="2592803"/>
+            <a:off x="660632" y="2935703"/>
             <a:ext cx="1267690" cy="1269537"/>
             <a:chOff x="8794215" y="1826775"/>
             <a:chExt cx="1267690" cy="1269537"/>
@@ -16250,7 +16235,7 @@
         </p:blipFill>
         <p:spPr bwMode="auto">
           <a:xfrm>
-            <a:off x="2407553" y="2603258"/>
+            <a:off x="2564341" y="2946158"/>
             <a:ext cx="1259082" cy="1259082"/>
           </a:xfrm>
           <a:prstGeom prst="rect">

--- a/diagrams/Nutrition Compass Presentation.pptx
+++ b/diagrams/Nutrition Compass Presentation.pptx
@@ -130,7 +130,7 @@
 <file path=ppt/revisionInfo.xml><?xml version="1.0" encoding="utf-8"?>
 <p1510:revInfo xmlns:a="http://schemas.openxmlformats.org/drawingml/2006/main" xmlns:r="http://schemas.openxmlformats.org/officeDocument/2006/relationships" xmlns:p1510="http://schemas.microsoft.com/office/powerpoint/2015/10/main">
   <p1510:revLst>
-    <p1510:client id="{61DAA024-F5F8-43EC-9B0A-FFE5A2F563BA}" v="239" dt="2024-11-30T03:00:00.510"/>
+    <p1510:client id="{61DAA024-F5F8-43EC-9B0A-FFE5A2F563BA}" v="245" dt="2024-12-01T17:13:07.324"/>
   </p1510:revLst>
 </p1510:revInfo>
 </file>
@@ -140,7 +140,7 @@
   <pc:docChgLst>
     <pc:chgData name="Jia Jones" userId="a3b0c72f-e186-4738-b8d6-28e077c699c2" providerId="ADAL" clId="{61DAA024-F5F8-43EC-9B0A-FFE5A2F563BA}"/>
     <pc:docChg chg="undo redo custSel addSld delSld modSld sldOrd">
-      <pc:chgData name="Jia Jones" userId="a3b0c72f-e186-4738-b8d6-28e077c699c2" providerId="ADAL" clId="{61DAA024-F5F8-43EC-9B0A-FFE5A2F563BA}" dt="2024-11-30T03:00:00.507" v="2964" actId="1076"/>
+      <pc:chgData name="Jia Jones" userId="a3b0c72f-e186-4738-b8d6-28e077c699c2" providerId="ADAL" clId="{61DAA024-F5F8-43EC-9B0A-FFE5A2F563BA}" dt="2024-12-01T17:13:07.323" v="3038" actId="1076"/>
       <pc:docMkLst>
         <pc:docMk/>
       </pc:docMkLst>
@@ -373,7 +373,7 @@
         </pc:picChg>
       </pc:sldChg>
       <pc:sldChg chg="addSp delSp modSp mod modNotesTx">
-        <pc:chgData name="Jia Jones" userId="a3b0c72f-e186-4738-b8d6-28e077c699c2" providerId="ADAL" clId="{61DAA024-F5F8-43EC-9B0A-FFE5A2F563BA}" dt="2024-11-28T05:07:56.834" v="2961" actId="14100"/>
+        <pc:chgData name="Jia Jones" userId="a3b0c72f-e186-4738-b8d6-28e077c699c2" providerId="ADAL" clId="{61DAA024-F5F8-43EC-9B0A-FFE5A2F563BA}" dt="2024-12-01T17:10:57.726" v="3031" actId="14100"/>
         <pc:sldMkLst>
           <pc:docMk/>
           <pc:sldMk cId="3163370101" sldId="261"/>
@@ -443,15 +443,15 @@
           </ac:spMkLst>
         </pc:spChg>
         <pc:spChg chg="add mod">
-          <ac:chgData name="Jia Jones" userId="a3b0c72f-e186-4738-b8d6-28e077c699c2" providerId="ADAL" clId="{61DAA024-F5F8-43EC-9B0A-FFE5A2F563BA}" dt="2024-11-28T04:56:55.375" v="2825" actId="1035"/>
+          <ac:chgData name="Jia Jones" userId="a3b0c72f-e186-4738-b8d6-28e077c699c2" providerId="ADAL" clId="{61DAA024-F5F8-43EC-9B0A-FFE5A2F563BA}" dt="2024-12-01T17:10:34.221" v="3027" actId="1076"/>
           <ac:spMkLst>
             <pc:docMk/>
             <pc:sldMk cId="3163370101" sldId="261"/>
             <ac:spMk id="55" creationId="{03B95D01-BEA6-1575-6D1A-71F7C22DE555}"/>
           </ac:spMkLst>
         </pc:spChg>
-        <pc:spChg chg="add mod">
-          <ac:chgData name="Jia Jones" userId="a3b0c72f-e186-4738-b8d6-28e077c699c2" providerId="ADAL" clId="{61DAA024-F5F8-43EC-9B0A-FFE5A2F563BA}" dt="2024-11-28T04:56:55.375" v="2825" actId="1035"/>
+        <pc:spChg chg="add del mod">
+          <ac:chgData name="Jia Jones" userId="a3b0c72f-e186-4738-b8d6-28e077c699c2" providerId="ADAL" clId="{61DAA024-F5F8-43EC-9B0A-FFE5A2F563BA}" dt="2024-12-01T17:06:39.704" v="2984" actId="478"/>
           <ac:spMkLst>
             <pc:docMk/>
             <pc:sldMk cId="3163370101" sldId="261"/>
@@ -459,7 +459,7 @@
           </ac:spMkLst>
         </pc:spChg>
         <pc:spChg chg="add mod">
-          <ac:chgData name="Jia Jones" userId="a3b0c72f-e186-4738-b8d6-28e077c699c2" providerId="ADAL" clId="{61DAA024-F5F8-43EC-9B0A-FFE5A2F563BA}" dt="2024-11-28T04:58:02.607" v="2840" actId="1076"/>
+          <ac:chgData name="Jia Jones" userId="a3b0c72f-e186-4738-b8d6-28e077c699c2" providerId="ADAL" clId="{61DAA024-F5F8-43EC-9B0A-FFE5A2F563BA}" dt="2024-12-01T17:08:44.802" v="3009" actId="1076"/>
           <ac:spMkLst>
             <pc:docMk/>
             <pc:sldMk cId="3163370101" sldId="261"/>
@@ -467,7 +467,7 @@
           </ac:spMkLst>
         </pc:spChg>
         <pc:spChg chg="add mod">
-          <ac:chgData name="Jia Jones" userId="a3b0c72f-e186-4738-b8d6-28e077c699c2" providerId="ADAL" clId="{61DAA024-F5F8-43EC-9B0A-FFE5A2F563BA}" dt="2024-11-28T04:56:55.375" v="2825" actId="1035"/>
+          <ac:chgData name="Jia Jones" userId="a3b0c72f-e186-4738-b8d6-28e077c699c2" providerId="ADAL" clId="{61DAA024-F5F8-43EC-9B0A-FFE5A2F563BA}" dt="2024-12-01T17:08:50.509" v="3010" actId="1076"/>
           <ac:spMkLst>
             <pc:docMk/>
             <pc:sldMk cId="3163370101" sldId="261"/>
@@ -507,7 +507,7 @@
           </ac:spMkLst>
         </pc:spChg>
         <pc:grpChg chg="add mod">
-          <ac:chgData name="Jia Jones" userId="a3b0c72f-e186-4738-b8d6-28e077c699c2" providerId="ADAL" clId="{61DAA024-F5F8-43EC-9B0A-FFE5A2F563BA}" dt="2024-11-28T05:07:18.623" v="2956" actId="164"/>
+          <ac:chgData name="Jia Jones" userId="a3b0c72f-e186-4738-b8d6-28e077c699c2" providerId="ADAL" clId="{61DAA024-F5F8-43EC-9B0A-FFE5A2F563BA}" dt="2024-12-01T17:09:33.840" v="3020" actId="1037"/>
           <ac:grpSpMkLst>
             <pc:docMk/>
             <pc:sldMk cId="3163370101" sldId="261"/>
@@ -523,7 +523,7 @@
           </ac:cxnSpMkLst>
         </pc:cxnChg>
         <pc:cxnChg chg="add mod">
-          <ac:chgData name="Jia Jones" userId="a3b0c72f-e186-4738-b8d6-28e077c699c2" providerId="ADAL" clId="{61DAA024-F5F8-43EC-9B0A-FFE5A2F563BA}" dt="2024-11-28T05:07:56.834" v="2961" actId="14100"/>
+          <ac:chgData name="Jia Jones" userId="a3b0c72f-e186-4738-b8d6-28e077c699c2" providerId="ADAL" clId="{61DAA024-F5F8-43EC-9B0A-FFE5A2F563BA}" dt="2024-12-01T17:09:12.238" v="3014" actId="14100"/>
           <ac:cxnSpMkLst>
             <pc:docMk/>
             <pc:sldMk cId="3163370101" sldId="261"/>
@@ -547,7 +547,7 @@
           </ac:cxnSpMkLst>
         </pc:cxnChg>
         <pc:cxnChg chg="add mod">
-          <ac:chgData name="Jia Jones" userId="a3b0c72f-e186-4738-b8d6-28e077c699c2" providerId="ADAL" clId="{61DAA024-F5F8-43EC-9B0A-FFE5A2F563BA}" dt="2024-11-28T05:00:57.187" v="2880" actId="14100"/>
+          <ac:chgData name="Jia Jones" userId="a3b0c72f-e186-4738-b8d6-28e077c699c2" providerId="ADAL" clId="{61DAA024-F5F8-43EC-9B0A-FFE5A2F563BA}" dt="2024-12-01T17:09:06.803" v="3013" actId="14100"/>
           <ac:cxnSpMkLst>
             <pc:docMk/>
             <pc:sldMk cId="3163370101" sldId="261"/>
@@ -635,7 +635,7 @@
           </ac:cxnSpMkLst>
         </pc:cxnChg>
         <pc:cxnChg chg="add mod">
-          <ac:chgData name="Jia Jones" userId="a3b0c72f-e186-4738-b8d6-28e077c699c2" providerId="ADAL" clId="{61DAA024-F5F8-43EC-9B0A-FFE5A2F563BA}" dt="2024-11-28T04:56:55.375" v="2825" actId="1035"/>
+          <ac:chgData name="Jia Jones" userId="a3b0c72f-e186-4738-b8d6-28e077c699c2" providerId="ADAL" clId="{61DAA024-F5F8-43EC-9B0A-FFE5A2F563BA}" dt="2024-12-01T17:10:57.726" v="3031" actId="14100"/>
           <ac:cxnSpMkLst>
             <pc:docMk/>
             <pc:sldMk cId="3163370101" sldId="261"/>
@@ -667,7 +667,7 @@
           </ac:cxnSpMkLst>
         </pc:cxnChg>
         <pc:cxnChg chg="add mod">
-          <ac:chgData name="Jia Jones" userId="a3b0c72f-e186-4738-b8d6-28e077c699c2" providerId="ADAL" clId="{61DAA024-F5F8-43EC-9B0A-FFE5A2F563BA}" dt="2024-11-28T04:57:50.066" v="2838" actId="14100"/>
+          <ac:chgData name="Jia Jones" userId="a3b0c72f-e186-4738-b8d6-28e077c699c2" providerId="ADAL" clId="{61DAA024-F5F8-43EC-9B0A-FFE5A2F563BA}" dt="2024-12-01T17:10:34.221" v="3027" actId="1076"/>
           <ac:cxnSpMkLst>
             <pc:docMk/>
             <pc:sldMk cId="3163370101" sldId="261"/>
@@ -682,8 +682,8 @@
             <ac:cxnSpMk id="56" creationId="{EC981F7E-EAEE-4E36-C8A5-CC342FA82F4F}"/>
           </ac:cxnSpMkLst>
         </pc:cxnChg>
-        <pc:cxnChg chg="add mod">
-          <ac:chgData name="Jia Jones" userId="a3b0c72f-e186-4738-b8d6-28e077c699c2" providerId="ADAL" clId="{61DAA024-F5F8-43EC-9B0A-FFE5A2F563BA}" dt="2024-11-28T04:56:55.375" v="2825" actId="1035"/>
+        <pc:cxnChg chg="add del mod">
+          <ac:chgData name="Jia Jones" userId="a3b0c72f-e186-4738-b8d6-28e077c699c2" providerId="ADAL" clId="{61DAA024-F5F8-43EC-9B0A-FFE5A2F563BA}" dt="2024-12-01T17:06:39.704" v="2984" actId="478"/>
           <ac:cxnSpMkLst>
             <pc:docMk/>
             <pc:sldMk cId="3163370101" sldId="261"/>
@@ -723,7 +723,7 @@
           </ac:cxnSpMkLst>
         </pc:cxnChg>
         <pc:cxnChg chg="add mod">
-          <ac:chgData name="Jia Jones" userId="a3b0c72f-e186-4738-b8d6-28e077c699c2" providerId="ADAL" clId="{61DAA024-F5F8-43EC-9B0A-FFE5A2F563BA}" dt="2024-11-28T04:56:55.375" v="2825" actId="1035"/>
+          <ac:chgData name="Jia Jones" userId="a3b0c72f-e186-4738-b8d6-28e077c699c2" providerId="ADAL" clId="{61DAA024-F5F8-43EC-9B0A-FFE5A2F563BA}" dt="2024-12-01T17:10:41.320" v="3029" actId="14100"/>
           <ac:cxnSpMkLst>
             <pc:docMk/>
             <pc:sldMk cId="3163370101" sldId="261"/>
@@ -731,7 +731,7 @@
           </ac:cxnSpMkLst>
         </pc:cxnChg>
         <pc:cxnChg chg="add mod">
-          <ac:chgData name="Jia Jones" userId="a3b0c72f-e186-4738-b8d6-28e077c699c2" providerId="ADAL" clId="{61DAA024-F5F8-43EC-9B0A-FFE5A2F563BA}" dt="2024-11-28T04:56:55.375" v="2825" actId="1035"/>
+          <ac:chgData name="Jia Jones" userId="a3b0c72f-e186-4738-b8d6-28e077c699c2" providerId="ADAL" clId="{61DAA024-F5F8-43EC-9B0A-FFE5A2F563BA}" dt="2024-12-01T17:08:39.035" v="3008" actId="14100"/>
           <ac:cxnSpMkLst>
             <pc:docMk/>
             <pc:sldMk cId="3163370101" sldId="261"/>
@@ -739,7 +739,7 @@
           </ac:cxnSpMkLst>
         </pc:cxnChg>
         <pc:cxnChg chg="add mod">
-          <ac:chgData name="Jia Jones" userId="a3b0c72f-e186-4738-b8d6-28e077c699c2" providerId="ADAL" clId="{61DAA024-F5F8-43EC-9B0A-FFE5A2F563BA}" dt="2024-11-28T04:59:28.613" v="2860" actId="1076"/>
+          <ac:chgData name="Jia Jones" userId="a3b0c72f-e186-4738-b8d6-28e077c699c2" providerId="ADAL" clId="{61DAA024-F5F8-43EC-9B0A-FFE5A2F563BA}" dt="2024-12-01T17:08:44.802" v="3009" actId="1076"/>
           <ac:cxnSpMkLst>
             <pc:docMk/>
             <pc:sldMk cId="3163370101" sldId="261"/>
@@ -747,7 +747,7 @@
           </ac:cxnSpMkLst>
         </pc:cxnChg>
         <pc:cxnChg chg="add mod">
-          <ac:chgData name="Jia Jones" userId="a3b0c72f-e186-4738-b8d6-28e077c699c2" providerId="ADAL" clId="{61DAA024-F5F8-43EC-9B0A-FFE5A2F563BA}" dt="2024-11-28T04:56:55.375" v="2825" actId="1035"/>
+          <ac:chgData name="Jia Jones" userId="a3b0c72f-e186-4738-b8d6-28e077c699c2" providerId="ADAL" clId="{61DAA024-F5F8-43EC-9B0A-FFE5A2F563BA}" dt="2024-12-01T17:08:50.509" v="3010" actId="1076"/>
           <ac:cxnSpMkLst>
             <pc:docMk/>
             <pc:sldMk cId="3163370101" sldId="261"/>
@@ -779,7 +779,7 @@
           </ac:cxnSpMkLst>
         </pc:cxnChg>
         <pc:cxnChg chg="add mod">
-          <ac:chgData name="Jia Jones" userId="a3b0c72f-e186-4738-b8d6-28e077c699c2" providerId="ADAL" clId="{61DAA024-F5F8-43EC-9B0A-FFE5A2F563BA}" dt="2024-11-28T04:58:42.445" v="2847" actId="1076"/>
+          <ac:chgData name="Jia Jones" userId="a3b0c72f-e186-4738-b8d6-28e077c699c2" providerId="ADAL" clId="{61DAA024-F5F8-43EC-9B0A-FFE5A2F563BA}" dt="2024-12-01T17:09:46.367" v="3022" actId="14100"/>
           <ac:cxnSpMkLst>
             <pc:docMk/>
             <pc:sldMk cId="3163370101" sldId="261"/>
@@ -795,15 +795,15 @@
           </ac:cxnSpMkLst>
         </pc:cxnChg>
         <pc:cxnChg chg="add mod">
-          <ac:chgData name="Jia Jones" userId="a3b0c72f-e186-4738-b8d6-28e077c699c2" providerId="ADAL" clId="{61DAA024-F5F8-43EC-9B0A-FFE5A2F563BA}" dt="2024-11-28T04:59:25.807" v="2859" actId="1076"/>
+          <ac:chgData name="Jia Jones" userId="a3b0c72f-e186-4738-b8d6-28e077c699c2" providerId="ADAL" clId="{61DAA024-F5F8-43EC-9B0A-FFE5A2F563BA}" dt="2024-12-01T17:08:52.807" v="3011" actId="14100"/>
           <ac:cxnSpMkLst>
             <pc:docMk/>
             <pc:sldMk cId="3163370101" sldId="261"/>
             <ac:cxnSpMk id="100" creationId="{D8EB59E1-D124-E15E-1B9D-EE06FD41DED7}"/>
           </ac:cxnSpMkLst>
         </pc:cxnChg>
-        <pc:cxnChg chg="add mod">
-          <ac:chgData name="Jia Jones" userId="a3b0c72f-e186-4738-b8d6-28e077c699c2" providerId="ADAL" clId="{61DAA024-F5F8-43EC-9B0A-FFE5A2F563BA}" dt="2024-11-28T04:59:47.867" v="2863" actId="14100"/>
+        <pc:cxnChg chg="add del mod">
+          <ac:chgData name="Jia Jones" userId="a3b0c72f-e186-4738-b8d6-28e077c699c2" providerId="ADAL" clId="{61DAA024-F5F8-43EC-9B0A-FFE5A2F563BA}" dt="2024-12-01T17:06:39.704" v="2984" actId="478"/>
           <ac:cxnSpMkLst>
             <pc:docMk/>
             <pc:sldMk cId="3163370101" sldId="261"/>
@@ -811,7 +811,7 @@
           </ac:cxnSpMkLst>
         </pc:cxnChg>
         <pc:cxnChg chg="add mod">
-          <ac:chgData name="Jia Jones" userId="a3b0c72f-e186-4738-b8d6-28e077c699c2" providerId="ADAL" clId="{61DAA024-F5F8-43EC-9B0A-FFE5A2F563BA}" dt="2024-11-28T05:00:02.905" v="2868" actId="1076"/>
+          <ac:chgData name="Jia Jones" userId="a3b0c72f-e186-4738-b8d6-28e077c699c2" providerId="ADAL" clId="{61DAA024-F5F8-43EC-9B0A-FFE5A2F563BA}" dt="2024-12-01T17:08:44.802" v="3009" actId="1076"/>
           <ac:cxnSpMkLst>
             <pc:docMk/>
             <pc:sldMk cId="3163370101" sldId="261"/>
@@ -819,7 +819,7 @@
           </ac:cxnSpMkLst>
         </pc:cxnChg>
         <pc:cxnChg chg="add mod">
-          <ac:chgData name="Jia Jones" userId="a3b0c72f-e186-4738-b8d6-28e077c699c2" providerId="ADAL" clId="{61DAA024-F5F8-43EC-9B0A-FFE5A2F563BA}" dt="2024-11-28T04:59:58.409" v="2867" actId="1076"/>
+          <ac:chgData name="Jia Jones" userId="a3b0c72f-e186-4738-b8d6-28e077c699c2" providerId="ADAL" clId="{61DAA024-F5F8-43EC-9B0A-FFE5A2F563BA}" dt="2024-12-01T17:08:50.509" v="3010" actId="1076"/>
           <ac:cxnSpMkLst>
             <pc:docMk/>
             <pc:sldMk cId="3163370101" sldId="261"/>
@@ -836,7 +836,7 @@
         </pc:cxnChg>
       </pc:sldChg>
       <pc:sldChg chg="addSp delSp modSp mod modNotesTx">
-        <pc:chgData name="Jia Jones" userId="a3b0c72f-e186-4738-b8d6-28e077c699c2" providerId="ADAL" clId="{61DAA024-F5F8-43EC-9B0A-FFE5A2F563BA}" dt="2024-11-24T20:56:19.809" v="868" actId="1076"/>
+        <pc:chgData name="Jia Jones" userId="a3b0c72f-e186-4738-b8d6-28e077c699c2" providerId="ADAL" clId="{61DAA024-F5F8-43EC-9B0A-FFE5A2F563BA}" dt="2024-12-01T17:13:07.323" v="3038" actId="1076"/>
         <pc:sldMkLst>
           <pc:docMk/>
           <pc:sldMk cId="3192155169" sldId="262"/>
@@ -849,12 +849,20 @@
             <ac:picMk id="3" creationId="{CE13FB15-CD03-737E-2368-1403026ED0C8}"/>
           </ac:picMkLst>
         </pc:picChg>
-        <pc:picChg chg="add mod">
-          <ac:chgData name="Jia Jones" userId="a3b0c72f-e186-4738-b8d6-28e077c699c2" providerId="ADAL" clId="{61DAA024-F5F8-43EC-9B0A-FFE5A2F563BA}" dt="2024-11-24T20:56:19.809" v="868" actId="1076"/>
+        <pc:picChg chg="add del mod">
+          <ac:chgData name="Jia Jones" userId="a3b0c72f-e186-4738-b8d6-28e077c699c2" providerId="ADAL" clId="{61DAA024-F5F8-43EC-9B0A-FFE5A2F563BA}" dt="2024-12-01T17:12:48.021" v="3032" actId="478"/>
           <ac:picMkLst>
             <pc:docMk/>
             <pc:sldMk cId="3192155169" sldId="262"/>
             <ac:picMk id="8" creationId="{A306073B-68D9-4CD3-4EE5-4B6F6ABF4E21}"/>
+          </ac:picMkLst>
+        </pc:picChg>
+        <pc:picChg chg="add mod">
+          <ac:chgData name="Jia Jones" userId="a3b0c72f-e186-4738-b8d6-28e077c699c2" providerId="ADAL" clId="{61DAA024-F5F8-43EC-9B0A-FFE5A2F563BA}" dt="2024-12-01T17:13:07.323" v="3038" actId="1076"/>
+          <ac:picMkLst>
+            <pc:docMk/>
+            <pc:sldMk cId="3192155169" sldId="262"/>
+            <ac:picMk id="1026" creationId="{369B355C-1A5A-F668-84D5-819757F979AF}"/>
           </ac:picMkLst>
         </pc:picChg>
       </pc:sldChg>
@@ -2253,7 +2261,7 @@
           <a:p>
             <a:fld id="{C4B6C876-93E6-4EE5-9324-F405656A766B}" type="datetimeFigureOut">
               <a:rPr lang="en-US" smtClean="0"/>
-              <a:t>11/29/2024</a:t>
+              <a:t>12/1/2024</a:t>
             </a:fld>
             <a:endParaRPr lang="en-US"/>
           </a:p>
@@ -4638,7 +4646,7 @@
           <a:p>
             <a:fld id="{1E236618-E05F-499C-B335-24D95865ED56}" type="datetimeFigureOut">
               <a:rPr lang="en-US" smtClean="0"/>
-              <a:t>11/29/2024</a:t>
+              <a:t>12/1/2024</a:t>
             </a:fld>
             <a:endParaRPr lang="en-US"/>
           </a:p>
@@ -4836,7 +4844,7 @@
           <a:p>
             <a:fld id="{1E236618-E05F-499C-B335-24D95865ED56}" type="datetimeFigureOut">
               <a:rPr lang="en-US" smtClean="0"/>
-              <a:t>11/29/2024</a:t>
+              <a:t>12/1/2024</a:t>
             </a:fld>
             <a:endParaRPr lang="en-US"/>
           </a:p>
@@ -5044,7 +5052,7 @@
           <a:p>
             <a:fld id="{1E236618-E05F-499C-B335-24D95865ED56}" type="datetimeFigureOut">
               <a:rPr lang="en-US" smtClean="0"/>
-              <a:t>11/29/2024</a:t>
+              <a:t>12/1/2024</a:t>
             </a:fld>
             <a:endParaRPr lang="en-US"/>
           </a:p>
@@ -5242,7 +5250,7 @@
           <a:p>
             <a:fld id="{1E236618-E05F-499C-B335-24D95865ED56}" type="datetimeFigureOut">
               <a:rPr lang="en-US" smtClean="0"/>
-              <a:t>11/29/2024</a:t>
+              <a:t>12/1/2024</a:t>
             </a:fld>
             <a:endParaRPr lang="en-US"/>
           </a:p>
@@ -5517,7 +5525,7 @@
           <a:p>
             <a:fld id="{1E236618-E05F-499C-B335-24D95865ED56}" type="datetimeFigureOut">
               <a:rPr lang="en-US" smtClean="0"/>
-              <a:t>11/29/2024</a:t>
+              <a:t>12/1/2024</a:t>
             </a:fld>
             <a:endParaRPr lang="en-US"/>
           </a:p>
@@ -5782,7 +5790,7 @@
           <a:p>
             <a:fld id="{1E236618-E05F-499C-B335-24D95865ED56}" type="datetimeFigureOut">
               <a:rPr lang="en-US" smtClean="0"/>
-              <a:t>11/29/2024</a:t>
+              <a:t>12/1/2024</a:t>
             </a:fld>
             <a:endParaRPr lang="en-US"/>
           </a:p>
@@ -6194,7 +6202,7 @@
           <a:p>
             <a:fld id="{1E236618-E05F-499C-B335-24D95865ED56}" type="datetimeFigureOut">
               <a:rPr lang="en-US" smtClean="0"/>
-              <a:t>11/29/2024</a:t>
+              <a:t>12/1/2024</a:t>
             </a:fld>
             <a:endParaRPr lang="en-US"/>
           </a:p>
@@ -6335,7 +6343,7 @@
           <a:p>
             <a:fld id="{1E236618-E05F-499C-B335-24D95865ED56}" type="datetimeFigureOut">
               <a:rPr lang="en-US" smtClean="0"/>
-              <a:t>11/29/2024</a:t>
+              <a:t>12/1/2024</a:t>
             </a:fld>
             <a:endParaRPr lang="en-US"/>
           </a:p>
@@ -6448,7 +6456,7 @@
           <a:p>
             <a:fld id="{1E236618-E05F-499C-B335-24D95865ED56}" type="datetimeFigureOut">
               <a:rPr lang="en-US" smtClean="0"/>
-              <a:t>11/29/2024</a:t>
+              <a:t>12/1/2024</a:t>
             </a:fld>
             <a:endParaRPr lang="en-US"/>
           </a:p>
@@ -6759,7 +6767,7 @@
           <a:p>
             <a:fld id="{1E236618-E05F-499C-B335-24D95865ED56}" type="datetimeFigureOut">
               <a:rPr lang="en-US" smtClean="0"/>
-              <a:t>11/29/2024</a:t>
+              <a:t>12/1/2024</a:t>
             </a:fld>
             <a:endParaRPr lang="en-US"/>
           </a:p>
@@ -7047,7 +7055,7 @@
           <a:p>
             <a:fld id="{1E236618-E05F-499C-B335-24D95865ED56}" type="datetimeFigureOut">
               <a:rPr lang="en-US" smtClean="0"/>
-              <a:t>11/29/2024</a:t>
+              <a:t>12/1/2024</a:t>
             </a:fld>
             <a:endParaRPr lang="en-US"/>
           </a:p>
@@ -7288,7 +7296,7 @@
           <a:p>
             <a:fld id="{1E236618-E05F-499C-B335-24D95865ED56}" type="datetimeFigureOut">
               <a:rPr lang="en-US" smtClean="0"/>
-              <a:t>11/29/2024</a:t>
+              <a:t>12/1/2024</a:t>
             </a:fld>
             <a:endParaRPr lang="en-US"/>
           </a:p>
@@ -10178,18 +10186,13 @@
                     <a:lstStyle/>
                     <a:p>
                       <a:r>
-                        <a:rPr lang="en-US" dirty="0" err="1">
+                        <a:rPr lang="en-US" dirty="0">
                           <a:solidFill>
                             <a:srgbClr val="0F3874"/>
                           </a:solidFill>
                         </a:rPr>
                         <a:t>Carb_Count</a:t>
                       </a:r>
-                      <a:endParaRPr lang="en-US" dirty="0">
-                        <a:solidFill>
-                          <a:srgbClr val="0F3874"/>
-                        </a:solidFill>
-                      </a:endParaRPr>
                     </a:p>
                   </a:txBody>
                   <a:tcPr/>
@@ -16758,9 +16761,9 @@
           <p:nvPr/>
         </p:nvCxnSpPr>
         <p:spPr>
-          <a:xfrm flipH="1">
-            <a:off x="5406504" y="6467449"/>
-            <a:ext cx="3886384" cy="1"/>
+          <a:xfrm flipH="1" flipV="1">
+            <a:off x="5406504" y="6467450"/>
+            <a:ext cx="3258865" cy="6408"/>
           </a:xfrm>
           <a:prstGeom prst="straightConnector1">
             <a:avLst/>
@@ -16881,7 +16884,7 @@
         </p:nvCxnSpPr>
         <p:spPr>
           <a:xfrm flipV="1">
-            <a:off x="9279082" y="6247855"/>
+            <a:off x="8644543" y="6254264"/>
             <a:ext cx="0" cy="219594"/>
           </a:xfrm>
           <a:prstGeom prst="line">
@@ -17384,7 +17387,7 @@
         <p:spPr>
           <a:xfrm flipH="1">
             <a:off x="2951018" y="3480954"/>
-            <a:ext cx="6328064" cy="0"/>
+            <a:ext cx="4977537" cy="0"/>
           </a:xfrm>
           <a:prstGeom prst="line">
             <a:avLst/>
@@ -17762,14 +17765,15 @@
           </p:cNvPr>
           <p:cNvCxnSpPr>
             <a:cxnSpLocks/>
-            <a:endCxn id="55" idx="0"/>
+            <a:stCxn id="53" idx="3"/>
+            <a:endCxn id="55" idx="1"/>
           </p:cNvCxnSpPr>
           <p:nvPr/>
         </p:nvCxnSpPr>
         <p:spPr>
           <a:xfrm>
-            <a:off x="9258300" y="3453804"/>
-            <a:ext cx="0" cy="645322"/>
+            <a:off x="7136013" y="4440821"/>
+            <a:ext cx="761771" cy="11744"/>
           </a:xfrm>
           <a:prstGeom prst="straightConnector1">
             <a:avLst/>
@@ -17810,7 +17814,7 @@
         </p:nvSpPr>
         <p:spPr>
           <a:xfrm>
-            <a:off x="8532323" y="4099126"/>
+            <a:off x="7897784" y="4135642"/>
             <a:ext cx="1451954" cy="633846"/>
           </a:xfrm>
           <a:prstGeom prst="roundRect">
@@ -17850,55 +17854,11 @@
                   <a:srgbClr val="156082"/>
                 </a:solidFill>
               </a:rPr>
-              <a:t>Search For Food</a:t>
+              <a:t>Show Food Options</a:t>
             </a:r>
           </a:p>
         </p:txBody>
       </p:sp>
-      <p:cxnSp>
-        <p:nvCxnSpPr>
-          <p:cNvPr id="58" name="Straight Arrow Connector 57">
-            <a:extLst>
-              <a:ext uri="{FF2B5EF4-FFF2-40B4-BE49-F238E27FC236}">
-                <a16:creationId xmlns:a16="http://schemas.microsoft.com/office/drawing/2014/main" id="{C692D9A2-5661-197A-6092-4D5AEA030250}"/>
-              </a:ext>
-            </a:extLst>
-          </p:cNvPr>
-          <p:cNvCxnSpPr>
-            <a:cxnSpLocks/>
-          </p:cNvCxnSpPr>
-          <p:nvPr/>
-        </p:nvCxnSpPr>
-        <p:spPr>
-          <a:xfrm>
-            <a:off x="8235137" y="5034009"/>
-            <a:ext cx="0" cy="410827"/>
-          </a:xfrm>
-          <a:prstGeom prst="straightConnector1">
-            <a:avLst/>
-          </a:prstGeom>
-          <a:ln w="38100">
-            <a:solidFill>
-              <a:srgbClr val="156082"/>
-            </a:solidFill>
-            <a:tailEnd type="triangle"/>
-          </a:ln>
-        </p:spPr>
-        <p:style>
-          <a:lnRef idx="2">
-            <a:schemeClr val="accent1"/>
-          </a:lnRef>
-          <a:fillRef idx="0">
-            <a:schemeClr val="accent1"/>
-          </a:fillRef>
-          <a:effectRef idx="1">
-            <a:schemeClr val="accent1"/>
-          </a:effectRef>
-          <a:fontRef idx="minor">
-            <a:schemeClr val="tx1"/>
-          </a:fontRef>
-        </p:style>
-      </p:cxnSp>
       <p:cxnSp>
         <p:nvCxnSpPr>
           <p:cNvPr id="67" name="Straight Arrow Connector 66">
@@ -17910,13 +17870,14 @@
           </p:cNvPr>
           <p:cNvCxnSpPr>
             <a:cxnSpLocks/>
+            <a:stCxn id="55" idx="2"/>
           </p:cNvCxnSpPr>
           <p:nvPr/>
         </p:nvCxnSpPr>
         <p:spPr>
           <a:xfrm>
-            <a:off x="9279082" y="4735444"/>
-            <a:ext cx="0" cy="308956"/>
+            <a:off x="8623761" y="4769488"/>
+            <a:ext cx="0" cy="254130"/>
           </a:xfrm>
           <a:prstGeom prst="straightConnector1">
             <a:avLst/>
@@ -17959,8 +17920,8 @@
         </p:nvCxnSpPr>
         <p:spPr>
           <a:xfrm flipH="1">
-            <a:off x="8219209" y="5044400"/>
-            <a:ext cx="2069984" cy="0"/>
+            <a:off x="7911639" y="5050808"/>
+            <a:ext cx="1438099" cy="1"/>
           </a:xfrm>
           <a:prstGeom prst="line">
             <a:avLst/>
@@ -17998,7 +17959,7 @@
         </p:nvCxnSpPr>
         <p:spPr>
           <a:xfrm>
-            <a:off x="9279082" y="5067271"/>
+            <a:off x="7928555" y="5059212"/>
             <a:ext cx="0" cy="379653"/>
           </a:xfrm>
           <a:prstGeom prst="straightConnector1">
@@ -18042,7 +18003,7 @@
         </p:nvCxnSpPr>
         <p:spPr>
           <a:xfrm>
-            <a:off x="10289193" y="5013226"/>
+            <a:off x="9338832" y="5018610"/>
             <a:ext cx="0" cy="410827"/>
           </a:xfrm>
           <a:prstGeom prst="straightConnector1">
@@ -18072,10 +18033,10 @@
       </p:cxnSp>
       <p:sp>
         <p:nvSpPr>
-          <p:cNvPr id="75" name="Rectangle: Rounded Corners 74">
+          <p:cNvPr id="76" name="Rectangle: Rounded Corners 75">
             <a:extLst>
               <a:ext uri="{FF2B5EF4-FFF2-40B4-BE49-F238E27FC236}">
-                <a16:creationId xmlns:a16="http://schemas.microsoft.com/office/drawing/2014/main" id="{F6998A02-CF93-3C80-965E-A0AA6758DEAC}"/>
+                <a16:creationId xmlns:a16="http://schemas.microsoft.com/office/drawing/2014/main" id="{23DAA177-A56B-188C-C993-3F0F39669925}"/>
               </a:ext>
             </a:extLst>
           </p:cNvPr>
@@ -18084,7 +18045,7 @@
         </p:nvSpPr>
         <p:spPr>
           <a:xfrm>
-            <a:off x="7829895" y="5434286"/>
+            <a:off x="7506397" y="5424052"/>
             <a:ext cx="810483" cy="498607"/>
           </a:xfrm>
           <a:prstGeom prst="roundRect">
@@ -18124,65 +18085,6 @@
                   <a:srgbClr val="156082"/>
                 </a:solidFill>
               </a:rPr>
-              <a:t>Add</a:t>
-            </a:r>
-          </a:p>
-        </p:txBody>
-      </p:sp>
-      <p:sp>
-        <p:nvSpPr>
-          <p:cNvPr id="76" name="Rectangle: Rounded Corners 75">
-            <a:extLst>
-              <a:ext uri="{FF2B5EF4-FFF2-40B4-BE49-F238E27FC236}">
-                <a16:creationId xmlns:a16="http://schemas.microsoft.com/office/drawing/2014/main" id="{23DAA177-A56B-188C-C993-3F0F39669925}"/>
-              </a:ext>
-            </a:extLst>
-          </p:cNvPr>
-          <p:cNvSpPr/>
-          <p:nvPr/>
-        </p:nvSpPr>
-        <p:spPr>
-          <a:xfrm>
-            <a:off x="8856924" y="5434129"/>
-            <a:ext cx="810483" cy="498607"/>
-          </a:xfrm>
-          <a:prstGeom prst="roundRect">
-            <a:avLst/>
-          </a:prstGeom>
-          <a:noFill/>
-          <a:ln>
-            <a:solidFill>
-              <a:srgbClr val="156082"/>
-            </a:solidFill>
-          </a:ln>
-        </p:spPr>
-        <p:style>
-          <a:lnRef idx="2">
-            <a:schemeClr val="accent1">
-              <a:shade val="15000"/>
-            </a:schemeClr>
-          </a:lnRef>
-          <a:fillRef idx="1">
-            <a:schemeClr val="accent1"/>
-          </a:fillRef>
-          <a:effectRef idx="0">
-            <a:schemeClr val="accent1"/>
-          </a:effectRef>
-          <a:fontRef idx="minor">
-            <a:schemeClr val="lt1"/>
-          </a:fontRef>
-        </p:style>
-        <p:txBody>
-          <a:bodyPr rtlCol="0" anchor="ctr"/>
-          <a:lstStyle/>
-          <a:p>
-            <a:pPr algn="ctr"/>
-            <a:r>
-              <a:rPr lang="en-US" b="1" dirty="0">
-                <a:solidFill>
-                  <a:srgbClr val="156082"/>
-                </a:solidFill>
-              </a:rPr>
               <a:t>Edit</a:t>
             </a:r>
           </a:p>
@@ -18202,7 +18104,7 @@
         </p:nvSpPr>
         <p:spPr>
           <a:xfrm>
-            <a:off x="9790432" y="5428966"/>
+            <a:off x="8840071" y="5434350"/>
             <a:ext cx="995327" cy="498607"/>
           </a:xfrm>
           <a:prstGeom prst="roundRect">
@@ -18454,8 +18356,8 @@
         </p:nvCxnSpPr>
         <p:spPr>
           <a:xfrm flipH="1">
-            <a:off x="1953431" y="5683087"/>
-            <a:ext cx="5454192" cy="17318"/>
+            <a:off x="2225041" y="5684636"/>
+            <a:ext cx="4910972" cy="17871"/>
           </a:xfrm>
           <a:prstGeom prst="line">
             <a:avLst/>
@@ -18538,57 +18440,13 @@
         </p:nvCxnSpPr>
         <p:spPr>
           <a:xfrm flipH="1">
-            <a:off x="7539327" y="6218146"/>
-            <a:ext cx="3479510" cy="4099"/>
+            <a:off x="7539327" y="6222245"/>
+            <a:ext cx="2296071" cy="0"/>
           </a:xfrm>
           <a:prstGeom prst="line">
             <a:avLst/>
           </a:prstGeom>
           <a:ln w="57150"/>
-        </p:spPr>
-        <p:style>
-          <a:lnRef idx="2">
-            <a:schemeClr val="accent1"/>
-          </a:lnRef>
-          <a:fillRef idx="0">
-            <a:schemeClr val="accent1"/>
-          </a:fillRef>
-          <a:effectRef idx="1">
-            <a:schemeClr val="accent1"/>
-          </a:effectRef>
-          <a:fontRef idx="minor">
-            <a:schemeClr val="tx1"/>
-          </a:fontRef>
-        </p:style>
-      </p:cxnSp>
-      <p:cxnSp>
-        <p:nvCxnSpPr>
-          <p:cNvPr id="103" name="Straight Arrow Connector 102">
-            <a:extLst>
-              <a:ext uri="{FF2B5EF4-FFF2-40B4-BE49-F238E27FC236}">
-                <a16:creationId xmlns:a16="http://schemas.microsoft.com/office/drawing/2014/main" id="{7BF59ECB-CC65-F9A3-FDCB-47B7B2785390}"/>
-              </a:ext>
-            </a:extLst>
-          </p:cNvPr>
-          <p:cNvCxnSpPr>
-            <a:cxnSpLocks/>
-          </p:cNvCxnSpPr>
-          <p:nvPr/>
-        </p:nvCxnSpPr>
-        <p:spPr>
-          <a:xfrm>
-            <a:off x="8255000" y="5927573"/>
-            <a:ext cx="0" cy="290573"/>
-          </a:xfrm>
-          <a:prstGeom prst="straightConnector1">
-            <a:avLst/>
-          </a:prstGeom>
-          <a:ln w="38100">
-            <a:solidFill>
-              <a:srgbClr val="156082"/>
-            </a:solidFill>
-            <a:tailEnd type="triangle"/>
-          </a:ln>
         </p:spPr>
         <p:style>
           <a:lnRef idx="2">
@@ -18621,7 +18479,7 @@
         </p:nvCxnSpPr>
         <p:spPr>
           <a:xfrm>
-            <a:off x="9279082" y="5927571"/>
+            <a:off x="7928555" y="5917494"/>
             <a:ext cx="0" cy="290573"/>
           </a:xfrm>
           <a:prstGeom prst="straightConnector1">
@@ -18665,7 +18523,7 @@
         </p:nvCxnSpPr>
         <p:spPr>
           <a:xfrm>
-            <a:off x="10288095" y="5927572"/>
+            <a:off x="9337734" y="5932956"/>
             <a:ext cx="0" cy="290573"/>
           </a:xfrm>
           <a:prstGeom prst="straightConnector1">
@@ -18751,8 +18609,8 @@
         </p:nvGrpSpPr>
         <p:grpSpPr>
           <a:xfrm>
-            <a:off x="2899732" y="6274933"/>
-            <a:ext cx="430294" cy="390381"/>
+            <a:off x="2930236" y="6250567"/>
+            <a:ext cx="446141" cy="435092"/>
             <a:chOff x="2899732" y="6274933"/>
             <a:chExt cx="430294" cy="390381"/>
           </a:xfrm>
@@ -19310,15 +19168,15 @@
       </p:grpSp>
       <p:pic>
         <p:nvPicPr>
-          <p:cNvPr id="8" name="Picture 7" descr="A diagram of a diagram&#10;&#10;Description automatically generated">
+          <p:cNvPr id="1026" name="Picture 2">
             <a:extLst>
               <a:ext uri="{FF2B5EF4-FFF2-40B4-BE49-F238E27FC236}">
-                <a16:creationId xmlns:a16="http://schemas.microsoft.com/office/drawing/2014/main" id="{A306073B-68D9-4CD3-4EE5-4B6F6ABF4E21}"/>
+                <a16:creationId xmlns:a16="http://schemas.microsoft.com/office/drawing/2014/main" id="{369B355C-1A5A-F668-84D5-819757F979AF}"/>
               </a:ext>
             </a:extLst>
           </p:cNvPr>
           <p:cNvPicPr>
-            <a:picLocks noChangeAspect="1"/>
+            <a:picLocks noChangeAspect="1" noChangeArrowheads="1"/>
           </p:cNvPicPr>
           <p:nvPr/>
         </p:nvPicPr>
@@ -19330,18 +19188,29 @@
               </a:ext>
             </a:extLst>
           </a:blip>
+          <a:srcRect/>
           <a:stretch>
             <a:fillRect/>
           </a:stretch>
         </p:blipFill>
-        <p:spPr>
+        <p:spPr bwMode="auto">
           <a:xfrm>
-            <a:off x="1039091" y="1379685"/>
-            <a:ext cx="10113818" cy="5269451"/>
+            <a:off x="673101" y="1266881"/>
+            <a:ext cx="10876023" cy="5569713"/>
           </a:xfrm>
           <a:prstGeom prst="rect">
             <a:avLst/>
           </a:prstGeom>
+          <a:noFill/>
+          <a:extLst>
+            <a:ext uri="{909E8E84-426E-40DD-AFC4-6F175D3DCCD1}">
+              <a14:hiddenFill xmlns:a14="http://schemas.microsoft.com/office/drawing/2010/main">
+                <a:solidFill>
+                  <a:srgbClr val="FFFFFF"/>
+                </a:solidFill>
+              </a14:hiddenFill>
+            </a:ext>
+          </a:extLst>
         </p:spPr>
       </p:pic>
     </p:spTree>

--- a/diagrams/Nutrition Compass Presentation.pptx
+++ b/diagrams/Nutrition Compass Presentation.pptx
@@ -16,8 +16,8 @@
     <p:sldId id="260" r:id="rId7"/>
     <p:sldId id="261" r:id="rId8"/>
     <p:sldId id="262" r:id="rId9"/>
-    <p:sldId id="263" r:id="rId10"/>
-    <p:sldId id="264" r:id="rId11"/>
+    <p:sldId id="264" r:id="rId10"/>
+    <p:sldId id="263" r:id="rId11"/>
     <p:sldId id="265" r:id="rId12"/>
     <p:sldId id="266" r:id="rId13"/>
     <p:sldId id="269" r:id="rId14"/>
@@ -130,7 +130,8 @@
 <file path=ppt/revisionInfo.xml><?xml version="1.0" encoding="utf-8"?>
 <p1510:revInfo xmlns:a="http://schemas.openxmlformats.org/drawingml/2006/main" xmlns:r="http://schemas.openxmlformats.org/officeDocument/2006/relationships" xmlns:p1510="http://schemas.microsoft.com/office/powerpoint/2015/10/main">
   <p1510:revLst>
-    <p1510:client id="{61DAA024-F5F8-43EC-9B0A-FFE5A2F563BA}" v="245" dt="2024-12-01T17:13:07.324"/>
+    <p1510:client id="{498019F4-6025-4BDC-98B8-AC161C7FF662}" v="2" dt="2024-12-01T23:32:37.783"/>
+    <p1510:client id="{61DAA024-F5F8-43EC-9B0A-FFE5A2F563BA}" v="247" dt="2024-12-01T21:33:07.322"/>
   </p1510:revLst>
 </p1510:revInfo>
 </file>
@@ -140,7 +141,7 @@
   <pc:docChgLst>
     <pc:chgData name="Jia Jones" userId="a3b0c72f-e186-4738-b8d6-28e077c699c2" providerId="ADAL" clId="{61DAA024-F5F8-43EC-9B0A-FFE5A2F563BA}"/>
     <pc:docChg chg="undo redo custSel addSld delSld modSld sldOrd">
-      <pc:chgData name="Jia Jones" userId="a3b0c72f-e186-4738-b8d6-28e077c699c2" providerId="ADAL" clId="{61DAA024-F5F8-43EC-9B0A-FFE5A2F563BA}" dt="2024-12-01T17:13:07.323" v="3038" actId="1076"/>
+      <pc:chgData name="Jia Jones" userId="a3b0c72f-e186-4738-b8d6-28e077c699c2" providerId="ADAL" clId="{61DAA024-F5F8-43EC-9B0A-FFE5A2F563BA}" dt="2024-12-01T21:34:03.859" v="3429" actId="20577"/>
       <pc:docMkLst>
         <pc:docMk/>
       </pc:docMkLst>
@@ -866,12 +867,20 @@
           </ac:picMkLst>
         </pc:picChg>
       </pc:sldChg>
-      <pc:sldChg chg="modNotesTx">
-        <pc:chgData name="Jia Jones" userId="a3b0c72f-e186-4738-b8d6-28e077c699c2" providerId="ADAL" clId="{61DAA024-F5F8-43EC-9B0A-FFE5A2F563BA}" dt="2024-11-18T02:30:17.489" v="158" actId="20577"/>
+      <pc:sldChg chg="addSp mod modNotesTx">
+        <pc:chgData name="Jia Jones" userId="a3b0c72f-e186-4738-b8d6-28e077c699c2" providerId="ADAL" clId="{61DAA024-F5F8-43EC-9B0A-FFE5A2F563BA}" dt="2024-12-01T21:30:47.366" v="3053" actId="22"/>
         <pc:sldMkLst>
           <pc:docMk/>
           <pc:sldMk cId="1835518684" sldId="263"/>
         </pc:sldMkLst>
+        <pc:picChg chg="add">
+          <ac:chgData name="Jia Jones" userId="a3b0c72f-e186-4738-b8d6-28e077c699c2" providerId="ADAL" clId="{61DAA024-F5F8-43EC-9B0A-FFE5A2F563BA}" dt="2024-12-01T21:30:47.366" v="3053" actId="22"/>
+          <ac:picMkLst>
+            <pc:docMk/>
+            <pc:sldMk cId="1835518684" sldId="263"/>
+            <ac:picMk id="3" creationId="{271965D4-1C48-3FA7-D98E-9BBBD1D9BDDF}"/>
+          </ac:picMkLst>
+        </pc:picChg>
       </pc:sldChg>
       <pc:sldChg chg="addSp delSp modSp mod modNotesTx">
         <pc:chgData name="Jia Jones" userId="a3b0c72f-e186-4738-b8d6-28e077c699c2" providerId="ADAL" clId="{61DAA024-F5F8-43EC-9B0A-FFE5A2F563BA}" dt="2024-11-25T02:23:04.722" v="1403" actId="1076"/>
@@ -1057,13 +1066,13 @@
         </pc:cxnChg>
       </pc:sldChg>
       <pc:sldChg chg="addSp modSp add mod modNotesTx">
-        <pc:chgData name="Jia Jones" userId="a3b0c72f-e186-4738-b8d6-28e077c699c2" providerId="ADAL" clId="{61DAA024-F5F8-43EC-9B0A-FFE5A2F563BA}" dt="2024-11-18T02:56:06.100" v="855" actId="313"/>
+        <pc:chgData name="Jia Jones" userId="a3b0c72f-e186-4738-b8d6-28e077c699c2" providerId="ADAL" clId="{61DAA024-F5F8-43EC-9B0A-FFE5A2F563BA}" dt="2024-12-01T21:32:57.360" v="3228" actId="20577"/>
         <pc:sldMkLst>
           <pc:docMk/>
           <pc:sldMk cId="1225925343" sldId="265"/>
         </pc:sldMkLst>
         <pc:spChg chg="add mod">
-          <ac:chgData name="Jia Jones" userId="a3b0c72f-e186-4738-b8d6-28e077c699c2" providerId="ADAL" clId="{61DAA024-F5F8-43EC-9B0A-FFE5A2F563BA}" dt="2024-11-18T02:56:06.100" v="855" actId="313"/>
+          <ac:chgData name="Jia Jones" userId="a3b0c72f-e186-4738-b8d6-28e077c699c2" providerId="ADAL" clId="{61DAA024-F5F8-43EC-9B0A-FFE5A2F563BA}" dt="2024-12-01T21:32:57.360" v="3228" actId="20577"/>
           <ac:spMkLst>
             <pc:docMk/>
             <pc:sldMk cId="1225925343" sldId="265"/>
@@ -1079,18 +1088,26 @@
           </ac:spMkLst>
         </pc:spChg>
       </pc:sldChg>
-      <pc:sldChg chg="addSp modSp add mod modNotesTx">
-        <pc:chgData name="Jia Jones" userId="a3b0c72f-e186-4738-b8d6-28e077c699c2" providerId="ADAL" clId="{61DAA024-F5F8-43EC-9B0A-FFE5A2F563BA}" dt="2024-11-18T02:56:10.428" v="856"/>
+      <pc:sldChg chg="addSp delSp modSp add mod modNotesTx">
+        <pc:chgData name="Jia Jones" userId="a3b0c72f-e186-4738-b8d6-28e077c699c2" providerId="ADAL" clId="{61DAA024-F5F8-43EC-9B0A-FFE5A2F563BA}" dt="2024-12-01T21:34:03.859" v="3429" actId="20577"/>
         <pc:sldMkLst>
           <pc:docMk/>
           <pc:sldMk cId="828747021" sldId="266"/>
         </pc:sldMkLst>
-        <pc:spChg chg="add mod">
-          <ac:chgData name="Jia Jones" userId="a3b0c72f-e186-4738-b8d6-28e077c699c2" providerId="ADAL" clId="{61DAA024-F5F8-43EC-9B0A-FFE5A2F563BA}" dt="2024-11-18T02:56:10.428" v="856"/>
+        <pc:spChg chg="add del mod">
+          <ac:chgData name="Jia Jones" userId="a3b0c72f-e186-4738-b8d6-28e077c699c2" providerId="ADAL" clId="{61DAA024-F5F8-43EC-9B0A-FFE5A2F563BA}" dt="2024-12-01T21:33:07.011" v="3229" actId="478"/>
           <ac:spMkLst>
             <pc:docMk/>
             <pc:sldMk cId="828747021" sldId="266"/>
             <ac:spMk id="2" creationId="{E156BE67-AF85-5535-0BC9-BDE3DC62B905}"/>
+          </ac:spMkLst>
+        </pc:spChg>
+        <pc:spChg chg="add mod">
+          <ac:chgData name="Jia Jones" userId="a3b0c72f-e186-4738-b8d6-28e077c699c2" providerId="ADAL" clId="{61DAA024-F5F8-43EC-9B0A-FFE5A2F563BA}" dt="2024-12-01T21:34:03.859" v="3429" actId="20577"/>
+          <ac:spMkLst>
+            <pc:docMk/>
+            <pc:sldMk cId="828747021" sldId="266"/>
+            <ac:spMk id="3" creationId="{710E913D-711C-4CB5-647E-B0767990C93C}"/>
           </ac:spMkLst>
         </pc:spChg>
         <pc:spChg chg="mod">
@@ -1103,7 +1120,7 @@
         </pc:spChg>
       </pc:sldChg>
       <pc:sldChg chg="addSp delSp modSp add mod ord">
-        <pc:chgData name="Jia Jones" userId="a3b0c72f-e186-4738-b8d6-28e077c699c2" providerId="ADAL" clId="{61DAA024-F5F8-43EC-9B0A-FFE5A2F563BA}" dt="2024-11-28T02:53:58.431" v="2424" actId="1076"/>
+        <pc:chgData name="Jia Jones" userId="a3b0c72f-e186-4738-b8d6-28e077c699c2" providerId="ADAL" clId="{61DAA024-F5F8-43EC-9B0A-FFE5A2F563BA}" dt="2024-12-01T17:55:22.657" v="3048" actId="9405"/>
         <pc:sldMkLst>
           <pc:docMk/>
           <pc:sldMk cId="60783217" sldId="267"/>
@@ -1133,7 +1150,7 @@
           </ac:spMkLst>
         </pc:spChg>
         <pc:spChg chg="add mod">
-          <ac:chgData name="Jia Jones" userId="a3b0c72f-e186-4738-b8d6-28e077c699c2" providerId="ADAL" clId="{61DAA024-F5F8-43EC-9B0A-FFE5A2F563BA}" dt="2024-11-28T02:53:05.692" v="2383" actId="1076"/>
+          <ac:chgData name="Jia Jones" userId="a3b0c72f-e186-4738-b8d6-28e077c699c2" providerId="ADAL" clId="{61DAA024-F5F8-43EC-9B0A-FFE5A2F563BA}" dt="2024-12-01T17:55:12.595" v="3046" actId="14100"/>
           <ac:spMkLst>
             <pc:docMk/>
             <pc:sldMk cId="60783217" sldId="267"/>
@@ -1148,6 +1165,14 @@
             <ac:grpSpMk id="6" creationId="{6773178C-E067-896D-2C1C-D44FF635F712}"/>
           </ac:grpSpMkLst>
         </pc:grpChg>
+        <pc:grpChg chg="mod">
+          <ac:chgData name="Jia Jones" userId="a3b0c72f-e186-4738-b8d6-28e077c699c2" providerId="ADAL" clId="{61DAA024-F5F8-43EC-9B0A-FFE5A2F563BA}" dt="2024-12-01T17:54:52.113" v="3041"/>
+          <ac:grpSpMkLst>
+            <pc:docMk/>
+            <pc:sldMk cId="60783217" sldId="267"/>
+            <ac:grpSpMk id="13" creationId="{BB698E32-4793-D49B-7EDC-98227DCEFC94}"/>
+          </ac:grpSpMkLst>
+        </pc:grpChg>
         <pc:grpChg chg="add del mod">
           <ac:chgData name="Jia Jones" userId="a3b0c72f-e186-4738-b8d6-28e077c699c2" providerId="ADAL" clId="{61DAA024-F5F8-43EC-9B0A-FFE5A2F563BA}" dt="2024-11-28T02:53:06.529" v="2385"/>
           <ac:grpSpMkLst>
@@ -1316,6 +1341,14 @@
             <ac:inkMk id="11" creationId="{4D2DDA19-5896-EBBB-8F3D-AADCE576354A}"/>
           </ac:inkMkLst>
         </pc:inkChg>
+        <pc:inkChg chg="add mod">
+          <ac:chgData name="Jia Jones" userId="a3b0c72f-e186-4738-b8d6-28e077c699c2" providerId="ADAL" clId="{61DAA024-F5F8-43EC-9B0A-FFE5A2F563BA}" dt="2024-12-01T17:54:52.113" v="3041"/>
+          <ac:inkMkLst>
+            <pc:docMk/>
+            <pc:sldMk cId="60783217" sldId="267"/>
+            <ac:inkMk id="11" creationId="{82376FEB-2417-F159-8F9E-980518CABFB9}"/>
+          </ac:inkMkLst>
+        </pc:inkChg>
         <pc:inkChg chg="add del">
           <ac:chgData name="Jia Jones" userId="a3b0c72f-e186-4738-b8d6-28e077c699c2" providerId="ADAL" clId="{61DAA024-F5F8-43EC-9B0A-FFE5A2F563BA}" dt="2024-11-25T00:03:05.994" v="876" actId="9405"/>
           <ac:inkMkLst>
@@ -1332,6 +1365,14 @@
             <ac:inkMk id="12" creationId="{0FB08E97-68C3-7C76-DEA7-F1E2B1D24127}"/>
           </ac:inkMkLst>
         </pc:inkChg>
+        <pc:inkChg chg="add mod">
+          <ac:chgData name="Jia Jones" userId="a3b0c72f-e186-4738-b8d6-28e077c699c2" providerId="ADAL" clId="{61DAA024-F5F8-43EC-9B0A-FFE5A2F563BA}" dt="2024-12-01T17:54:52.113" v="3041"/>
+          <ac:inkMkLst>
+            <pc:docMk/>
+            <pc:sldMk cId="60783217" sldId="267"/>
+            <ac:inkMk id="12" creationId="{F54434DE-4D5F-F9B1-593C-CCCC52924F48}"/>
+          </ac:inkMkLst>
+        </pc:inkChg>
         <pc:inkChg chg="add del mod">
           <ac:chgData name="Jia Jones" userId="a3b0c72f-e186-4738-b8d6-28e077c699c2" providerId="ADAL" clId="{61DAA024-F5F8-43EC-9B0A-FFE5A2F563BA}" dt="2024-11-28T02:53:06.529" v="2385"/>
           <ac:inkMkLst>
@@ -1348,6 +1389,14 @@
             <ac:inkMk id="14" creationId="{77AA8C83-8EAE-1F93-1A95-3240F2B3448E}"/>
           </ac:inkMkLst>
         </pc:inkChg>
+        <pc:inkChg chg="add">
+          <ac:chgData name="Jia Jones" userId="a3b0c72f-e186-4738-b8d6-28e077c699c2" providerId="ADAL" clId="{61DAA024-F5F8-43EC-9B0A-FFE5A2F563BA}" dt="2024-12-01T17:54:52.596" v="3042" actId="9405"/>
+          <ac:inkMkLst>
+            <pc:docMk/>
+            <pc:sldMk cId="60783217" sldId="267"/>
+            <ac:inkMk id="14" creationId="{914BFAF2-1EFD-DC8F-90CF-DCEFB91444A9}"/>
+          </ac:inkMkLst>
+        </pc:inkChg>
         <pc:inkChg chg="add del mod">
           <ac:chgData name="Jia Jones" userId="a3b0c72f-e186-4738-b8d6-28e077c699c2" providerId="ADAL" clId="{61DAA024-F5F8-43EC-9B0A-FFE5A2F563BA}" dt="2024-11-25T00:03:32.087" v="893"/>
           <ac:inkMkLst>
@@ -1396,12 +1445,28 @@
             <ac:inkMk id="17" creationId="{9165B33D-0695-6160-53EA-EF0318160B99}"/>
           </ac:inkMkLst>
         </pc:inkChg>
+        <pc:inkChg chg="add">
+          <ac:chgData name="Jia Jones" userId="a3b0c72f-e186-4738-b8d6-28e077c699c2" providerId="ADAL" clId="{61DAA024-F5F8-43EC-9B0A-FFE5A2F563BA}" dt="2024-12-01T17:55:19.283" v="3047" actId="9405"/>
+          <ac:inkMkLst>
+            <pc:docMk/>
+            <pc:sldMk cId="60783217" sldId="267"/>
+            <ac:inkMk id="17" creationId="{E6F18DB0-1A94-25F0-9F20-AAF27AD18C4B}"/>
+          </ac:inkMkLst>
+        </pc:inkChg>
         <pc:inkChg chg="add del mod">
           <ac:chgData name="Jia Jones" userId="a3b0c72f-e186-4738-b8d6-28e077c699c2" providerId="ADAL" clId="{61DAA024-F5F8-43EC-9B0A-FFE5A2F563BA}" dt="2024-11-28T02:53:06.529" v="2385"/>
           <ac:inkMkLst>
             <pc:docMk/>
             <pc:sldMk cId="60783217" sldId="267"/>
             <ac:inkMk id="18" creationId="{8EE84806-0C96-9096-5827-A1793890EEE2}"/>
+          </ac:inkMkLst>
+        </pc:inkChg>
+        <pc:inkChg chg="add">
+          <ac:chgData name="Jia Jones" userId="a3b0c72f-e186-4738-b8d6-28e077c699c2" providerId="ADAL" clId="{61DAA024-F5F8-43EC-9B0A-FFE5A2F563BA}" dt="2024-12-01T17:55:22.657" v="3048" actId="9405"/>
+          <ac:inkMkLst>
+            <pc:docMk/>
+            <pc:sldMk cId="60783217" sldId="267"/>
+            <ac:inkMk id="18" creationId="{97D136CE-BF94-651B-8EB0-F3068438A60D}"/>
           </ac:inkMkLst>
         </pc:inkChg>
         <pc:inkChg chg="add del mod">
@@ -1643,8 +1708,8 @@
           <pc:sldMk cId="153649918" sldId="269"/>
         </pc:sldMkLst>
       </pc:sldChg>
-      <pc:sldChg chg="addSp modSp add mod modNotesTx">
-        <pc:chgData name="Jia Jones" userId="a3b0c72f-e186-4738-b8d6-28e077c699c2" providerId="ADAL" clId="{61DAA024-F5F8-43EC-9B0A-FFE5A2F563BA}" dt="2024-11-28T02:45:24.034" v="2296" actId="313"/>
+      <pc:sldChg chg="addSp delSp modSp add mod modNotesTx">
+        <pc:chgData name="Jia Jones" userId="a3b0c72f-e186-4738-b8d6-28e077c699c2" providerId="ADAL" clId="{61DAA024-F5F8-43EC-9B0A-FFE5A2F563BA}" dt="2024-12-01T17:55:52.106" v="3052"/>
         <pc:sldMkLst>
           <pc:docMk/>
           <pc:sldMk cId="269953478" sldId="269"/>
@@ -1658,7 +1723,7 @@
           </ac:spMkLst>
         </pc:spChg>
         <pc:spChg chg="add mod">
-          <ac:chgData name="Jia Jones" userId="a3b0c72f-e186-4738-b8d6-28e077c699c2" providerId="ADAL" clId="{61DAA024-F5F8-43EC-9B0A-FFE5A2F563BA}" dt="2024-11-28T02:40:03.871" v="2286" actId="20577"/>
+          <ac:chgData name="Jia Jones" userId="a3b0c72f-e186-4738-b8d6-28e077c699c2" providerId="ADAL" clId="{61DAA024-F5F8-43EC-9B0A-FFE5A2F563BA}" dt="2024-12-01T17:55:52.106" v="3052"/>
           <ac:spMkLst>
             <pc:docMk/>
             <pc:sldMk cId="269953478" sldId="269"/>
@@ -1673,6 +1738,14 @@
             <ac:spMk id="6" creationId="{5EE7CEDC-FCBD-A471-D3FA-48F734209F83}"/>
           </ac:spMkLst>
         </pc:spChg>
+        <pc:inkChg chg="add del">
+          <ac:chgData name="Jia Jones" userId="a3b0c72f-e186-4738-b8d6-28e077c699c2" providerId="ADAL" clId="{61DAA024-F5F8-43EC-9B0A-FFE5A2F563BA}" dt="2024-12-01T17:55:47.862" v="3050" actId="478"/>
+          <ac:inkMkLst>
+            <pc:docMk/>
+            <pc:sldMk cId="269953478" sldId="269"/>
+            <ac:inkMk id="8" creationId="{BEBA0F4D-6CAF-FBC8-C831-9AEE4A5AACF0}"/>
+          </ac:inkMkLst>
+        </pc:inkChg>
       </pc:sldChg>
       <pc:sldChg chg="add del setBg">
         <pc:chgData name="Jia Jones" userId="a3b0c72f-e186-4738-b8d6-28e077c699c2" providerId="ADAL" clId="{61DAA024-F5F8-43EC-9B0A-FFE5A2F563BA}" dt="2024-11-28T02:33:29.770" v="1962"/>
@@ -1680,6 +1753,324 @@
           <pc:docMk/>
           <pc:sldMk cId="1617311359" sldId="269"/>
         </pc:sldMkLst>
+      </pc:sldChg>
+    </pc:docChg>
+  </pc:docChgLst>
+  <pc:docChgLst>
+    <pc:chgData name="Jia Jones" userId="a3b0c72f-e186-4738-b8d6-28e077c699c2" providerId="ADAL" clId="{498019F4-6025-4BDC-98B8-AC161C7FF662}"/>
+    <pc:docChg chg="undo custSel modSld sldOrd">
+      <pc:chgData name="Jia Jones" userId="a3b0c72f-e186-4738-b8d6-28e077c699c2" providerId="ADAL" clId="{498019F4-6025-4BDC-98B8-AC161C7FF662}" dt="2024-12-02T00:54:49.781" v="11"/>
+      <pc:docMkLst>
+        <pc:docMk/>
+      </pc:docMkLst>
+      <pc:sldChg chg="modSp mod">
+        <pc:chgData name="Jia Jones" userId="a3b0c72f-e186-4738-b8d6-28e077c699c2" providerId="ADAL" clId="{498019F4-6025-4BDC-98B8-AC161C7FF662}" dt="2024-12-02T00:47:13.180" v="9" actId="14100"/>
+        <pc:sldMkLst>
+          <pc:docMk/>
+          <pc:sldMk cId="3163370101" sldId="261"/>
+        </pc:sldMkLst>
+        <pc:spChg chg="mod">
+          <ac:chgData name="Jia Jones" userId="a3b0c72f-e186-4738-b8d6-28e077c699c2" providerId="ADAL" clId="{498019F4-6025-4BDC-98B8-AC161C7FF662}" dt="2024-12-02T00:46:58.318" v="7" actId="1076"/>
+          <ac:spMkLst>
+            <pc:docMk/>
+            <pc:sldMk cId="3163370101" sldId="261"/>
+            <ac:spMk id="47" creationId="{B35FC4B6-E3D1-AE48-E33E-677E0C537C17}"/>
+          </ac:spMkLst>
+        </pc:spChg>
+        <pc:spChg chg="mod">
+          <ac:chgData name="Jia Jones" userId="a3b0c72f-e186-4738-b8d6-28e077c699c2" providerId="ADAL" clId="{498019F4-6025-4BDC-98B8-AC161C7FF662}" dt="2024-12-02T00:46:58.318" v="7" actId="1076"/>
+          <ac:spMkLst>
+            <pc:docMk/>
+            <pc:sldMk cId="3163370101" sldId="261"/>
+            <ac:spMk id="51" creationId="{A1E7B7B1-6257-6035-235E-F06C673B2C39}"/>
+          </ac:spMkLst>
+        </pc:spChg>
+        <pc:spChg chg="mod">
+          <ac:chgData name="Jia Jones" userId="a3b0c72f-e186-4738-b8d6-28e077c699c2" providerId="ADAL" clId="{498019F4-6025-4BDC-98B8-AC161C7FF662}" dt="2024-12-02T00:46:58.318" v="7" actId="1076"/>
+          <ac:spMkLst>
+            <pc:docMk/>
+            <pc:sldMk cId="3163370101" sldId="261"/>
+            <ac:spMk id="53" creationId="{E74ED01E-5BBD-5CD6-16B7-1EEE575FAB7E}"/>
+          </ac:spMkLst>
+        </pc:spChg>
+        <pc:spChg chg="mod">
+          <ac:chgData name="Jia Jones" userId="a3b0c72f-e186-4738-b8d6-28e077c699c2" providerId="ADAL" clId="{498019F4-6025-4BDC-98B8-AC161C7FF662}" dt="2024-12-02T00:46:58.318" v="7" actId="1076"/>
+          <ac:spMkLst>
+            <pc:docMk/>
+            <pc:sldMk cId="3163370101" sldId="261"/>
+            <ac:spMk id="55" creationId="{03B95D01-BEA6-1575-6D1A-71F7C22DE555}"/>
+          </ac:spMkLst>
+        </pc:spChg>
+        <pc:spChg chg="mod">
+          <ac:chgData name="Jia Jones" userId="a3b0c72f-e186-4738-b8d6-28e077c699c2" providerId="ADAL" clId="{498019F4-6025-4BDC-98B8-AC161C7FF662}" dt="2024-12-02T00:46:58.318" v="7" actId="1076"/>
+          <ac:spMkLst>
+            <pc:docMk/>
+            <pc:sldMk cId="3163370101" sldId="261"/>
+            <ac:spMk id="76" creationId="{23DAA177-A56B-188C-C993-3F0F39669925}"/>
+          </ac:spMkLst>
+        </pc:spChg>
+        <pc:spChg chg="mod">
+          <ac:chgData name="Jia Jones" userId="a3b0c72f-e186-4738-b8d6-28e077c699c2" providerId="ADAL" clId="{498019F4-6025-4BDC-98B8-AC161C7FF662}" dt="2024-12-02T00:46:58.318" v="7" actId="1076"/>
+          <ac:spMkLst>
+            <pc:docMk/>
+            <pc:sldMk cId="3163370101" sldId="261"/>
+            <ac:spMk id="77" creationId="{6C71C0EE-C063-873D-35CC-5745E9FB8F78}"/>
+          </ac:spMkLst>
+        </pc:spChg>
+        <pc:spChg chg="mod">
+          <ac:chgData name="Jia Jones" userId="a3b0c72f-e186-4738-b8d6-28e077c699c2" providerId="ADAL" clId="{498019F4-6025-4BDC-98B8-AC161C7FF662}" dt="2024-12-02T00:46:58.318" v="7" actId="1076"/>
+          <ac:spMkLst>
+            <pc:docMk/>
+            <pc:sldMk cId="3163370101" sldId="261"/>
+            <ac:spMk id="82" creationId="{91075453-0D0B-5125-542A-EA3FCFBAD87A}"/>
+          </ac:spMkLst>
+        </pc:spChg>
+        <pc:grpChg chg="mod">
+          <ac:chgData name="Jia Jones" userId="a3b0c72f-e186-4738-b8d6-28e077c699c2" providerId="ADAL" clId="{498019F4-6025-4BDC-98B8-AC161C7FF662}" dt="2024-12-02T00:46:58.318" v="7" actId="1076"/>
+          <ac:grpSpMkLst>
+            <pc:docMk/>
+            <pc:sldMk cId="3163370101" sldId="261"/>
+            <ac:grpSpMk id="122" creationId="{0391014C-53A7-BE00-1823-D0D47DBE361E}"/>
+          </ac:grpSpMkLst>
+        </pc:grpChg>
+        <pc:cxnChg chg="mod">
+          <ac:chgData name="Jia Jones" userId="a3b0c72f-e186-4738-b8d6-28e077c699c2" providerId="ADAL" clId="{498019F4-6025-4BDC-98B8-AC161C7FF662}" dt="2024-12-02T00:46:58.318" v="7" actId="1076"/>
+          <ac:cxnSpMkLst>
+            <pc:docMk/>
+            <pc:sldMk cId="3163370101" sldId="261"/>
+            <ac:cxnSpMk id="10" creationId="{0D0AC8BF-4B46-7C0A-3997-EACA6B21E5BB}"/>
+          </ac:cxnSpMkLst>
+        </pc:cxnChg>
+        <pc:cxnChg chg="mod">
+          <ac:chgData name="Jia Jones" userId="a3b0c72f-e186-4738-b8d6-28e077c699c2" providerId="ADAL" clId="{498019F4-6025-4BDC-98B8-AC161C7FF662}" dt="2024-12-02T00:46:58.318" v="7" actId="1076"/>
+          <ac:cxnSpMkLst>
+            <pc:docMk/>
+            <pc:sldMk cId="3163370101" sldId="261"/>
+            <ac:cxnSpMk id="19" creationId="{68D8C180-4D97-AE22-56B9-65B86C98A37D}"/>
+          </ac:cxnSpMkLst>
+        </pc:cxnChg>
+        <pc:cxnChg chg="mod">
+          <ac:chgData name="Jia Jones" userId="a3b0c72f-e186-4738-b8d6-28e077c699c2" providerId="ADAL" clId="{498019F4-6025-4BDC-98B8-AC161C7FF662}" dt="2024-12-02T00:47:13.180" v="9" actId="14100"/>
+          <ac:cxnSpMkLst>
+            <pc:docMk/>
+            <pc:sldMk cId="3163370101" sldId="261"/>
+            <ac:cxnSpMk id="42" creationId="{7A62EC61-1D53-1A33-EF76-D8D91CBF3591}"/>
+          </ac:cxnSpMkLst>
+        </pc:cxnChg>
+        <pc:cxnChg chg="mod">
+          <ac:chgData name="Jia Jones" userId="a3b0c72f-e186-4738-b8d6-28e077c699c2" providerId="ADAL" clId="{498019F4-6025-4BDC-98B8-AC161C7FF662}" dt="2024-12-02T00:46:58.318" v="7" actId="1076"/>
+          <ac:cxnSpMkLst>
+            <pc:docMk/>
+            <pc:sldMk cId="3163370101" sldId="261"/>
+            <ac:cxnSpMk id="45" creationId="{96DC83D6-9303-D80F-6F87-CAE67B0DD613}"/>
+          </ac:cxnSpMkLst>
+        </pc:cxnChg>
+        <pc:cxnChg chg="mod">
+          <ac:chgData name="Jia Jones" userId="a3b0c72f-e186-4738-b8d6-28e077c699c2" providerId="ADAL" clId="{498019F4-6025-4BDC-98B8-AC161C7FF662}" dt="2024-12-02T00:46:58.318" v="7" actId="1076"/>
+          <ac:cxnSpMkLst>
+            <pc:docMk/>
+            <pc:sldMk cId="3163370101" sldId="261"/>
+            <ac:cxnSpMk id="49" creationId="{828769FE-058C-06FD-1027-029505359928}"/>
+          </ac:cxnSpMkLst>
+        </pc:cxnChg>
+        <pc:cxnChg chg="mod">
+          <ac:chgData name="Jia Jones" userId="a3b0c72f-e186-4738-b8d6-28e077c699c2" providerId="ADAL" clId="{498019F4-6025-4BDC-98B8-AC161C7FF662}" dt="2024-12-02T00:46:58.318" v="7" actId="1076"/>
+          <ac:cxnSpMkLst>
+            <pc:docMk/>
+            <pc:sldMk cId="3163370101" sldId="261"/>
+            <ac:cxnSpMk id="52" creationId="{BF03D1F6-4C19-5B94-9B9C-B5FDD93DB8F1}"/>
+          </ac:cxnSpMkLst>
+        </pc:cxnChg>
+        <pc:cxnChg chg="mod">
+          <ac:chgData name="Jia Jones" userId="a3b0c72f-e186-4738-b8d6-28e077c699c2" providerId="ADAL" clId="{498019F4-6025-4BDC-98B8-AC161C7FF662}" dt="2024-12-02T00:46:58.318" v="7" actId="1076"/>
+          <ac:cxnSpMkLst>
+            <pc:docMk/>
+            <pc:sldMk cId="3163370101" sldId="261"/>
+            <ac:cxnSpMk id="54" creationId="{31AAA241-2544-2133-7921-1C006BB87778}"/>
+          </ac:cxnSpMkLst>
+        </pc:cxnChg>
+        <pc:cxnChg chg="mod">
+          <ac:chgData name="Jia Jones" userId="a3b0c72f-e186-4738-b8d6-28e077c699c2" providerId="ADAL" clId="{498019F4-6025-4BDC-98B8-AC161C7FF662}" dt="2024-12-02T00:46:58.318" v="7" actId="1076"/>
+          <ac:cxnSpMkLst>
+            <pc:docMk/>
+            <pc:sldMk cId="3163370101" sldId="261"/>
+            <ac:cxnSpMk id="67" creationId="{D3F1DC57-4FC7-934F-CDF1-B2D86B49DB8E}"/>
+          </ac:cxnSpMkLst>
+        </pc:cxnChg>
+        <pc:cxnChg chg="mod">
+          <ac:chgData name="Jia Jones" userId="a3b0c72f-e186-4738-b8d6-28e077c699c2" providerId="ADAL" clId="{498019F4-6025-4BDC-98B8-AC161C7FF662}" dt="2024-12-02T00:46:58.318" v="7" actId="1076"/>
+          <ac:cxnSpMkLst>
+            <pc:docMk/>
+            <pc:sldMk cId="3163370101" sldId="261"/>
+            <ac:cxnSpMk id="69" creationId="{EBCC635F-F877-4A8E-24D5-DE4C3DC334F1}"/>
+          </ac:cxnSpMkLst>
+        </pc:cxnChg>
+        <pc:cxnChg chg="mod">
+          <ac:chgData name="Jia Jones" userId="a3b0c72f-e186-4738-b8d6-28e077c699c2" providerId="ADAL" clId="{498019F4-6025-4BDC-98B8-AC161C7FF662}" dt="2024-12-02T00:46:58.318" v="7" actId="1076"/>
+          <ac:cxnSpMkLst>
+            <pc:docMk/>
+            <pc:sldMk cId="3163370101" sldId="261"/>
+            <ac:cxnSpMk id="73" creationId="{F7783684-09BD-D69A-7CD5-16D1BD127B60}"/>
+          </ac:cxnSpMkLst>
+        </pc:cxnChg>
+        <pc:cxnChg chg="mod">
+          <ac:chgData name="Jia Jones" userId="a3b0c72f-e186-4738-b8d6-28e077c699c2" providerId="ADAL" clId="{498019F4-6025-4BDC-98B8-AC161C7FF662}" dt="2024-12-02T00:46:58.318" v="7" actId="1076"/>
+          <ac:cxnSpMkLst>
+            <pc:docMk/>
+            <pc:sldMk cId="3163370101" sldId="261"/>
+            <ac:cxnSpMk id="74" creationId="{D5645AF4-2EDB-FF98-E9E9-028A659D5BCB}"/>
+          </ac:cxnSpMkLst>
+        </pc:cxnChg>
+        <pc:cxnChg chg="mod">
+          <ac:chgData name="Jia Jones" userId="a3b0c72f-e186-4738-b8d6-28e077c699c2" providerId="ADAL" clId="{498019F4-6025-4BDC-98B8-AC161C7FF662}" dt="2024-12-02T00:46:58.318" v="7" actId="1076"/>
+          <ac:cxnSpMkLst>
+            <pc:docMk/>
+            <pc:sldMk cId="3163370101" sldId="261"/>
+            <ac:cxnSpMk id="83" creationId="{028724DD-CF93-CFE3-F0FD-F37EE082D83A}"/>
+          </ac:cxnSpMkLst>
+        </pc:cxnChg>
+        <pc:cxnChg chg="mod">
+          <ac:chgData name="Jia Jones" userId="a3b0c72f-e186-4738-b8d6-28e077c699c2" providerId="ADAL" clId="{498019F4-6025-4BDC-98B8-AC161C7FF662}" dt="2024-12-02T00:46:58.318" v="7" actId="1076"/>
+          <ac:cxnSpMkLst>
+            <pc:docMk/>
+            <pc:sldMk cId="3163370101" sldId="261"/>
+            <ac:cxnSpMk id="85" creationId="{458452CE-5053-95BB-6A99-5B7CCD19C58B}"/>
+          </ac:cxnSpMkLst>
+        </pc:cxnChg>
+        <pc:cxnChg chg="mod">
+          <ac:chgData name="Jia Jones" userId="a3b0c72f-e186-4738-b8d6-28e077c699c2" providerId="ADAL" clId="{498019F4-6025-4BDC-98B8-AC161C7FF662}" dt="2024-12-02T00:46:58.318" v="7" actId="1076"/>
+          <ac:cxnSpMkLst>
+            <pc:docMk/>
+            <pc:sldMk cId="3163370101" sldId="261"/>
+            <ac:cxnSpMk id="94" creationId="{3B1396A3-1F21-3E4A-F399-01403B7A54CC}"/>
+          </ac:cxnSpMkLst>
+        </pc:cxnChg>
+        <pc:cxnChg chg="mod">
+          <ac:chgData name="Jia Jones" userId="a3b0c72f-e186-4738-b8d6-28e077c699c2" providerId="ADAL" clId="{498019F4-6025-4BDC-98B8-AC161C7FF662}" dt="2024-12-02T00:46:58.318" v="7" actId="1076"/>
+          <ac:cxnSpMkLst>
+            <pc:docMk/>
+            <pc:sldMk cId="3163370101" sldId="261"/>
+            <ac:cxnSpMk id="95" creationId="{31AC3DDC-C098-F230-F9A9-5D8AB34D506A}"/>
+          </ac:cxnSpMkLst>
+        </pc:cxnChg>
+        <pc:cxnChg chg="mod">
+          <ac:chgData name="Jia Jones" userId="a3b0c72f-e186-4738-b8d6-28e077c699c2" providerId="ADAL" clId="{498019F4-6025-4BDC-98B8-AC161C7FF662}" dt="2024-12-02T00:46:58.318" v="7" actId="1076"/>
+          <ac:cxnSpMkLst>
+            <pc:docMk/>
+            <pc:sldMk cId="3163370101" sldId="261"/>
+            <ac:cxnSpMk id="97" creationId="{01FE6647-53DB-0948-EE70-40C31D979A40}"/>
+          </ac:cxnSpMkLst>
+        </pc:cxnChg>
+        <pc:cxnChg chg="mod">
+          <ac:chgData name="Jia Jones" userId="a3b0c72f-e186-4738-b8d6-28e077c699c2" providerId="ADAL" clId="{498019F4-6025-4BDC-98B8-AC161C7FF662}" dt="2024-12-02T00:46:58.318" v="7" actId="1076"/>
+          <ac:cxnSpMkLst>
+            <pc:docMk/>
+            <pc:sldMk cId="3163370101" sldId="261"/>
+            <ac:cxnSpMk id="100" creationId="{D8EB59E1-D124-E15E-1B9D-EE06FD41DED7}"/>
+          </ac:cxnSpMkLst>
+        </pc:cxnChg>
+        <pc:cxnChg chg="mod">
+          <ac:chgData name="Jia Jones" userId="a3b0c72f-e186-4738-b8d6-28e077c699c2" providerId="ADAL" clId="{498019F4-6025-4BDC-98B8-AC161C7FF662}" dt="2024-12-02T00:46:58.318" v="7" actId="1076"/>
+          <ac:cxnSpMkLst>
+            <pc:docMk/>
+            <pc:sldMk cId="3163370101" sldId="261"/>
+            <ac:cxnSpMk id="105" creationId="{D5C4AA17-F390-F687-991E-EDB4DB8C45E8}"/>
+          </ac:cxnSpMkLst>
+        </pc:cxnChg>
+        <pc:cxnChg chg="mod">
+          <ac:chgData name="Jia Jones" userId="a3b0c72f-e186-4738-b8d6-28e077c699c2" providerId="ADAL" clId="{498019F4-6025-4BDC-98B8-AC161C7FF662}" dt="2024-12-02T00:46:58.318" v="7" actId="1076"/>
+          <ac:cxnSpMkLst>
+            <pc:docMk/>
+            <pc:sldMk cId="3163370101" sldId="261"/>
+            <ac:cxnSpMk id="106" creationId="{32E9E53D-5E87-DDC5-9B4A-CA897F9D5BB2}"/>
+          </ac:cxnSpMkLst>
+        </pc:cxnChg>
+        <pc:cxnChg chg="mod">
+          <ac:chgData name="Jia Jones" userId="a3b0c72f-e186-4738-b8d6-28e077c699c2" providerId="ADAL" clId="{498019F4-6025-4BDC-98B8-AC161C7FF662}" dt="2024-12-02T00:46:58.318" v="7" actId="1076"/>
+          <ac:cxnSpMkLst>
+            <pc:docMk/>
+            <pc:sldMk cId="3163370101" sldId="261"/>
+            <ac:cxnSpMk id="117" creationId="{915D03DA-9B92-366A-2A34-5A318C5F51C3}"/>
+          </ac:cxnSpMkLst>
+        </pc:cxnChg>
+      </pc:sldChg>
+      <pc:sldChg chg="ord">
+        <pc:chgData name="Jia Jones" userId="a3b0c72f-e186-4738-b8d6-28e077c699c2" providerId="ADAL" clId="{498019F4-6025-4BDC-98B8-AC161C7FF662}" dt="2024-12-02T00:54:49.781" v="11"/>
+        <pc:sldMkLst>
+          <pc:docMk/>
+          <pc:sldMk cId="1835518684" sldId="263"/>
+        </pc:sldMkLst>
+      </pc:sldChg>
+      <pc:sldChg chg="addSp delSp modSp mod">
+        <pc:chgData name="Jia Jones" userId="a3b0c72f-e186-4738-b8d6-28e077c699c2" providerId="ADAL" clId="{498019F4-6025-4BDC-98B8-AC161C7FF662}" dt="2024-12-01T23:32:41.176" v="6" actId="9405"/>
+        <pc:sldMkLst>
+          <pc:docMk/>
+          <pc:sldMk cId="60783217" sldId="267"/>
+        </pc:sldMkLst>
+        <pc:spChg chg="mod">
+          <ac:chgData name="Jia Jones" userId="a3b0c72f-e186-4738-b8d6-28e077c699c2" providerId="ADAL" clId="{498019F4-6025-4BDC-98B8-AC161C7FF662}" dt="2024-12-01T23:32:24.759" v="1" actId="27636"/>
+          <ac:spMkLst>
+            <pc:docMk/>
+            <pc:sldMk cId="60783217" sldId="267"/>
+            <ac:spMk id="2" creationId="{14FD27D0-DF5A-0E25-1BD6-C9C50971C36A}"/>
+          </ac:spMkLst>
+        </pc:spChg>
+        <pc:grpChg chg="del mod">
+          <ac:chgData name="Jia Jones" userId="a3b0c72f-e186-4738-b8d6-28e077c699c2" providerId="ADAL" clId="{498019F4-6025-4BDC-98B8-AC161C7FF662}" dt="2024-12-01T23:32:37.782" v="5"/>
+          <ac:grpSpMkLst>
+            <pc:docMk/>
+            <pc:sldMk cId="60783217" sldId="267"/>
+            <ac:grpSpMk id="13" creationId="{BB698E32-4793-D49B-7EDC-98227DCEFC94}"/>
+          </ac:grpSpMkLst>
+        </pc:grpChg>
+        <pc:inkChg chg="del">
+          <ac:chgData name="Jia Jones" userId="a3b0c72f-e186-4738-b8d6-28e077c699c2" providerId="ADAL" clId="{498019F4-6025-4BDC-98B8-AC161C7FF662}" dt="2024-12-01T23:32:37.782" v="5"/>
+          <ac:inkMkLst>
+            <pc:docMk/>
+            <pc:sldMk cId="60783217" sldId="267"/>
+            <ac:inkMk id="11" creationId="{82376FEB-2417-F159-8F9E-980518CABFB9}"/>
+          </ac:inkMkLst>
+        </pc:inkChg>
+        <pc:inkChg chg="mod">
+          <ac:chgData name="Jia Jones" userId="a3b0c72f-e186-4738-b8d6-28e077c699c2" providerId="ADAL" clId="{498019F4-6025-4BDC-98B8-AC161C7FF662}" dt="2024-12-01T23:32:37.782" v="5"/>
+          <ac:inkMkLst>
+            <pc:docMk/>
+            <pc:sldMk cId="60783217" sldId="267"/>
+            <ac:inkMk id="12" creationId="{F54434DE-4D5F-F9B1-593C-CCCC52924F48}"/>
+          </ac:inkMkLst>
+        </pc:inkChg>
+        <pc:inkChg chg="del">
+          <ac:chgData name="Jia Jones" userId="a3b0c72f-e186-4738-b8d6-28e077c699c2" providerId="ADAL" clId="{498019F4-6025-4BDC-98B8-AC161C7FF662}" dt="2024-12-01T23:32:24.667" v="0"/>
+          <ac:inkMkLst>
+            <pc:docMk/>
+            <pc:sldMk cId="60783217" sldId="267"/>
+            <ac:inkMk id="18" creationId="{97D136CE-BF94-651B-8EB0-F3068438A60D}"/>
+          </ac:inkMkLst>
+        </pc:inkChg>
+        <pc:inkChg chg="add del">
+          <ac:chgData name="Jia Jones" userId="a3b0c72f-e186-4738-b8d6-28e077c699c2" providerId="ADAL" clId="{498019F4-6025-4BDC-98B8-AC161C7FF662}" dt="2024-12-01T23:32:31.293" v="3" actId="9405"/>
+          <ac:inkMkLst>
+            <pc:docMk/>
+            <pc:sldMk cId="60783217" sldId="267"/>
+            <ac:inkMk id="19" creationId="{F057FB16-89F3-E019-D869-C249AB4C4FD9}"/>
+          </ac:inkMkLst>
+        </pc:inkChg>
+        <pc:inkChg chg="add">
+          <ac:chgData name="Jia Jones" userId="a3b0c72f-e186-4738-b8d6-28e077c699c2" providerId="ADAL" clId="{498019F4-6025-4BDC-98B8-AC161C7FF662}" dt="2024-12-01T23:32:34.383" v="4" actId="9405"/>
+          <ac:inkMkLst>
+            <pc:docMk/>
+            <pc:sldMk cId="60783217" sldId="267"/>
+            <ac:inkMk id="20" creationId="{50F204FF-81F6-29A3-39EE-E46ACA6141D0}"/>
+          </ac:inkMkLst>
+        </pc:inkChg>
+        <pc:inkChg chg="add">
+          <ac:chgData name="Jia Jones" userId="a3b0c72f-e186-4738-b8d6-28e077c699c2" providerId="ADAL" clId="{498019F4-6025-4BDC-98B8-AC161C7FF662}" dt="2024-12-01T23:32:41.176" v="6" actId="9405"/>
+          <ac:inkMkLst>
+            <pc:docMk/>
+            <pc:sldMk cId="60783217" sldId="267"/>
+            <ac:inkMk id="21" creationId="{69AC178C-BB2A-1032-3AF4-08161A53C744}"/>
+          </ac:inkMkLst>
+        </pc:inkChg>
       </pc:sldChg>
     </pc:docChg>
   </pc:docChgLst>
@@ -1957,6 +2348,34 @@
 </inkml:ink>
 </file>
 
+<file path=ppt/ink/ink19.xml><?xml version="1.0" encoding="utf-8"?>
+<inkml:ink xmlns:inkml="http://www.w3.org/2003/InkML">
+  <inkml:definitions>
+    <inkml:context xml:id="ctx0">
+      <inkml:inkSource xml:id="inkSrc0">
+        <inkml:traceFormat>
+          <inkml:channel name="X" type="integer" min="-2.14748E9" max="2.14748E9" units="cm"/>
+          <inkml:channel name="Y" type="integer" min="-2.14748E9" max="2.14748E9" units="cm"/>
+          <inkml:channel name="F" type="integer" max="32767" units="dev"/>
+        </inkml:traceFormat>
+        <inkml:channelProperties>
+          <inkml:channelProperty channel="X" name="resolution" value="1000" units="1/cm"/>
+          <inkml:channelProperty channel="Y" name="resolution" value="1000" units="1/cm"/>
+          <inkml:channelProperty channel="F" name="resolution" value="0" units="1/dev"/>
+        </inkml:channelProperties>
+      </inkml:inkSource>
+      <inkml:timestamp xml:id="ts0" timeString="2024-12-01T17:54:51.402"/>
+    </inkml:context>
+    <inkml:brush xml:id="br0">
+      <inkml:brushProperty name="width" value="0.035" units="cm"/>
+      <inkml:brushProperty name="height" value="0.035" units="cm"/>
+      <inkml:brushProperty name="color" value="#E71224"/>
+    </inkml:brush>
+  </inkml:definitions>
+  <inkml:trace contextRef="#ctx0" brushRef="#br0">1 322 24575,'3'42'0,"2"-1"0,2 1 0,1-2 0,2 1 0,28 67 0,-38-108 0,3 10 0,1 0 0,0 0 0,1-1 0,9 15 0,-13-22 0,0 0 0,0-1 0,1 1 0,-1-1 0,0 1 0,0-1 0,1 0 0,-1 0 0,1 1 0,0-1 0,-1 0 0,1 0 0,0 0 0,-1-1 0,1 1 0,0 0 0,0-1 0,0 1 0,-1-1 0,1 0 0,0 1 0,0-1 0,0 0 0,0 0 0,0 0 0,0 0 0,0-1 0,0 1 0,-1-1 0,1 1 0,0-1 0,0 1 0,0-1 0,1-1 0,11-7 0,0-1 0,-1 0 0,0-1 0,-1-1 0,-1 0 0,11-13 0,10-10 0,270-266 120,-228 236-615,3 3 0,111-69 0,-135 99-6331</inkml:trace>
+</inkml:ink>
+</file>
+
 <file path=ppt/ink/ink2.xml><?xml version="1.0" encoding="utf-8"?>
 <inkml:ink xmlns:inkml="http://www.w3.org/2003/InkML">
   <inkml:definitions>
@@ -1982,6 +2401,118 @@
     </inkml:brush>
   </inkml:definitions>
   <inkml:trace contextRef="#ctx0" brushRef="#br0">1 432 24575,'4'0'0,"0"1"0,0-1 0,0 1 0,0 0 0,0 0 0,0 1 0,0-1 0,0 1 0,0 0 0,-1-1 0,1 2 0,-1-1 0,0 0 0,1 1 0,-1 0 0,0-1 0,0 1 0,-1 1 0,1-1 0,-1 0 0,1 0 0,1 5 0,6 11 0,0 0 0,-1 1 0,7 26 0,-11-30 0,1 0 0,15 29 0,-20-44 0,0 0 0,-1 0 0,1 0 0,0 0 0,-1 0 0,1 0 0,0 0 0,0-1 0,0 1 0,0 0 0,0 0 0,0 0 0,0-1 0,0 1 0,0-1 0,0 1 0,0-1 0,0 1 0,0-1 0,0 0 0,1 1 0,-1-1 0,0 0 0,0 0 0,0 0 0,1 0 0,1 0 0,-1-1 0,0 0 0,1 0 0,-1 0 0,0 0 0,0-1 0,0 1 0,1-1 0,-1 1 0,-1-1 0,1 0 0,0 0 0,2-3 0,7-9 0,-1-1 0,-1-1 0,8-17 0,-13 25 0,22-46-111,220-403-1143,-208 396-5572</inkml:trace>
+</inkml:ink>
+</file>
+
+<file path=ppt/ink/ink20.xml><?xml version="1.0" encoding="utf-8"?>
+<inkml:ink xmlns:inkml="http://www.w3.org/2003/InkML">
+  <inkml:definitions>
+    <inkml:context xml:id="ctx0">
+      <inkml:inkSource xml:id="inkSrc0">
+        <inkml:traceFormat>
+          <inkml:channel name="X" type="integer" min="-2.14748E9" max="2.14748E9" units="cm"/>
+          <inkml:channel name="Y" type="integer" min="-2.14748E9" max="2.14748E9" units="cm"/>
+          <inkml:channel name="F" type="integer" max="32767" units="dev"/>
+        </inkml:traceFormat>
+        <inkml:channelProperties>
+          <inkml:channelProperty channel="X" name="resolution" value="1000" units="1/cm"/>
+          <inkml:channelProperty channel="Y" name="resolution" value="1000" units="1/cm"/>
+          <inkml:channelProperty channel="F" name="resolution" value="0" units="1/dev"/>
+        </inkml:channelProperties>
+      </inkml:inkSource>
+      <inkml:timestamp xml:id="ts0" timeString="2024-12-01T17:54:52.596"/>
+    </inkml:context>
+    <inkml:brush xml:id="br0">
+      <inkml:brushProperty name="width" value="0.035" units="cm"/>
+      <inkml:brushProperty name="height" value="0.035" units="cm"/>
+      <inkml:brushProperty name="color" value="#E71224"/>
+    </inkml:brush>
+  </inkml:definitions>
+  <inkml:trace contextRef="#ctx0" brushRef="#br0">1 490 24575,'62'65'0,"-3"2"0,-3 3 0,88 145 0,-142-211 0,0-1 0,0 1 0,0-1 0,0 0 0,0 0 0,0 0 0,1 0 0,-1 0 0,1-1 0,0 1 0,0-1 0,0 1 0,0-1 0,6 3 0,-6-5 0,0-1 0,-1 1 0,1 0 0,0-1 0,-1 1 0,1-1 0,0 0 0,-1 0 0,1 0 0,-1 0 0,1 0 0,-1-1 0,0 1 0,0-1 0,1 1 0,-1-1 0,0 0 0,0 0 0,-1 0 0,1 0 0,2-3 0,102-99 0,168-128 0,140-59 0,28 23-1365,-387 240-5461</inkml:trace>
+</inkml:ink>
+</file>
+
+<file path=ppt/ink/ink21.xml><?xml version="1.0" encoding="utf-8"?>
+<inkml:ink xmlns:inkml="http://www.w3.org/2003/InkML">
+  <inkml:definitions>
+    <inkml:context xml:id="ctx0">
+      <inkml:inkSource xml:id="inkSrc0">
+        <inkml:traceFormat>
+          <inkml:channel name="X" type="integer" min="-2.14748E9" max="2.14748E9" units="cm"/>
+          <inkml:channel name="Y" type="integer" min="-2.14748E9" max="2.14748E9" units="cm"/>
+          <inkml:channel name="F" type="integer" max="32767" units="dev"/>
+        </inkml:traceFormat>
+        <inkml:channelProperties>
+          <inkml:channelProperty channel="X" name="resolution" value="1000" units="1/cm"/>
+          <inkml:channelProperty channel="Y" name="resolution" value="1000" units="1/cm"/>
+          <inkml:channelProperty channel="F" name="resolution" value="0" units="1/dev"/>
+        </inkml:channelProperties>
+      </inkml:inkSource>
+      <inkml:timestamp xml:id="ts0" timeString="2024-12-01T17:55:19.282"/>
+    </inkml:context>
+    <inkml:brush xml:id="br0">
+      <inkml:brushProperty name="width" value="0.035" units="cm"/>
+      <inkml:brushProperty name="height" value="0.035" units="cm"/>
+      <inkml:brushProperty name="color" value="#E71224"/>
+    </inkml:brush>
+  </inkml:definitions>
+  <inkml:trace contextRef="#ctx0" brushRef="#br0">1 378 24575,'0'27'0,"1"-1"0,1 0 0,1 0 0,2 0 0,0 0 0,2-1 0,1 1 0,13 28 0,-20-53 0,-1 0 0,1 0 0,-1 0 0,1 0 0,0 0 0,-1-1 0,1 1 0,0 0 0,-1 0 0,1-1 0,0 1 0,0-1 0,0 1 0,0 0 0,0-1 0,0 0 0,0 1 0,0-1 0,0 0 0,0 1 0,0-1 0,0 0 0,0 0 0,0 0 0,0 0 0,0 0 0,0 0 0,0 0 0,0 0 0,0 0 0,0 0 0,0-1 0,0 1 0,0 0 0,0-1 0,0 1 0,0-1 0,0 1 0,1-2 0,37-28 0,-37 28 0,154-155 0,28-28 0,-95 108-16,89-86-1333,-146 129-5477</inkml:trace>
+</inkml:ink>
+</file>
+
+<file path=ppt/ink/ink22.xml><?xml version="1.0" encoding="utf-8"?>
+<inkml:ink xmlns:inkml="http://www.w3.org/2003/InkML">
+  <inkml:definitions>
+    <inkml:context xml:id="ctx0">
+      <inkml:inkSource xml:id="inkSrc0">
+        <inkml:traceFormat>
+          <inkml:channel name="X" type="integer" min="-2.14748E9" max="2.14748E9" units="cm"/>
+          <inkml:channel name="Y" type="integer" min="-2.14748E9" max="2.14748E9" units="cm"/>
+          <inkml:channel name="F" type="integer" max="32767" units="dev"/>
+        </inkml:traceFormat>
+        <inkml:channelProperties>
+          <inkml:channelProperty channel="X" name="resolution" value="1000" units="1/cm"/>
+          <inkml:channelProperty channel="Y" name="resolution" value="1000" units="1/cm"/>
+          <inkml:channelProperty channel="F" name="resolution" value="0" units="1/dev"/>
+        </inkml:channelProperties>
+      </inkml:inkSource>
+      <inkml:timestamp xml:id="ts0" timeString="2024-12-01T23:32:34.381"/>
+    </inkml:context>
+    <inkml:brush xml:id="br0">
+      <inkml:brushProperty name="width" value="0.035" units="cm"/>
+      <inkml:brushProperty name="height" value="0.035" units="cm"/>
+      <inkml:brushProperty name="color" value="#E71224"/>
+    </inkml:brush>
+  </inkml:definitions>
+  <inkml:trace contextRef="#ctx0" brushRef="#br0">1 486 24575,'0'0'0,"-1"0"0,1 0 0,0 0 0,0-1 0,0 1 0,0 0 0,0 0 0,0 0 0,0 0 0,0 0 0,0-1 0,0 1 0,0 0 0,0 0 0,0 0 0,0 0 0,0 0 0,0-1 0,0 1 0,1 0 0,-1 0 0,0 0 0,0 0 0,0 0 0,0-1 0,0 1 0,0 0 0,0 0 0,0 0 0,0 0 0,1 0 0,-1 0 0,0 0 0,0 0 0,0 0 0,0 0 0,0-1 0,0 1 0,1 0 0,-1 0 0,0 0 0,0 0 0,0 0 0,0 0 0,0 0 0,1 0 0,-1 0 0,0 0 0,0 0 0,0 0 0,0 0 0,0 0 0,1 0 0,-1 0 0,0 0 0,0 1 0,0-1 0,0 0 0,1 0 0,10 10 0,9 16 0,75 111 0,-94-135 0,1 0 0,0 1 0,-1-1 0,1 0 0,0 0 0,0 0 0,0 0 0,1 0 0,-1-1 0,0 1 0,1-1 0,-1 1 0,1-1 0,-1 0 0,1 0 0,0 0 0,-1 0 0,1-1 0,0 1 0,0-1 0,-1 1 0,1-1 0,0 0 0,0 0 0,0 0 0,-1-1 0,1 1 0,0-1 0,0 1 0,-1-1 0,1 0 0,0 0 0,-1 0 0,1-1 0,-1 1 0,1 0 0,-1-1 0,3-2 0,6-4 0,0-2 0,0 0 0,-1 0 0,0 0 0,-1-1 0,10-15 0,-6 7 0,112-150 0,-80 102 0,-31 45 0,27-32 0,20-23 0,10-12 0,-60 76-341,-1 0 0,-1-1-1,10-18 1,-10 16-6485</inkml:trace>
+</inkml:ink>
+</file>
+
+<file path=ppt/ink/ink23.xml><?xml version="1.0" encoding="utf-8"?>
+<inkml:ink xmlns:inkml="http://www.w3.org/2003/InkML">
+  <inkml:definitions>
+    <inkml:context xml:id="ctx0">
+      <inkml:inkSource xml:id="inkSrc0">
+        <inkml:traceFormat>
+          <inkml:channel name="X" type="integer" min="-2.14748E9" max="2.14748E9" units="cm"/>
+          <inkml:channel name="Y" type="integer" min="-2.14748E9" max="2.14748E9" units="cm"/>
+          <inkml:channel name="F" type="integer" max="32767" units="dev"/>
+        </inkml:traceFormat>
+        <inkml:channelProperties>
+          <inkml:channelProperty channel="X" name="resolution" value="1000" units="1/cm"/>
+          <inkml:channelProperty channel="Y" name="resolution" value="1000" units="1/cm"/>
+          <inkml:channelProperty channel="F" name="resolution" value="0" units="1/dev"/>
+        </inkml:channelProperties>
+      </inkml:inkSource>
+      <inkml:timestamp xml:id="ts0" timeString="2024-12-01T23:32:41.174"/>
+    </inkml:context>
+    <inkml:brush xml:id="br0">
+      <inkml:brushProperty name="width" value="0.035" units="cm"/>
+      <inkml:brushProperty name="height" value="0.035" units="cm"/>
+      <inkml:brushProperty name="color" value="#E71224"/>
+    </inkml:brush>
+  </inkml:definitions>
+  <inkml:trace contextRef="#ctx0" brushRef="#br0">1 367 24575,'6'0'0,"-1"1"0,1 0 0,0 0 0,-1 0 0,1 1 0,-1-1 0,0 1 0,1 1 0,-1-1 0,7 5 0,46 37 0,-38-28 0,-10-7 0,0 1 0,-1-1 0,14 20 0,18 19 0,-40-47 0,1 0 0,-1 1 0,0-1 0,1 0 0,-1 0 0,1 0 0,-1-1 0,1 1 0,-1 0 0,1 0 0,0-1 0,-1 1 0,1-1 0,0 0 0,0 1 0,-1-1 0,1 0 0,0 0 0,0 0 0,-1 0 0,1-1 0,0 1 0,-1 0 0,1-1 0,0 1 0,-1-1 0,1 1 0,0-1 0,-1 0 0,1 0 0,-1 0 0,1 0 0,-1 0 0,1 0 0,-1 0 0,0 0 0,0 0 0,0-1 0,2-1 0,5-8 0,0 1 0,-1-1 0,-1 0 0,8-16 0,-9 18 0,10-21 0,6-14 0,2 1 0,2 0 0,59-74 0,-3 37 92,-50 52-820,35-41-1,-55 54-6097</inkml:trace>
 </inkml:ink>
 </file>
 
@@ -2791,7 +3322,7 @@
           <a:p>
             <a:r>
               <a:rPr lang="en-US" dirty="0"/>
-              <a:t>Entity Relationship Diagram</a:t>
+              <a:t>Gantt chart</a:t>
             </a:r>
           </a:p>
         </p:txBody>
@@ -2882,7 +3413,7 @@
     </p:spTree>
     <p:extLst>
       <p:ext uri="{BB962C8B-B14F-4D97-AF65-F5344CB8AC3E}">
-        <p14:creationId xmlns:p14="http://schemas.microsoft.com/office/powerpoint/2010/main" val="1778648675"/>
+        <p14:creationId xmlns:p14="http://schemas.microsoft.com/office/powerpoint/2010/main" val="3951096213"/>
       </p:ext>
     </p:extLst>
   </p:cSld>
@@ -4398,7 +4929,7 @@
           <a:p>
             <a:r>
               <a:rPr lang="en-US" dirty="0"/>
-              <a:t>Gantt chart</a:t>
+              <a:t>Entity Relationship Diagram</a:t>
             </a:r>
           </a:p>
         </p:txBody>
@@ -4489,7 +5020,7 @@
     </p:spTree>
     <p:extLst>
       <p:ext uri="{BB962C8B-B14F-4D97-AF65-F5344CB8AC3E}">
-        <p14:creationId xmlns:p14="http://schemas.microsoft.com/office/powerpoint/2010/main" val="3951096213"/>
+        <p14:creationId xmlns:p14="http://schemas.microsoft.com/office/powerpoint/2010/main" val="1778648675"/>
       </p:ext>
     </p:extLst>
   </p:cSld>
@@ -7745,7 +8276,7 @@
         </p:spPr>
         <p:txBody>
           <a:bodyPr>
-            <a:normAutofit fontScale="90000"/>
+            <a:normAutofit/>
           </a:bodyPr>
           <a:lstStyle/>
           <a:p>
@@ -8185,8 +8716,8 @@
         </p:nvSpPr>
         <p:spPr>
           <a:xfrm>
-            <a:off x="6784693" y="4642135"/>
-            <a:ext cx="4509655" cy="1754326"/>
+            <a:off x="6377655" y="4642135"/>
+            <a:ext cx="5642260" cy="1477328"/>
           </a:xfrm>
           <a:prstGeom prst="rect">
             <a:avLst/>
@@ -8225,7 +8756,7 @@
           <a:p>
             <a:r>
               <a:rPr lang="en-US" dirty="0"/>
-              <a:t>Description or demonstration of reasonable unit testing</a:t>
+              <a:t>Description of demonstration of reasonable unit testing</a:t>
             </a:r>
           </a:p>
         </p:txBody>
@@ -8863,6 +9394,261 @@
           </mc:Fallback>
         </mc:AlternateContent>
       </p:grpSp>
+      <mc:AlternateContent xmlns:mc="http://schemas.openxmlformats.org/markup-compatibility/2006">
+        <mc:Choice xmlns:p14="http://schemas.microsoft.com/office/powerpoint/2010/main" Requires="p14">
+          <p:contentPart p14:bwMode="auto" r:id="rId41">
+            <p14:nvContentPartPr>
+              <p14:cNvPr id="12" name="Ink 11">
+                <a:extLst>
+                  <a:ext uri="{FF2B5EF4-FFF2-40B4-BE49-F238E27FC236}">
+                    <a16:creationId xmlns:a16="http://schemas.microsoft.com/office/drawing/2014/main" id="{F54434DE-4D5F-F9B1-593C-CCCC52924F48}"/>
+                  </a:ext>
+                </a:extLst>
+              </p14:cNvPr>
+              <p14:cNvContentPartPr/>
+              <p14:nvPr/>
+            </p14:nvContentPartPr>
+            <p14:xfrm>
+              <a:off x="3033704" y="4310607"/>
+              <a:ext cx="355680" cy="259920"/>
+            </p14:xfrm>
+          </p:contentPart>
+        </mc:Choice>
+        <mc:Fallback>
+          <p:pic>
+            <p:nvPicPr>
+              <p:cNvPr id="12" name="Ink 11">
+                <a:extLst>
+                  <a:ext uri="{FF2B5EF4-FFF2-40B4-BE49-F238E27FC236}">
+                    <a16:creationId xmlns:a16="http://schemas.microsoft.com/office/drawing/2014/main" id="{F54434DE-4D5F-F9B1-593C-CCCC52924F48}"/>
+                  </a:ext>
+                </a:extLst>
+              </p:cNvPr>
+              <p:cNvPicPr/>
+              <p:nvPr/>
+            </p:nvPicPr>
+            <p:blipFill>
+              <a:blip r:embed="rId42"/>
+              <a:stretch>
+                <a:fillRect/>
+              </a:stretch>
+            </p:blipFill>
+            <p:spPr>
+              <a:xfrm>
+                <a:off x="3027578" y="4304487"/>
+                <a:ext cx="367932" cy="272160"/>
+              </a:xfrm>
+              <a:prstGeom prst="rect">
+                <a:avLst/>
+              </a:prstGeom>
+            </p:spPr>
+          </p:pic>
+        </mc:Fallback>
+      </mc:AlternateContent>
+      <mc:AlternateContent xmlns:mc="http://schemas.openxmlformats.org/markup-compatibility/2006" xmlns:p14="http://schemas.microsoft.com/office/powerpoint/2010/main">
+        <mc:Choice Requires="p14">
+          <p:contentPart p14:bwMode="auto" r:id="rId43">
+            <p14:nvContentPartPr>
+              <p14:cNvPr id="14" name="Ink 13">
+                <a:extLst>
+                  <a:ext uri="{FF2B5EF4-FFF2-40B4-BE49-F238E27FC236}">
+                    <a16:creationId xmlns:a16="http://schemas.microsoft.com/office/drawing/2014/main" id="{914BFAF2-1EFD-DC8F-90CF-DCEFB91444A9}"/>
+                  </a:ext>
+                </a:extLst>
+              </p14:cNvPr>
+              <p14:cNvContentPartPr/>
+              <p14:nvPr/>
+            </p14:nvContentPartPr>
+            <p14:xfrm>
+              <a:off x="4343024" y="4208727"/>
+              <a:ext cx="615600" cy="343080"/>
+            </p14:xfrm>
+          </p:contentPart>
+        </mc:Choice>
+        <mc:Fallback xmlns="">
+          <p:pic>
+            <p:nvPicPr>
+              <p:cNvPr id="14" name="Ink 13">
+                <a:extLst>
+                  <a:ext uri="{FF2B5EF4-FFF2-40B4-BE49-F238E27FC236}">
+                    <a16:creationId xmlns:a16="http://schemas.microsoft.com/office/drawing/2014/main" id="{914BFAF2-1EFD-DC8F-90CF-DCEFB91444A9}"/>
+                  </a:ext>
+                </a:extLst>
+              </p:cNvPr>
+              <p:cNvPicPr/>
+              <p:nvPr/>
+            </p:nvPicPr>
+            <p:blipFill>
+              <a:blip r:embed="rId46"/>
+              <a:stretch>
+                <a:fillRect/>
+              </a:stretch>
+            </p:blipFill>
+            <p:spPr>
+              <a:xfrm>
+                <a:off x="4336904" y="4202607"/>
+                <a:ext cx="627840" cy="355320"/>
+              </a:xfrm>
+              <a:prstGeom prst="rect">
+                <a:avLst/>
+              </a:prstGeom>
+            </p:spPr>
+          </p:pic>
+        </mc:Fallback>
+      </mc:AlternateContent>
+      <mc:AlternateContent xmlns:mc="http://schemas.openxmlformats.org/markup-compatibility/2006" xmlns:p14="http://schemas.microsoft.com/office/powerpoint/2010/main">
+        <mc:Choice Requires="p14">
+          <p:contentPart p14:bwMode="auto" r:id="rId47">
+            <p14:nvContentPartPr>
+              <p14:cNvPr id="17" name="Ink 16">
+                <a:extLst>
+                  <a:ext uri="{FF2B5EF4-FFF2-40B4-BE49-F238E27FC236}">
+                    <a16:creationId xmlns:a16="http://schemas.microsoft.com/office/drawing/2014/main" id="{E6F18DB0-1A94-25F0-9F20-AAF27AD18C4B}"/>
+                  </a:ext>
+                </a:extLst>
+              </p14:cNvPr>
+              <p14:cNvContentPartPr/>
+              <p14:nvPr/>
+            </p14:nvContentPartPr>
+            <p14:xfrm>
+              <a:off x="10702424" y="3261567"/>
+              <a:ext cx="277560" cy="235800"/>
+            </p14:xfrm>
+          </p:contentPart>
+        </mc:Choice>
+        <mc:Fallback xmlns="">
+          <p:pic>
+            <p:nvPicPr>
+              <p:cNvPr id="17" name="Ink 16">
+                <a:extLst>
+                  <a:ext uri="{FF2B5EF4-FFF2-40B4-BE49-F238E27FC236}">
+                    <a16:creationId xmlns:a16="http://schemas.microsoft.com/office/drawing/2014/main" id="{E6F18DB0-1A94-25F0-9F20-AAF27AD18C4B}"/>
+                  </a:ext>
+                </a:extLst>
+              </p:cNvPr>
+              <p:cNvPicPr/>
+              <p:nvPr/>
+            </p:nvPicPr>
+            <p:blipFill>
+              <a:blip r:embed="rId48"/>
+              <a:stretch>
+                <a:fillRect/>
+              </a:stretch>
+            </p:blipFill>
+            <p:spPr>
+              <a:xfrm>
+                <a:off x="10696304" y="3255447"/>
+                <a:ext cx="289800" cy="248040"/>
+              </a:xfrm>
+              <a:prstGeom prst="rect">
+                <a:avLst/>
+              </a:prstGeom>
+            </p:spPr>
+          </p:pic>
+        </mc:Fallback>
+      </mc:AlternateContent>
+      <mc:AlternateContent xmlns:mc="http://schemas.openxmlformats.org/markup-compatibility/2006">
+        <mc:Choice xmlns:p14="http://schemas.microsoft.com/office/powerpoint/2010/main" Requires="p14">
+          <p:contentPart p14:bwMode="auto" r:id="rId49">
+            <p14:nvContentPartPr>
+              <p14:cNvPr id="20" name="Ink 19">
+                <a:extLst>
+                  <a:ext uri="{FF2B5EF4-FFF2-40B4-BE49-F238E27FC236}">
+                    <a16:creationId xmlns:a16="http://schemas.microsoft.com/office/drawing/2014/main" id="{50F204FF-81F6-29A3-39EE-E46ACA6141D0}"/>
+                  </a:ext>
+                </a:extLst>
+              </p14:cNvPr>
+              <p14:cNvContentPartPr/>
+              <p14:nvPr/>
+            </p14:nvContentPartPr>
+            <p14:xfrm>
+              <a:off x="8896278" y="3870148"/>
+              <a:ext cx="266040" cy="247320"/>
+            </p14:xfrm>
+          </p:contentPart>
+        </mc:Choice>
+        <mc:Fallback>
+          <p:pic>
+            <p:nvPicPr>
+              <p:cNvPr id="20" name="Ink 19">
+                <a:extLst>
+                  <a:ext uri="{FF2B5EF4-FFF2-40B4-BE49-F238E27FC236}">
+                    <a16:creationId xmlns:a16="http://schemas.microsoft.com/office/drawing/2014/main" id="{50F204FF-81F6-29A3-39EE-E46ACA6141D0}"/>
+                  </a:ext>
+                </a:extLst>
+              </p:cNvPr>
+              <p:cNvPicPr/>
+              <p:nvPr/>
+            </p:nvPicPr>
+            <p:blipFill>
+              <a:blip r:embed="rId50"/>
+              <a:stretch>
+                <a:fillRect/>
+              </a:stretch>
+            </p:blipFill>
+            <p:spPr>
+              <a:xfrm>
+                <a:off x="8890158" y="3864028"/>
+                <a:ext cx="278280" cy="259560"/>
+              </a:xfrm>
+              <a:prstGeom prst="rect">
+                <a:avLst/>
+              </a:prstGeom>
+            </p:spPr>
+          </p:pic>
+        </mc:Fallback>
+      </mc:AlternateContent>
+      <mc:AlternateContent xmlns:mc="http://schemas.openxmlformats.org/markup-compatibility/2006">
+        <mc:Choice xmlns:p14="http://schemas.microsoft.com/office/powerpoint/2010/main" Requires="p14">
+          <p:contentPart p14:bwMode="auto" r:id="rId51">
+            <p14:nvContentPartPr>
+              <p14:cNvPr id="21" name="Ink 20">
+                <a:extLst>
+                  <a:ext uri="{FF2B5EF4-FFF2-40B4-BE49-F238E27FC236}">
+                    <a16:creationId xmlns:a16="http://schemas.microsoft.com/office/drawing/2014/main" id="{69AC178C-BB2A-1032-3AF4-08161A53C744}"/>
+                  </a:ext>
+                </a:extLst>
+              </p14:cNvPr>
+              <p14:cNvContentPartPr/>
+              <p14:nvPr/>
+            </p14:nvContentPartPr>
+            <p14:xfrm>
+              <a:off x="1774758" y="4289188"/>
+              <a:ext cx="254520" cy="204120"/>
+            </p14:xfrm>
+          </p:contentPart>
+        </mc:Choice>
+        <mc:Fallback>
+          <p:pic>
+            <p:nvPicPr>
+              <p:cNvPr id="21" name="Ink 20">
+                <a:extLst>
+                  <a:ext uri="{FF2B5EF4-FFF2-40B4-BE49-F238E27FC236}">
+                    <a16:creationId xmlns:a16="http://schemas.microsoft.com/office/drawing/2014/main" id="{69AC178C-BB2A-1032-3AF4-08161A53C744}"/>
+                  </a:ext>
+                </a:extLst>
+              </p:cNvPr>
+              <p:cNvPicPr/>
+              <p:nvPr/>
+            </p:nvPicPr>
+            <p:blipFill>
+              <a:blip r:embed="rId52"/>
+              <a:stretch>
+                <a:fillRect/>
+              </a:stretch>
+            </p:blipFill>
+            <p:spPr>
+              <a:xfrm>
+                <a:off x="1768638" y="4283068"/>
+                <a:ext cx="266760" cy="216360"/>
+              </a:xfrm>
+              <a:prstGeom prst="rect">
+                <a:avLst/>
+              </a:prstGeom>
+            </p:spPr>
+          </p:pic>
+        </mc:Fallback>
+      </mc:AlternateContent>
     </p:spTree>
     <p:extLst>
       <p:ext uri="{BB962C8B-B14F-4D97-AF65-F5344CB8AC3E}">
@@ -8916,9 +9702,9 @@
         <p:grpSpPr>
           <a:xfrm>
             <a:off x="0" y="0"/>
-            <a:ext cx="12192000" cy="1266881"/>
+            <a:ext cx="12192000" cy="1245476"/>
             <a:chOff x="0" y="0"/>
-            <a:chExt cx="12192000" cy="1266881"/>
+            <a:chExt cx="12192000" cy="1245476"/>
           </a:xfrm>
         </p:grpSpPr>
         <p:sp>
@@ -9076,7 +9862,7 @@
           <p:spPr>
             <a:xfrm>
               <a:off x="0" y="21406"/>
-              <a:ext cx="12192000" cy="1245475"/>
+              <a:ext cx="12192000" cy="1224069"/>
             </a:xfrm>
             <a:prstGeom prst="rect">
               <a:avLst/>
@@ -9283,1525 +10069,46 @@
                   <a:ea typeface="Inter" panose="020B0502030000000004" pitchFamily="34" charset="0"/>
                   <a:cs typeface="+mn-cs"/>
                 </a:rPr>
-                <a:t>Entity Relationship Diagram</a:t>
+                <a:t>Gantt Chart</a:t>
               </a:r>
             </a:p>
           </p:txBody>
         </p:sp>
       </p:grpSp>
-      <p:graphicFrame>
-        <p:nvGraphicFramePr>
-          <p:cNvPr id="2" name="Table 1">
+      <p:pic>
+        <p:nvPicPr>
+          <p:cNvPr id="3" name="Picture 2">
             <a:extLst>
               <a:ext uri="{FF2B5EF4-FFF2-40B4-BE49-F238E27FC236}">
-                <a16:creationId xmlns:a16="http://schemas.microsoft.com/office/drawing/2014/main" id="{99EAAF6F-399F-86D8-E5D7-65AA2798F1C6}"/>
+                <a16:creationId xmlns:a16="http://schemas.microsoft.com/office/drawing/2014/main" id="{271965D4-1C48-3FA7-D98E-9BBBD1D9BDDF}"/>
               </a:ext>
             </a:extLst>
           </p:cNvPr>
-          <p:cNvGraphicFramePr>
-            <a:graphicFrameLocks noGrp="1"/>
-          </p:cNvGraphicFramePr>
-          <p:nvPr>
-            <p:extLst>
-              <p:ext uri="{D42A27DB-BD31-4B8C-83A1-F6EECF244321}">
-                <p14:modId xmlns:p14="http://schemas.microsoft.com/office/powerpoint/2010/main" val="3727605723"/>
-              </p:ext>
-            </p:extLst>
-          </p:nvPr>
-        </p:nvGraphicFramePr>
-        <p:xfrm>
-          <a:off x="442131" y="1721143"/>
-          <a:ext cx="3315418" cy="4820920"/>
-        </p:xfrm>
-        <a:graphic>
-          <a:graphicData uri="http://schemas.openxmlformats.org/drawingml/2006/table">
-            <a:tbl>
-              <a:tblPr firstRow="1" bandRow="1">
-                <a:tableStyleId>{5C22544A-7EE6-4342-B048-85BDC9FD1C3A}</a:tableStyleId>
-              </a:tblPr>
-              <a:tblGrid>
-                <a:gridCol w="1657709">
-                  <a:extLst>
-                    <a:ext uri="{9D8B030D-6E8A-4147-A177-3AD203B41FA5}">
-                      <a16:colId xmlns:a16="http://schemas.microsoft.com/office/drawing/2014/main" val="2575702891"/>
-                    </a:ext>
-                  </a:extLst>
-                </a:gridCol>
-                <a:gridCol w="1657709">
-                  <a:extLst>
-                    <a:ext uri="{9D8B030D-6E8A-4147-A177-3AD203B41FA5}">
-                      <a16:colId xmlns:a16="http://schemas.microsoft.com/office/drawing/2014/main" val="3419242887"/>
-                    </a:ext>
-                  </a:extLst>
-                </a:gridCol>
-              </a:tblGrid>
-              <a:tr h="370840">
-                <a:tc gridSpan="2">
-                  <a:txBody>
-                    <a:bodyPr/>
-                    <a:lstStyle/>
-                    <a:p>
-                      <a:pPr algn="ctr"/>
-                      <a:r>
-                        <a:rPr lang="en-US" dirty="0">
-                          <a:solidFill>
-                            <a:srgbClr val="0F3874"/>
-                          </a:solidFill>
-                        </a:rPr>
-                        <a:t>User</a:t>
-                      </a:r>
-                    </a:p>
-                  </a:txBody>
-                  <a:tcPr>
-                    <a:solidFill>
-                      <a:srgbClr val="E7EAED"/>
-                    </a:solidFill>
-                  </a:tcPr>
-                </a:tc>
-                <a:tc hMerge="1">
-                  <a:txBody>
-                    <a:bodyPr/>
-                    <a:lstStyle/>
-                    <a:p>
-                      <a:endParaRPr lang="en-US" dirty="0"/>
-                    </a:p>
-                  </a:txBody>
-                  <a:tcPr>
-                    <a:solidFill>
-                      <a:srgbClr val="E7EAED"/>
-                    </a:solidFill>
-                  </a:tcPr>
-                </a:tc>
-                <a:extLst>
-                  <a:ext uri="{0D108BD9-81ED-4DB2-BD59-A6C34878D82A}">
-                    <a16:rowId xmlns:a16="http://schemas.microsoft.com/office/drawing/2014/main" val="1748889807"/>
-                  </a:ext>
-                </a:extLst>
-              </a:tr>
-              <a:tr h="370840">
-                <a:tc>
-                  <a:txBody>
-                    <a:bodyPr/>
-                    <a:lstStyle/>
-                    <a:p>
-                      <a:r>
-                        <a:rPr lang="en-US" dirty="0">
-                          <a:solidFill>
-                            <a:srgbClr val="0F3874"/>
-                          </a:solidFill>
-                        </a:rPr>
-                        <a:t>ID</a:t>
-                      </a:r>
-                    </a:p>
-                  </a:txBody>
-                  <a:tcPr/>
-                </a:tc>
-                <a:tc>
-                  <a:txBody>
-                    <a:bodyPr/>
-                    <a:lstStyle/>
-                    <a:p>
-                      <a:r>
-                        <a:rPr lang="en-US" dirty="0">
-                          <a:solidFill>
-                            <a:srgbClr val="0F3874"/>
-                          </a:solidFill>
-                        </a:rPr>
-                        <a:t>Int</a:t>
-                      </a:r>
-                    </a:p>
-                  </a:txBody>
-                  <a:tcPr/>
-                </a:tc>
-                <a:extLst>
-                  <a:ext uri="{0D108BD9-81ED-4DB2-BD59-A6C34878D82A}">
-                    <a16:rowId xmlns:a16="http://schemas.microsoft.com/office/drawing/2014/main" val="438155033"/>
-                  </a:ext>
-                </a:extLst>
-              </a:tr>
-              <a:tr h="370840">
-                <a:tc>
-                  <a:txBody>
-                    <a:bodyPr/>
-                    <a:lstStyle/>
-                    <a:p>
-                      <a:r>
-                        <a:rPr lang="en-US" dirty="0">
-                          <a:solidFill>
-                            <a:srgbClr val="0F3874"/>
-                          </a:solidFill>
-                        </a:rPr>
-                        <a:t>FirstName</a:t>
-                      </a:r>
-                    </a:p>
-                  </a:txBody>
-                  <a:tcPr/>
-                </a:tc>
-                <a:tc>
-                  <a:txBody>
-                    <a:bodyPr/>
-                    <a:lstStyle/>
-                    <a:p>
-                      <a:r>
-                        <a:rPr lang="en-US" dirty="0">
-                          <a:solidFill>
-                            <a:srgbClr val="0F3874"/>
-                          </a:solidFill>
-                        </a:rPr>
-                        <a:t>VarChar</a:t>
-                      </a:r>
-                    </a:p>
-                  </a:txBody>
-                  <a:tcPr/>
-                </a:tc>
-                <a:extLst>
-                  <a:ext uri="{0D108BD9-81ED-4DB2-BD59-A6C34878D82A}">
-                    <a16:rowId xmlns:a16="http://schemas.microsoft.com/office/drawing/2014/main" val="2441643462"/>
-                  </a:ext>
-                </a:extLst>
-              </a:tr>
-              <a:tr h="370840">
-                <a:tc>
-                  <a:txBody>
-                    <a:bodyPr/>
-                    <a:lstStyle/>
-                    <a:p>
-                      <a:r>
-                        <a:rPr lang="en-US" dirty="0">
-                          <a:solidFill>
-                            <a:srgbClr val="0F3874"/>
-                          </a:solidFill>
-                        </a:rPr>
-                        <a:t>LastName</a:t>
-                      </a:r>
-                    </a:p>
-                  </a:txBody>
-                  <a:tcPr/>
-                </a:tc>
-                <a:tc>
-                  <a:txBody>
-                    <a:bodyPr/>
-                    <a:lstStyle/>
-                    <a:p>
-                      <a:r>
-                        <a:rPr lang="en-US" dirty="0">
-                          <a:solidFill>
-                            <a:srgbClr val="0F3874"/>
-                          </a:solidFill>
-                        </a:rPr>
-                        <a:t>VarChar</a:t>
-                      </a:r>
-                    </a:p>
-                  </a:txBody>
-                  <a:tcPr/>
-                </a:tc>
-                <a:extLst>
-                  <a:ext uri="{0D108BD9-81ED-4DB2-BD59-A6C34878D82A}">
-                    <a16:rowId xmlns:a16="http://schemas.microsoft.com/office/drawing/2014/main" val="2216924842"/>
-                  </a:ext>
-                </a:extLst>
-              </a:tr>
-              <a:tr h="370840">
-                <a:tc>
-                  <a:txBody>
-                    <a:bodyPr/>
-                    <a:lstStyle/>
-                    <a:p>
-                      <a:r>
-                        <a:rPr lang="en-US" dirty="0">
-                          <a:solidFill>
-                            <a:srgbClr val="0F3874"/>
-                          </a:solidFill>
-                        </a:rPr>
-                        <a:t>Email</a:t>
-                      </a:r>
-                    </a:p>
-                  </a:txBody>
-                  <a:tcPr/>
-                </a:tc>
-                <a:tc>
-                  <a:txBody>
-                    <a:bodyPr/>
-                    <a:lstStyle/>
-                    <a:p>
-                      <a:r>
-                        <a:rPr lang="en-US" dirty="0">
-                          <a:solidFill>
-                            <a:srgbClr val="0F3874"/>
-                          </a:solidFill>
-                        </a:rPr>
-                        <a:t>VarChar</a:t>
-                      </a:r>
-                    </a:p>
-                  </a:txBody>
-                  <a:tcPr/>
-                </a:tc>
-                <a:extLst>
-                  <a:ext uri="{0D108BD9-81ED-4DB2-BD59-A6C34878D82A}">
-                    <a16:rowId xmlns:a16="http://schemas.microsoft.com/office/drawing/2014/main" val="3726972817"/>
-                  </a:ext>
-                </a:extLst>
-              </a:tr>
-              <a:tr h="370840">
-                <a:tc>
-                  <a:txBody>
-                    <a:bodyPr/>
-                    <a:lstStyle/>
-                    <a:p>
-                      <a:r>
-                        <a:rPr lang="en-US" dirty="0">
-                          <a:solidFill>
-                            <a:srgbClr val="0F3874"/>
-                          </a:solidFill>
-                        </a:rPr>
-                        <a:t>Password</a:t>
-                      </a:r>
-                    </a:p>
-                  </a:txBody>
-                  <a:tcPr/>
-                </a:tc>
-                <a:tc>
-                  <a:txBody>
-                    <a:bodyPr/>
-                    <a:lstStyle/>
-                    <a:p>
-                      <a:r>
-                        <a:rPr lang="en-US" dirty="0">
-                          <a:solidFill>
-                            <a:srgbClr val="0F3874"/>
-                          </a:solidFill>
-                        </a:rPr>
-                        <a:t>VarChar</a:t>
-                      </a:r>
-                    </a:p>
-                  </a:txBody>
-                  <a:tcPr/>
-                </a:tc>
-                <a:extLst>
-                  <a:ext uri="{0D108BD9-81ED-4DB2-BD59-A6C34878D82A}">
-                    <a16:rowId xmlns:a16="http://schemas.microsoft.com/office/drawing/2014/main" val="1016691113"/>
-                  </a:ext>
-                </a:extLst>
-              </a:tr>
-              <a:tr h="370840">
-                <a:tc>
-                  <a:txBody>
-                    <a:bodyPr/>
-                    <a:lstStyle/>
-                    <a:p>
-                      <a:r>
-                        <a:rPr lang="en-US" dirty="0">
-                          <a:solidFill>
-                            <a:srgbClr val="0F3874"/>
-                          </a:solidFill>
-                        </a:rPr>
-                        <a:t>Age</a:t>
-                      </a:r>
-                    </a:p>
-                  </a:txBody>
-                  <a:tcPr/>
-                </a:tc>
-                <a:tc>
-                  <a:txBody>
-                    <a:bodyPr/>
-                    <a:lstStyle/>
-                    <a:p>
-                      <a:r>
-                        <a:rPr lang="en-US" dirty="0">
-                          <a:solidFill>
-                            <a:srgbClr val="0F3874"/>
-                          </a:solidFill>
-                        </a:rPr>
-                        <a:t>Int</a:t>
-                      </a:r>
-                    </a:p>
-                  </a:txBody>
-                  <a:tcPr/>
-                </a:tc>
-                <a:extLst>
-                  <a:ext uri="{0D108BD9-81ED-4DB2-BD59-A6C34878D82A}">
-                    <a16:rowId xmlns:a16="http://schemas.microsoft.com/office/drawing/2014/main" val="3745544634"/>
-                  </a:ext>
-                </a:extLst>
-              </a:tr>
-              <a:tr h="370840">
-                <a:tc>
-                  <a:txBody>
-                    <a:bodyPr/>
-                    <a:lstStyle/>
-                    <a:p>
-                      <a:r>
-                        <a:rPr lang="en-US" dirty="0">
-                          <a:solidFill>
-                            <a:srgbClr val="0F3874"/>
-                          </a:solidFill>
-                        </a:rPr>
-                        <a:t>Weight</a:t>
-                      </a:r>
-                    </a:p>
-                  </a:txBody>
-                  <a:tcPr/>
-                </a:tc>
-                <a:tc>
-                  <a:txBody>
-                    <a:bodyPr/>
-                    <a:lstStyle/>
-                    <a:p>
-                      <a:r>
-                        <a:rPr lang="en-US" dirty="0">
-                          <a:solidFill>
-                            <a:srgbClr val="0F3874"/>
-                          </a:solidFill>
-                        </a:rPr>
-                        <a:t>Int</a:t>
-                      </a:r>
-                    </a:p>
-                  </a:txBody>
-                  <a:tcPr/>
-                </a:tc>
-                <a:extLst>
-                  <a:ext uri="{0D108BD9-81ED-4DB2-BD59-A6C34878D82A}">
-                    <a16:rowId xmlns:a16="http://schemas.microsoft.com/office/drawing/2014/main" val="110469016"/>
-                  </a:ext>
-                </a:extLst>
-              </a:tr>
-              <a:tr h="370840">
-                <a:tc>
-                  <a:txBody>
-                    <a:bodyPr/>
-                    <a:lstStyle/>
-                    <a:p>
-                      <a:r>
-                        <a:rPr lang="en-US" dirty="0">
-                          <a:solidFill>
-                            <a:srgbClr val="0F3874"/>
-                          </a:solidFill>
-                        </a:rPr>
-                        <a:t>Sex</a:t>
-                      </a:r>
-                    </a:p>
-                  </a:txBody>
-                  <a:tcPr/>
-                </a:tc>
-                <a:tc>
-                  <a:txBody>
-                    <a:bodyPr/>
-                    <a:lstStyle/>
-                    <a:p>
-                      <a:r>
-                        <a:rPr lang="en-US" dirty="0">
-                          <a:solidFill>
-                            <a:srgbClr val="0F3874"/>
-                          </a:solidFill>
-                        </a:rPr>
-                        <a:t>VarChar</a:t>
-                      </a:r>
-                    </a:p>
-                  </a:txBody>
-                  <a:tcPr/>
-                </a:tc>
-                <a:extLst>
-                  <a:ext uri="{0D108BD9-81ED-4DB2-BD59-A6C34878D82A}">
-                    <a16:rowId xmlns:a16="http://schemas.microsoft.com/office/drawing/2014/main" val="3762331384"/>
-                  </a:ext>
-                </a:extLst>
-              </a:tr>
-              <a:tr h="370840">
-                <a:tc>
-                  <a:txBody>
-                    <a:bodyPr/>
-                    <a:lstStyle/>
-                    <a:p>
-                      <a:r>
-                        <a:rPr lang="en-US" dirty="0">
-                          <a:solidFill>
-                            <a:srgbClr val="0F3874"/>
-                          </a:solidFill>
-                        </a:rPr>
-                        <a:t>Height_Feet</a:t>
-                      </a:r>
-                    </a:p>
-                  </a:txBody>
-                  <a:tcPr/>
-                </a:tc>
-                <a:tc>
-                  <a:txBody>
-                    <a:bodyPr/>
-                    <a:lstStyle/>
-                    <a:p>
-                      <a:r>
-                        <a:rPr lang="en-US" dirty="0">
-                          <a:solidFill>
-                            <a:srgbClr val="0F3874"/>
-                          </a:solidFill>
-                        </a:rPr>
-                        <a:t>Int</a:t>
-                      </a:r>
-                    </a:p>
-                  </a:txBody>
-                  <a:tcPr/>
-                </a:tc>
-                <a:extLst>
-                  <a:ext uri="{0D108BD9-81ED-4DB2-BD59-A6C34878D82A}">
-                    <a16:rowId xmlns:a16="http://schemas.microsoft.com/office/drawing/2014/main" val="2151925983"/>
-                  </a:ext>
-                </a:extLst>
-              </a:tr>
-              <a:tr h="370840">
-                <a:tc>
-                  <a:txBody>
-                    <a:bodyPr/>
-                    <a:lstStyle/>
-                    <a:p>
-                      <a:r>
-                        <a:rPr lang="en-US" dirty="0">
-                          <a:solidFill>
-                            <a:srgbClr val="0F3874"/>
-                          </a:solidFill>
-                        </a:rPr>
-                        <a:t>Height_Inches</a:t>
-                      </a:r>
-                    </a:p>
-                  </a:txBody>
-                  <a:tcPr/>
-                </a:tc>
-                <a:tc>
-                  <a:txBody>
-                    <a:bodyPr/>
-                    <a:lstStyle/>
-                    <a:p>
-                      <a:r>
-                        <a:rPr lang="en-US" dirty="0">
-                          <a:solidFill>
-                            <a:srgbClr val="0F3874"/>
-                          </a:solidFill>
-                        </a:rPr>
-                        <a:t>Int</a:t>
-                      </a:r>
-                    </a:p>
-                  </a:txBody>
-                  <a:tcPr/>
-                </a:tc>
-                <a:extLst>
-                  <a:ext uri="{0D108BD9-81ED-4DB2-BD59-A6C34878D82A}">
-                    <a16:rowId xmlns:a16="http://schemas.microsoft.com/office/drawing/2014/main" val="2381821828"/>
-                  </a:ext>
-                </a:extLst>
-              </a:tr>
-              <a:tr h="370840">
-                <a:tc>
-                  <a:txBody>
-                    <a:bodyPr/>
-                    <a:lstStyle/>
-                    <a:p>
-                      <a:r>
-                        <a:rPr lang="en-US" dirty="0">
-                          <a:solidFill>
-                            <a:srgbClr val="0F3874"/>
-                          </a:solidFill>
-                        </a:rPr>
-                        <a:t>Activity_Level</a:t>
-                      </a:r>
-                    </a:p>
-                  </a:txBody>
-                  <a:tcPr/>
-                </a:tc>
-                <a:tc>
-                  <a:txBody>
-                    <a:bodyPr/>
-                    <a:lstStyle/>
-                    <a:p>
-                      <a:r>
-                        <a:rPr lang="en-US" dirty="0">
-                          <a:solidFill>
-                            <a:srgbClr val="0F3874"/>
-                          </a:solidFill>
-                        </a:rPr>
-                        <a:t>VarChar</a:t>
-                      </a:r>
-                    </a:p>
-                  </a:txBody>
-                  <a:tcPr/>
-                </a:tc>
-                <a:extLst>
-                  <a:ext uri="{0D108BD9-81ED-4DB2-BD59-A6C34878D82A}">
-                    <a16:rowId xmlns:a16="http://schemas.microsoft.com/office/drawing/2014/main" val="660646652"/>
-                  </a:ext>
-                </a:extLst>
-              </a:tr>
-              <a:tr h="370840">
-                <a:tc>
-                  <a:txBody>
-                    <a:bodyPr/>
-                    <a:lstStyle/>
-                    <a:p>
-                      <a:r>
-                        <a:rPr lang="en-US" dirty="0">
-                          <a:solidFill>
-                            <a:srgbClr val="0F3874"/>
-                          </a:solidFill>
-                        </a:rPr>
-                        <a:t>Weight_Goal</a:t>
-                      </a:r>
-                    </a:p>
-                  </a:txBody>
-                  <a:tcPr/>
-                </a:tc>
-                <a:tc>
-                  <a:txBody>
-                    <a:bodyPr/>
-                    <a:lstStyle/>
-                    <a:p>
-                      <a:r>
-                        <a:rPr lang="en-US" dirty="0">
-                          <a:solidFill>
-                            <a:srgbClr val="0F3874"/>
-                          </a:solidFill>
-                        </a:rPr>
-                        <a:t>VarChar</a:t>
-                      </a:r>
-                    </a:p>
-                  </a:txBody>
-                  <a:tcPr/>
-                </a:tc>
-                <a:extLst>
-                  <a:ext uri="{0D108BD9-81ED-4DB2-BD59-A6C34878D82A}">
-                    <a16:rowId xmlns:a16="http://schemas.microsoft.com/office/drawing/2014/main" val="2532892024"/>
-                  </a:ext>
-                </a:extLst>
-              </a:tr>
-            </a:tbl>
-          </a:graphicData>
-        </a:graphic>
-      </p:graphicFrame>
-      <p:graphicFrame>
-        <p:nvGraphicFramePr>
-          <p:cNvPr id="3" name="Table 2">
-            <a:extLst>
-              <a:ext uri="{FF2B5EF4-FFF2-40B4-BE49-F238E27FC236}">
-                <a16:creationId xmlns:a16="http://schemas.microsoft.com/office/drawing/2014/main" id="{36B19B70-CE81-9E23-DA87-8046804A3053}"/>
-              </a:ext>
-            </a:extLst>
-          </p:cNvPr>
-          <p:cNvGraphicFramePr>
-            <a:graphicFrameLocks noGrp="1"/>
-          </p:cNvGraphicFramePr>
-          <p:nvPr>
-            <p:extLst>
-              <p:ext uri="{D42A27DB-BD31-4B8C-83A1-F6EECF244321}">
-                <p14:modId xmlns:p14="http://schemas.microsoft.com/office/powerpoint/2010/main" val="3990257921"/>
-              </p:ext>
-            </p:extLst>
-          </p:nvPr>
-        </p:nvGraphicFramePr>
-        <p:xfrm>
-          <a:off x="4666762" y="1721143"/>
-          <a:ext cx="2858476" cy="741680"/>
-        </p:xfrm>
-        <a:graphic>
-          <a:graphicData uri="http://schemas.openxmlformats.org/drawingml/2006/table">
-            <a:tbl>
-              <a:tblPr firstRow="1" bandRow="1">
-                <a:tableStyleId>{5C22544A-7EE6-4342-B048-85BDC9FD1C3A}</a:tableStyleId>
-              </a:tblPr>
-              <a:tblGrid>
-                <a:gridCol w="1429238">
-                  <a:extLst>
-                    <a:ext uri="{9D8B030D-6E8A-4147-A177-3AD203B41FA5}">
-                      <a16:colId xmlns:a16="http://schemas.microsoft.com/office/drawing/2014/main" val="2575702891"/>
-                    </a:ext>
-                  </a:extLst>
-                </a:gridCol>
-                <a:gridCol w="1429238">
-                  <a:extLst>
-                    <a:ext uri="{9D8B030D-6E8A-4147-A177-3AD203B41FA5}">
-                      <a16:colId xmlns:a16="http://schemas.microsoft.com/office/drawing/2014/main" val="3419242887"/>
-                    </a:ext>
-                  </a:extLst>
-                </a:gridCol>
-              </a:tblGrid>
-              <a:tr h="370840">
-                <a:tc gridSpan="2">
-                  <a:txBody>
-                    <a:bodyPr/>
-                    <a:lstStyle/>
-                    <a:p>
-                      <a:pPr algn="ctr"/>
-                      <a:r>
-                        <a:rPr lang="en-US" dirty="0">
-                          <a:solidFill>
-                            <a:srgbClr val="0F3874"/>
-                          </a:solidFill>
-                        </a:rPr>
-                        <a:t>Food</a:t>
-                      </a:r>
-                    </a:p>
-                  </a:txBody>
-                  <a:tcPr>
-                    <a:solidFill>
-                      <a:srgbClr val="E7EAED"/>
-                    </a:solidFill>
-                  </a:tcPr>
-                </a:tc>
-                <a:tc hMerge="1">
-                  <a:txBody>
-                    <a:bodyPr/>
-                    <a:lstStyle/>
-                    <a:p>
-                      <a:endParaRPr lang="en-US" dirty="0"/>
-                    </a:p>
-                  </a:txBody>
-                  <a:tcPr>
-                    <a:solidFill>
-                      <a:srgbClr val="E7EAED"/>
-                    </a:solidFill>
-                  </a:tcPr>
-                </a:tc>
-                <a:extLst>
-                  <a:ext uri="{0D108BD9-81ED-4DB2-BD59-A6C34878D82A}">
-                    <a16:rowId xmlns:a16="http://schemas.microsoft.com/office/drawing/2014/main" val="1748889807"/>
-                  </a:ext>
-                </a:extLst>
-              </a:tr>
-              <a:tr h="370840">
-                <a:tc>
-                  <a:txBody>
-                    <a:bodyPr/>
-                    <a:lstStyle/>
-                    <a:p>
-                      <a:r>
-                        <a:rPr lang="en-US" dirty="0">
-                          <a:solidFill>
-                            <a:srgbClr val="0F3874"/>
-                          </a:solidFill>
-                        </a:rPr>
-                        <a:t>Food_Name</a:t>
-                      </a:r>
-                    </a:p>
-                  </a:txBody>
-                  <a:tcPr/>
-                </a:tc>
-                <a:tc>
-                  <a:txBody>
-                    <a:bodyPr/>
-                    <a:lstStyle/>
-                    <a:p>
-                      <a:r>
-                        <a:rPr lang="en-US" dirty="0">
-                          <a:solidFill>
-                            <a:srgbClr val="0F3874"/>
-                          </a:solidFill>
-                        </a:rPr>
-                        <a:t>VarChar</a:t>
-                      </a:r>
-                    </a:p>
-                  </a:txBody>
-                  <a:tcPr/>
-                </a:tc>
-                <a:extLst>
-                  <a:ext uri="{0D108BD9-81ED-4DB2-BD59-A6C34878D82A}">
-                    <a16:rowId xmlns:a16="http://schemas.microsoft.com/office/drawing/2014/main" val="438155033"/>
-                  </a:ext>
-                </a:extLst>
-              </a:tr>
-            </a:tbl>
-          </a:graphicData>
-        </a:graphic>
-      </p:graphicFrame>
-      <p:graphicFrame>
-        <p:nvGraphicFramePr>
-          <p:cNvPr id="8" name="Table 7">
-            <a:extLst>
-              <a:ext uri="{FF2B5EF4-FFF2-40B4-BE49-F238E27FC236}">
-                <a16:creationId xmlns:a16="http://schemas.microsoft.com/office/drawing/2014/main" id="{D74B1CE3-A0F5-E824-D98D-2A9F62BD1372}"/>
-              </a:ext>
-            </a:extLst>
-          </p:cNvPr>
-          <p:cNvGraphicFramePr>
-            <a:graphicFrameLocks noGrp="1"/>
-          </p:cNvGraphicFramePr>
-          <p:nvPr>
-            <p:extLst>
-              <p:ext uri="{D42A27DB-BD31-4B8C-83A1-F6EECF244321}">
-                <p14:modId xmlns:p14="http://schemas.microsoft.com/office/powerpoint/2010/main" val="150720765"/>
-              </p:ext>
-            </p:extLst>
-          </p:nvPr>
-        </p:nvGraphicFramePr>
-        <p:xfrm>
-          <a:off x="8428891" y="1721143"/>
-          <a:ext cx="3315418" cy="2225040"/>
-        </p:xfrm>
-        <a:graphic>
-          <a:graphicData uri="http://schemas.openxmlformats.org/drawingml/2006/table">
-            <a:tbl>
-              <a:tblPr firstRow="1" bandRow="1">
-                <a:tableStyleId>{5C22544A-7EE6-4342-B048-85BDC9FD1C3A}</a:tableStyleId>
-              </a:tblPr>
-              <a:tblGrid>
-                <a:gridCol w="1657709">
-                  <a:extLst>
-                    <a:ext uri="{9D8B030D-6E8A-4147-A177-3AD203B41FA5}">
-                      <a16:colId xmlns:a16="http://schemas.microsoft.com/office/drawing/2014/main" val="2575702891"/>
-                    </a:ext>
-                  </a:extLst>
-                </a:gridCol>
-                <a:gridCol w="1657709">
-                  <a:extLst>
-                    <a:ext uri="{9D8B030D-6E8A-4147-A177-3AD203B41FA5}">
-                      <a16:colId xmlns:a16="http://schemas.microsoft.com/office/drawing/2014/main" val="3419242887"/>
-                    </a:ext>
-                  </a:extLst>
-                </a:gridCol>
-              </a:tblGrid>
-              <a:tr h="370840">
-                <a:tc gridSpan="2">
-                  <a:txBody>
-                    <a:bodyPr/>
-                    <a:lstStyle/>
-                    <a:p>
-                      <a:pPr algn="ctr"/>
-                      <a:r>
-                        <a:rPr lang="en-US" dirty="0">
-                          <a:solidFill>
-                            <a:srgbClr val="0F3874"/>
-                          </a:solidFill>
-                        </a:rPr>
-                        <a:t>Food Info</a:t>
-                      </a:r>
-                    </a:p>
-                  </a:txBody>
-                  <a:tcPr>
-                    <a:solidFill>
-                      <a:srgbClr val="E7EAED"/>
-                    </a:solidFill>
-                  </a:tcPr>
-                </a:tc>
-                <a:tc hMerge="1">
-                  <a:txBody>
-                    <a:bodyPr/>
-                    <a:lstStyle/>
-                    <a:p>
-                      <a:endParaRPr lang="en-US" dirty="0"/>
-                    </a:p>
-                  </a:txBody>
-                  <a:tcPr>
-                    <a:solidFill>
-                      <a:srgbClr val="E7EAED"/>
-                    </a:solidFill>
-                  </a:tcPr>
-                </a:tc>
-                <a:extLst>
-                  <a:ext uri="{0D108BD9-81ED-4DB2-BD59-A6C34878D82A}">
-                    <a16:rowId xmlns:a16="http://schemas.microsoft.com/office/drawing/2014/main" val="1748889807"/>
-                  </a:ext>
-                </a:extLst>
-              </a:tr>
-              <a:tr h="370840">
-                <a:tc>
-                  <a:txBody>
-                    <a:bodyPr/>
-                    <a:lstStyle/>
-                    <a:p>
-                      <a:r>
-                        <a:rPr lang="en-US" dirty="0">
-                          <a:solidFill>
-                            <a:srgbClr val="0F3874"/>
-                          </a:solidFill>
-                        </a:rPr>
-                        <a:t>Food_Name</a:t>
-                      </a:r>
-                    </a:p>
-                  </a:txBody>
-                  <a:tcPr/>
-                </a:tc>
-                <a:tc>
-                  <a:txBody>
-                    <a:bodyPr/>
-                    <a:lstStyle/>
-                    <a:p>
-                      <a:r>
-                        <a:rPr lang="en-US" dirty="0">
-                          <a:solidFill>
-                            <a:srgbClr val="0F3874"/>
-                          </a:solidFill>
-                        </a:rPr>
-                        <a:t>VarChar</a:t>
-                      </a:r>
-                    </a:p>
-                  </a:txBody>
-                  <a:tcPr/>
-                </a:tc>
-                <a:extLst>
-                  <a:ext uri="{0D108BD9-81ED-4DB2-BD59-A6C34878D82A}">
-                    <a16:rowId xmlns:a16="http://schemas.microsoft.com/office/drawing/2014/main" val="438155033"/>
-                  </a:ext>
-                </a:extLst>
-              </a:tr>
-              <a:tr h="370840">
-                <a:tc>
-                  <a:txBody>
-                    <a:bodyPr/>
-                    <a:lstStyle/>
-                    <a:p>
-                      <a:r>
-                        <a:rPr lang="en-US" dirty="0">
-                          <a:solidFill>
-                            <a:srgbClr val="0F3874"/>
-                          </a:solidFill>
-                        </a:rPr>
-                        <a:t>Calorie_Count</a:t>
-                      </a:r>
-                    </a:p>
-                  </a:txBody>
-                  <a:tcPr/>
-                </a:tc>
-                <a:tc>
-                  <a:txBody>
-                    <a:bodyPr/>
-                    <a:lstStyle/>
-                    <a:p>
-                      <a:r>
-                        <a:rPr lang="en-US" dirty="0">
-                          <a:solidFill>
-                            <a:srgbClr val="0F3874"/>
-                          </a:solidFill>
-                        </a:rPr>
-                        <a:t>Int</a:t>
-                      </a:r>
-                    </a:p>
-                  </a:txBody>
-                  <a:tcPr/>
-                </a:tc>
-                <a:extLst>
-                  <a:ext uri="{0D108BD9-81ED-4DB2-BD59-A6C34878D82A}">
-                    <a16:rowId xmlns:a16="http://schemas.microsoft.com/office/drawing/2014/main" val="2441643462"/>
-                  </a:ext>
-                </a:extLst>
-              </a:tr>
-              <a:tr h="370840">
-                <a:tc>
-                  <a:txBody>
-                    <a:bodyPr/>
-                    <a:lstStyle/>
-                    <a:p>
-                      <a:r>
-                        <a:rPr lang="en-US" dirty="0">
-                          <a:solidFill>
-                            <a:srgbClr val="0F3874"/>
-                          </a:solidFill>
-                        </a:rPr>
-                        <a:t>Carb_Count</a:t>
-                      </a:r>
-                    </a:p>
-                  </a:txBody>
-                  <a:tcPr/>
-                </a:tc>
-                <a:tc>
-                  <a:txBody>
-                    <a:bodyPr/>
-                    <a:lstStyle/>
-                    <a:p>
-                      <a:r>
-                        <a:rPr lang="en-US" dirty="0">
-                          <a:solidFill>
-                            <a:srgbClr val="0F3874"/>
-                          </a:solidFill>
-                        </a:rPr>
-                        <a:t>Int</a:t>
-                      </a:r>
-                    </a:p>
-                  </a:txBody>
-                  <a:tcPr/>
-                </a:tc>
-                <a:extLst>
-                  <a:ext uri="{0D108BD9-81ED-4DB2-BD59-A6C34878D82A}">
-                    <a16:rowId xmlns:a16="http://schemas.microsoft.com/office/drawing/2014/main" val="2216924842"/>
-                  </a:ext>
-                </a:extLst>
-              </a:tr>
-              <a:tr h="370840">
-                <a:tc>
-                  <a:txBody>
-                    <a:bodyPr/>
-                    <a:lstStyle/>
-                    <a:p>
-                      <a:r>
-                        <a:rPr lang="en-US" dirty="0" err="1">
-                          <a:solidFill>
-                            <a:srgbClr val="0F3874"/>
-                          </a:solidFill>
-                        </a:rPr>
-                        <a:t>Protein_Count</a:t>
-                      </a:r>
-                      <a:endParaRPr lang="en-US" dirty="0">
-                        <a:solidFill>
-                          <a:srgbClr val="0F3874"/>
-                        </a:solidFill>
-                      </a:endParaRPr>
-                    </a:p>
-                  </a:txBody>
-                  <a:tcPr/>
-                </a:tc>
-                <a:tc>
-                  <a:txBody>
-                    <a:bodyPr/>
-                    <a:lstStyle/>
-                    <a:p>
-                      <a:r>
-                        <a:rPr lang="en-US" dirty="0">
-                          <a:solidFill>
-                            <a:srgbClr val="0F3874"/>
-                          </a:solidFill>
-                        </a:rPr>
-                        <a:t>Int</a:t>
-                      </a:r>
-                    </a:p>
-                  </a:txBody>
-                  <a:tcPr/>
-                </a:tc>
-                <a:extLst>
-                  <a:ext uri="{0D108BD9-81ED-4DB2-BD59-A6C34878D82A}">
-                    <a16:rowId xmlns:a16="http://schemas.microsoft.com/office/drawing/2014/main" val="3726972817"/>
-                  </a:ext>
-                </a:extLst>
-              </a:tr>
-              <a:tr h="370840">
-                <a:tc>
-                  <a:txBody>
-                    <a:bodyPr/>
-                    <a:lstStyle/>
-                    <a:p>
-                      <a:r>
-                        <a:rPr lang="en-US" dirty="0" err="1">
-                          <a:solidFill>
-                            <a:srgbClr val="0F3874"/>
-                          </a:solidFill>
-                        </a:rPr>
-                        <a:t>Fats_Count</a:t>
-                      </a:r>
-                      <a:endParaRPr lang="en-US" dirty="0">
-                        <a:solidFill>
-                          <a:srgbClr val="0F3874"/>
-                        </a:solidFill>
-                      </a:endParaRPr>
-                    </a:p>
-                  </a:txBody>
-                  <a:tcPr/>
-                </a:tc>
-                <a:tc>
-                  <a:txBody>
-                    <a:bodyPr/>
-                    <a:lstStyle/>
-                    <a:p>
-                      <a:r>
-                        <a:rPr lang="en-US" dirty="0">
-                          <a:solidFill>
-                            <a:srgbClr val="0F3874"/>
-                          </a:solidFill>
-                        </a:rPr>
-                        <a:t>Int</a:t>
-                      </a:r>
-                    </a:p>
-                  </a:txBody>
-                  <a:tcPr/>
-                </a:tc>
-                <a:extLst>
-                  <a:ext uri="{0D108BD9-81ED-4DB2-BD59-A6C34878D82A}">
-                    <a16:rowId xmlns:a16="http://schemas.microsoft.com/office/drawing/2014/main" val="1016691113"/>
-                  </a:ext>
-                </a:extLst>
-              </a:tr>
-            </a:tbl>
-          </a:graphicData>
-        </a:graphic>
-      </p:graphicFrame>
-      <p:grpSp>
-        <p:nvGrpSpPr>
-          <p:cNvPr id="34" name="Group 33">
-            <a:extLst>
-              <a:ext uri="{FF2B5EF4-FFF2-40B4-BE49-F238E27FC236}">
-                <a16:creationId xmlns:a16="http://schemas.microsoft.com/office/drawing/2014/main" id="{B9095A33-F278-330C-44CB-A1C9A5EB23E0}"/>
-              </a:ext>
-            </a:extLst>
-          </p:cNvPr>
-          <p:cNvGrpSpPr/>
+          <p:cNvPicPr>
+            <a:picLocks noChangeAspect="1"/>
+          </p:cNvPicPr>
           <p:nvPr/>
-        </p:nvGrpSpPr>
-        <p:grpSpPr>
+        </p:nvPicPr>
+        <p:blipFill>
+          <a:blip r:embed="rId4"/>
+          <a:stretch>
+            <a:fillRect/>
+          </a:stretch>
+        </p:blipFill>
+        <p:spPr>
           <a:xfrm>
-            <a:off x="3772632" y="1827923"/>
-            <a:ext cx="888031" cy="152589"/>
-            <a:chOff x="3772632" y="1789823"/>
-            <a:chExt cx="888031" cy="152589"/>
+            <a:off x="0" y="2050742"/>
+            <a:ext cx="12192000" cy="2756515"/>
           </a:xfrm>
-        </p:grpSpPr>
-        <p:cxnSp>
-          <p:nvCxnSpPr>
-            <p:cNvPr id="11" name="Straight Connector 10">
-              <a:extLst>
-                <a:ext uri="{FF2B5EF4-FFF2-40B4-BE49-F238E27FC236}">
-                  <a16:creationId xmlns:a16="http://schemas.microsoft.com/office/drawing/2014/main" id="{EA030C68-3E07-F5C8-03E8-D05A9DC19CB8}"/>
-                </a:ext>
-              </a:extLst>
-            </p:cNvPr>
-            <p:cNvCxnSpPr>
-              <a:cxnSpLocks/>
-            </p:cNvCxnSpPr>
-            <p:nvPr/>
-          </p:nvCxnSpPr>
-          <p:spPr>
-            <a:xfrm flipV="1">
-              <a:off x="3772632" y="1866117"/>
-              <a:ext cx="888031" cy="1"/>
-            </a:xfrm>
-            <a:prstGeom prst="line">
-              <a:avLst/>
-            </a:prstGeom>
-          </p:spPr>
-          <p:style>
-            <a:lnRef idx="2">
-              <a:schemeClr val="accent1"/>
-            </a:lnRef>
-            <a:fillRef idx="0">
-              <a:schemeClr val="accent1"/>
-            </a:fillRef>
-            <a:effectRef idx="1">
-              <a:schemeClr val="accent1"/>
-            </a:effectRef>
-            <a:fontRef idx="minor">
-              <a:schemeClr val="tx1"/>
-            </a:fontRef>
-          </p:style>
-        </p:cxnSp>
-        <p:cxnSp>
-          <p:nvCxnSpPr>
-            <p:cNvPr id="20" name="Straight Connector 19">
-              <a:extLst>
-                <a:ext uri="{FF2B5EF4-FFF2-40B4-BE49-F238E27FC236}">
-                  <a16:creationId xmlns:a16="http://schemas.microsoft.com/office/drawing/2014/main" id="{981C33E4-C04E-46F3-F083-DE6999A6C0DB}"/>
-                </a:ext>
-              </a:extLst>
-            </p:cNvPr>
-            <p:cNvCxnSpPr>
-              <a:cxnSpLocks/>
-            </p:cNvCxnSpPr>
-            <p:nvPr/>
-          </p:nvCxnSpPr>
-          <p:spPr>
-            <a:xfrm>
-              <a:off x="4519797" y="1866117"/>
-              <a:ext cx="138485" cy="42749"/>
-            </a:xfrm>
-            <a:prstGeom prst="line">
-              <a:avLst/>
-            </a:prstGeom>
-          </p:spPr>
-          <p:style>
-            <a:lnRef idx="2">
-              <a:schemeClr val="accent1"/>
-            </a:lnRef>
-            <a:fillRef idx="0">
-              <a:schemeClr val="accent1"/>
-            </a:fillRef>
-            <a:effectRef idx="1">
-              <a:schemeClr val="accent1"/>
-            </a:effectRef>
-            <a:fontRef idx="minor">
-              <a:schemeClr val="tx1"/>
-            </a:fontRef>
-          </p:style>
-        </p:cxnSp>
-        <p:cxnSp>
-          <p:nvCxnSpPr>
-            <p:cNvPr id="25" name="Straight Connector 24">
-              <a:extLst>
-                <a:ext uri="{FF2B5EF4-FFF2-40B4-BE49-F238E27FC236}">
-                  <a16:creationId xmlns:a16="http://schemas.microsoft.com/office/drawing/2014/main" id="{6DF16B04-EEDE-8695-F434-FBE692672036}"/>
-                </a:ext>
-              </a:extLst>
-            </p:cNvPr>
-            <p:cNvCxnSpPr>
-              <a:cxnSpLocks/>
-            </p:cNvCxnSpPr>
-            <p:nvPr/>
-          </p:nvCxnSpPr>
-          <p:spPr>
-            <a:xfrm flipV="1">
-              <a:off x="3837048" y="1789823"/>
-              <a:ext cx="0" cy="152589"/>
-            </a:xfrm>
-            <a:prstGeom prst="line">
-              <a:avLst/>
-            </a:prstGeom>
-          </p:spPr>
-          <p:style>
-            <a:lnRef idx="2">
-              <a:schemeClr val="accent1"/>
-            </a:lnRef>
-            <a:fillRef idx="0">
-              <a:schemeClr val="accent1"/>
-            </a:fillRef>
-            <a:effectRef idx="1">
-              <a:schemeClr val="accent1"/>
-            </a:effectRef>
-            <a:fontRef idx="minor">
-              <a:schemeClr val="tx1"/>
-            </a:fontRef>
-          </p:style>
-        </p:cxnSp>
-        <p:cxnSp>
-          <p:nvCxnSpPr>
-            <p:cNvPr id="27" name="Straight Connector 26">
-              <a:extLst>
-                <a:ext uri="{FF2B5EF4-FFF2-40B4-BE49-F238E27FC236}">
-                  <a16:creationId xmlns:a16="http://schemas.microsoft.com/office/drawing/2014/main" id="{A64446F5-5318-AB78-9239-99FE060E88A9}"/>
-                </a:ext>
-              </a:extLst>
-            </p:cNvPr>
-            <p:cNvCxnSpPr>
-              <a:cxnSpLocks/>
-            </p:cNvCxnSpPr>
-            <p:nvPr/>
-          </p:nvCxnSpPr>
-          <p:spPr>
-            <a:xfrm flipV="1">
-              <a:off x="3887054" y="1789823"/>
-              <a:ext cx="0" cy="152589"/>
-            </a:xfrm>
-            <a:prstGeom prst="line">
-              <a:avLst/>
-            </a:prstGeom>
-          </p:spPr>
-          <p:style>
-            <a:lnRef idx="2">
-              <a:schemeClr val="accent1"/>
-            </a:lnRef>
-            <a:fillRef idx="0">
-              <a:schemeClr val="accent1"/>
-            </a:fillRef>
-            <a:effectRef idx="1">
-              <a:schemeClr val="accent1"/>
-            </a:effectRef>
-            <a:fontRef idx="minor">
-              <a:schemeClr val="tx1"/>
-            </a:fontRef>
-          </p:style>
-        </p:cxnSp>
-        <p:sp>
-          <p:nvSpPr>
-            <p:cNvPr id="28" name="Flowchart: Connector 27">
-              <a:extLst>
-                <a:ext uri="{FF2B5EF4-FFF2-40B4-BE49-F238E27FC236}">
-                  <a16:creationId xmlns:a16="http://schemas.microsoft.com/office/drawing/2014/main" id="{BFC9E430-FA43-0C46-140A-7CD44FE41C0C}"/>
-                </a:ext>
-              </a:extLst>
-            </p:cNvPr>
-            <p:cNvSpPr/>
-            <p:nvPr/>
-          </p:nvSpPr>
-          <p:spPr>
-            <a:xfrm>
-              <a:off x="4372317" y="1797536"/>
-              <a:ext cx="137160" cy="137160"/>
-            </a:xfrm>
-            <a:prstGeom prst="flowChartConnector">
-              <a:avLst/>
-            </a:prstGeom>
-            <a:ln>
-              <a:solidFill>
-                <a:srgbClr val="156082"/>
-              </a:solidFill>
-            </a:ln>
-          </p:spPr>
-          <p:style>
-            <a:lnRef idx="2">
-              <a:schemeClr val="accent1">
-                <a:shade val="15000"/>
-              </a:schemeClr>
-            </a:lnRef>
-            <a:fillRef idx="1">
-              <a:schemeClr val="accent1"/>
-            </a:fillRef>
-            <a:effectRef idx="0">
-              <a:schemeClr val="accent1"/>
-            </a:effectRef>
-            <a:fontRef idx="minor">
-              <a:schemeClr val="lt1"/>
-            </a:fontRef>
-          </p:style>
-          <p:txBody>
-            <a:bodyPr rtlCol="0" anchor="ctr"/>
-            <a:lstStyle/>
-            <a:p>
-              <a:pPr algn="ctr"/>
-              <a:endParaRPr lang="en-US" dirty="0">
-                <a:ln>
-                  <a:solidFill>
-                    <a:srgbClr val="0F3874"/>
-                  </a:solidFill>
-                </a:ln>
-                <a:solidFill>
-                  <a:srgbClr val="0F3874"/>
-                </a:solidFill>
-              </a:endParaRPr>
-            </a:p>
-          </p:txBody>
-        </p:sp>
-        <p:cxnSp>
-          <p:nvCxnSpPr>
-            <p:cNvPr id="31" name="Straight Connector 30">
-              <a:extLst>
-                <a:ext uri="{FF2B5EF4-FFF2-40B4-BE49-F238E27FC236}">
-                  <a16:creationId xmlns:a16="http://schemas.microsoft.com/office/drawing/2014/main" id="{34751190-FBD6-CFF9-0558-44B5A180B286}"/>
-                </a:ext>
-              </a:extLst>
-            </p:cNvPr>
-            <p:cNvCxnSpPr>
-              <a:cxnSpLocks/>
-            </p:cNvCxnSpPr>
-            <p:nvPr/>
-          </p:nvCxnSpPr>
-          <p:spPr>
-            <a:xfrm flipV="1">
-              <a:off x="4522178" y="1823369"/>
-              <a:ext cx="134264" cy="42747"/>
-            </a:xfrm>
-            <a:prstGeom prst="line">
-              <a:avLst/>
-            </a:prstGeom>
-          </p:spPr>
-          <p:style>
-            <a:lnRef idx="2">
-              <a:schemeClr val="accent1"/>
-            </a:lnRef>
-            <a:fillRef idx="0">
-              <a:schemeClr val="accent1"/>
-            </a:fillRef>
-            <a:effectRef idx="1">
-              <a:schemeClr val="accent1"/>
-            </a:effectRef>
-            <a:fontRef idx="minor">
-              <a:schemeClr val="tx1"/>
-            </a:fontRef>
-          </p:style>
-        </p:cxnSp>
-      </p:grpSp>
-      <p:grpSp>
-        <p:nvGrpSpPr>
-          <p:cNvPr id="35" name="Group 34">
-            <a:extLst>
-              <a:ext uri="{FF2B5EF4-FFF2-40B4-BE49-F238E27FC236}">
-                <a16:creationId xmlns:a16="http://schemas.microsoft.com/office/drawing/2014/main" id="{24188FFF-333B-F6EE-57ED-4489D8FCF002}"/>
-              </a:ext>
-            </a:extLst>
-          </p:cNvPr>
-          <p:cNvGrpSpPr/>
-          <p:nvPr/>
-        </p:nvGrpSpPr>
-        <p:grpSpPr>
-          <a:xfrm>
-            <a:off x="7533049" y="1820207"/>
-            <a:ext cx="888031" cy="152589"/>
-            <a:chOff x="3772632" y="1789823"/>
-            <a:chExt cx="888031" cy="152589"/>
-          </a:xfrm>
-        </p:grpSpPr>
-        <p:cxnSp>
-          <p:nvCxnSpPr>
-            <p:cNvPr id="36" name="Straight Connector 35">
-              <a:extLst>
-                <a:ext uri="{FF2B5EF4-FFF2-40B4-BE49-F238E27FC236}">
-                  <a16:creationId xmlns:a16="http://schemas.microsoft.com/office/drawing/2014/main" id="{29E77302-2097-14FA-6F4A-E2DFEAAC0736}"/>
-                </a:ext>
-              </a:extLst>
-            </p:cNvPr>
-            <p:cNvCxnSpPr>
-              <a:cxnSpLocks/>
-            </p:cNvCxnSpPr>
-            <p:nvPr/>
-          </p:nvCxnSpPr>
-          <p:spPr>
-            <a:xfrm flipV="1">
-              <a:off x="3772632" y="1866117"/>
-              <a:ext cx="888031" cy="1"/>
-            </a:xfrm>
-            <a:prstGeom prst="line">
-              <a:avLst/>
-            </a:prstGeom>
-          </p:spPr>
-          <p:style>
-            <a:lnRef idx="2">
-              <a:schemeClr val="accent1"/>
-            </a:lnRef>
-            <a:fillRef idx="0">
-              <a:schemeClr val="accent1"/>
-            </a:fillRef>
-            <a:effectRef idx="1">
-              <a:schemeClr val="accent1"/>
-            </a:effectRef>
-            <a:fontRef idx="minor">
-              <a:schemeClr val="tx1"/>
-            </a:fontRef>
-          </p:style>
-        </p:cxnSp>
-        <p:cxnSp>
-          <p:nvCxnSpPr>
-            <p:cNvPr id="38" name="Straight Connector 37">
-              <a:extLst>
-                <a:ext uri="{FF2B5EF4-FFF2-40B4-BE49-F238E27FC236}">
-                  <a16:creationId xmlns:a16="http://schemas.microsoft.com/office/drawing/2014/main" id="{8A1FD8FD-2796-19D1-9CB4-C5E88F9A34CE}"/>
-                </a:ext>
-              </a:extLst>
-            </p:cNvPr>
-            <p:cNvCxnSpPr>
-              <a:cxnSpLocks/>
-            </p:cNvCxnSpPr>
-            <p:nvPr/>
-          </p:nvCxnSpPr>
-          <p:spPr>
-            <a:xfrm flipV="1">
-              <a:off x="3837048" y="1789823"/>
-              <a:ext cx="0" cy="152589"/>
-            </a:xfrm>
-            <a:prstGeom prst="line">
-              <a:avLst/>
-            </a:prstGeom>
-          </p:spPr>
-          <p:style>
-            <a:lnRef idx="2">
-              <a:schemeClr val="accent1"/>
-            </a:lnRef>
-            <a:fillRef idx="0">
-              <a:schemeClr val="accent1"/>
-            </a:fillRef>
-            <a:effectRef idx="1">
-              <a:schemeClr val="accent1"/>
-            </a:effectRef>
-            <a:fontRef idx="minor">
-              <a:schemeClr val="tx1"/>
-            </a:fontRef>
-          </p:style>
-        </p:cxnSp>
-        <p:cxnSp>
-          <p:nvCxnSpPr>
-            <p:cNvPr id="39" name="Straight Connector 38">
-              <a:extLst>
-                <a:ext uri="{FF2B5EF4-FFF2-40B4-BE49-F238E27FC236}">
-                  <a16:creationId xmlns:a16="http://schemas.microsoft.com/office/drawing/2014/main" id="{54A928AD-C0D1-08CB-5823-81F79E6A0D65}"/>
-                </a:ext>
-              </a:extLst>
-            </p:cNvPr>
-            <p:cNvCxnSpPr>
-              <a:cxnSpLocks/>
-            </p:cNvCxnSpPr>
-            <p:nvPr/>
-          </p:nvCxnSpPr>
-          <p:spPr>
-            <a:xfrm flipV="1">
-              <a:off x="3887054" y="1789823"/>
-              <a:ext cx="0" cy="152589"/>
-            </a:xfrm>
-            <a:prstGeom prst="line">
-              <a:avLst/>
-            </a:prstGeom>
-          </p:spPr>
-          <p:style>
-            <a:lnRef idx="2">
-              <a:schemeClr val="accent1"/>
-            </a:lnRef>
-            <a:fillRef idx="0">
-              <a:schemeClr val="accent1"/>
-            </a:fillRef>
-            <a:effectRef idx="1">
-              <a:schemeClr val="accent1"/>
-            </a:effectRef>
-            <a:fontRef idx="minor">
-              <a:schemeClr val="tx1"/>
-            </a:fontRef>
-          </p:style>
-        </p:cxnSp>
-      </p:grpSp>
-      <p:cxnSp>
-        <p:nvCxnSpPr>
-          <p:cNvPr id="42" name="Straight Connector 41">
-            <a:extLst>
-              <a:ext uri="{FF2B5EF4-FFF2-40B4-BE49-F238E27FC236}">
-                <a16:creationId xmlns:a16="http://schemas.microsoft.com/office/drawing/2014/main" id="{08074D2C-5E24-CF61-AA21-0FBE82B36332}"/>
-              </a:ext>
-            </a:extLst>
-          </p:cNvPr>
-          <p:cNvCxnSpPr>
-            <a:cxnSpLocks/>
-          </p:cNvCxnSpPr>
-          <p:nvPr/>
-        </p:nvCxnSpPr>
-        <p:spPr>
-          <a:xfrm flipV="1">
-            <a:off x="8309458" y="1817042"/>
-            <a:ext cx="0" cy="152589"/>
-          </a:xfrm>
-          <a:prstGeom prst="line">
+          <a:prstGeom prst="rect">
             <a:avLst/>
           </a:prstGeom>
         </p:spPr>
-        <p:style>
-          <a:lnRef idx="2">
-            <a:schemeClr val="accent1"/>
-          </a:lnRef>
-          <a:fillRef idx="0">
-            <a:schemeClr val="accent1"/>
-          </a:fillRef>
-          <a:effectRef idx="1">
-            <a:schemeClr val="accent1"/>
-          </a:effectRef>
-          <a:fontRef idx="minor">
-            <a:schemeClr val="tx1"/>
-          </a:fontRef>
-        </p:style>
-      </p:cxnSp>
-      <p:cxnSp>
-        <p:nvCxnSpPr>
-          <p:cNvPr id="43" name="Straight Connector 42">
-            <a:extLst>
-              <a:ext uri="{FF2B5EF4-FFF2-40B4-BE49-F238E27FC236}">
-                <a16:creationId xmlns:a16="http://schemas.microsoft.com/office/drawing/2014/main" id="{A1729542-05F2-3626-E7D4-287F974B4BFB}"/>
-              </a:ext>
-            </a:extLst>
-          </p:cNvPr>
-          <p:cNvCxnSpPr>
-            <a:cxnSpLocks/>
-          </p:cNvCxnSpPr>
-          <p:nvPr/>
-        </p:nvCxnSpPr>
-        <p:spPr>
-          <a:xfrm flipV="1">
-            <a:off x="8359464" y="1817042"/>
-            <a:ext cx="0" cy="152589"/>
-          </a:xfrm>
-          <a:prstGeom prst="line">
-            <a:avLst/>
-          </a:prstGeom>
-        </p:spPr>
-        <p:style>
-          <a:lnRef idx="2">
-            <a:schemeClr val="accent1"/>
-          </a:lnRef>
-          <a:fillRef idx="0">
-            <a:schemeClr val="accent1"/>
-          </a:fillRef>
-          <a:effectRef idx="1">
-            <a:schemeClr val="accent1"/>
-          </a:effectRef>
-          <a:fontRef idx="minor">
-            <a:schemeClr val="tx1"/>
-          </a:fontRef>
-        </p:style>
-      </p:cxnSp>
+      </p:pic>
     </p:spTree>
     <p:extLst>
       <p:ext uri="{BB962C8B-B14F-4D97-AF65-F5344CB8AC3E}">
-        <p14:creationId xmlns:p14="http://schemas.microsoft.com/office/powerpoint/2010/main" val="3992931225"/>
+        <p14:creationId xmlns:p14="http://schemas.microsoft.com/office/powerpoint/2010/main" val="1835518684"/>
       </p:ext>
     </p:extLst>
   </p:cSld>
@@ -11416,16 +10723,49 @@
             </a:lvl9pPr>
           </a:lstStyle>
           <a:p>
+            <a:pPr marL="571500" indent="-571500" algn="l">
+              <a:buFont typeface="Arial" panose="020B0604020202020204" pitchFamily="34" charset="0"/>
+              <a:buChar char="•"/>
+            </a:pPr>
             <a:r>
-              <a:rPr lang="en-US" sz="4000" b="1" dirty="0">
+              <a:rPr lang="en-US" sz="3200" dirty="0">
                 <a:solidFill>
                   <a:srgbClr val="0F3874"/>
                 </a:solidFill>
                 <a:latin typeface="Inter" panose="020B0502030000000004" pitchFamily="34" charset="0"/>
                 <a:ea typeface="Inter" panose="020B0502030000000004" pitchFamily="34" charset="0"/>
               </a:rPr>
-              <a:t>Not technically part of PowerPoint requirement but figure we may as well add it here before going into demos</a:t>
+              <a:t>Easy to come up with concept and design idea</a:t>
             </a:r>
+          </a:p>
+          <a:p>
+            <a:pPr marL="571500" indent="-571500" algn="l">
+              <a:buFont typeface="Arial" panose="020B0604020202020204" pitchFamily="34" charset="0"/>
+              <a:buChar char="•"/>
+            </a:pPr>
+            <a:r>
+              <a:rPr lang="en-US" sz="3200" dirty="0">
+                <a:solidFill>
+                  <a:srgbClr val="0F3874"/>
+                </a:solidFill>
+                <a:latin typeface="Inter" panose="020B0502030000000004" pitchFamily="34" charset="0"/>
+                <a:ea typeface="Inter" panose="020B0502030000000004" pitchFamily="34" charset="0"/>
+              </a:rPr>
+              <a:t>Use of new tools React allows made for easier website development than that of Vanilla JS</a:t>
+            </a:r>
+          </a:p>
+          <a:p>
+            <a:pPr marL="571500" indent="-571500" algn="l">
+              <a:buFont typeface="Arial" panose="020B0604020202020204" pitchFamily="34" charset="0"/>
+              <a:buChar char="•"/>
+            </a:pPr>
+            <a:endParaRPr lang="en-US" sz="4000" dirty="0">
+              <a:solidFill>
+                <a:srgbClr val="0F3874"/>
+              </a:solidFill>
+              <a:latin typeface="Inter" panose="020B0502030000000004" pitchFamily="34" charset="0"/>
+              <a:ea typeface="Inter" panose="020B0502030000000004" pitchFamily="34" charset="0"/>
+            </a:endParaRPr>
           </a:p>
         </p:txBody>
       </p:sp>
@@ -11857,10 +11197,10 @@
       </p:grpSp>
       <p:sp>
         <p:nvSpPr>
-          <p:cNvPr id="2" name="Subtitle 2">
+          <p:cNvPr id="3" name="Subtitle 2">
             <a:extLst>
               <a:ext uri="{FF2B5EF4-FFF2-40B4-BE49-F238E27FC236}">
-                <a16:creationId xmlns:a16="http://schemas.microsoft.com/office/drawing/2014/main" id="{E156BE67-AF85-5535-0BC9-BDE3DC62B905}"/>
+                <a16:creationId xmlns:a16="http://schemas.microsoft.com/office/drawing/2014/main" id="{710E913D-711C-4CB5-647E-B0767990C93C}"/>
               </a:ext>
             </a:extLst>
           </p:cNvPr>
@@ -12047,16 +11387,56 @@
             </a:lvl9pPr>
           </a:lstStyle>
           <a:p>
+            <a:pPr marL="571500" indent="-571500" algn="l">
+              <a:buFont typeface="Arial" panose="020B0604020202020204" pitchFamily="34" charset="0"/>
+              <a:buChar char="•"/>
+            </a:pPr>
             <a:r>
-              <a:rPr lang="en-US" sz="4000" b="1" dirty="0">
+              <a:rPr lang="en-US" sz="3200" dirty="0">
                 <a:solidFill>
                   <a:srgbClr val="0F3874"/>
                 </a:solidFill>
                 <a:latin typeface="Inter" panose="020B0502030000000004" pitchFamily="34" charset="0"/>
                 <a:ea typeface="Inter" panose="020B0502030000000004" pitchFamily="34" charset="0"/>
               </a:rPr>
-              <a:t>Not technically part of PowerPoint requirement but figure we may as well add it here before going into demos</a:t>
+              <a:t>Time management was difficult as everyone had to balance other classes and finals towards the end </a:t>
             </a:r>
+            <a:r>
+              <a:rPr lang="en-US" sz="3200">
+                <a:solidFill>
+                  <a:srgbClr val="0F3874"/>
+                </a:solidFill>
+                <a:latin typeface="Inter" panose="020B0502030000000004" pitchFamily="34" charset="0"/>
+                <a:ea typeface="Inter" panose="020B0502030000000004" pitchFamily="34" charset="0"/>
+              </a:rPr>
+              <a:t>of the semester</a:t>
+            </a:r>
+          </a:p>
+          <a:p>
+            <a:pPr marL="571500" indent="-571500" algn="l">
+              <a:buFont typeface="Arial" panose="020B0604020202020204" pitchFamily="34" charset="0"/>
+              <a:buChar char="•"/>
+            </a:pPr>
+            <a:endParaRPr lang="en-US" sz="3200" dirty="0">
+              <a:solidFill>
+                <a:srgbClr val="0F3874"/>
+              </a:solidFill>
+              <a:latin typeface="Inter" panose="020B0502030000000004" pitchFamily="34" charset="0"/>
+              <a:ea typeface="Inter" panose="020B0502030000000004" pitchFamily="34" charset="0"/>
+            </a:endParaRPr>
+          </a:p>
+          <a:p>
+            <a:pPr marL="571500" indent="-571500" algn="l">
+              <a:buFont typeface="Arial" panose="020B0604020202020204" pitchFamily="34" charset="0"/>
+              <a:buChar char="•"/>
+            </a:pPr>
+            <a:endParaRPr lang="en-US" sz="4000" dirty="0">
+              <a:solidFill>
+                <a:srgbClr val="0F3874"/>
+              </a:solidFill>
+              <a:latin typeface="Inter" panose="020B0502030000000004" pitchFamily="34" charset="0"/>
+              <a:ea typeface="Inter" panose="020B0502030000000004" pitchFamily="34" charset="0"/>
+            </a:endParaRPr>
           </a:p>
         </p:txBody>
       </p:sp>
@@ -12892,7 +12272,7 @@
                 <a:latin typeface="Inter" panose="020B0502030000000004" pitchFamily="34" charset="0"/>
                 <a:ea typeface="Inter" panose="020B0502030000000004" pitchFamily="34" charset="0"/>
               </a:rPr>
-              <a:t>Project Website:</a:t>
+              <a:t>Project Website: https://nc.matthewe.me/</a:t>
             </a:r>
           </a:p>
           <a:p>
@@ -16762,7 +16142,7 @@
         </p:nvCxnSpPr>
         <p:spPr>
           <a:xfrm flipH="1" flipV="1">
-            <a:off x="5406504" y="6467450"/>
+            <a:off x="6821977" y="6465546"/>
             <a:ext cx="3258865" cy="6408"/>
           </a:xfrm>
           <a:prstGeom prst="straightConnector1">
@@ -16884,7 +16264,7 @@
         </p:nvCxnSpPr>
         <p:spPr>
           <a:xfrm flipV="1">
-            <a:off x="8644543" y="6254264"/>
+            <a:off x="10060016" y="6252360"/>
             <a:ext cx="0" cy="219594"/>
           </a:xfrm>
           <a:prstGeom prst="line">
@@ -17386,8 +16766,8 @@
         </p:nvCxnSpPr>
         <p:spPr>
           <a:xfrm flipH="1">
-            <a:off x="2951018" y="3480954"/>
-            <a:ext cx="4977537" cy="0"/>
+            <a:off x="3523904" y="3463945"/>
+            <a:ext cx="5113712" cy="6618"/>
           </a:xfrm>
           <a:prstGeom prst="line">
             <a:avLst/>
@@ -17426,7 +16806,7 @@
         </p:nvCxnSpPr>
         <p:spPr>
           <a:xfrm flipH="1">
-            <a:off x="2951018" y="3449781"/>
+            <a:off x="4366491" y="3447877"/>
             <a:ext cx="4618" cy="678889"/>
           </a:xfrm>
           <a:prstGeom prst="straightConnector1">
@@ -17468,7 +16848,7 @@
         </p:nvSpPr>
         <p:spPr>
           <a:xfrm>
-            <a:off x="2225041" y="4128670"/>
+            <a:off x="3640514" y="4126766"/>
             <a:ext cx="1451954" cy="894948"/>
           </a:xfrm>
           <a:prstGeom prst="roundRect">
@@ -17541,7 +16921,7 @@
         </p:nvCxnSpPr>
         <p:spPr>
           <a:xfrm>
-            <a:off x="4680527" y="3480954"/>
+            <a:off x="6096000" y="3479050"/>
             <a:ext cx="0" cy="645322"/>
           </a:xfrm>
           <a:prstGeom prst="straightConnector1">
@@ -17583,7 +16963,7 @@
         </p:nvSpPr>
         <p:spPr>
           <a:xfrm>
-            <a:off x="3954550" y="4126276"/>
+            <a:off x="5370023" y="4124372"/>
             <a:ext cx="1451954" cy="633846"/>
           </a:xfrm>
           <a:prstGeom prst="roundRect">
@@ -17656,7 +17036,7 @@
         </p:nvCxnSpPr>
         <p:spPr>
           <a:xfrm>
-            <a:off x="6410036" y="3478576"/>
+            <a:off x="7825509" y="3476672"/>
             <a:ext cx="0" cy="645322"/>
           </a:xfrm>
           <a:prstGeom prst="straightConnector1">
@@ -17698,7 +17078,7 @@
         </p:nvSpPr>
         <p:spPr>
           <a:xfrm>
-            <a:off x="5684059" y="4123898"/>
+            <a:off x="7099532" y="4121994"/>
             <a:ext cx="1451954" cy="633846"/>
           </a:xfrm>
           <a:prstGeom prst="roundRect">
@@ -17772,7 +17152,7 @@
         </p:nvCxnSpPr>
         <p:spPr>
           <a:xfrm>
-            <a:off x="7136013" y="4440821"/>
+            <a:off x="8551486" y="4438917"/>
             <a:ext cx="761771" cy="11744"/>
           </a:xfrm>
           <a:prstGeom prst="straightConnector1">
@@ -17814,7 +17194,7 @@
         </p:nvSpPr>
         <p:spPr>
           <a:xfrm>
-            <a:off x="7897784" y="4135642"/>
+            <a:off x="9313257" y="4133738"/>
             <a:ext cx="1451954" cy="633846"/>
           </a:xfrm>
           <a:prstGeom prst="roundRect">
@@ -17876,7 +17256,7 @@
         </p:nvCxnSpPr>
         <p:spPr>
           <a:xfrm>
-            <a:off x="8623761" y="4769488"/>
+            <a:off x="10039234" y="4767584"/>
             <a:ext cx="0" cy="254130"/>
           </a:xfrm>
           <a:prstGeom prst="straightConnector1">
@@ -17920,7 +17300,7 @@
         </p:nvCxnSpPr>
         <p:spPr>
           <a:xfrm flipH="1">
-            <a:off x="7911639" y="5050808"/>
+            <a:off x="9327112" y="5048904"/>
             <a:ext cx="1438099" cy="1"/>
           </a:xfrm>
           <a:prstGeom prst="line">
@@ -17959,7 +17339,7 @@
         </p:nvCxnSpPr>
         <p:spPr>
           <a:xfrm>
-            <a:off x="7928555" y="5059212"/>
+            <a:off x="9344028" y="5057308"/>
             <a:ext cx="0" cy="379653"/>
           </a:xfrm>
           <a:prstGeom prst="straightConnector1">
@@ -18003,7 +17383,7 @@
         </p:nvCxnSpPr>
         <p:spPr>
           <a:xfrm>
-            <a:off x="9338832" y="5018610"/>
+            <a:off x="10754305" y="5016706"/>
             <a:ext cx="0" cy="410827"/>
           </a:xfrm>
           <a:prstGeom prst="straightConnector1">
@@ -18045,7 +17425,7 @@
         </p:nvSpPr>
         <p:spPr>
           <a:xfrm>
-            <a:off x="7506397" y="5424052"/>
+            <a:off x="8921870" y="5422148"/>
             <a:ext cx="810483" cy="498607"/>
           </a:xfrm>
           <a:prstGeom prst="roundRect">
@@ -18104,7 +17484,7 @@
         </p:nvSpPr>
         <p:spPr>
           <a:xfrm>
-            <a:off x="8840071" y="5434350"/>
+            <a:off x="10255544" y="5432446"/>
             <a:ext cx="995327" cy="498607"/>
           </a:xfrm>
           <a:prstGeom prst="roundRect">
@@ -18163,7 +17543,7 @@
         </p:nvSpPr>
         <p:spPr>
           <a:xfrm>
-            <a:off x="3954550" y="6218146"/>
+            <a:off x="5370023" y="6216242"/>
             <a:ext cx="1451954" cy="498607"/>
           </a:xfrm>
           <a:prstGeom prst="roundRect">
@@ -18224,7 +17604,7 @@
         </p:nvCxnSpPr>
         <p:spPr>
           <a:xfrm>
-            <a:off x="2955636" y="5013226"/>
+            <a:off x="4371109" y="5011322"/>
             <a:ext cx="0" cy="660130"/>
           </a:xfrm>
           <a:prstGeom prst="straightConnector1">
@@ -18268,7 +17648,7 @@
         </p:nvCxnSpPr>
         <p:spPr>
           <a:xfrm>
-            <a:off x="4680527" y="4757744"/>
+            <a:off x="6096000" y="4755840"/>
             <a:ext cx="0" cy="915612"/>
           </a:xfrm>
           <a:prstGeom prst="straightConnector1">
@@ -18312,7 +17692,7 @@
         </p:nvCxnSpPr>
         <p:spPr>
           <a:xfrm>
-            <a:off x="6410036" y="4757744"/>
+            <a:off x="7825509" y="4755840"/>
             <a:ext cx="0" cy="915612"/>
           </a:xfrm>
           <a:prstGeom prst="straightConnector1">
@@ -18356,7 +17736,7 @@
         </p:nvCxnSpPr>
         <p:spPr>
           <a:xfrm flipH="1">
-            <a:off x="2225041" y="5684636"/>
+            <a:off x="3640514" y="5682732"/>
             <a:ext cx="4910972" cy="17871"/>
           </a:xfrm>
           <a:prstGeom prst="line">
@@ -18396,7 +17776,7 @@
         </p:nvCxnSpPr>
         <p:spPr>
           <a:xfrm>
-            <a:off x="4680527" y="5700405"/>
+            <a:off x="6096000" y="5698501"/>
             <a:ext cx="0" cy="517741"/>
           </a:xfrm>
           <a:prstGeom prst="straightConnector1">
@@ -18440,7 +17820,7 @@
         </p:nvCxnSpPr>
         <p:spPr>
           <a:xfrm flipH="1">
-            <a:off x="7539327" y="6222245"/>
+            <a:off x="8954800" y="6220341"/>
             <a:ext cx="2296071" cy="0"/>
           </a:xfrm>
           <a:prstGeom prst="line">
@@ -18479,7 +17859,7 @@
         </p:nvCxnSpPr>
         <p:spPr>
           <a:xfrm>
-            <a:off x="7928555" y="5917494"/>
+            <a:off x="9344028" y="5915590"/>
             <a:ext cx="0" cy="290573"/>
           </a:xfrm>
           <a:prstGeom prst="straightConnector1">
@@ -18523,7 +17903,7 @@
         </p:nvCxnSpPr>
         <p:spPr>
           <a:xfrm>
-            <a:off x="9337734" y="5932956"/>
+            <a:off x="10753207" y="5931052"/>
             <a:ext cx="0" cy="290573"/>
           </a:xfrm>
           <a:prstGeom prst="straightConnector1">
@@ -18567,7 +17947,7 @@
         </p:nvCxnSpPr>
         <p:spPr>
           <a:xfrm flipH="1">
-            <a:off x="3424136" y="6467449"/>
+            <a:off x="4839609" y="6465545"/>
             <a:ext cx="530414" cy="0"/>
           </a:xfrm>
           <a:prstGeom prst="straightConnector1">
@@ -18609,7 +17989,7 @@
         </p:nvGrpSpPr>
         <p:grpSpPr>
           <a:xfrm>
-            <a:off x="2930236" y="6250567"/>
+            <a:off x="4345709" y="6248663"/>
             <a:ext cx="446141" cy="435092"/>
             <a:chOff x="2899732" y="6274933"/>
             <a:chExt cx="430294" cy="390381"/>
@@ -19266,9 +18646,9 @@
         <p:grpSpPr>
           <a:xfrm>
             <a:off x="0" y="0"/>
-            <a:ext cx="12192000" cy="1245476"/>
+            <a:ext cx="12192000" cy="1266881"/>
             <a:chOff x="0" y="0"/>
-            <a:chExt cx="12192000" cy="1245476"/>
+            <a:chExt cx="12192000" cy="1266881"/>
           </a:xfrm>
         </p:grpSpPr>
         <p:sp>
@@ -19426,7 +18806,7 @@
           <p:spPr>
             <a:xfrm>
               <a:off x="0" y="21406"/>
-              <a:ext cx="12192000" cy="1224069"/>
+              <a:ext cx="12192000" cy="1245475"/>
             </a:xfrm>
             <a:prstGeom prst="rect">
               <a:avLst/>
@@ -19633,16 +19013,1525 @@
                   <a:ea typeface="Inter" panose="020B0502030000000004" pitchFamily="34" charset="0"/>
                   <a:cs typeface="+mn-cs"/>
                 </a:rPr>
-                <a:t>Gantt Chart</a:t>
+                <a:t>Entity Relationship Diagram</a:t>
               </a:r>
             </a:p>
           </p:txBody>
         </p:sp>
       </p:grpSp>
+      <p:graphicFrame>
+        <p:nvGraphicFramePr>
+          <p:cNvPr id="2" name="Table 1">
+            <a:extLst>
+              <a:ext uri="{FF2B5EF4-FFF2-40B4-BE49-F238E27FC236}">
+                <a16:creationId xmlns:a16="http://schemas.microsoft.com/office/drawing/2014/main" id="{99EAAF6F-399F-86D8-E5D7-65AA2798F1C6}"/>
+              </a:ext>
+            </a:extLst>
+          </p:cNvPr>
+          <p:cNvGraphicFramePr>
+            <a:graphicFrameLocks noGrp="1"/>
+          </p:cNvGraphicFramePr>
+          <p:nvPr>
+            <p:extLst>
+              <p:ext uri="{D42A27DB-BD31-4B8C-83A1-F6EECF244321}">
+                <p14:modId xmlns:p14="http://schemas.microsoft.com/office/powerpoint/2010/main" val="3727605723"/>
+              </p:ext>
+            </p:extLst>
+          </p:nvPr>
+        </p:nvGraphicFramePr>
+        <p:xfrm>
+          <a:off x="442131" y="1721143"/>
+          <a:ext cx="3315418" cy="4820920"/>
+        </p:xfrm>
+        <a:graphic>
+          <a:graphicData uri="http://schemas.openxmlformats.org/drawingml/2006/table">
+            <a:tbl>
+              <a:tblPr firstRow="1" bandRow="1">
+                <a:tableStyleId>{5C22544A-7EE6-4342-B048-85BDC9FD1C3A}</a:tableStyleId>
+              </a:tblPr>
+              <a:tblGrid>
+                <a:gridCol w="1657709">
+                  <a:extLst>
+                    <a:ext uri="{9D8B030D-6E8A-4147-A177-3AD203B41FA5}">
+                      <a16:colId xmlns:a16="http://schemas.microsoft.com/office/drawing/2014/main" val="2575702891"/>
+                    </a:ext>
+                  </a:extLst>
+                </a:gridCol>
+                <a:gridCol w="1657709">
+                  <a:extLst>
+                    <a:ext uri="{9D8B030D-6E8A-4147-A177-3AD203B41FA5}">
+                      <a16:colId xmlns:a16="http://schemas.microsoft.com/office/drawing/2014/main" val="3419242887"/>
+                    </a:ext>
+                  </a:extLst>
+                </a:gridCol>
+              </a:tblGrid>
+              <a:tr h="370840">
+                <a:tc gridSpan="2">
+                  <a:txBody>
+                    <a:bodyPr/>
+                    <a:lstStyle/>
+                    <a:p>
+                      <a:pPr algn="ctr"/>
+                      <a:r>
+                        <a:rPr lang="en-US" dirty="0">
+                          <a:solidFill>
+                            <a:srgbClr val="0F3874"/>
+                          </a:solidFill>
+                        </a:rPr>
+                        <a:t>User</a:t>
+                      </a:r>
+                    </a:p>
+                  </a:txBody>
+                  <a:tcPr>
+                    <a:solidFill>
+                      <a:srgbClr val="E7EAED"/>
+                    </a:solidFill>
+                  </a:tcPr>
+                </a:tc>
+                <a:tc hMerge="1">
+                  <a:txBody>
+                    <a:bodyPr/>
+                    <a:lstStyle/>
+                    <a:p>
+                      <a:endParaRPr lang="en-US" dirty="0"/>
+                    </a:p>
+                  </a:txBody>
+                  <a:tcPr>
+                    <a:solidFill>
+                      <a:srgbClr val="E7EAED"/>
+                    </a:solidFill>
+                  </a:tcPr>
+                </a:tc>
+                <a:extLst>
+                  <a:ext uri="{0D108BD9-81ED-4DB2-BD59-A6C34878D82A}">
+                    <a16:rowId xmlns:a16="http://schemas.microsoft.com/office/drawing/2014/main" val="1748889807"/>
+                  </a:ext>
+                </a:extLst>
+              </a:tr>
+              <a:tr h="370840">
+                <a:tc>
+                  <a:txBody>
+                    <a:bodyPr/>
+                    <a:lstStyle/>
+                    <a:p>
+                      <a:r>
+                        <a:rPr lang="en-US" dirty="0">
+                          <a:solidFill>
+                            <a:srgbClr val="0F3874"/>
+                          </a:solidFill>
+                        </a:rPr>
+                        <a:t>ID</a:t>
+                      </a:r>
+                    </a:p>
+                  </a:txBody>
+                  <a:tcPr/>
+                </a:tc>
+                <a:tc>
+                  <a:txBody>
+                    <a:bodyPr/>
+                    <a:lstStyle/>
+                    <a:p>
+                      <a:r>
+                        <a:rPr lang="en-US" dirty="0">
+                          <a:solidFill>
+                            <a:srgbClr val="0F3874"/>
+                          </a:solidFill>
+                        </a:rPr>
+                        <a:t>Int</a:t>
+                      </a:r>
+                    </a:p>
+                  </a:txBody>
+                  <a:tcPr/>
+                </a:tc>
+                <a:extLst>
+                  <a:ext uri="{0D108BD9-81ED-4DB2-BD59-A6C34878D82A}">
+                    <a16:rowId xmlns:a16="http://schemas.microsoft.com/office/drawing/2014/main" val="438155033"/>
+                  </a:ext>
+                </a:extLst>
+              </a:tr>
+              <a:tr h="370840">
+                <a:tc>
+                  <a:txBody>
+                    <a:bodyPr/>
+                    <a:lstStyle/>
+                    <a:p>
+                      <a:r>
+                        <a:rPr lang="en-US" dirty="0">
+                          <a:solidFill>
+                            <a:srgbClr val="0F3874"/>
+                          </a:solidFill>
+                        </a:rPr>
+                        <a:t>FirstName</a:t>
+                      </a:r>
+                    </a:p>
+                  </a:txBody>
+                  <a:tcPr/>
+                </a:tc>
+                <a:tc>
+                  <a:txBody>
+                    <a:bodyPr/>
+                    <a:lstStyle/>
+                    <a:p>
+                      <a:r>
+                        <a:rPr lang="en-US" dirty="0">
+                          <a:solidFill>
+                            <a:srgbClr val="0F3874"/>
+                          </a:solidFill>
+                        </a:rPr>
+                        <a:t>VarChar</a:t>
+                      </a:r>
+                    </a:p>
+                  </a:txBody>
+                  <a:tcPr/>
+                </a:tc>
+                <a:extLst>
+                  <a:ext uri="{0D108BD9-81ED-4DB2-BD59-A6C34878D82A}">
+                    <a16:rowId xmlns:a16="http://schemas.microsoft.com/office/drawing/2014/main" val="2441643462"/>
+                  </a:ext>
+                </a:extLst>
+              </a:tr>
+              <a:tr h="370840">
+                <a:tc>
+                  <a:txBody>
+                    <a:bodyPr/>
+                    <a:lstStyle/>
+                    <a:p>
+                      <a:r>
+                        <a:rPr lang="en-US" dirty="0">
+                          <a:solidFill>
+                            <a:srgbClr val="0F3874"/>
+                          </a:solidFill>
+                        </a:rPr>
+                        <a:t>LastName</a:t>
+                      </a:r>
+                    </a:p>
+                  </a:txBody>
+                  <a:tcPr/>
+                </a:tc>
+                <a:tc>
+                  <a:txBody>
+                    <a:bodyPr/>
+                    <a:lstStyle/>
+                    <a:p>
+                      <a:r>
+                        <a:rPr lang="en-US" dirty="0">
+                          <a:solidFill>
+                            <a:srgbClr val="0F3874"/>
+                          </a:solidFill>
+                        </a:rPr>
+                        <a:t>VarChar</a:t>
+                      </a:r>
+                    </a:p>
+                  </a:txBody>
+                  <a:tcPr/>
+                </a:tc>
+                <a:extLst>
+                  <a:ext uri="{0D108BD9-81ED-4DB2-BD59-A6C34878D82A}">
+                    <a16:rowId xmlns:a16="http://schemas.microsoft.com/office/drawing/2014/main" val="2216924842"/>
+                  </a:ext>
+                </a:extLst>
+              </a:tr>
+              <a:tr h="370840">
+                <a:tc>
+                  <a:txBody>
+                    <a:bodyPr/>
+                    <a:lstStyle/>
+                    <a:p>
+                      <a:r>
+                        <a:rPr lang="en-US" dirty="0">
+                          <a:solidFill>
+                            <a:srgbClr val="0F3874"/>
+                          </a:solidFill>
+                        </a:rPr>
+                        <a:t>Email</a:t>
+                      </a:r>
+                    </a:p>
+                  </a:txBody>
+                  <a:tcPr/>
+                </a:tc>
+                <a:tc>
+                  <a:txBody>
+                    <a:bodyPr/>
+                    <a:lstStyle/>
+                    <a:p>
+                      <a:r>
+                        <a:rPr lang="en-US" dirty="0">
+                          <a:solidFill>
+                            <a:srgbClr val="0F3874"/>
+                          </a:solidFill>
+                        </a:rPr>
+                        <a:t>VarChar</a:t>
+                      </a:r>
+                    </a:p>
+                  </a:txBody>
+                  <a:tcPr/>
+                </a:tc>
+                <a:extLst>
+                  <a:ext uri="{0D108BD9-81ED-4DB2-BD59-A6C34878D82A}">
+                    <a16:rowId xmlns:a16="http://schemas.microsoft.com/office/drawing/2014/main" val="3726972817"/>
+                  </a:ext>
+                </a:extLst>
+              </a:tr>
+              <a:tr h="370840">
+                <a:tc>
+                  <a:txBody>
+                    <a:bodyPr/>
+                    <a:lstStyle/>
+                    <a:p>
+                      <a:r>
+                        <a:rPr lang="en-US" dirty="0">
+                          <a:solidFill>
+                            <a:srgbClr val="0F3874"/>
+                          </a:solidFill>
+                        </a:rPr>
+                        <a:t>Password</a:t>
+                      </a:r>
+                    </a:p>
+                  </a:txBody>
+                  <a:tcPr/>
+                </a:tc>
+                <a:tc>
+                  <a:txBody>
+                    <a:bodyPr/>
+                    <a:lstStyle/>
+                    <a:p>
+                      <a:r>
+                        <a:rPr lang="en-US" dirty="0">
+                          <a:solidFill>
+                            <a:srgbClr val="0F3874"/>
+                          </a:solidFill>
+                        </a:rPr>
+                        <a:t>VarChar</a:t>
+                      </a:r>
+                    </a:p>
+                  </a:txBody>
+                  <a:tcPr/>
+                </a:tc>
+                <a:extLst>
+                  <a:ext uri="{0D108BD9-81ED-4DB2-BD59-A6C34878D82A}">
+                    <a16:rowId xmlns:a16="http://schemas.microsoft.com/office/drawing/2014/main" val="1016691113"/>
+                  </a:ext>
+                </a:extLst>
+              </a:tr>
+              <a:tr h="370840">
+                <a:tc>
+                  <a:txBody>
+                    <a:bodyPr/>
+                    <a:lstStyle/>
+                    <a:p>
+                      <a:r>
+                        <a:rPr lang="en-US" dirty="0">
+                          <a:solidFill>
+                            <a:srgbClr val="0F3874"/>
+                          </a:solidFill>
+                        </a:rPr>
+                        <a:t>Age</a:t>
+                      </a:r>
+                    </a:p>
+                  </a:txBody>
+                  <a:tcPr/>
+                </a:tc>
+                <a:tc>
+                  <a:txBody>
+                    <a:bodyPr/>
+                    <a:lstStyle/>
+                    <a:p>
+                      <a:r>
+                        <a:rPr lang="en-US" dirty="0">
+                          <a:solidFill>
+                            <a:srgbClr val="0F3874"/>
+                          </a:solidFill>
+                        </a:rPr>
+                        <a:t>Int</a:t>
+                      </a:r>
+                    </a:p>
+                  </a:txBody>
+                  <a:tcPr/>
+                </a:tc>
+                <a:extLst>
+                  <a:ext uri="{0D108BD9-81ED-4DB2-BD59-A6C34878D82A}">
+                    <a16:rowId xmlns:a16="http://schemas.microsoft.com/office/drawing/2014/main" val="3745544634"/>
+                  </a:ext>
+                </a:extLst>
+              </a:tr>
+              <a:tr h="370840">
+                <a:tc>
+                  <a:txBody>
+                    <a:bodyPr/>
+                    <a:lstStyle/>
+                    <a:p>
+                      <a:r>
+                        <a:rPr lang="en-US" dirty="0">
+                          <a:solidFill>
+                            <a:srgbClr val="0F3874"/>
+                          </a:solidFill>
+                        </a:rPr>
+                        <a:t>Weight</a:t>
+                      </a:r>
+                    </a:p>
+                  </a:txBody>
+                  <a:tcPr/>
+                </a:tc>
+                <a:tc>
+                  <a:txBody>
+                    <a:bodyPr/>
+                    <a:lstStyle/>
+                    <a:p>
+                      <a:r>
+                        <a:rPr lang="en-US" dirty="0">
+                          <a:solidFill>
+                            <a:srgbClr val="0F3874"/>
+                          </a:solidFill>
+                        </a:rPr>
+                        <a:t>Int</a:t>
+                      </a:r>
+                    </a:p>
+                  </a:txBody>
+                  <a:tcPr/>
+                </a:tc>
+                <a:extLst>
+                  <a:ext uri="{0D108BD9-81ED-4DB2-BD59-A6C34878D82A}">
+                    <a16:rowId xmlns:a16="http://schemas.microsoft.com/office/drawing/2014/main" val="110469016"/>
+                  </a:ext>
+                </a:extLst>
+              </a:tr>
+              <a:tr h="370840">
+                <a:tc>
+                  <a:txBody>
+                    <a:bodyPr/>
+                    <a:lstStyle/>
+                    <a:p>
+                      <a:r>
+                        <a:rPr lang="en-US" dirty="0">
+                          <a:solidFill>
+                            <a:srgbClr val="0F3874"/>
+                          </a:solidFill>
+                        </a:rPr>
+                        <a:t>Sex</a:t>
+                      </a:r>
+                    </a:p>
+                  </a:txBody>
+                  <a:tcPr/>
+                </a:tc>
+                <a:tc>
+                  <a:txBody>
+                    <a:bodyPr/>
+                    <a:lstStyle/>
+                    <a:p>
+                      <a:r>
+                        <a:rPr lang="en-US" dirty="0">
+                          <a:solidFill>
+                            <a:srgbClr val="0F3874"/>
+                          </a:solidFill>
+                        </a:rPr>
+                        <a:t>VarChar</a:t>
+                      </a:r>
+                    </a:p>
+                  </a:txBody>
+                  <a:tcPr/>
+                </a:tc>
+                <a:extLst>
+                  <a:ext uri="{0D108BD9-81ED-4DB2-BD59-A6C34878D82A}">
+                    <a16:rowId xmlns:a16="http://schemas.microsoft.com/office/drawing/2014/main" val="3762331384"/>
+                  </a:ext>
+                </a:extLst>
+              </a:tr>
+              <a:tr h="370840">
+                <a:tc>
+                  <a:txBody>
+                    <a:bodyPr/>
+                    <a:lstStyle/>
+                    <a:p>
+                      <a:r>
+                        <a:rPr lang="en-US" dirty="0">
+                          <a:solidFill>
+                            <a:srgbClr val="0F3874"/>
+                          </a:solidFill>
+                        </a:rPr>
+                        <a:t>Height_Feet</a:t>
+                      </a:r>
+                    </a:p>
+                  </a:txBody>
+                  <a:tcPr/>
+                </a:tc>
+                <a:tc>
+                  <a:txBody>
+                    <a:bodyPr/>
+                    <a:lstStyle/>
+                    <a:p>
+                      <a:r>
+                        <a:rPr lang="en-US" dirty="0">
+                          <a:solidFill>
+                            <a:srgbClr val="0F3874"/>
+                          </a:solidFill>
+                        </a:rPr>
+                        <a:t>Int</a:t>
+                      </a:r>
+                    </a:p>
+                  </a:txBody>
+                  <a:tcPr/>
+                </a:tc>
+                <a:extLst>
+                  <a:ext uri="{0D108BD9-81ED-4DB2-BD59-A6C34878D82A}">
+                    <a16:rowId xmlns:a16="http://schemas.microsoft.com/office/drawing/2014/main" val="2151925983"/>
+                  </a:ext>
+                </a:extLst>
+              </a:tr>
+              <a:tr h="370840">
+                <a:tc>
+                  <a:txBody>
+                    <a:bodyPr/>
+                    <a:lstStyle/>
+                    <a:p>
+                      <a:r>
+                        <a:rPr lang="en-US" dirty="0">
+                          <a:solidFill>
+                            <a:srgbClr val="0F3874"/>
+                          </a:solidFill>
+                        </a:rPr>
+                        <a:t>Height_Inches</a:t>
+                      </a:r>
+                    </a:p>
+                  </a:txBody>
+                  <a:tcPr/>
+                </a:tc>
+                <a:tc>
+                  <a:txBody>
+                    <a:bodyPr/>
+                    <a:lstStyle/>
+                    <a:p>
+                      <a:r>
+                        <a:rPr lang="en-US" dirty="0">
+                          <a:solidFill>
+                            <a:srgbClr val="0F3874"/>
+                          </a:solidFill>
+                        </a:rPr>
+                        <a:t>Int</a:t>
+                      </a:r>
+                    </a:p>
+                  </a:txBody>
+                  <a:tcPr/>
+                </a:tc>
+                <a:extLst>
+                  <a:ext uri="{0D108BD9-81ED-4DB2-BD59-A6C34878D82A}">
+                    <a16:rowId xmlns:a16="http://schemas.microsoft.com/office/drawing/2014/main" val="2381821828"/>
+                  </a:ext>
+                </a:extLst>
+              </a:tr>
+              <a:tr h="370840">
+                <a:tc>
+                  <a:txBody>
+                    <a:bodyPr/>
+                    <a:lstStyle/>
+                    <a:p>
+                      <a:r>
+                        <a:rPr lang="en-US" dirty="0">
+                          <a:solidFill>
+                            <a:srgbClr val="0F3874"/>
+                          </a:solidFill>
+                        </a:rPr>
+                        <a:t>Activity_Level</a:t>
+                      </a:r>
+                    </a:p>
+                  </a:txBody>
+                  <a:tcPr/>
+                </a:tc>
+                <a:tc>
+                  <a:txBody>
+                    <a:bodyPr/>
+                    <a:lstStyle/>
+                    <a:p>
+                      <a:r>
+                        <a:rPr lang="en-US" dirty="0">
+                          <a:solidFill>
+                            <a:srgbClr val="0F3874"/>
+                          </a:solidFill>
+                        </a:rPr>
+                        <a:t>VarChar</a:t>
+                      </a:r>
+                    </a:p>
+                  </a:txBody>
+                  <a:tcPr/>
+                </a:tc>
+                <a:extLst>
+                  <a:ext uri="{0D108BD9-81ED-4DB2-BD59-A6C34878D82A}">
+                    <a16:rowId xmlns:a16="http://schemas.microsoft.com/office/drawing/2014/main" val="660646652"/>
+                  </a:ext>
+                </a:extLst>
+              </a:tr>
+              <a:tr h="370840">
+                <a:tc>
+                  <a:txBody>
+                    <a:bodyPr/>
+                    <a:lstStyle/>
+                    <a:p>
+                      <a:r>
+                        <a:rPr lang="en-US" dirty="0">
+                          <a:solidFill>
+                            <a:srgbClr val="0F3874"/>
+                          </a:solidFill>
+                        </a:rPr>
+                        <a:t>Weight_Goal</a:t>
+                      </a:r>
+                    </a:p>
+                  </a:txBody>
+                  <a:tcPr/>
+                </a:tc>
+                <a:tc>
+                  <a:txBody>
+                    <a:bodyPr/>
+                    <a:lstStyle/>
+                    <a:p>
+                      <a:r>
+                        <a:rPr lang="en-US" dirty="0">
+                          <a:solidFill>
+                            <a:srgbClr val="0F3874"/>
+                          </a:solidFill>
+                        </a:rPr>
+                        <a:t>VarChar</a:t>
+                      </a:r>
+                    </a:p>
+                  </a:txBody>
+                  <a:tcPr/>
+                </a:tc>
+                <a:extLst>
+                  <a:ext uri="{0D108BD9-81ED-4DB2-BD59-A6C34878D82A}">
+                    <a16:rowId xmlns:a16="http://schemas.microsoft.com/office/drawing/2014/main" val="2532892024"/>
+                  </a:ext>
+                </a:extLst>
+              </a:tr>
+            </a:tbl>
+          </a:graphicData>
+        </a:graphic>
+      </p:graphicFrame>
+      <p:graphicFrame>
+        <p:nvGraphicFramePr>
+          <p:cNvPr id="3" name="Table 2">
+            <a:extLst>
+              <a:ext uri="{FF2B5EF4-FFF2-40B4-BE49-F238E27FC236}">
+                <a16:creationId xmlns:a16="http://schemas.microsoft.com/office/drawing/2014/main" id="{36B19B70-CE81-9E23-DA87-8046804A3053}"/>
+              </a:ext>
+            </a:extLst>
+          </p:cNvPr>
+          <p:cNvGraphicFramePr>
+            <a:graphicFrameLocks noGrp="1"/>
+          </p:cNvGraphicFramePr>
+          <p:nvPr>
+            <p:extLst>
+              <p:ext uri="{D42A27DB-BD31-4B8C-83A1-F6EECF244321}">
+                <p14:modId xmlns:p14="http://schemas.microsoft.com/office/powerpoint/2010/main" val="3990257921"/>
+              </p:ext>
+            </p:extLst>
+          </p:nvPr>
+        </p:nvGraphicFramePr>
+        <p:xfrm>
+          <a:off x="4666762" y="1721143"/>
+          <a:ext cx="2858476" cy="741680"/>
+        </p:xfrm>
+        <a:graphic>
+          <a:graphicData uri="http://schemas.openxmlformats.org/drawingml/2006/table">
+            <a:tbl>
+              <a:tblPr firstRow="1" bandRow="1">
+                <a:tableStyleId>{5C22544A-7EE6-4342-B048-85BDC9FD1C3A}</a:tableStyleId>
+              </a:tblPr>
+              <a:tblGrid>
+                <a:gridCol w="1429238">
+                  <a:extLst>
+                    <a:ext uri="{9D8B030D-6E8A-4147-A177-3AD203B41FA5}">
+                      <a16:colId xmlns:a16="http://schemas.microsoft.com/office/drawing/2014/main" val="2575702891"/>
+                    </a:ext>
+                  </a:extLst>
+                </a:gridCol>
+                <a:gridCol w="1429238">
+                  <a:extLst>
+                    <a:ext uri="{9D8B030D-6E8A-4147-A177-3AD203B41FA5}">
+                      <a16:colId xmlns:a16="http://schemas.microsoft.com/office/drawing/2014/main" val="3419242887"/>
+                    </a:ext>
+                  </a:extLst>
+                </a:gridCol>
+              </a:tblGrid>
+              <a:tr h="370840">
+                <a:tc gridSpan="2">
+                  <a:txBody>
+                    <a:bodyPr/>
+                    <a:lstStyle/>
+                    <a:p>
+                      <a:pPr algn="ctr"/>
+                      <a:r>
+                        <a:rPr lang="en-US" dirty="0">
+                          <a:solidFill>
+                            <a:srgbClr val="0F3874"/>
+                          </a:solidFill>
+                        </a:rPr>
+                        <a:t>Food</a:t>
+                      </a:r>
+                    </a:p>
+                  </a:txBody>
+                  <a:tcPr>
+                    <a:solidFill>
+                      <a:srgbClr val="E7EAED"/>
+                    </a:solidFill>
+                  </a:tcPr>
+                </a:tc>
+                <a:tc hMerge="1">
+                  <a:txBody>
+                    <a:bodyPr/>
+                    <a:lstStyle/>
+                    <a:p>
+                      <a:endParaRPr lang="en-US" dirty="0"/>
+                    </a:p>
+                  </a:txBody>
+                  <a:tcPr>
+                    <a:solidFill>
+                      <a:srgbClr val="E7EAED"/>
+                    </a:solidFill>
+                  </a:tcPr>
+                </a:tc>
+                <a:extLst>
+                  <a:ext uri="{0D108BD9-81ED-4DB2-BD59-A6C34878D82A}">
+                    <a16:rowId xmlns:a16="http://schemas.microsoft.com/office/drawing/2014/main" val="1748889807"/>
+                  </a:ext>
+                </a:extLst>
+              </a:tr>
+              <a:tr h="370840">
+                <a:tc>
+                  <a:txBody>
+                    <a:bodyPr/>
+                    <a:lstStyle/>
+                    <a:p>
+                      <a:r>
+                        <a:rPr lang="en-US" dirty="0">
+                          <a:solidFill>
+                            <a:srgbClr val="0F3874"/>
+                          </a:solidFill>
+                        </a:rPr>
+                        <a:t>Food_Name</a:t>
+                      </a:r>
+                    </a:p>
+                  </a:txBody>
+                  <a:tcPr/>
+                </a:tc>
+                <a:tc>
+                  <a:txBody>
+                    <a:bodyPr/>
+                    <a:lstStyle/>
+                    <a:p>
+                      <a:r>
+                        <a:rPr lang="en-US" dirty="0">
+                          <a:solidFill>
+                            <a:srgbClr val="0F3874"/>
+                          </a:solidFill>
+                        </a:rPr>
+                        <a:t>VarChar</a:t>
+                      </a:r>
+                    </a:p>
+                  </a:txBody>
+                  <a:tcPr/>
+                </a:tc>
+                <a:extLst>
+                  <a:ext uri="{0D108BD9-81ED-4DB2-BD59-A6C34878D82A}">
+                    <a16:rowId xmlns:a16="http://schemas.microsoft.com/office/drawing/2014/main" val="438155033"/>
+                  </a:ext>
+                </a:extLst>
+              </a:tr>
+            </a:tbl>
+          </a:graphicData>
+        </a:graphic>
+      </p:graphicFrame>
+      <p:graphicFrame>
+        <p:nvGraphicFramePr>
+          <p:cNvPr id="8" name="Table 7">
+            <a:extLst>
+              <a:ext uri="{FF2B5EF4-FFF2-40B4-BE49-F238E27FC236}">
+                <a16:creationId xmlns:a16="http://schemas.microsoft.com/office/drawing/2014/main" id="{D74B1CE3-A0F5-E824-D98D-2A9F62BD1372}"/>
+              </a:ext>
+            </a:extLst>
+          </p:cNvPr>
+          <p:cNvGraphicFramePr>
+            <a:graphicFrameLocks noGrp="1"/>
+          </p:cNvGraphicFramePr>
+          <p:nvPr>
+            <p:extLst>
+              <p:ext uri="{D42A27DB-BD31-4B8C-83A1-F6EECF244321}">
+                <p14:modId xmlns:p14="http://schemas.microsoft.com/office/powerpoint/2010/main" val="150720765"/>
+              </p:ext>
+            </p:extLst>
+          </p:nvPr>
+        </p:nvGraphicFramePr>
+        <p:xfrm>
+          <a:off x="8428891" y="1721143"/>
+          <a:ext cx="3315418" cy="2225040"/>
+        </p:xfrm>
+        <a:graphic>
+          <a:graphicData uri="http://schemas.openxmlformats.org/drawingml/2006/table">
+            <a:tbl>
+              <a:tblPr firstRow="1" bandRow="1">
+                <a:tableStyleId>{5C22544A-7EE6-4342-B048-85BDC9FD1C3A}</a:tableStyleId>
+              </a:tblPr>
+              <a:tblGrid>
+                <a:gridCol w="1657709">
+                  <a:extLst>
+                    <a:ext uri="{9D8B030D-6E8A-4147-A177-3AD203B41FA5}">
+                      <a16:colId xmlns:a16="http://schemas.microsoft.com/office/drawing/2014/main" val="2575702891"/>
+                    </a:ext>
+                  </a:extLst>
+                </a:gridCol>
+                <a:gridCol w="1657709">
+                  <a:extLst>
+                    <a:ext uri="{9D8B030D-6E8A-4147-A177-3AD203B41FA5}">
+                      <a16:colId xmlns:a16="http://schemas.microsoft.com/office/drawing/2014/main" val="3419242887"/>
+                    </a:ext>
+                  </a:extLst>
+                </a:gridCol>
+              </a:tblGrid>
+              <a:tr h="370840">
+                <a:tc gridSpan="2">
+                  <a:txBody>
+                    <a:bodyPr/>
+                    <a:lstStyle/>
+                    <a:p>
+                      <a:pPr algn="ctr"/>
+                      <a:r>
+                        <a:rPr lang="en-US" dirty="0">
+                          <a:solidFill>
+                            <a:srgbClr val="0F3874"/>
+                          </a:solidFill>
+                        </a:rPr>
+                        <a:t>Food Info</a:t>
+                      </a:r>
+                    </a:p>
+                  </a:txBody>
+                  <a:tcPr>
+                    <a:solidFill>
+                      <a:srgbClr val="E7EAED"/>
+                    </a:solidFill>
+                  </a:tcPr>
+                </a:tc>
+                <a:tc hMerge="1">
+                  <a:txBody>
+                    <a:bodyPr/>
+                    <a:lstStyle/>
+                    <a:p>
+                      <a:endParaRPr lang="en-US" dirty="0"/>
+                    </a:p>
+                  </a:txBody>
+                  <a:tcPr>
+                    <a:solidFill>
+                      <a:srgbClr val="E7EAED"/>
+                    </a:solidFill>
+                  </a:tcPr>
+                </a:tc>
+                <a:extLst>
+                  <a:ext uri="{0D108BD9-81ED-4DB2-BD59-A6C34878D82A}">
+                    <a16:rowId xmlns:a16="http://schemas.microsoft.com/office/drawing/2014/main" val="1748889807"/>
+                  </a:ext>
+                </a:extLst>
+              </a:tr>
+              <a:tr h="370840">
+                <a:tc>
+                  <a:txBody>
+                    <a:bodyPr/>
+                    <a:lstStyle/>
+                    <a:p>
+                      <a:r>
+                        <a:rPr lang="en-US" dirty="0">
+                          <a:solidFill>
+                            <a:srgbClr val="0F3874"/>
+                          </a:solidFill>
+                        </a:rPr>
+                        <a:t>Food_Name</a:t>
+                      </a:r>
+                    </a:p>
+                  </a:txBody>
+                  <a:tcPr/>
+                </a:tc>
+                <a:tc>
+                  <a:txBody>
+                    <a:bodyPr/>
+                    <a:lstStyle/>
+                    <a:p>
+                      <a:r>
+                        <a:rPr lang="en-US" dirty="0">
+                          <a:solidFill>
+                            <a:srgbClr val="0F3874"/>
+                          </a:solidFill>
+                        </a:rPr>
+                        <a:t>VarChar</a:t>
+                      </a:r>
+                    </a:p>
+                  </a:txBody>
+                  <a:tcPr/>
+                </a:tc>
+                <a:extLst>
+                  <a:ext uri="{0D108BD9-81ED-4DB2-BD59-A6C34878D82A}">
+                    <a16:rowId xmlns:a16="http://schemas.microsoft.com/office/drawing/2014/main" val="438155033"/>
+                  </a:ext>
+                </a:extLst>
+              </a:tr>
+              <a:tr h="370840">
+                <a:tc>
+                  <a:txBody>
+                    <a:bodyPr/>
+                    <a:lstStyle/>
+                    <a:p>
+                      <a:r>
+                        <a:rPr lang="en-US" dirty="0">
+                          <a:solidFill>
+                            <a:srgbClr val="0F3874"/>
+                          </a:solidFill>
+                        </a:rPr>
+                        <a:t>Calorie_Count</a:t>
+                      </a:r>
+                    </a:p>
+                  </a:txBody>
+                  <a:tcPr/>
+                </a:tc>
+                <a:tc>
+                  <a:txBody>
+                    <a:bodyPr/>
+                    <a:lstStyle/>
+                    <a:p>
+                      <a:r>
+                        <a:rPr lang="en-US" dirty="0">
+                          <a:solidFill>
+                            <a:srgbClr val="0F3874"/>
+                          </a:solidFill>
+                        </a:rPr>
+                        <a:t>Int</a:t>
+                      </a:r>
+                    </a:p>
+                  </a:txBody>
+                  <a:tcPr/>
+                </a:tc>
+                <a:extLst>
+                  <a:ext uri="{0D108BD9-81ED-4DB2-BD59-A6C34878D82A}">
+                    <a16:rowId xmlns:a16="http://schemas.microsoft.com/office/drawing/2014/main" val="2441643462"/>
+                  </a:ext>
+                </a:extLst>
+              </a:tr>
+              <a:tr h="370840">
+                <a:tc>
+                  <a:txBody>
+                    <a:bodyPr/>
+                    <a:lstStyle/>
+                    <a:p>
+                      <a:r>
+                        <a:rPr lang="en-US" dirty="0">
+                          <a:solidFill>
+                            <a:srgbClr val="0F3874"/>
+                          </a:solidFill>
+                        </a:rPr>
+                        <a:t>Carb_Count</a:t>
+                      </a:r>
+                    </a:p>
+                  </a:txBody>
+                  <a:tcPr/>
+                </a:tc>
+                <a:tc>
+                  <a:txBody>
+                    <a:bodyPr/>
+                    <a:lstStyle/>
+                    <a:p>
+                      <a:r>
+                        <a:rPr lang="en-US" dirty="0">
+                          <a:solidFill>
+                            <a:srgbClr val="0F3874"/>
+                          </a:solidFill>
+                        </a:rPr>
+                        <a:t>Int</a:t>
+                      </a:r>
+                    </a:p>
+                  </a:txBody>
+                  <a:tcPr/>
+                </a:tc>
+                <a:extLst>
+                  <a:ext uri="{0D108BD9-81ED-4DB2-BD59-A6C34878D82A}">
+                    <a16:rowId xmlns:a16="http://schemas.microsoft.com/office/drawing/2014/main" val="2216924842"/>
+                  </a:ext>
+                </a:extLst>
+              </a:tr>
+              <a:tr h="370840">
+                <a:tc>
+                  <a:txBody>
+                    <a:bodyPr/>
+                    <a:lstStyle/>
+                    <a:p>
+                      <a:r>
+                        <a:rPr lang="en-US" dirty="0" err="1">
+                          <a:solidFill>
+                            <a:srgbClr val="0F3874"/>
+                          </a:solidFill>
+                        </a:rPr>
+                        <a:t>Protein_Count</a:t>
+                      </a:r>
+                      <a:endParaRPr lang="en-US" dirty="0">
+                        <a:solidFill>
+                          <a:srgbClr val="0F3874"/>
+                        </a:solidFill>
+                      </a:endParaRPr>
+                    </a:p>
+                  </a:txBody>
+                  <a:tcPr/>
+                </a:tc>
+                <a:tc>
+                  <a:txBody>
+                    <a:bodyPr/>
+                    <a:lstStyle/>
+                    <a:p>
+                      <a:r>
+                        <a:rPr lang="en-US" dirty="0">
+                          <a:solidFill>
+                            <a:srgbClr val="0F3874"/>
+                          </a:solidFill>
+                        </a:rPr>
+                        <a:t>Int</a:t>
+                      </a:r>
+                    </a:p>
+                  </a:txBody>
+                  <a:tcPr/>
+                </a:tc>
+                <a:extLst>
+                  <a:ext uri="{0D108BD9-81ED-4DB2-BD59-A6C34878D82A}">
+                    <a16:rowId xmlns:a16="http://schemas.microsoft.com/office/drawing/2014/main" val="3726972817"/>
+                  </a:ext>
+                </a:extLst>
+              </a:tr>
+              <a:tr h="370840">
+                <a:tc>
+                  <a:txBody>
+                    <a:bodyPr/>
+                    <a:lstStyle/>
+                    <a:p>
+                      <a:r>
+                        <a:rPr lang="en-US" dirty="0" err="1">
+                          <a:solidFill>
+                            <a:srgbClr val="0F3874"/>
+                          </a:solidFill>
+                        </a:rPr>
+                        <a:t>Fats_Count</a:t>
+                      </a:r>
+                      <a:endParaRPr lang="en-US" dirty="0">
+                        <a:solidFill>
+                          <a:srgbClr val="0F3874"/>
+                        </a:solidFill>
+                      </a:endParaRPr>
+                    </a:p>
+                  </a:txBody>
+                  <a:tcPr/>
+                </a:tc>
+                <a:tc>
+                  <a:txBody>
+                    <a:bodyPr/>
+                    <a:lstStyle/>
+                    <a:p>
+                      <a:r>
+                        <a:rPr lang="en-US" dirty="0">
+                          <a:solidFill>
+                            <a:srgbClr val="0F3874"/>
+                          </a:solidFill>
+                        </a:rPr>
+                        <a:t>Int</a:t>
+                      </a:r>
+                    </a:p>
+                  </a:txBody>
+                  <a:tcPr/>
+                </a:tc>
+                <a:extLst>
+                  <a:ext uri="{0D108BD9-81ED-4DB2-BD59-A6C34878D82A}">
+                    <a16:rowId xmlns:a16="http://schemas.microsoft.com/office/drawing/2014/main" val="1016691113"/>
+                  </a:ext>
+                </a:extLst>
+              </a:tr>
+            </a:tbl>
+          </a:graphicData>
+        </a:graphic>
+      </p:graphicFrame>
+      <p:grpSp>
+        <p:nvGrpSpPr>
+          <p:cNvPr id="34" name="Group 33">
+            <a:extLst>
+              <a:ext uri="{FF2B5EF4-FFF2-40B4-BE49-F238E27FC236}">
+                <a16:creationId xmlns:a16="http://schemas.microsoft.com/office/drawing/2014/main" id="{B9095A33-F278-330C-44CB-A1C9A5EB23E0}"/>
+              </a:ext>
+            </a:extLst>
+          </p:cNvPr>
+          <p:cNvGrpSpPr/>
+          <p:nvPr/>
+        </p:nvGrpSpPr>
+        <p:grpSpPr>
+          <a:xfrm>
+            <a:off x="3772632" y="1827923"/>
+            <a:ext cx="888031" cy="152589"/>
+            <a:chOff x="3772632" y="1789823"/>
+            <a:chExt cx="888031" cy="152589"/>
+          </a:xfrm>
+        </p:grpSpPr>
+        <p:cxnSp>
+          <p:nvCxnSpPr>
+            <p:cNvPr id="11" name="Straight Connector 10">
+              <a:extLst>
+                <a:ext uri="{FF2B5EF4-FFF2-40B4-BE49-F238E27FC236}">
+                  <a16:creationId xmlns:a16="http://schemas.microsoft.com/office/drawing/2014/main" id="{EA030C68-3E07-F5C8-03E8-D05A9DC19CB8}"/>
+                </a:ext>
+              </a:extLst>
+            </p:cNvPr>
+            <p:cNvCxnSpPr>
+              <a:cxnSpLocks/>
+            </p:cNvCxnSpPr>
+            <p:nvPr/>
+          </p:nvCxnSpPr>
+          <p:spPr>
+            <a:xfrm flipV="1">
+              <a:off x="3772632" y="1866117"/>
+              <a:ext cx="888031" cy="1"/>
+            </a:xfrm>
+            <a:prstGeom prst="line">
+              <a:avLst/>
+            </a:prstGeom>
+          </p:spPr>
+          <p:style>
+            <a:lnRef idx="2">
+              <a:schemeClr val="accent1"/>
+            </a:lnRef>
+            <a:fillRef idx="0">
+              <a:schemeClr val="accent1"/>
+            </a:fillRef>
+            <a:effectRef idx="1">
+              <a:schemeClr val="accent1"/>
+            </a:effectRef>
+            <a:fontRef idx="minor">
+              <a:schemeClr val="tx1"/>
+            </a:fontRef>
+          </p:style>
+        </p:cxnSp>
+        <p:cxnSp>
+          <p:nvCxnSpPr>
+            <p:cNvPr id="20" name="Straight Connector 19">
+              <a:extLst>
+                <a:ext uri="{FF2B5EF4-FFF2-40B4-BE49-F238E27FC236}">
+                  <a16:creationId xmlns:a16="http://schemas.microsoft.com/office/drawing/2014/main" id="{981C33E4-C04E-46F3-F083-DE6999A6C0DB}"/>
+                </a:ext>
+              </a:extLst>
+            </p:cNvPr>
+            <p:cNvCxnSpPr>
+              <a:cxnSpLocks/>
+            </p:cNvCxnSpPr>
+            <p:nvPr/>
+          </p:nvCxnSpPr>
+          <p:spPr>
+            <a:xfrm>
+              <a:off x="4519797" y="1866117"/>
+              <a:ext cx="138485" cy="42749"/>
+            </a:xfrm>
+            <a:prstGeom prst="line">
+              <a:avLst/>
+            </a:prstGeom>
+          </p:spPr>
+          <p:style>
+            <a:lnRef idx="2">
+              <a:schemeClr val="accent1"/>
+            </a:lnRef>
+            <a:fillRef idx="0">
+              <a:schemeClr val="accent1"/>
+            </a:fillRef>
+            <a:effectRef idx="1">
+              <a:schemeClr val="accent1"/>
+            </a:effectRef>
+            <a:fontRef idx="minor">
+              <a:schemeClr val="tx1"/>
+            </a:fontRef>
+          </p:style>
+        </p:cxnSp>
+        <p:cxnSp>
+          <p:nvCxnSpPr>
+            <p:cNvPr id="25" name="Straight Connector 24">
+              <a:extLst>
+                <a:ext uri="{FF2B5EF4-FFF2-40B4-BE49-F238E27FC236}">
+                  <a16:creationId xmlns:a16="http://schemas.microsoft.com/office/drawing/2014/main" id="{6DF16B04-EEDE-8695-F434-FBE692672036}"/>
+                </a:ext>
+              </a:extLst>
+            </p:cNvPr>
+            <p:cNvCxnSpPr>
+              <a:cxnSpLocks/>
+            </p:cNvCxnSpPr>
+            <p:nvPr/>
+          </p:nvCxnSpPr>
+          <p:spPr>
+            <a:xfrm flipV="1">
+              <a:off x="3837048" y="1789823"/>
+              <a:ext cx="0" cy="152589"/>
+            </a:xfrm>
+            <a:prstGeom prst="line">
+              <a:avLst/>
+            </a:prstGeom>
+          </p:spPr>
+          <p:style>
+            <a:lnRef idx="2">
+              <a:schemeClr val="accent1"/>
+            </a:lnRef>
+            <a:fillRef idx="0">
+              <a:schemeClr val="accent1"/>
+            </a:fillRef>
+            <a:effectRef idx="1">
+              <a:schemeClr val="accent1"/>
+            </a:effectRef>
+            <a:fontRef idx="minor">
+              <a:schemeClr val="tx1"/>
+            </a:fontRef>
+          </p:style>
+        </p:cxnSp>
+        <p:cxnSp>
+          <p:nvCxnSpPr>
+            <p:cNvPr id="27" name="Straight Connector 26">
+              <a:extLst>
+                <a:ext uri="{FF2B5EF4-FFF2-40B4-BE49-F238E27FC236}">
+                  <a16:creationId xmlns:a16="http://schemas.microsoft.com/office/drawing/2014/main" id="{A64446F5-5318-AB78-9239-99FE060E88A9}"/>
+                </a:ext>
+              </a:extLst>
+            </p:cNvPr>
+            <p:cNvCxnSpPr>
+              <a:cxnSpLocks/>
+            </p:cNvCxnSpPr>
+            <p:nvPr/>
+          </p:nvCxnSpPr>
+          <p:spPr>
+            <a:xfrm flipV="1">
+              <a:off x="3887054" y="1789823"/>
+              <a:ext cx="0" cy="152589"/>
+            </a:xfrm>
+            <a:prstGeom prst="line">
+              <a:avLst/>
+            </a:prstGeom>
+          </p:spPr>
+          <p:style>
+            <a:lnRef idx="2">
+              <a:schemeClr val="accent1"/>
+            </a:lnRef>
+            <a:fillRef idx="0">
+              <a:schemeClr val="accent1"/>
+            </a:fillRef>
+            <a:effectRef idx="1">
+              <a:schemeClr val="accent1"/>
+            </a:effectRef>
+            <a:fontRef idx="minor">
+              <a:schemeClr val="tx1"/>
+            </a:fontRef>
+          </p:style>
+        </p:cxnSp>
+        <p:sp>
+          <p:nvSpPr>
+            <p:cNvPr id="28" name="Flowchart: Connector 27">
+              <a:extLst>
+                <a:ext uri="{FF2B5EF4-FFF2-40B4-BE49-F238E27FC236}">
+                  <a16:creationId xmlns:a16="http://schemas.microsoft.com/office/drawing/2014/main" id="{BFC9E430-FA43-0C46-140A-7CD44FE41C0C}"/>
+                </a:ext>
+              </a:extLst>
+            </p:cNvPr>
+            <p:cNvSpPr/>
+            <p:nvPr/>
+          </p:nvSpPr>
+          <p:spPr>
+            <a:xfrm>
+              <a:off x="4372317" y="1797536"/>
+              <a:ext cx="137160" cy="137160"/>
+            </a:xfrm>
+            <a:prstGeom prst="flowChartConnector">
+              <a:avLst/>
+            </a:prstGeom>
+            <a:ln>
+              <a:solidFill>
+                <a:srgbClr val="156082"/>
+              </a:solidFill>
+            </a:ln>
+          </p:spPr>
+          <p:style>
+            <a:lnRef idx="2">
+              <a:schemeClr val="accent1">
+                <a:shade val="15000"/>
+              </a:schemeClr>
+            </a:lnRef>
+            <a:fillRef idx="1">
+              <a:schemeClr val="accent1"/>
+            </a:fillRef>
+            <a:effectRef idx="0">
+              <a:schemeClr val="accent1"/>
+            </a:effectRef>
+            <a:fontRef idx="minor">
+              <a:schemeClr val="lt1"/>
+            </a:fontRef>
+          </p:style>
+          <p:txBody>
+            <a:bodyPr rtlCol="0" anchor="ctr"/>
+            <a:lstStyle/>
+            <a:p>
+              <a:pPr algn="ctr"/>
+              <a:endParaRPr lang="en-US" dirty="0">
+                <a:ln>
+                  <a:solidFill>
+                    <a:srgbClr val="0F3874"/>
+                  </a:solidFill>
+                </a:ln>
+                <a:solidFill>
+                  <a:srgbClr val="0F3874"/>
+                </a:solidFill>
+              </a:endParaRPr>
+            </a:p>
+          </p:txBody>
+        </p:sp>
+        <p:cxnSp>
+          <p:nvCxnSpPr>
+            <p:cNvPr id="31" name="Straight Connector 30">
+              <a:extLst>
+                <a:ext uri="{FF2B5EF4-FFF2-40B4-BE49-F238E27FC236}">
+                  <a16:creationId xmlns:a16="http://schemas.microsoft.com/office/drawing/2014/main" id="{34751190-FBD6-CFF9-0558-44B5A180B286}"/>
+                </a:ext>
+              </a:extLst>
+            </p:cNvPr>
+            <p:cNvCxnSpPr>
+              <a:cxnSpLocks/>
+            </p:cNvCxnSpPr>
+            <p:nvPr/>
+          </p:nvCxnSpPr>
+          <p:spPr>
+            <a:xfrm flipV="1">
+              <a:off x="4522178" y="1823369"/>
+              <a:ext cx="134264" cy="42747"/>
+            </a:xfrm>
+            <a:prstGeom prst="line">
+              <a:avLst/>
+            </a:prstGeom>
+          </p:spPr>
+          <p:style>
+            <a:lnRef idx="2">
+              <a:schemeClr val="accent1"/>
+            </a:lnRef>
+            <a:fillRef idx="0">
+              <a:schemeClr val="accent1"/>
+            </a:fillRef>
+            <a:effectRef idx="1">
+              <a:schemeClr val="accent1"/>
+            </a:effectRef>
+            <a:fontRef idx="minor">
+              <a:schemeClr val="tx1"/>
+            </a:fontRef>
+          </p:style>
+        </p:cxnSp>
+      </p:grpSp>
+      <p:grpSp>
+        <p:nvGrpSpPr>
+          <p:cNvPr id="35" name="Group 34">
+            <a:extLst>
+              <a:ext uri="{FF2B5EF4-FFF2-40B4-BE49-F238E27FC236}">
+                <a16:creationId xmlns:a16="http://schemas.microsoft.com/office/drawing/2014/main" id="{24188FFF-333B-F6EE-57ED-4489D8FCF002}"/>
+              </a:ext>
+            </a:extLst>
+          </p:cNvPr>
+          <p:cNvGrpSpPr/>
+          <p:nvPr/>
+        </p:nvGrpSpPr>
+        <p:grpSpPr>
+          <a:xfrm>
+            <a:off x="7533049" y="1820207"/>
+            <a:ext cx="888031" cy="152589"/>
+            <a:chOff x="3772632" y="1789823"/>
+            <a:chExt cx="888031" cy="152589"/>
+          </a:xfrm>
+        </p:grpSpPr>
+        <p:cxnSp>
+          <p:nvCxnSpPr>
+            <p:cNvPr id="36" name="Straight Connector 35">
+              <a:extLst>
+                <a:ext uri="{FF2B5EF4-FFF2-40B4-BE49-F238E27FC236}">
+                  <a16:creationId xmlns:a16="http://schemas.microsoft.com/office/drawing/2014/main" id="{29E77302-2097-14FA-6F4A-E2DFEAAC0736}"/>
+                </a:ext>
+              </a:extLst>
+            </p:cNvPr>
+            <p:cNvCxnSpPr>
+              <a:cxnSpLocks/>
+            </p:cNvCxnSpPr>
+            <p:nvPr/>
+          </p:nvCxnSpPr>
+          <p:spPr>
+            <a:xfrm flipV="1">
+              <a:off x="3772632" y="1866117"/>
+              <a:ext cx="888031" cy="1"/>
+            </a:xfrm>
+            <a:prstGeom prst="line">
+              <a:avLst/>
+            </a:prstGeom>
+          </p:spPr>
+          <p:style>
+            <a:lnRef idx="2">
+              <a:schemeClr val="accent1"/>
+            </a:lnRef>
+            <a:fillRef idx="0">
+              <a:schemeClr val="accent1"/>
+            </a:fillRef>
+            <a:effectRef idx="1">
+              <a:schemeClr val="accent1"/>
+            </a:effectRef>
+            <a:fontRef idx="minor">
+              <a:schemeClr val="tx1"/>
+            </a:fontRef>
+          </p:style>
+        </p:cxnSp>
+        <p:cxnSp>
+          <p:nvCxnSpPr>
+            <p:cNvPr id="38" name="Straight Connector 37">
+              <a:extLst>
+                <a:ext uri="{FF2B5EF4-FFF2-40B4-BE49-F238E27FC236}">
+                  <a16:creationId xmlns:a16="http://schemas.microsoft.com/office/drawing/2014/main" id="{8A1FD8FD-2796-19D1-9CB4-C5E88F9A34CE}"/>
+                </a:ext>
+              </a:extLst>
+            </p:cNvPr>
+            <p:cNvCxnSpPr>
+              <a:cxnSpLocks/>
+            </p:cNvCxnSpPr>
+            <p:nvPr/>
+          </p:nvCxnSpPr>
+          <p:spPr>
+            <a:xfrm flipV="1">
+              <a:off x="3837048" y="1789823"/>
+              <a:ext cx="0" cy="152589"/>
+            </a:xfrm>
+            <a:prstGeom prst="line">
+              <a:avLst/>
+            </a:prstGeom>
+          </p:spPr>
+          <p:style>
+            <a:lnRef idx="2">
+              <a:schemeClr val="accent1"/>
+            </a:lnRef>
+            <a:fillRef idx="0">
+              <a:schemeClr val="accent1"/>
+            </a:fillRef>
+            <a:effectRef idx="1">
+              <a:schemeClr val="accent1"/>
+            </a:effectRef>
+            <a:fontRef idx="minor">
+              <a:schemeClr val="tx1"/>
+            </a:fontRef>
+          </p:style>
+        </p:cxnSp>
+        <p:cxnSp>
+          <p:nvCxnSpPr>
+            <p:cNvPr id="39" name="Straight Connector 38">
+              <a:extLst>
+                <a:ext uri="{FF2B5EF4-FFF2-40B4-BE49-F238E27FC236}">
+                  <a16:creationId xmlns:a16="http://schemas.microsoft.com/office/drawing/2014/main" id="{54A928AD-C0D1-08CB-5823-81F79E6A0D65}"/>
+                </a:ext>
+              </a:extLst>
+            </p:cNvPr>
+            <p:cNvCxnSpPr>
+              <a:cxnSpLocks/>
+            </p:cNvCxnSpPr>
+            <p:nvPr/>
+          </p:nvCxnSpPr>
+          <p:spPr>
+            <a:xfrm flipV="1">
+              <a:off x="3887054" y="1789823"/>
+              <a:ext cx="0" cy="152589"/>
+            </a:xfrm>
+            <a:prstGeom prst="line">
+              <a:avLst/>
+            </a:prstGeom>
+          </p:spPr>
+          <p:style>
+            <a:lnRef idx="2">
+              <a:schemeClr val="accent1"/>
+            </a:lnRef>
+            <a:fillRef idx="0">
+              <a:schemeClr val="accent1"/>
+            </a:fillRef>
+            <a:effectRef idx="1">
+              <a:schemeClr val="accent1"/>
+            </a:effectRef>
+            <a:fontRef idx="minor">
+              <a:schemeClr val="tx1"/>
+            </a:fontRef>
+          </p:style>
+        </p:cxnSp>
+      </p:grpSp>
+      <p:cxnSp>
+        <p:nvCxnSpPr>
+          <p:cNvPr id="42" name="Straight Connector 41">
+            <a:extLst>
+              <a:ext uri="{FF2B5EF4-FFF2-40B4-BE49-F238E27FC236}">
+                <a16:creationId xmlns:a16="http://schemas.microsoft.com/office/drawing/2014/main" id="{08074D2C-5E24-CF61-AA21-0FBE82B36332}"/>
+              </a:ext>
+            </a:extLst>
+          </p:cNvPr>
+          <p:cNvCxnSpPr>
+            <a:cxnSpLocks/>
+          </p:cNvCxnSpPr>
+          <p:nvPr/>
+        </p:nvCxnSpPr>
+        <p:spPr>
+          <a:xfrm flipV="1">
+            <a:off x="8309458" y="1817042"/>
+            <a:ext cx="0" cy="152589"/>
+          </a:xfrm>
+          <a:prstGeom prst="line">
+            <a:avLst/>
+          </a:prstGeom>
+        </p:spPr>
+        <p:style>
+          <a:lnRef idx="2">
+            <a:schemeClr val="accent1"/>
+          </a:lnRef>
+          <a:fillRef idx="0">
+            <a:schemeClr val="accent1"/>
+          </a:fillRef>
+          <a:effectRef idx="1">
+            <a:schemeClr val="accent1"/>
+          </a:effectRef>
+          <a:fontRef idx="minor">
+            <a:schemeClr val="tx1"/>
+          </a:fontRef>
+        </p:style>
+      </p:cxnSp>
+      <p:cxnSp>
+        <p:nvCxnSpPr>
+          <p:cNvPr id="43" name="Straight Connector 42">
+            <a:extLst>
+              <a:ext uri="{FF2B5EF4-FFF2-40B4-BE49-F238E27FC236}">
+                <a16:creationId xmlns:a16="http://schemas.microsoft.com/office/drawing/2014/main" id="{A1729542-05F2-3626-E7D4-287F974B4BFB}"/>
+              </a:ext>
+            </a:extLst>
+          </p:cNvPr>
+          <p:cNvCxnSpPr>
+            <a:cxnSpLocks/>
+          </p:cNvCxnSpPr>
+          <p:nvPr/>
+        </p:nvCxnSpPr>
+        <p:spPr>
+          <a:xfrm flipV="1">
+            <a:off x="8359464" y="1817042"/>
+            <a:ext cx="0" cy="152589"/>
+          </a:xfrm>
+          <a:prstGeom prst="line">
+            <a:avLst/>
+          </a:prstGeom>
+        </p:spPr>
+        <p:style>
+          <a:lnRef idx="2">
+            <a:schemeClr val="accent1"/>
+          </a:lnRef>
+          <a:fillRef idx="0">
+            <a:schemeClr val="accent1"/>
+          </a:fillRef>
+          <a:effectRef idx="1">
+            <a:schemeClr val="accent1"/>
+          </a:effectRef>
+          <a:fontRef idx="minor">
+            <a:schemeClr val="tx1"/>
+          </a:fontRef>
+        </p:style>
+      </p:cxnSp>
     </p:spTree>
     <p:extLst>
       <p:ext uri="{BB962C8B-B14F-4D97-AF65-F5344CB8AC3E}">
-        <p14:creationId xmlns:p14="http://schemas.microsoft.com/office/powerpoint/2010/main" val="1835518684"/>
+        <p14:creationId xmlns:p14="http://schemas.microsoft.com/office/powerpoint/2010/main" val="3992931225"/>
       </p:ext>
     </p:extLst>
   </p:cSld>

--- a/diagrams/Nutrition Compass Presentation.pptx
+++ b/diagrams/Nutrition Compass Presentation.pptx
@@ -5,22 +5,21 @@
     <p:sldMasterId id="2147483648" r:id="rId1"/>
   </p:sldMasterIdLst>
   <p:notesMasterIdLst>
-    <p:notesMasterId r:id="rId15"/>
+    <p:notesMasterId r:id="rId14"/>
   </p:notesMasterIdLst>
   <p:sldIdLst>
-    <p:sldId id="267" r:id="rId2"/>
-    <p:sldId id="256" r:id="rId3"/>
-    <p:sldId id="258" r:id="rId4"/>
-    <p:sldId id="259" r:id="rId5"/>
-    <p:sldId id="268" r:id="rId6"/>
-    <p:sldId id="260" r:id="rId7"/>
-    <p:sldId id="261" r:id="rId8"/>
-    <p:sldId id="262" r:id="rId9"/>
-    <p:sldId id="264" r:id="rId10"/>
-    <p:sldId id="263" r:id="rId11"/>
-    <p:sldId id="265" r:id="rId12"/>
-    <p:sldId id="266" r:id="rId13"/>
-    <p:sldId id="269" r:id="rId14"/>
+    <p:sldId id="256" r:id="rId2"/>
+    <p:sldId id="258" r:id="rId3"/>
+    <p:sldId id="259" r:id="rId4"/>
+    <p:sldId id="268" r:id="rId5"/>
+    <p:sldId id="260" r:id="rId6"/>
+    <p:sldId id="261" r:id="rId7"/>
+    <p:sldId id="262" r:id="rId8"/>
+    <p:sldId id="264" r:id="rId9"/>
+    <p:sldId id="263" r:id="rId10"/>
+    <p:sldId id="265" r:id="rId11"/>
+    <p:sldId id="266" r:id="rId12"/>
+    <p:sldId id="269" r:id="rId13"/>
   </p:sldIdLst>
   <p:sldSz cx="12192000" cy="6858000"/>
   <p:notesSz cx="6858000" cy="9144000"/>
@@ -130,8 +129,8 @@
 <file path=ppt/revisionInfo.xml><?xml version="1.0" encoding="utf-8"?>
 <p1510:revInfo xmlns:a="http://schemas.openxmlformats.org/drawingml/2006/main" xmlns:r="http://schemas.openxmlformats.org/officeDocument/2006/relationships" xmlns:p1510="http://schemas.microsoft.com/office/powerpoint/2015/10/main">
   <p1510:revLst>
-    <p1510:client id="{498019F4-6025-4BDC-98B8-AC161C7FF662}" v="2" dt="2024-12-01T23:32:37.783"/>
-    <p1510:client id="{61DAA024-F5F8-43EC-9B0A-FFE5A2F563BA}" v="247" dt="2024-12-01T21:33:07.322"/>
+    <p1510:client id="{498019F4-6025-4BDC-98B8-AC161C7FF662}" v="3" dt="2024-12-02T01:55:30.682"/>
+    <p1510:client id="{61DAA024-F5F8-43EC-9B0A-FFE5A2F563BA}" v="257" dt="2024-12-02T03:04:22.864"/>
   </p1510:revLst>
 </p1510:revInfo>
 </file>
@@ -141,7 +140,7 @@
   <pc:docChgLst>
     <pc:chgData name="Jia Jones" userId="a3b0c72f-e186-4738-b8d6-28e077c699c2" providerId="ADAL" clId="{61DAA024-F5F8-43EC-9B0A-FFE5A2F563BA}"/>
     <pc:docChg chg="undo redo custSel addSld delSld modSld sldOrd">
-      <pc:chgData name="Jia Jones" userId="a3b0c72f-e186-4738-b8d6-28e077c699c2" providerId="ADAL" clId="{61DAA024-F5F8-43EC-9B0A-FFE5A2F563BA}" dt="2024-12-01T21:34:03.859" v="3429" actId="20577"/>
+      <pc:chgData name="Jia Jones" userId="a3b0c72f-e186-4738-b8d6-28e077c699c2" providerId="ADAL" clId="{61DAA024-F5F8-43EC-9B0A-FFE5A2F563BA}" dt="2024-12-02T03:17:12.234" v="3705" actId="47"/>
       <pc:docMkLst>
         <pc:docMk/>
       </pc:docMkLst>
@@ -168,7 +167,7 @@
         </pc:spChg>
       </pc:sldChg>
       <pc:sldChg chg="addSp modSp mod modNotesTx">
-        <pc:chgData name="Jia Jones" userId="a3b0c72f-e186-4738-b8d6-28e077c699c2" providerId="ADAL" clId="{61DAA024-F5F8-43EC-9B0A-FFE5A2F563BA}" dt="2024-11-25T03:35:25.672" v="1792" actId="1076"/>
+        <pc:chgData name="Jia Jones" userId="a3b0c72f-e186-4738-b8d6-28e077c699c2" providerId="ADAL" clId="{61DAA024-F5F8-43EC-9B0A-FFE5A2F563BA}" dt="2024-12-02T02:59:08.559" v="3457" actId="113"/>
         <pc:sldMkLst>
           <pc:docMk/>
           <pc:sldMk cId="2073159196" sldId="259"/>
@@ -182,7 +181,7 @@
           </ac:spMkLst>
         </pc:spChg>
         <pc:spChg chg="mod">
-          <ac:chgData name="Jia Jones" userId="a3b0c72f-e186-4738-b8d6-28e077c699c2" providerId="ADAL" clId="{61DAA024-F5F8-43EC-9B0A-FFE5A2F563BA}" dt="2024-11-25T03:35:25.672" v="1792" actId="1076"/>
+          <ac:chgData name="Jia Jones" userId="a3b0c72f-e186-4738-b8d6-28e077c699c2" providerId="ADAL" clId="{61DAA024-F5F8-43EC-9B0A-FFE5A2F563BA}" dt="2024-12-02T02:59:08.559" v="3457" actId="113"/>
           <ac:spMkLst>
             <pc:docMk/>
             <pc:sldMk cId="2073159196" sldId="259"/>
@@ -191,7 +190,7 @@
         </pc:spChg>
       </pc:sldChg>
       <pc:sldChg chg="addSp delSp modSp mod modNotesTx">
-        <pc:chgData name="Jia Jones" userId="a3b0c72f-e186-4738-b8d6-28e077c699c2" providerId="ADAL" clId="{61DAA024-F5F8-43EC-9B0A-FFE5A2F563BA}" dt="2024-11-30T03:00:00.507" v="2964" actId="1076"/>
+        <pc:chgData name="Jia Jones" userId="a3b0c72f-e186-4738-b8d6-28e077c699c2" providerId="ADAL" clId="{61DAA024-F5F8-43EC-9B0A-FFE5A2F563BA}" dt="2024-12-02T02:48:54.107" v="3455" actId="1076"/>
         <pc:sldMkLst>
           <pc:docMk/>
           <pc:sldMk cId="2789107386" sldId="260"/>
@@ -253,7 +252,7 @@
           </ac:grpSpMkLst>
         </pc:grpChg>
         <pc:picChg chg="add mod">
-          <ac:chgData name="Jia Jones" userId="a3b0c72f-e186-4738-b8d6-28e077c699c2" providerId="ADAL" clId="{61DAA024-F5F8-43EC-9B0A-FFE5A2F563BA}" dt="2024-11-30T03:00:00.507" v="2964" actId="1076"/>
+          <ac:chgData name="Jia Jones" userId="a3b0c72f-e186-4738-b8d6-28e077c699c2" providerId="ADAL" clId="{61DAA024-F5F8-43EC-9B0A-FFE5A2F563BA}" dt="2024-12-02T02:48:49.192" v="3454" actId="1076"/>
           <ac:picMkLst>
             <pc:docMk/>
             <pc:sldMk cId="2789107386" sldId="260"/>
@@ -269,7 +268,7 @@
           </ac:picMkLst>
         </pc:picChg>
         <pc:picChg chg="add mod">
-          <ac:chgData name="Jia Jones" userId="a3b0c72f-e186-4738-b8d6-28e077c699c2" providerId="ADAL" clId="{61DAA024-F5F8-43EC-9B0A-FFE5A2F563BA}" dt="2024-11-30T03:00:00.507" v="2964" actId="1076"/>
+          <ac:chgData name="Jia Jones" userId="a3b0c72f-e186-4738-b8d6-28e077c699c2" providerId="ADAL" clId="{61DAA024-F5F8-43EC-9B0A-FFE5A2F563BA}" dt="2024-12-02T02:48:54.107" v="3455" actId="1076"/>
           <ac:picMkLst>
             <pc:docMk/>
             <pc:sldMk cId="2789107386" sldId="260"/>
@@ -293,6 +292,14 @@
           </ac:picMkLst>
         </pc:picChg>
         <pc:picChg chg="add mod">
+          <ac:chgData name="Jia Jones" userId="a3b0c72f-e186-4738-b8d6-28e077c699c2" providerId="ADAL" clId="{61DAA024-F5F8-43EC-9B0A-FFE5A2F563BA}" dt="2024-12-02T02:48:47.398" v="3453" actId="1076"/>
+          <ac:picMkLst>
+            <pc:docMk/>
+            <pc:sldMk cId="2789107386" sldId="260"/>
+            <ac:picMk id="15" creationId="{1B16A866-2EC8-104C-373A-BE6792836D3F}"/>
+          </ac:picMkLst>
+        </pc:picChg>
+        <pc:picChg chg="add mod">
           <ac:chgData name="Jia Jones" userId="a3b0c72f-e186-4738-b8d6-28e077c699c2" providerId="ADAL" clId="{61DAA024-F5F8-43EC-9B0A-FFE5A2F563BA}" dt="2024-11-18T02:49:29.409" v="563" actId="1076"/>
           <ac:picMkLst>
             <pc:docMk/>
@@ -374,7 +381,7 @@
         </pc:picChg>
       </pc:sldChg>
       <pc:sldChg chg="addSp delSp modSp mod modNotesTx">
-        <pc:chgData name="Jia Jones" userId="a3b0c72f-e186-4738-b8d6-28e077c699c2" providerId="ADAL" clId="{61DAA024-F5F8-43EC-9B0A-FFE5A2F563BA}" dt="2024-12-01T17:10:57.726" v="3031" actId="14100"/>
+        <pc:chgData name="Jia Jones" userId="a3b0c72f-e186-4738-b8d6-28e077c699c2" providerId="ADAL" clId="{61DAA024-F5F8-43EC-9B0A-FFE5A2F563BA}" dt="2024-12-02T02:47:05.780" v="3446" actId="14100"/>
         <pc:sldMkLst>
           <pc:docMk/>
           <pc:sldMk cId="3163370101" sldId="261"/>
@@ -740,7 +747,7 @@
           </ac:cxnSpMkLst>
         </pc:cxnChg>
         <pc:cxnChg chg="add mod">
-          <ac:chgData name="Jia Jones" userId="a3b0c72f-e186-4738-b8d6-28e077c699c2" providerId="ADAL" clId="{61DAA024-F5F8-43EC-9B0A-FFE5A2F563BA}" dt="2024-12-01T17:08:44.802" v="3009" actId="1076"/>
+          <ac:chgData name="Jia Jones" userId="a3b0c72f-e186-4738-b8d6-28e077c699c2" providerId="ADAL" clId="{61DAA024-F5F8-43EC-9B0A-FFE5A2F563BA}" dt="2024-12-02T02:47:05.780" v="3446" actId="14100"/>
           <ac:cxnSpMkLst>
             <pc:docMk/>
             <pc:sldMk cId="3163370101" sldId="261"/>
@@ -837,11 +844,19 @@
         </pc:cxnChg>
       </pc:sldChg>
       <pc:sldChg chg="addSp delSp modSp mod modNotesTx">
-        <pc:chgData name="Jia Jones" userId="a3b0c72f-e186-4738-b8d6-28e077c699c2" providerId="ADAL" clId="{61DAA024-F5F8-43EC-9B0A-FFE5A2F563BA}" dt="2024-12-01T17:13:07.323" v="3038" actId="1076"/>
+        <pc:chgData name="Jia Jones" userId="a3b0c72f-e186-4738-b8d6-28e077c699c2" providerId="ADAL" clId="{61DAA024-F5F8-43EC-9B0A-FFE5A2F563BA}" dt="2024-12-02T03:04:22.863" v="3467" actId="1076"/>
         <pc:sldMkLst>
           <pc:docMk/>
           <pc:sldMk cId="3192155169" sldId="262"/>
         </pc:sldMkLst>
+        <pc:picChg chg="add mod">
+          <ac:chgData name="Jia Jones" userId="a3b0c72f-e186-4738-b8d6-28e077c699c2" providerId="ADAL" clId="{61DAA024-F5F8-43EC-9B0A-FFE5A2F563BA}" dt="2024-12-02T03:04:22.863" v="3467" actId="1076"/>
+          <ac:picMkLst>
+            <pc:docMk/>
+            <pc:sldMk cId="3192155169" sldId="262"/>
+            <ac:picMk id="2" creationId="{8F154AC5-6D48-08DA-479D-C6F9C47FA923}"/>
+          </ac:picMkLst>
+        </pc:picChg>
         <pc:picChg chg="add del">
           <ac:chgData name="Jia Jones" userId="a3b0c72f-e186-4738-b8d6-28e077c699c2" providerId="ADAL" clId="{61DAA024-F5F8-43EC-9B0A-FFE5A2F563BA}" dt="2024-11-24T20:38:39.556" v="859" actId="478"/>
           <ac:picMkLst>
@@ -858,8 +873,8 @@
             <ac:picMk id="8" creationId="{A306073B-68D9-4CD3-4EE5-4B6F6ABF4E21}"/>
           </ac:picMkLst>
         </pc:picChg>
-        <pc:picChg chg="add mod">
-          <ac:chgData name="Jia Jones" userId="a3b0c72f-e186-4738-b8d6-28e077c699c2" providerId="ADAL" clId="{61DAA024-F5F8-43EC-9B0A-FFE5A2F563BA}" dt="2024-12-01T17:13:07.323" v="3038" actId="1076"/>
+        <pc:picChg chg="add del mod">
+          <ac:chgData name="Jia Jones" userId="a3b0c72f-e186-4738-b8d6-28e077c699c2" providerId="ADAL" clId="{61DAA024-F5F8-43EC-9B0A-FFE5A2F563BA}" dt="2024-12-02T03:04:10.710" v="3461" actId="478"/>
           <ac:picMkLst>
             <pc:docMk/>
             <pc:sldMk cId="3192155169" sldId="262"/>
@@ -867,18 +882,26 @@
           </ac:picMkLst>
         </pc:picChg>
       </pc:sldChg>
-      <pc:sldChg chg="addSp mod modNotesTx">
-        <pc:chgData name="Jia Jones" userId="a3b0c72f-e186-4738-b8d6-28e077c699c2" providerId="ADAL" clId="{61DAA024-F5F8-43EC-9B0A-FFE5A2F563BA}" dt="2024-12-01T21:30:47.366" v="3053" actId="22"/>
+      <pc:sldChg chg="addSp delSp mod modNotesTx">
+        <pc:chgData name="Jia Jones" userId="a3b0c72f-e186-4738-b8d6-28e077c699c2" providerId="ADAL" clId="{61DAA024-F5F8-43EC-9B0A-FFE5A2F563BA}" dt="2024-12-02T02:42:52.506" v="3445" actId="22"/>
         <pc:sldMkLst>
           <pc:docMk/>
           <pc:sldMk cId="1835518684" sldId="263"/>
         </pc:sldMkLst>
-        <pc:picChg chg="add">
-          <ac:chgData name="Jia Jones" userId="a3b0c72f-e186-4738-b8d6-28e077c699c2" providerId="ADAL" clId="{61DAA024-F5F8-43EC-9B0A-FFE5A2F563BA}" dt="2024-12-01T21:30:47.366" v="3053" actId="22"/>
+        <pc:picChg chg="add del">
+          <ac:chgData name="Jia Jones" userId="a3b0c72f-e186-4738-b8d6-28e077c699c2" providerId="ADAL" clId="{61DAA024-F5F8-43EC-9B0A-FFE5A2F563BA}" dt="2024-12-02T02:42:52.261" v="3444" actId="478"/>
           <ac:picMkLst>
             <pc:docMk/>
             <pc:sldMk cId="1835518684" sldId="263"/>
             <ac:picMk id="3" creationId="{271965D4-1C48-3FA7-D98E-9BBBD1D9BDDF}"/>
+          </ac:picMkLst>
+        </pc:picChg>
+        <pc:picChg chg="add">
+          <ac:chgData name="Jia Jones" userId="a3b0c72f-e186-4738-b8d6-28e077c699c2" providerId="ADAL" clId="{61DAA024-F5F8-43EC-9B0A-FFE5A2F563BA}" dt="2024-12-02T02:42:52.506" v="3445" actId="22"/>
+          <ac:picMkLst>
+            <pc:docMk/>
+            <pc:sldMk cId="1835518684" sldId="263"/>
+            <ac:picMk id="8" creationId="{1CC687E5-FAC9-3832-9E53-A790F09908AC}"/>
           </ac:picMkLst>
         </pc:picChg>
       </pc:sldChg>
@@ -1066,13 +1089,13 @@
         </pc:cxnChg>
       </pc:sldChg>
       <pc:sldChg chg="addSp modSp add mod modNotesTx">
-        <pc:chgData name="Jia Jones" userId="a3b0c72f-e186-4738-b8d6-28e077c699c2" providerId="ADAL" clId="{61DAA024-F5F8-43EC-9B0A-FFE5A2F563BA}" dt="2024-12-01T21:32:57.360" v="3228" actId="20577"/>
+        <pc:chgData name="Jia Jones" userId="a3b0c72f-e186-4738-b8d6-28e077c699c2" providerId="ADAL" clId="{61DAA024-F5F8-43EC-9B0A-FFE5A2F563BA}" dt="2024-12-02T03:09:21.792" v="3511" actId="20577"/>
         <pc:sldMkLst>
           <pc:docMk/>
           <pc:sldMk cId="1225925343" sldId="265"/>
         </pc:sldMkLst>
         <pc:spChg chg="add mod">
-          <ac:chgData name="Jia Jones" userId="a3b0c72f-e186-4738-b8d6-28e077c699c2" providerId="ADAL" clId="{61DAA024-F5F8-43EC-9B0A-FFE5A2F563BA}" dt="2024-12-01T21:32:57.360" v="3228" actId="20577"/>
+          <ac:chgData name="Jia Jones" userId="a3b0c72f-e186-4738-b8d6-28e077c699c2" providerId="ADAL" clId="{61DAA024-F5F8-43EC-9B0A-FFE5A2F563BA}" dt="2024-12-02T03:09:21.792" v="3511" actId="20577"/>
           <ac:spMkLst>
             <pc:docMk/>
             <pc:sldMk cId="1225925343" sldId="265"/>
@@ -1089,7 +1112,7 @@
         </pc:spChg>
       </pc:sldChg>
       <pc:sldChg chg="addSp delSp modSp add mod modNotesTx">
-        <pc:chgData name="Jia Jones" userId="a3b0c72f-e186-4738-b8d6-28e077c699c2" providerId="ADAL" clId="{61DAA024-F5F8-43EC-9B0A-FFE5A2F563BA}" dt="2024-12-01T21:34:03.859" v="3429" actId="20577"/>
+        <pc:chgData name="Jia Jones" userId="a3b0c72f-e186-4738-b8d6-28e077c699c2" providerId="ADAL" clId="{61DAA024-F5F8-43EC-9B0A-FFE5A2F563BA}" dt="2024-12-02T03:13:45.172" v="3702" actId="20577"/>
         <pc:sldMkLst>
           <pc:docMk/>
           <pc:sldMk cId="828747021" sldId="266"/>
@@ -1103,7 +1126,7 @@
           </ac:spMkLst>
         </pc:spChg>
         <pc:spChg chg="add mod">
-          <ac:chgData name="Jia Jones" userId="a3b0c72f-e186-4738-b8d6-28e077c699c2" providerId="ADAL" clId="{61DAA024-F5F8-43EC-9B0A-FFE5A2F563BA}" dt="2024-12-01T21:34:03.859" v="3429" actId="20577"/>
+          <ac:chgData name="Jia Jones" userId="a3b0c72f-e186-4738-b8d6-28e077c699c2" providerId="ADAL" clId="{61DAA024-F5F8-43EC-9B0A-FFE5A2F563BA}" dt="2024-12-02T03:13:45.172" v="3702" actId="20577"/>
           <ac:spMkLst>
             <pc:docMk/>
             <pc:sldMk cId="828747021" sldId="266"/>
@@ -1119,14 +1142,14 @@
           </ac:spMkLst>
         </pc:spChg>
       </pc:sldChg>
-      <pc:sldChg chg="addSp delSp modSp add mod ord">
-        <pc:chgData name="Jia Jones" userId="a3b0c72f-e186-4738-b8d6-28e077c699c2" providerId="ADAL" clId="{61DAA024-F5F8-43EC-9B0A-FFE5A2F563BA}" dt="2024-12-01T17:55:22.657" v="3048" actId="9405"/>
+      <pc:sldChg chg="addSp delSp modSp add del mod ord modNotesTx">
+        <pc:chgData name="Jia Jones" userId="a3b0c72f-e186-4738-b8d6-28e077c699c2" providerId="ADAL" clId="{61DAA024-F5F8-43EC-9B0A-FFE5A2F563BA}" dt="2024-12-02T03:17:12.234" v="3705" actId="47"/>
         <pc:sldMkLst>
           <pc:docMk/>
           <pc:sldMk cId="60783217" sldId="267"/>
         </pc:sldMkLst>
         <pc:spChg chg="mod">
-          <ac:chgData name="Jia Jones" userId="a3b0c72f-e186-4738-b8d6-28e077c699c2" providerId="ADAL" clId="{61DAA024-F5F8-43EC-9B0A-FFE5A2F563BA}" dt="2024-11-28T02:32:40.090" v="1958" actId="13926"/>
+          <ac:chgData name="Jia Jones" userId="a3b0c72f-e186-4738-b8d6-28e077c699c2" providerId="ADAL" clId="{61DAA024-F5F8-43EC-9B0A-FFE5A2F563BA}" dt="2024-12-02T02:11:17.096" v="3440" actId="14100"/>
           <ac:spMkLst>
             <pc:docMk/>
             <pc:sldMk cId="60783217" sldId="267"/>
@@ -1150,7 +1173,7 @@
           </ac:spMkLst>
         </pc:spChg>
         <pc:spChg chg="add mod">
-          <ac:chgData name="Jia Jones" userId="a3b0c72f-e186-4738-b8d6-28e077c699c2" providerId="ADAL" clId="{61DAA024-F5F8-43EC-9B0A-FFE5A2F563BA}" dt="2024-12-01T17:55:12.595" v="3046" actId="14100"/>
+          <ac:chgData name="Jia Jones" userId="a3b0c72f-e186-4738-b8d6-28e077c699c2" providerId="ADAL" clId="{61DAA024-F5F8-43EC-9B0A-FFE5A2F563BA}" dt="2024-12-02T02:11:06.692" v="3438" actId="1076"/>
           <ac:spMkLst>
             <pc:docMk/>
             <pc:sldMk cId="60783217" sldId="267"/>
@@ -1158,7 +1181,7 @@
           </ac:spMkLst>
         </pc:spChg>
         <pc:grpChg chg="mod">
-          <ac:chgData name="Jia Jones" userId="a3b0c72f-e186-4738-b8d6-28e077c699c2" providerId="ADAL" clId="{61DAA024-F5F8-43EC-9B0A-FFE5A2F563BA}" dt="2024-11-25T00:02:41.896" v="872"/>
+          <ac:chgData name="Jia Jones" userId="a3b0c72f-e186-4738-b8d6-28e077c699c2" providerId="ADAL" clId="{61DAA024-F5F8-43EC-9B0A-FFE5A2F563BA}" dt="2024-12-02T02:11:06.692" v="3438" actId="1076"/>
           <ac:grpSpMkLst>
             <pc:docMk/>
             <pc:sldMk cId="60783217" sldId="267"/>
@@ -1173,6 +1196,14 @@
             <ac:grpSpMk id="13" creationId="{BB698E32-4793-D49B-7EDC-98227DCEFC94}"/>
           </ac:grpSpMkLst>
         </pc:grpChg>
+        <pc:grpChg chg="del mod">
+          <ac:chgData name="Jia Jones" userId="a3b0c72f-e186-4738-b8d6-28e077c699c2" providerId="ADAL" clId="{61DAA024-F5F8-43EC-9B0A-FFE5A2F563BA}" dt="2024-12-02T02:10:50.139" v="3435"/>
+          <ac:grpSpMkLst>
+            <pc:docMk/>
+            <pc:sldMk cId="60783217" sldId="267"/>
+            <ac:grpSpMk id="18" creationId="{3FFC1349-63EE-7C1B-0749-10C1886C5394}"/>
+          </ac:grpSpMkLst>
+        </pc:grpChg>
         <pc:grpChg chg="add del mod">
           <ac:chgData name="Jia Jones" userId="a3b0c72f-e186-4738-b8d6-28e077c699c2" providerId="ADAL" clId="{61DAA024-F5F8-43EC-9B0A-FFE5A2F563BA}" dt="2024-11-28T02:53:06.529" v="2385"/>
           <ac:grpSpMkLst>
@@ -1262,7 +1293,7 @@
           </ac:grpSpMkLst>
         </pc:grpChg>
         <pc:grpChg chg="mod">
-          <ac:chgData name="Jia Jones" userId="a3b0c72f-e186-4738-b8d6-28e077c699c2" providerId="ADAL" clId="{61DAA024-F5F8-43EC-9B0A-FFE5A2F563BA}" dt="2024-11-28T02:53:58.431" v="2424" actId="1076"/>
+          <ac:chgData name="Jia Jones" userId="a3b0c72f-e186-4738-b8d6-28e077c699c2" providerId="ADAL" clId="{61DAA024-F5F8-43EC-9B0A-FFE5A2F563BA}" dt="2024-12-02T02:11:06.692" v="3438" actId="1076"/>
           <ac:grpSpMkLst>
             <pc:docMk/>
             <pc:sldMk cId="60783217" sldId="267"/>
@@ -1278,7 +1309,7 @@
           </ac:picMkLst>
         </pc:picChg>
         <pc:picChg chg="add mod">
-          <ac:chgData name="Jia Jones" userId="a3b0c72f-e186-4738-b8d6-28e077c699c2" providerId="ADAL" clId="{61DAA024-F5F8-43EC-9B0A-FFE5A2F563BA}" dt="2024-11-18T02:54:13.812" v="722" actId="1076"/>
+          <ac:chgData name="Jia Jones" userId="a3b0c72f-e186-4738-b8d6-28e077c699c2" providerId="ADAL" clId="{61DAA024-F5F8-43EC-9B0A-FFE5A2F563BA}" dt="2024-12-02T02:11:06.692" v="3438" actId="1076"/>
           <ac:picMkLst>
             <pc:docMk/>
             <pc:sldMk cId="60783217" sldId="267"/>
@@ -1286,15 +1317,15 @@
           </ac:picMkLst>
         </pc:picChg>
         <pc:picChg chg="add mod">
-          <ac:chgData name="Jia Jones" userId="a3b0c72f-e186-4738-b8d6-28e077c699c2" providerId="ADAL" clId="{61DAA024-F5F8-43EC-9B0A-FFE5A2F563BA}" dt="2024-11-18T02:54:47.979" v="727" actId="14100"/>
+          <ac:chgData name="Jia Jones" userId="a3b0c72f-e186-4738-b8d6-28e077c699c2" providerId="ADAL" clId="{61DAA024-F5F8-43EC-9B0A-FFE5A2F563BA}" dt="2024-12-02T02:11:06.692" v="3438" actId="1076"/>
           <ac:picMkLst>
             <pc:docMk/>
             <pc:sldMk cId="60783217" sldId="267"/>
             <ac:picMk id="10" creationId="{933E71F2-9F22-4F86-CFEC-837D4391A204}"/>
           </ac:picMkLst>
         </pc:picChg>
-        <pc:inkChg chg="add">
-          <ac:chgData name="Jia Jones" userId="a3b0c72f-e186-4738-b8d6-28e077c699c2" providerId="ADAL" clId="{61DAA024-F5F8-43EC-9B0A-FFE5A2F563BA}" dt="2024-11-25T00:02:36.725" v="869" actId="9405"/>
+        <pc:inkChg chg="add mod">
+          <ac:chgData name="Jia Jones" userId="a3b0c72f-e186-4738-b8d6-28e077c699c2" providerId="ADAL" clId="{61DAA024-F5F8-43EC-9B0A-FFE5A2F563BA}" dt="2024-12-02T02:11:06.692" v="3438" actId="1076"/>
           <ac:inkMkLst>
             <pc:docMk/>
             <pc:sldMk cId="60783217" sldId="267"/>
@@ -1317,20 +1348,28 @@
             <ac:inkMk id="5" creationId="{B1804638-B0C0-436B-F6F1-D047AF0555DA}"/>
           </ac:inkMkLst>
         </pc:inkChg>
-        <pc:inkChg chg="add">
-          <ac:chgData name="Jia Jones" userId="a3b0c72f-e186-4738-b8d6-28e077c699c2" providerId="ADAL" clId="{61DAA024-F5F8-43EC-9B0A-FFE5A2F563BA}" dt="2024-11-25T00:02:49.824" v="873" actId="9405"/>
+        <pc:inkChg chg="add mod">
+          <ac:chgData name="Jia Jones" userId="a3b0c72f-e186-4738-b8d6-28e077c699c2" providerId="ADAL" clId="{61DAA024-F5F8-43EC-9B0A-FFE5A2F563BA}" dt="2024-12-02T02:11:06.692" v="3438" actId="1076"/>
           <ac:inkMkLst>
             <pc:docMk/>
             <pc:sldMk cId="60783217" sldId="267"/>
             <ac:inkMk id="7" creationId="{9036923E-9DC9-8E8A-CA74-976D05506352}"/>
           </ac:inkMkLst>
         </pc:inkChg>
-        <pc:inkChg chg="add">
-          <ac:chgData name="Jia Jones" userId="a3b0c72f-e186-4738-b8d6-28e077c699c2" providerId="ADAL" clId="{61DAA024-F5F8-43EC-9B0A-FFE5A2F563BA}" dt="2024-11-25T00:02:53.131" v="874" actId="9405"/>
+        <pc:inkChg chg="add mod">
+          <ac:chgData name="Jia Jones" userId="a3b0c72f-e186-4738-b8d6-28e077c699c2" providerId="ADAL" clId="{61DAA024-F5F8-43EC-9B0A-FFE5A2F563BA}" dt="2024-12-02T02:11:06.692" v="3438" actId="1076"/>
           <ac:inkMkLst>
             <pc:docMk/>
             <pc:sldMk cId="60783217" sldId="267"/>
             <ac:inkMk id="9" creationId="{2C427A7F-A006-276C-FD77-C8B792CD7BE7}"/>
+          </ac:inkMkLst>
+        </pc:inkChg>
+        <pc:inkChg chg="del">
+          <ac:chgData name="Jia Jones" userId="a3b0c72f-e186-4738-b8d6-28e077c699c2" providerId="ADAL" clId="{61DAA024-F5F8-43EC-9B0A-FFE5A2F563BA}" dt="2024-12-02T02:10:50.139" v="3435"/>
+          <ac:inkMkLst>
+            <pc:docMk/>
+            <pc:sldMk cId="60783217" sldId="267"/>
+            <ac:inkMk id="11" creationId="{4B20B45B-56C5-6A2E-06FF-6F287CEDE186}"/>
           </ac:inkMkLst>
         </pc:inkChg>
         <pc:inkChg chg="add del">
@@ -1366,7 +1405,7 @@
           </ac:inkMkLst>
         </pc:inkChg>
         <pc:inkChg chg="add mod">
-          <ac:chgData name="Jia Jones" userId="a3b0c72f-e186-4738-b8d6-28e077c699c2" providerId="ADAL" clId="{61DAA024-F5F8-43EC-9B0A-FFE5A2F563BA}" dt="2024-12-01T17:54:52.113" v="3041"/>
+          <ac:chgData name="Jia Jones" userId="a3b0c72f-e186-4738-b8d6-28e077c699c2" providerId="ADAL" clId="{61DAA024-F5F8-43EC-9B0A-FFE5A2F563BA}" dt="2024-12-02T02:11:06.692" v="3438" actId="1076"/>
           <ac:inkMkLst>
             <pc:docMk/>
             <pc:sldMk cId="60783217" sldId="267"/>
@@ -1381,6 +1420,14 @@
             <ac:inkMk id="13" creationId="{5291FFC6-B3D8-CF25-0176-9815BF1239B5}"/>
           </ac:inkMkLst>
         </pc:inkChg>
+        <pc:inkChg chg="del mod">
+          <ac:chgData name="Jia Jones" userId="a3b0c72f-e186-4738-b8d6-28e077c699c2" providerId="ADAL" clId="{61DAA024-F5F8-43EC-9B0A-FFE5A2F563BA}" dt="2024-12-02T02:10:51.264" v="3436"/>
+          <ac:inkMkLst>
+            <pc:docMk/>
+            <pc:sldMk cId="60783217" sldId="267"/>
+            <ac:inkMk id="13" creationId="{56358FAB-9F70-44D0-0980-955BA2C8748A}"/>
+          </ac:inkMkLst>
+        </pc:inkChg>
         <pc:inkChg chg="add del">
           <ac:chgData name="Jia Jones" userId="a3b0c72f-e186-4738-b8d6-28e077c699c2" providerId="ADAL" clId="{61DAA024-F5F8-43EC-9B0A-FFE5A2F563BA}" dt="2024-11-28T02:45:54.782" v="2299" actId="9405"/>
           <ac:inkMkLst>
@@ -1389,8 +1436,8 @@
             <ac:inkMk id="14" creationId="{77AA8C83-8EAE-1F93-1A95-3240F2B3448E}"/>
           </ac:inkMkLst>
         </pc:inkChg>
-        <pc:inkChg chg="add">
-          <ac:chgData name="Jia Jones" userId="a3b0c72f-e186-4738-b8d6-28e077c699c2" providerId="ADAL" clId="{61DAA024-F5F8-43EC-9B0A-FFE5A2F563BA}" dt="2024-12-01T17:54:52.596" v="3042" actId="9405"/>
+        <pc:inkChg chg="add mod">
+          <ac:chgData name="Jia Jones" userId="a3b0c72f-e186-4738-b8d6-28e077c699c2" providerId="ADAL" clId="{61DAA024-F5F8-43EC-9B0A-FFE5A2F563BA}" dt="2024-12-02T02:11:06.692" v="3438" actId="1076"/>
           <ac:inkMkLst>
             <pc:docMk/>
             <pc:sldMk cId="60783217" sldId="267"/>
@@ -1421,8 +1468,8 @@
             <ac:inkMk id="16" creationId="{0D3EC563-FCE5-2763-04DA-6DE87A2023F3}"/>
           </ac:inkMkLst>
         </pc:inkChg>
-        <pc:inkChg chg="add del">
-          <ac:chgData name="Jia Jones" userId="a3b0c72f-e186-4738-b8d6-28e077c699c2" providerId="ADAL" clId="{61DAA024-F5F8-43EC-9B0A-FFE5A2F563BA}" dt="2024-11-28T02:53:06.116" v="2384" actId="9405"/>
+        <pc:inkChg chg="add del mod">
+          <ac:chgData name="Jia Jones" userId="a3b0c72f-e186-4738-b8d6-28e077c699c2" providerId="ADAL" clId="{61DAA024-F5F8-43EC-9B0A-FFE5A2F563BA}" dt="2024-12-02T02:11:06.692" v="3438" actId="1076"/>
           <ac:inkMkLst>
             <pc:docMk/>
             <pc:sldMk cId="60783217" sldId="267"/>
@@ -1445,8 +1492,8 @@
             <ac:inkMk id="17" creationId="{9165B33D-0695-6160-53EA-EF0318160B99}"/>
           </ac:inkMkLst>
         </pc:inkChg>
-        <pc:inkChg chg="add">
-          <ac:chgData name="Jia Jones" userId="a3b0c72f-e186-4738-b8d6-28e077c699c2" providerId="ADAL" clId="{61DAA024-F5F8-43EC-9B0A-FFE5A2F563BA}" dt="2024-12-01T17:55:19.283" v="3047" actId="9405"/>
+        <pc:inkChg chg="add mod">
+          <ac:chgData name="Jia Jones" userId="a3b0c72f-e186-4738-b8d6-28e077c699c2" providerId="ADAL" clId="{61DAA024-F5F8-43EC-9B0A-FFE5A2F563BA}" dt="2024-12-02T02:11:06.692" v="3438" actId="1076"/>
           <ac:inkMkLst>
             <pc:docMk/>
             <pc:sldMk cId="60783217" sldId="267"/>
@@ -1477,12 +1524,12 @@
             <ac:inkMk id="19" creationId="{85D228C8-6219-53E8-64C0-6EC4FB06C202}"/>
           </ac:inkMkLst>
         </pc:inkChg>
-        <pc:inkChg chg="add del mod">
-          <ac:chgData name="Jia Jones" userId="a3b0c72f-e186-4738-b8d6-28e077c699c2" providerId="ADAL" clId="{61DAA024-F5F8-43EC-9B0A-FFE5A2F563BA}" dt="2024-11-28T02:53:06.529" v="2385"/>
+        <pc:inkChg chg="mod">
+          <ac:chgData name="Jia Jones" userId="a3b0c72f-e186-4738-b8d6-28e077c699c2" providerId="ADAL" clId="{61DAA024-F5F8-43EC-9B0A-FFE5A2F563BA}" dt="2024-12-02T02:11:06.692" v="3438" actId="1076"/>
           <ac:inkMkLst>
             <pc:docMk/>
             <pc:sldMk cId="60783217" sldId="267"/>
-            <ac:inkMk id="20" creationId="{73475594-BAD9-F034-6E8D-056C1E448EE6}"/>
+            <ac:inkMk id="20" creationId="{50F204FF-81F6-29A3-39EE-E46ACA6141D0}"/>
           </ac:inkMkLst>
         </pc:inkChg>
         <pc:inkChg chg="add del mod">
@@ -1490,11 +1537,27 @@
           <ac:inkMkLst>
             <pc:docMk/>
             <pc:sldMk cId="60783217" sldId="267"/>
+            <ac:inkMk id="20" creationId="{73475594-BAD9-F034-6E8D-056C1E448EE6}"/>
+          </ac:inkMkLst>
+        </pc:inkChg>
+        <pc:inkChg chg="mod">
+          <ac:chgData name="Jia Jones" userId="a3b0c72f-e186-4738-b8d6-28e077c699c2" providerId="ADAL" clId="{61DAA024-F5F8-43EC-9B0A-FFE5A2F563BA}" dt="2024-12-02T02:11:06.692" v="3438" actId="1076"/>
+          <ac:inkMkLst>
+            <pc:docMk/>
+            <pc:sldMk cId="60783217" sldId="267"/>
+            <ac:inkMk id="21" creationId="{69AC178C-BB2A-1032-3AF4-08161A53C744}"/>
+          </ac:inkMkLst>
+        </pc:inkChg>
+        <pc:inkChg chg="add del mod">
+          <ac:chgData name="Jia Jones" userId="a3b0c72f-e186-4738-b8d6-28e077c699c2" providerId="ADAL" clId="{61DAA024-F5F8-43EC-9B0A-FFE5A2F563BA}" dt="2024-11-28T02:53:06.529" v="2385"/>
+          <ac:inkMkLst>
+            <pc:docMk/>
+            <pc:sldMk cId="60783217" sldId="267"/>
             <ac:inkMk id="21" creationId="{BCB9B163-F335-E48F-C3A4-C4E70C3CAD98}"/>
           </ac:inkMkLst>
         </pc:inkChg>
         <pc:inkChg chg="add mod">
-          <ac:chgData name="Jia Jones" userId="a3b0c72f-e186-4738-b8d6-28e077c699c2" providerId="ADAL" clId="{61DAA024-F5F8-43EC-9B0A-FFE5A2F563BA}" dt="2024-11-28T02:53:20.091" v="2397"/>
+          <ac:chgData name="Jia Jones" userId="a3b0c72f-e186-4738-b8d6-28e077c699c2" providerId="ADAL" clId="{61DAA024-F5F8-43EC-9B0A-FFE5A2F563BA}" dt="2024-12-02T02:11:06.692" v="3438" actId="1076"/>
           <ac:inkMkLst>
             <pc:docMk/>
             <pc:sldMk cId="60783217" sldId="267"/>
@@ -1518,7 +1581,7 @@
           </ac:inkMkLst>
         </pc:inkChg>
         <pc:inkChg chg="add mod">
-          <ac:chgData name="Jia Jones" userId="a3b0c72f-e186-4738-b8d6-28e077c699c2" providerId="ADAL" clId="{61DAA024-F5F8-43EC-9B0A-FFE5A2F563BA}" dt="2024-11-28T02:53:06.529" v="2385"/>
+          <ac:chgData name="Jia Jones" userId="a3b0c72f-e186-4738-b8d6-28e077c699c2" providerId="ADAL" clId="{61DAA024-F5F8-43EC-9B0A-FFE5A2F563BA}" dt="2024-12-02T02:11:06.692" v="3438" actId="1076"/>
           <ac:inkMkLst>
             <pc:docMk/>
             <pc:sldMk cId="60783217" sldId="267"/>
@@ -1574,7 +1637,7 @@
           </ac:inkMkLst>
         </pc:inkChg>
         <pc:inkChg chg="add mod">
-          <ac:chgData name="Jia Jones" userId="a3b0c72f-e186-4738-b8d6-28e077c699c2" providerId="ADAL" clId="{61DAA024-F5F8-43EC-9B0A-FFE5A2F563BA}" dt="2024-11-28T02:53:28.504" v="2406"/>
+          <ac:chgData name="Jia Jones" userId="a3b0c72f-e186-4738-b8d6-28e077c699c2" providerId="ADAL" clId="{61DAA024-F5F8-43EC-9B0A-FFE5A2F563BA}" dt="2024-12-02T02:11:06.692" v="3438" actId="1076"/>
           <ac:inkMkLst>
             <pc:docMk/>
             <pc:sldMk cId="60783217" sldId="267"/>
@@ -1582,7 +1645,7 @@
           </ac:inkMkLst>
         </pc:inkChg>
         <pc:inkChg chg="add mod">
-          <ac:chgData name="Jia Jones" userId="a3b0c72f-e186-4738-b8d6-28e077c699c2" providerId="ADAL" clId="{61DAA024-F5F8-43EC-9B0A-FFE5A2F563BA}" dt="2024-11-28T02:53:28.504" v="2406"/>
+          <ac:chgData name="Jia Jones" userId="a3b0c72f-e186-4738-b8d6-28e077c699c2" providerId="ADAL" clId="{61DAA024-F5F8-43EC-9B0A-FFE5A2F563BA}" dt="2024-12-02T02:11:06.692" v="3438" actId="1076"/>
           <ac:inkMkLst>
             <pc:docMk/>
             <pc:sldMk cId="60783217" sldId="267"/>
@@ -1590,7 +1653,7 @@
           </ac:inkMkLst>
         </pc:inkChg>
         <pc:inkChg chg="add mod">
-          <ac:chgData name="Jia Jones" userId="a3b0c72f-e186-4738-b8d6-28e077c699c2" providerId="ADAL" clId="{61DAA024-F5F8-43EC-9B0A-FFE5A2F563BA}" dt="2024-11-28T02:53:28.504" v="2406"/>
+          <ac:chgData name="Jia Jones" userId="a3b0c72f-e186-4738-b8d6-28e077c699c2" providerId="ADAL" clId="{61DAA024-F5F8-43EC-9B0A-FFE5A2F563BA}" dt="2024-12-02T02:11:06.692" v="3438" actId="1076"/>
           <ac:inkMkLst>
             <pc:docMk/>
             <pc:sldMk cId="60783217" sldId="267"/>
@@ -1598,7 +1661,7 @@
           </ac:inkMkLst>
         </pc:inkChg>
         <pc:inkChg chg="add mod">
-          <ac:chgData name="Jia Jones" userId="a3b0c72f-e186-4738-b8d6-28e077c699c2" providerId="ADAL" clId="{61DAA024-F5F8-43EC-9B0A-FFE5A2F563BA}" dt="2024-11-28T02:53:28.504" v="2406"/>
+          <ac:chgData name="Jia Jones" userId="a3b0c72f-e186-4738-b8d6-28e077c699c2" providerId="ADAL" clId="{61DAA024-F5F8-43EC-9B0A-FFE5A2F563BA}" dt="2024-12-02T02:11:06.692" v="3438" actId="1076"/>
           <ac:inkMkLst>
             <pc:docMk/>
             <pc:sldMk cId="60783217" sldId="267"/>
@@ -1654,7 +1717,7 @@
           </ac:inkMkLst>
         </pc:inkChg>
         <pc:inkChg chg="add mod">
-          <ac:chgData name="Jia Jones" userId="a3b0c72f-e186-4738-b8d6-28e077c699c2" providerId="ADAL" clId="{61DAA024-F5F8-43EC-9B0A-FFE5A2F563BA}" dt="2024-11-28T02:53:52.699" v="2422"/>
+          <ac:chgData name="Jia Jones" userId="a3b0c72f-e186-4738-b8d6-28e077c699c2" providerId="ADAL" clId="{61DAA024-F5F8-43EC-9B0A-FFE5A2F563BA}" dt="2024-12-02T02:11:06.692" v="3438" actId="1076"/>
           <ac:inkMkLst>
             <pc:docMk/>
             <pc:sldMk cId="60783217" sldId="267"/>
@@ -1679,13 +1742,13 @@
         </pc:inkChg>
       </pc:sldChg>
       <pc:sldChg chg="addSp modSp add mod ord modNotesTx">
-        <pc:chgData name="Jia Jones" userId="a3b0c72f-e186-4738-b8d6-28e077c699c2" providerId="ADAL" clId="{61DAA024-F5F8-43EC-9B0A-FFE5A2F563BA}" dt="2024-11-28T02:54:25.830" v="2443" actId="20577"/>
+        <pc:chgData name="Jia Jones" userId="a3b0c72f-e186-4738-b8d6-28e077c699c2" providerId="ADAL" clId="{61DAA024-F5F8-43EC-9B0A-FFE5A2F563BA}" dt="2024-12-02T03:16:36.873" v="3704" actId="404"/>
         <pc:sldMkLst>
           <pc:docMk/>
           <pc:sldMk cId="2490590359" sldId="268"/>
         </pc:sldMkLst>
         <pc:spChg chg="add mod">
-          <ac:chgData name="Jia Jones" userId="a3b0c72f-e186-4738-b8d6-28e077c699c2" providerId="ADAL" clId="{61DAA024-F5F8-43EC-9B0A-FFE5A2F563BA}" dt="2024-11-25T03:37:45.873" v="1920" actId="1076"/>
+          <ac:chgData name="Jia Jones" userId="a3b0c72f-e186-4738-b8d6-28e077c699c2" providerId="ADAL" clId="{61DAA024-F5F8-43EC-9B0A-FFE5A2F563BA}" dt="2024-12-02T03:16:36.873" v="3704" actId="404"/>
           <ac:spMkLst>
             <pc:docMk/>
             <pc:sldMk cId="2490590359" sldId="268"/>
@@ -1709,7 +1772,7 @@
         </pc:sldMkLst>
       </pc:sldChg>
       <pc:sldChg chg="addSp delSp modSp add mod modNotesTx">
-        <pc:chgData name="Jia Jones" userId="a3b0c72f-e186-4738-b8d6-28e077c699c2" providerId="ADAL" clId="{61DAA024-F5F8-43EC-9B0A-FFE5A2F563BA}" dt="2024-12-01T17:55:52.106" v="3052"/>
+        <pc:chgData name="Jia Jones" userId="a3b0c72f-e186-4738-b8d6-28e077c699c2" providerId="ADAL" clId="{61DAA024-F5F8-43EC-9B0A-FFE5A2F563BA}" dt="2024-12-02T02:40:03.873" v="3443" actId="404"/>
         <pc:sldMkLst>
           <pc:docMk/>
           <pc:sldMk cId="269953478" sldId="269"/>
@@ -1723,7 +1786,7 @@
           </ac:spMkLst>
         </pc:spChg>
         <pc:spChg chg="add mod">
-          <ac:chgData name="Jia Jones" userId="a3b0c72f-e186-4738-b8d6-28e077c699c2" providerId="ADAL" clId="{61DAA024-F5F8-43EC-9B0A-FFE5A2F563BA}" dt="2024-12-01T17:55:52.106" v="3052"/>
+          <ac:chgData name="Jia Jones" userId="a3b0c72f-e186-4738-b8d6-28e077c699c2" providerId="ADAL" clId="{61DAA024-F5F8-43EC-9B0A-FFE5A2F563BA}" dt="2024-12-02T02:40:03.873" v="3443" actId="404"/>
           <ac:spMkLst>
             <pc:docMk/>
             <pc:sldMk cId="269953478" sldId="269"/>
@@ -1759,7 +1822,7 @@
   <pc:docChgLst>
     <pc:chgData name="Jia Jones" userId="a3b0c72f-e186-4738-b8d6-28e077c699c2" providerId="ADAL" clId="{498019F4-6025-4BDC-98B8-AC161C7FF662}"/>
     <pc:docChg chg="undo custSel modSld sldOrd">
-      <pc:chgData name="Jia Jones" userId="a3b0c72f-e186-4738-b8d6-28e077c699c2" providerId="ADAL" clId="{498019F4-6025-4BDC-98B8-AC161C7FF662}" dt="2024-12-02T00:54:49.781" v="11"/>
+      <pc:chgData name="Jia Jones" userId="a3b0c72f-e186-4738-b8d6-28e077c699c2" providerId="ADAL" clId="{498019F4-6025-4BDC-98B8-AC161C7FF662}" dt="2024-12-02T01:55:30.682" v="14"/>
       <pc:docMkLst>
         <pc:docMk/>
       </pc:docMkLst>
@@ -2002,7 +2065,7 @@
         </pc:sldMkLst>
       </pc:sldChg>
       <pc:sldChg chg="addSp delSp modSp mod">
-        <pc:chgData name="Jia Jones" userId="a3b0c72f-e186-4738-b8d6-28e077c699c2" providerId="ADAL" clId="{498019F4-6025-4BDC-98B8-AC161C7FF662}" dt="2024-12-01T23:32:41.176" v="6" actId="9405"/>
+        <pc:chgData name="Jia Jones" userId="a3b0c72f-e186-4738-b8d6-28e077c699c2" providerId="ADAL" clId="{498019F4-6025-4BDC-98B8-AC161C7FF662}" dt="2024-12-02T01:55:30.682" v="14"/>
         <pc:sldMkLst>
           <pc:docMk/>
           <pc:sldMk cId="60783217" sldId="267"/>
@@ -2023,6 +2086,22 @@
             <ac:grpSpMk id="13" creationId="{BB698E32-4793-D49B-7EDC-98227DCEFC94}"/>
           </ac:grpSpMkLst>
         </pc:grpChg>
+        <pc:grpChg chg="mod">
+          <ac:chgData name="Jia Jones" userId="a3b0c72f-e186-4738-b8d6-28e077c699c2" providerId="ADAL" clId="{498019F4-6025-4BDC-98B8-AC161C7FF662}" dt="2024-12-02T01:55:30.682" v="14"/>
+          <ac:grpSpMkLst>
+            <pc:docMk/>
+            <pc:sldMk cId="60783217" sldId="267"/>
+            <ac:grpSpMk id="18" creationId="{3FFC1349-63EE-7C1B-0749-10C1886C5394}"/>
+          </ac:grpSpMkLst>
+        </pc:grpChg>
+        <pc:inkChg chg="add mod">
+          <ac:chgData name="Jia Jones" userId="a3b0c72f-e186-4738-b8d6-28e077c699c2" providerId="ADAL" clId="{498019F4-6025-4BDC-98B8-AC161C7FF662}" dt="2024-12-02T01:55:30.682" v="14"/>
+          <ac:inkMkLst>
+            <pc:docMk/>
+            <pc:sldMk cId="60783217" sldId="267"/>
+            <ac:inkMk id="11" creationId="{4B20B45B-56C5-6A2E-06FF-6F287CEDE186}"/>
+          </ac:inkMkLst>
+        </pc:inkChg>
         <pc:inkChg chg="del">
           <ac:chgData name="Jia Jones" userId="a3b0c72f-e186-4738-b8d6-28e077c699c2" providerId="ADAL" clId="{498019F4-6025-4BDC-98B8-AC161C7FF662}" dt="2024-12-01T23:32:37.782" v="5"/>
           <ac:inkMkLst>
@@ -2037,6 +2116,14 @@
             <pc:docMk/>
             <pc:sldMk cId="60783217" sldId="267"/>
             <ac:inkMk id="12" creationId="{F54434DE-4D5F-F9B1-593C-CCCC52924F48}"/>
+          </ac:inkMkLst>
+        </pc:inkChg>
+        <pc:inkChg chg="add mod">
+          <ac:chgData name="Jia Jones" userId="a3b0c72f-e186-4738-b8d6-28e077c699c2" providerId="ADAL" clId="{498019F4-6025-4BDC-98B8-AC161C7FF662}" dt="2024-12-02T01:55:30.682" v="14"/>
+          <ac:inkMkLst>
+            <pc:docMk/>
+            <pc:sldMk cId="60783217" sldId="267"/>
+            <ac:inkMk id="13" creationId="{56358FAB-9F70-44D0-0980-955BA2C8748A}"/>
           </ac:inkMkLst>
         </pc:inkChg>
         <pc:inkChg chg="del">
@@ -2075,639 +2162,6 @@
     </pc:docChg>
   </pc:docChgLst>
 </pc:chgInfo>
-</file>
-
-<file path=ppt/ink/ink1.xml><?xml version="1.0" encoding="utf-8"?>
-<inkml:ink xmlns:inkml="http://www.w3.org/2003/InkML">
-  <inkml:definitions>
-    <inkml:context xml:id="ctx0">
-      <inkml:inkSource xml:id="inkSrc0">
-        <inkml:traceFormat>
-          <inkml:channel name="X" type="integer" min="-2.14748E9" max="2.14748E9" units="cm"/>
-          <inkml:channel name="Y" type="integer" min="-2.14748E9" max="2.14748E9" units="cm"/>
-          <inkml:channel name="F" type="integer" max="32767" units="dev"/>
-        </inkml:traceFormat>
-        <inkml:channelProperties>
-          <inkml:channelProperty channel="X" name="resolution" value="1000" units="1/cm"/>
-          <inkml:channelProperty channel="Y" name="resolution" value="1000" units="1/cm"/>
-          <inkml:channelProperty channel="F" name="resolution" value="0" units="1/dev"/>
-        </inkml:channelProperties>
-      </inkml:inkSource>
-      <inkml:timestamp xml:id="ts0" timeString="2024-11-25T00:02:36.703"/>
-    </inkml:context>
-    <inkml:brush xml:id="br0">
-      <inkml:brushProperty name="width" value="0.035" units="cm"/>
-      <inkml:brushProperty name="height" value="0.035" units="cm"/>
-      <inkml:brushProperty name="color" value="#E71224"/>
-    </inkml:brush>
-  </inkml:definitions>
-  <inkml:trace contextRef="#ctx0" brushRef="#br0">0 719 24575,'3'1'0,"-1"0"0,1 0 0,-1 0 0,1 1 0,-1-1 0,0 1 0,0-1 0,0 1 0,0 0 0,0 0 0,0 0 0,0 0 0,0 0 0,1 3 0,2 1 0,23 30 0,31 53 0,8 11 0,-65-97 0,1 1 0,-1-1 0,1 1 0,0-1 0,0 0 0,1 0 0,-1-1 0,1 1 0,-1-1 0,1 1 0,0-1 0,0 0 0,0 0 0,7 1 0,-7-2 0,0-1 0,0 0 0,1 0 0,-1-1 0,0 1 0,0-1 0,0 0 0,0 0 0,0 0 0,-1 0 0,1-1 0,0 0 0,0 1 0,-1-1 0,1-1 0,3-2 0,32-25 0,-2-1 0,-1-2 0,44-51 0,-15 15 0,545-526 0,-535 524 0,-19 19-1365,-17 19-5461</inkml:trace>
-</inkml:ink>
-</file>
-
-<file path=ppt/ink/ink10.xml><?xml version="1.0" encoding="utf-8"?>
-<inkml:ink xmlns:inkml="http://www.w3.org/2003/InkML">
-  <inkml:definitions>
-    <inkml:context xml:id="ctx0">
-      <inkml:inkSource xml:id="inkSrc0">
-        <inkml:traceFormat>
-          <inkml:channel name="X" type="integer" min="-2.14748E9" max="2.14748E9" units="cm"/>
-          <inkml:channel name="Y" type="integer" min="-2.14748E9" max="2.14748E9" units="cm"/>
-          <inkml:channel name="F" type="integer" max="32767" units="dev"/>
-        </inkml:traceFormat>
-        <inkml:channelProperties>
-          <inkml:channelProperty channel="X" name="resolution" value="1000" units="1/cm"/>
-          <inkml:channelProperty channel="Y" name="resolution" value="1000" units="1/cm"/>
-          <inkml:channelProperty channel="F" name="resolution" value="0" units="1/dev"/>
-        </inkml:channelProperties>
-      </inkml:inkSource>
-      <inkml:timestamp xml:id="ts0" timeString="2024-11-28T02:53:23.097"/>
-    </inkml:context>
-    <inkml:brush xml:id="br0">
-      <inkml:brushProperty name="width" value="0.035" units="cm"/>
-      <inkml:brushProperty name="height" value="0.035" units="cm"/>
-    </inkml:brush>
-  </inkml:definitions>
-  <inkml:trace contextRef="#ctx0" brushRef="#br0">0 1 24575,'5'5'0,"2"6"0,4 7 0,1 14 0,2 7 0,0 7 0,2 0 0,-2 3 0,-3-3 0,-4-9-8191</inkml:trace>
-</inkml:ink>
-</file>
-
-<file path=ppt/ink/ink11.xml><?xml version="1.0" encoding="utf-8"?>
-<inkml:ink xmlns:inkml="http://www.w3.org/2003/InkML">
-  <inkml:definitions>
-    <inkml:context xml:id="ctx0">
-      <inkml:inkSource xml:id="inkSrc0">
-        <inkml:traceFormat>
-          <inkml:channel name="X" type="integer" min="-2.14748E9" max="2.14748E9" units="cm"/>
-          <inkml:channel name="Y" type="integer" min="-2.14748E9" max="2.14748E9" units="cm"/>
-          <inkml:channel name="F" type="integer" max="32767" units="dev"/>
-        </inkml:traceFormat>
-        <inkml:channelProperties>
-          <inkml:channelProperty channel="X" name="resolution" value="1000" units="1/cm"/>
-          <inkml:channelProperty channel="Y" name="resolution" value="1000" units="1/cm"/>
-          <inkml:channelProperty channel="F" name="resolution" value="0" units="1/dev"/>
-        </inkml:channelProperties>
-      </inkml:inkSource>
-      <inkml:timestamp xml:id="ts0" timeString="2024-11-28T02:53:24.217"/>
-    </inkml:context>
-    <inkml:brush xml:id="br0">
-      <inkml:brushProperty name="width" value="0.035" units="cm"/>
-      <inkml:brushProperty name="height" value="0.035" units="cm"/>
-    </inkml:brush>
-  </inkml:definitions>
-  <inkml:trace contextRef="#ctx0" brushRef="#br0">0 220 24575,'103'1'0,"110"-3"0,-208 2 0,-1 0 0,1 0 0,-1-1 0,1 0 0,-1 0 0,1 0 0,-1 0 0,1-1 0,-1 1 0,0-1 0,0 0 0,0-1 0,4-2 0,-7 4 0,1-1 0,-1 0 0,0 0 0,0 0 0,0 0 0,0 0 0,0 0 0,0 0 0,-1 0 0,1 0 0,-1 0 0,1 0 0,-1-1 0,0 1 0,0 0 0,0 0 0,0 0 0,0 0 0,0-1 0,-1 1 0,1 0 0,-1 0 0,0 0 0,1 0 0,-1 0 0,0 0 0,0 0 0,-2-3 0,-4-7 0,0 1 0,0 1 0,-1-1 0,-1 1 0,0 1 0,0 0 0,-1 0 0,0 0 0,0 2 0,-1-1 0,0 1 0,0 1 0,0 0 0,-18-7 0,26 13 0,0 0 0,0 0 0,0 0 0,0 1 0,0-1 0,0 1 0,0-1 0,0 1 0,0 0 0,0 0 0,0 0 0,0 1 0,0-1 0,1 1 0,-1 0 0,1-1 0,-1 1 0,1 0 0,-1 0 0,1 1 0,0-1 0,0 0 0,0 1 0,1-1 0,-1 1 0,-2 4 0,-2 3 0,1 1 0,0-1 0,0 1 0,1 0 0,-5 21 0,4-8 0,2-1 0,-1 42 0,4-58 0,0 0 0,0 0 0,1 0 0,0 0 0,0 0 0,0-1 0,1 1 0,0 0 0,1-1 0,-1 1 0,1-1 0,0 0 0,8 12 0,-7-15 0,0 0 0,0 0 0,0-1 0,0 1 0,1-1 0,-1 0 0,0 0 0,1 0 0,0-1 0,-1 1 0,1-1 0,0 0 0,0-1 0,9 1 0,79-4 0,-55 1 0,-22 1-99,6 1 176,-1-1 0,26-5 1,-41 4-203,1 1 0,-1-1 0,0 0 0,0-1 1,1 1-1,-2-1 0,1 0 0,0-1 0,-1 0 1,1 1-1,6-8 0,2-5-6701</inkml:trace>
-</inkml:ink>
-</file>
-
-<file path=ppt/ink/ink12.xml><?xml version="1.0" encoding="utf-8"?>
-<inkml:ink xmlns:inkml="http://www.w3.org/2003/InkML">
-  <inkml:definitions>
-    <inkml:context xml:id="ctx0">
-      <inkml:inkSource xml:id="inkSrc0">
-        <inkml:traceFormat>
-          <inkml:channel name="X" type="integer" min="-2.14748E9" max="2.14748E9" units="cm"/>
-          <inkml:channel name="Y" type="integer" min="-2.14748E9" max="2.14748E9" units="cm"/>
-          <inkml:channel name="F" type="integer" max="32767" units="dev"/>
-        </inkml:traceFormat>
-        <inkml:channelProperties>
-          <inkml:channelProperty channel="X" name="resolution" value="1000" units="1/cm"/>
-          <inkml:channelProperty channel="Y" name="resolution" value="1000" units="1/cm"/>
-          <inkml:channelProperty channel="F" name="resolution" value="0" units="1/dev"/>
-        </inkml:channelProperties>
-      </inkml:inkSource>
-      <inkml:timestamp xml:id="ts0" timeString="2024-11-28T02:53:25.936"/>
-    </inkml:context>
-    <inkml:brush xml:id="br0">
-      <inkml:brushProperty name="width" value="0.035" units="cm"/>
-      <inkml:brushProperty name="height" value="0.035" units="cm"/>
-    </inkml:brush>
-  </inkml:definitions>
-  <inkml:trace contextRef="#ctx0" brushRef="#br0">123 21 24575,'0'-1'0,"0"0"0,-1 0 0,1 0 0,0 0 0,-1 0 0,1 0 0,-1 0 0,1 0 0,-1 0 0,1 1 0,-1-1 0,0 0 0,1 0 0,-1 0 0,0 1 0,0-1 0,0 0 0,1 1 0,-1-1 0,0 0 0,0 1 0,0-1 0,0 1 0,0 0 0,0-1 0,0 1 0,0 0 0,0-1 0,0 1 0,0 0 0,0 0 0,-1 0 0,1 0 0,0 0 0,0 0 0,-1 1 0,-2-1 0,0 0 0,0 0 0,1 1 0,-1 0 0,0 0 0,1 0 0,-1 0 0,1 0 0,-6 3 0,5 0 0,-1 1 0,0 0 0,1 0 0,0 1 0,0-1 0,1 1 0,-1 0 0,1-1 0,1 2 0,-1-1 0,1 0 0,0 0 0,0 1 0,1-1 0,0 1 0,0 0 0,0-1 0,1 14 0,0-10 0,0 1 0,1-1 0,0 0 0,1 0 0,0 1 0,0-1 0,1-1 0,1 1 0,-1 0 0,1-1 0,10 16 0,-10-21-57,0 0 0,1 0 1,-1 0-1,1 0 0,0-1 0,1 0 0,-1 0 0,0 0 0,1-1 0,-1 0 0,1 0 1,0 0-1,0-1 0,0 1 0,0-2 0,0 1 0,0 0 0,0-1 0,0 0 1,0-1-1,0 1 0,0-1 0,10-3 0,9-3-6769</inkml:trace>
-</inkml:ink>
-</file>
-
-<file path=ppt/ink/ink13.xml><?xml version="1.0" encoding="utf-8"?>
-<inkml:ink xmlns:inkml="http://www.w3.org/2003/InkML">
-  <inkml:definitions>
-    <inkml:context xml:id="ctx0">
-      <inkml:inkSource xml:id="inkSrc0">
-        <inkml:traceFormat>
-          <inkml:channel name="X" type="integer" min="-2.14748E9" max="2.14748E9" units="cm"/>
-          <inkml:channel name="Y" type="integer" min="-2.14748E9" max="2.14748E9" units="cm"/>
-          <inkml:channel name="F" type="integer" max="32767" units="dev"/>
-        </inkml:traceFormat>
-        <inkml:channelProperties>
-          <inkml:channelProperty channel="X" name="resolution" value="1000" units="1/cm"/>
-          <inkml:channelProperty channel="Y" name="resolution" value="1000" units="1/cm"/>
-          <inkml:channelProperty channel="F" name="resolution" value="0" units="1/dev"/>
-        </inkml:channelProperties>
-      </inkml:inkSource>
-      <inkml:timestamp xml:id="ts0" timeString="2024-11-28T02:53:39.569"/>
-    </inkml:context>
-    <inkml:brush xml:id="br0">
-      <inkml:brushProperty name="width" value="0.035" units="cm"/>
-      <inkml:brushProperty name="height" value="0.035" units="cm"/>
-    </inkml:brush>
-  </inkml:definitions>
-  <inkml:trace contextRef="#ctx0" brushRef="#br0">39 258 24575,'9'-1'0,"-1"0"0,1-1 0,-1 1 0,1-2 0,-1 1 0,0-1 0,0 0 0,0-1 0,0 0 0,0 0 0,-1-1 0,0 0 0,0 0 0,0-1 0,11-11 0,-15 14 0,0 0 0,0 0 0,-1-1 0,1 1 0,0-1 0,-1 1 0,0-1 0,0 0 0,0 0 0,-1 0 0,1 0 0,-1 0 0,0 0 0,0 0 0,0-1 0,-1 1 0,1 0 0,-1 0 0,0-1 0,0 1 0,-1 0 0,1-1 0,-1 1 0,0 0 0,0 0 0,-1 0 0,1 0 0,-1 0 0,0 0 0,0 0 0,0 0 0,-5-5 0,3 4 0,-1-1 0,0 2 0,0-1 0,0 1 0,-1 0 0,0 0 0,1 0 0,-1 1 0,-1 0 0,1 0 0,0 0 0,-13-2 0,16 4 0,0 0 0,1 1 0,-1-1 0,0 1 0,0 0 0,0 0 0,0 0 0,0 0 0,0 1 0,0-1 0,0 1 0,1-1 0,-1 1 0,0 0 0,0 0 0,1 1 0,-1-1 0,1 0 0,-1 1 0,1 0 0,-1-1 0,1 1 0,0 0 0,0 0 0,0 0 0,0 1 0,0-1 0,0 0 0,1 1 0,-1-1 0,1 1 0,-2 3 0,-2 11 0,1 1 0,0 0 0,1 0 0,1 0 0,1 0 0,1 0 0,0 1 0,4 26 0,0 10 0,-5-49 0,1 0 0,1-1 0,-1 1 0,1 0 0,0 0 0,0-1 0,1 1 0,-1-1 0,1 1 0,1-1 0,-1 0 0,1 0 0,-1 0 0,2 0 0,-1 0 0,0-1 0,1 1 0,0-1 0,0 0 0,0 0 0,1-1 0,-1 1 0,1-1 0,0 0 0,0 0 0,0 0 0,0-1 0,0 0 0,1 0 0,-1 0 0,1 0 0,-1-1 0,1 0 0,8 0 0,-5 1-97,0-1-1,0 0 1,0 0-1,0-1 1,0 0-1,0-1 1,0 0-1,0-1 1,0 1-1,0-2 1,0 1-1,-1-1 0,16-8 1,-8-1-6729</inkml:trace>
-</inkml:ink>
-</file>
-
-<file path=ppt/ink/ink14.xml><?xml version="1.0" encoding="utf-8"?>
-<inkml:ink xmlns:inkml="http://www.w3.org/2003/InkML">
-  <inkml:definitions>
-    <inkml:context xml:id="ctx0">
-      <inkml:inkSource xml:id="inkSrc0">
-        <inkml:traceFormat>
-          <inkml:channel name="X" type="integer" min="-2.14748E9" max="2.14748E9" units="cm"/>
-          <inkml:channel name="Y" type="integer" min="-2.14748E9" max="2.14748E9" units="cm"/>
-          <inkml:channel name="F" type="integer" max="32767" units="dev"/>
-        </inkml:traceFormat>
-        <inkml:channelProperties>
-          <inkml:channelProperty channel="X" name="resolution" value="1000" units="1/cm"/>
-          <inkml:channelProperty channel="Y" name="resolution" value="1000" units="1/cm"/>
-          <inkml:channelProperty channel="F" name="resolution" value="0" units="1/dev"/>
-        </inkml:channelProperties>
-      </inkml:inkSource>
-      <inkml:timestamp xml:id="ts0" timeString="2024-11-28T02:53:31.684"/>
-    </inkml:context>
-    <inkml:brush xml:id="br0">
-      <inkml:brushProperty name="width" value="0.035" units="cm"/>
-      <inkml:brushProperty name="height" value="0.035" units="cm"/>
-    </inkml:brush>
-  </inkml:definitions>
-  <inkml:trace contextRef="#ctx0" brushRef="#br0">3 0 24575,'-1'95'0,"-1"-8"0,4 1 0,17 107 0,-13-123 0,-6-56 0,1 1 0,1 0 0,7 27 0,-9-44 0,-1 1 0,1-1 0,0 0 0,0 0 0,0 1 0,0-1 0,0 0 0,0 0 0,0 1 0,0-1 0,0 0 0,0 0 0,0 1 0,0-1 0,0 0 0,0 0 0,0 1 0,0-1 0,0 0 0,1 0 0,-1 1 0,0-1 0,0 0 0,0 0 0,0 1 0,0-1 0,1 0 0,-1 0 0,0 0 0,0 0 0,0 1 0,1-1 0,-1 0 0,0 0 0,0 0 0,1 0 0,-1 0 0,0 1 0,0-1 0,1 0 0,-1 0 0,0 0 0,0 0 0,1 0 0,-1 0 0,0 0 0,0 0 0,1 0 0,-1 0 0,0 0 0,0 0 0,1 0 0,-1 0 0,0 0 0,0-1 0,1 1 0,6-20 0,-1-31 0,-7-11 0,-1 47 0,2 0 0,-1 0 0,2 0 0,0 0 0,1 0 0,5-22 0,-5 33 0,1-1 0,-1 1 0,1 0 0,0 0 0,0 0 0,0 1 0,0-1 0,1 1 0,-1 0 0,1 0 0,0 0 0,0 0 0,0 0 0,0 1 0,1 0 0,-1 0 0,0 0 0,1 0 0,0 1 0,-1 0 0,1 0 0,8-1 0,-8 1 0,0 1 0,0-1 0,0 1 0,0 0 0,0 1 0,0-1 0,0 1 0,0 0 0,0 0 0,0 0 0,0 1 0,-1 0 0,1 0 0,-1 0 0,1 0 0,-1 1 0,1 0 0,-1 0 0,0 0 0,-1 0 0,6 5 0,2 9 0,0 0 0,-1 1 0,-1 0 0,-1 1 0,0 0 0,-1 0 0,-2 0 0,0 1 0,0 0 0,0 21 0,12 29-1365,-13-50-5461</inkml:trace>
-</inkml:ink>
-</file>
-
-<file path=ppt/ink/ink15.xml><?xml version="1.0" encoding="utf-8"?>
-<inkml:ink xmlns:inkml="http://www.w3.org/2003/InkML">
-  <inkml:definitions>
-    <inkml:context xml:id="ctx0">
-      <inkml:inkSource xml:id="inkSrc0">
-        <inkml:traceFormat>
-          <inkml:channel name="X" type="integer" min="-2.14748E9" max="2.14748E9" units="cm"/>
-          <inkml:channel name="Y" type="integer" min="-2.14748E9" max="2.14748E9" units="cm"/>
-          <inkml:channel name="F" type="integer" max="32767" units="dev"/>
-        </inkml:traceFormat>
-        <inkml:channelProperties>
-          <inkml:channelProperty channel="X" name="resolution" value="1000" units="1/cm"/>
-          <inkml:channelProperty channel="Y" name="resolution" value="1000" units="1/cm"/>
-          <inkml:channelProperty channel="F" name="resolution" value="0" units="1/dev"/>
-        </inkml:channelProperties>
-      </inkml:inkSource>
-      <inkml:timestamp xml:id="ts0" timeString="2024-11-28T02:53:32.328"/>
-    </inkml:context>
-    <inkml:brush xml:id="br0">
-      <inkml:brushProperty name="width" value="0.035" units="cm"/>
-      <inkml:brushProperty name="height" value="0.035" units="cm"/>
-    </inkml:brush>
-  </inkml:definitions>
-  <inkml:trace contextRef="#ctx0" brushRef="#br0">1 1 24575,'0'4'0,"0"8"0,0 5 0,0 6 0,0 3 0,0 7 0,0 3 0,0 1 0,0-2 0,0-1 0,0-3 0,0 0 0,0-6-8191</inkml:trace>
-</inkml:ink>
-</file>
-
-<file path=ppt/ink/ink16.xml><?xml version="1.0" encoding="utf-8"?>
-<inkml:ink xmlns:inkml="http://www.w3.org/2003/InkML">
-  <inkml:definitions>
-    <inkml:context xml:id="ctx0">
-      <inkml:inkSource xml:id="inkSrc0">
-        <inkml:traceFormat>
-          <inkml:channel name="X" type="integer" min="-2.14748E9" max="2.14748E9" units="cm"/>
-          <inkml:channel name="Y" type="integer" min="-2.14748E9" max="2.14748E9" units="cm"/>
-          <inkml:channel name="F" type="integer" max="32767" units="dev"/>
-        </inkml:traceFormat>
-        <inkml:channelProperties>
-          <inkml:channelProperty channel="X" name="resolution" value="1000" units="1/cm"/>
-          <inkml:channelProperty channel="Y" name="resolution" value="1000" units="1/cm"/>
-          <inkml:channelProperty channel="F" name="resolution" value="0" units="1/dev"/>
-        </inkml:channelProperties>
-      </inkml:inkSource>
-      <inkml:timestamp xml:id="ts0" timeString="2024-11-28T02:53:33.981"/>
-    </inkml:context>
-    <inkml:brush xml:id="br0">
-      <inkml:brushProperty name="width" value="0.035" units="cm"/>
-      <inkml:brushProperty name="height" value="0.035" units="cm"/>
-    </inkml:brush>
-  </inkml:definitions>
-  <inkml:trace contextRef="#ctx0" brushRef="#br0">7 134 24575,'7'-7'0,"-2"-1"0,1 1 0,-1-1 0,0-1 0,4-9 0,-6 12 0,-1 0 0,1 1 0,0-1 0,0 1 0,1 0 0,0-1 0,0 2 0,0-1 0,0 0 0,1 1 0,0 0 0,0 0 0,6-4 0,-9 7 0,0 1 0,-1-1 0,1 1 0,0-1 0,0 1 0,-1 0 0,1-1 0,0 1 0,0 0 0,0 0 0,-1 1 0,1-1 0,0 0 0,0 0 0,-1 1 0,1-1 0,0 1 0,0 0 0,-1-1 0,1 1 0,-1 0 0,1 0 0,-1 0 0,1 0 0,-1 0 0,0 1 0,1-1 0,-1 0 0,0 1 0,0-1 0,0 0 0,0 1 0,0-1 0,0 1 0,0 0 0,-1-1 0,1 1 0,0 2 0,3 4 0,-1 1 0,0 1 0,0-1 0,-1 0 0,2 17 0,-1 24 0,-2-1 0,-6 57 0,5-102 0,-1-1 0,0 0 0,0 0 0,0 0 0,0 0 0,0 0 0,-1 0 0,1 0 0,-1 0 0,0 0 0,0-1 0,0 1 0,0-1 0,-1 1 0,1-1 0,0 0 0,-1 0 0,0 0 0,1 0 0,-1 0 0,0-1 0,0 1 0,0-1 0,0 0 0,0 0 0,-1 0 0,1 0 0,0-1 0,0 1 0,-1-1 0,1 0 0,0 1 0,-5-2 0,4 1 0,0 0 0,0 0 0,1 0 0,-1-1 0,0 0 0,0 0 0,1 0 0,-1 0 0,0 0 0,1-1 0,-1 1 0,1-1 0,0 0 0,-1 0 0,1 0 0,0-1 0,0 1 0,1-1 0,-1 0 0,0 1 0,1-1 0,0 0 0,0-1 0,-1 1 0,2 0 0,-1-1 0,0 1 0,-1-8 0,0-2-151,1 0-1,1-1 0,0 1 0,1 0 1,0-1-1,2 1 0,-1-1 1,6-18-1,0 12-6674</inkml:trace>
-</inkml:ink>
-</file>
-
-<file path=ppt/ink/ink17.xml><?xml version="1.0" encoding="utf-8"?>
-<inkml:ink xmlns:inkml="http://www.w3.org/2003/InkML">
-  <inkml:definitions>
-    <inkml:context xml:id="ctx0">
-      <inkml:inkSource xml:id="inkSrc0">
-        <inkml:traceFormat>
-          <inkml:channel name="X" type="integer" min="-2.14748E9" max="2.14748E9" units="cm"/>
-          <inkml:channel name="Y" type="integer" min="-2.14748E9" max="2.14748E9" units="cm"/>
-          <inkml:channel name="F" type="integer" max="32767" units="dev"/>
-        </inkml:traceFormat>
-        <inkml:channelProperties>
-          <inkml:channelProperty channel="X" name="resolution" value="1000" units="1/cm"/>
-          <inkml:channelProperty channel="Y" name="resolution" value="1000" units="1/cm"/>
-          <inkml:channelProperty channel="F" name="resolution" value="0" units="1/dev"/>
-        </inkml:channelProperties>
-      </inkml:inkSource>
-      <inkml:timestamp xml:id="ts0" timeString="2024-11-28T02:53:36.119"/>
-    </inkml:context>
-    <inkml:brush xml:id="br0">
-      <inkml:brushProperty name="width" value="0.035" units="cm"/>
-      <inkml:brushProperty name="height" value="0.035" units="cm"/>
-    </inkml:brush>
-  </inkml:definitions>
-  <inkml:trace contextRef="#ctx0" brushRef="#br0">298 91 24575,'-1'-2'0,"1"0"0,-1 0 0,1 1 0,-1-1 0,0 0 0,0 0 0,0 1 0,0-1 0,0 1 0,0-1 0,0 1 0,-1-1 0,1 1 0,0 0 0,-1 0 0,1 0 0,-1-1 0,1 2 0,-1-1 0,-2-1 0,-42-19 0,35 16 0,-8-2 0,0 0 0,-28-6 0,41 11 0,-1 0 0,0 1 0,0 1 0,0-1 0,0 1 0,-1 0 0,1 1 0,0-1 0,0 1 0,-9 3 0,12-2 0,1 0 0,0 0 0,0 1 0,1-1 0,-1 1 0,0 0 0,1-1 0,0 1 0,-1 0 0,1 0 0,0 1 0,1-1 0,-1 0 0,0 1 0,1-1 0,0 1 0,0-1 0,0 1 0,0-1 0,1 1 0,-1 0 0,1 0 0,0-1 0,0 8 0,0-1 0,1 1 0,-1 0 0,2 0 0,-1-1 0,2 1 0,-1-1 0,7 17 0,-7-24 0,-1 0 0,1-1 0,0 1 0,0 0 0,0-1 0,0 1 0,0-1 0,0 1 0,1-1 0,-1 0 0,1 0 0,-1 0 0,1 0 0,0-1 0,0 1 0,0-1 0,0 0 0,0 0 0,0 0 0,0 0 0,0 0 0,1 0 0,-1-1 0,0 0 0,1 0 0,-1 0 0,0 0 0,0 0 0,1 0 0,3-2 0,-2 1 0,1-1 0,-1 1 0,0-1 0,0 0 0,0 0 0,0-1 0,0 0 0,-1 0 0,1 0 0,-1 0 0,1-1 0,-1 1 0,0-1 0,-1 0 0,1 0 0,-1-1 0,4-5 0,13-36 0,-16 35 0,0 1 0,0 0 0,1 0 0,11-16 0,-15 25 0,0 0 0,0 0 0,0 0 0,0 0 0,0 0 0,0 1 0,0-1 0,0 0 0,1 1 0,-1-1 0,0 1 0,1-1 0,-1 1 0,0-1 0,0 1 0,1 0 0,-1 0 0,1 0 0,-1 0 0,0 0 0,1 0 0,-1 0 0,0 0 0,1 0 0,-1 1 0,0-1 0,1 0 0,-1 1 0,0-1 0,0 1 0,0 0 0,1-1 0,-1 1 0,0 0 0,0 0 0,0 0 0,0 0 0,0 0 0,0 0 0,1 2 0,8 7 0,-2 0 0,1 1 0,9 15 0,-7-10 0,29 30-1365,-19-26-5461</inkml:trace>
-</inkml:ink>
-</file>
-
-<file path=ppt/ink/ink18.xml><?xml version="1.0" encoding="utf-8"?>
-<inkml:ink xmlns:inkml="http://www.w3.org/2003/InkML">
-  <inkml:definitions>
-    <inkml:context xml:id="ctx0">
-      <inkml:inkSource xml:id="inkSrc0">
-        <inkml:traceFormat>
-          <inkml:channel name="X" type="integer" min="-2.14748E9" max="2.14748E9" units="cm"/>
-          <inkml:channel name="Y" type="integer" min="-2.14748E9" max="2.14748E9" units="cm"/>
-          <inkml:channel name="F" type="integer" max="32767" units="dev"/>
-        </inkml:traceFormat>
-        <inkml:channelProperties>
-          <inkml:channelProperty channel="X" name="resolution" value="1000" units="1/cm"/>
-          <inkml:channelProperty channel="Y" name="resolution" value="1000" units="1/cm"/>
-          <inkml:channelProperty channel="F" name="resolution" value="0" units="1/dev"/>
-        </inkml:channelProperties>
-      </inkml:inkSource>
-      <inkml:timestamp xml:id="ts0" timeString="2024-11-28T02:53:52.097"/>
-    </inkml:context>
-    <inkml:brush xml:id="br0">
-      <inkml:brushProperty name="width" value="0.035" units="cm"/>
-      <inkml:brushProperty name="height" value="0.035" units="cm"/>
-    </inkml:brush>
-  </inkml:definitions>
-  <inkml:trace contextRef="#ctx0" brushRef="#br0">406 127 24575,'-3'-8'0,"0"1"0,0-1 0,0 0 0,-1 1 0,0-1 0,-1 1 0,-5-8 0,6 10 0,1 0 0,-1 0 0,0 0 0,0 1 0,0-1 0,0 1 0,-1 0 0,0 0 0,0 0 0,0 0 0,-5-2 0,8 5 0,1 1 0,0 0 0,0-1 0,0 1 0,-1 0 0,1-1 0,0 1 0,0 0 0,0 0 0,-1 0 0,1 0 0,0 0 0,0 0 0,-1 0 0,1 1 0,0-1 0,0 0 0,0 1 0,-1-1 0,1 1 0,-1 0 0,0 1 0,0-1 0,1 1 0,-1 0 0,0 0 0,1 0 0,-1 0 0,1 0 0,0 0 0,0 1 0,0-1 0,0 0 0,0 1 0,0-1 0,0 5 0,-4 21 0,2 1 0,1 0 0,1 0 0,5 44 0,-2 1 0,-2-68 0,1 1 0,-1-1 0,1 0 0,0 1 0,1-1 0,0 0 0,0 0 0,0 1 0,0-1 0,1-1 0,0 1 0,4 5 0,-5-9 0,-1 0 0,1 0 0,0 0 0,-1-1 0,1 1 0,0-1 0,0 0 0,0 1 0,0-1 0,0 0 0,1 0 0,-1 0 0,0 0 0,0-1 0,1 1 0,-1 0 0,1-1 0,-1 0 0,0 0 0,1 1 0,-1-2 0,1 1 0,-1 0 0,0 0 0,1-1 0,-1 1 0,0-1 0,1 0 0,-1 1 0,0-1 0,0 0 0,1-1 0,-1 1 0,0 0 0,2-2 0,0-1 0,1 0 0,-1 0 0,0-1 0,0 0 0,0 1 0,0-1 0,-1 0 0,0-1 0,0 1 0,0-1 0,-1 1 0,0-1 0,0 0 0,2-8 0,1-9 0,-1 1 0,3-35 0,-7-62 0,2 266 0,-5 120 0,3-261 0,0-1 0,-1 0 0,0 1 0,0-1 0,0 0 0,-1 0 0,1 1 0,-1-1 0,-1 0 0,1-1 0,-1 1 0,1 0 0,-2-1 0,-5 8 0,4-8 0,1-1 0,-1 0 0,0 0 0,0 0 0,-1-1 0,1 1 0,0-1 0,-1-1 0,1 1 0,-1-1 0,0 0 0,1 0 0,-10 0 0,-166 11 0,176-11 0,1-1 0,0 0 0,0 0 0,0 0 0,-1 0 0,1 0 0,0-1 0,0 0 0,0 0 0,0 0 0,0 0 0,0-1 0,0 0 0,0 1 0,1-2 0,-1 1 0,0 0 0,1-1 0,0 1 0,0-1 0,0 0 0,0 0 0,-3-4 0,0-4 0,0 1 0,1-1 0,1 0 0,-1 0 0,2-1 0,-4-21 0,3 17-1365,1 7-5461</inkml:trace>
-</inkml:ink>
-</file>
-
-<file path=ppt/ink/ink19.xml><?xml version="1.0" encoding="utf-8"?>
-<inkml:ink xmlns:inkml="http://www.w3.org/2003/InkML">
-  <inkml:definitions>
-    <inkml:context xml:id="ctx0">
-      <inkml:inkSource xml:id="inkSrc0">
-        <inkml:traceFormat>
-          <inkml:channel name="X" type="integer" min="-2.14748E9" max="2.14748E9" units="cm"/>
-          <inkml:channel name="Y" type="integer" min="-2.14748E9" max="2.14748E9" units="cm"/>
-          <inkml:channel name="F" type="integer" max="32767" units="dev"/>
-        </inkml:traceFormat>
-        <inkml:channelProperties>
-          <inkml:channelProperty channel="X" name="resolution" value="1000" units="1/cm"/>
-          <inkml:channelProperty channel="Y" name="resolution" value="1000" units="1/cm"/>
-          <inkml:channelProperty channel="F" name="resolution" value="0" units="1/dev"/>
-        </inkml:channelProperties>
-      </inkml:inkSource>
-      <inkml:timestamp xml:id="ts0" timeString="2024-12-01T17:54:51.402"/>
-    </inkml:context>
-    <inkml:brush xml:id="br0">
-      <inkml:brushProperty name="width" value="0.035" units="cm"/>
-      <inkml:brushProperty name="height" value="0.035" units="cm"/>
-      <inkml:brushProperty name="color" value="#E71224"/>
-    </inkml:brush>
-  </inkml:definitions>
-  <inkml:trace contextRef="#ctx0" brushRef="#br0">1 322 24575,'3'42'0,"2"-1"0,2 1 0,1-2 0,2 1 0,28 67 0,-38-108 0,3 10 0,1 0 0,0 0 0,1-1 0,9 15 0,-13-22 0,0 0 0,0-1 0,1 1 0,-1-1 0,0 1 0,0-1 0,1 0 0,-1 0 0,1 1 0,0-1 0,-1 0 0,1 0 0,0 0 0,-1-1 0,1 1 0,0 0 0,0-1 0,0 1 0,-1-1 0,1 0 0,0 1 0,0-1 0,0 0 0,0 0 0,0 0 0,0 0 0,0-1 0,0 1 0,-1-1 0,1 1 0,0-1 0,0 1 0,0-1 0,1-1 0,11-7 0,0-1 0,-1 0 0,0-1 0,-1-1 0,-1 0 0,11-13 0,10-10 0,270-266 120,-228 236-615,3 3 0,111-69 0,-135 99-6331</inkml:trace>
-</inkml:ink>
-</file>
-
-<file path=ppt/ink/ink2.xml><?xml version="1.0" encoding="utf-8"?>
-<inkml:ink xmlns:inkml="http://www.w3.org/2003/InkML">
-  <inkml:definitions>
-    <inkml:context xml:id="ctx0">
-      <inkml:inkSource xml:id="inkSrc0">
-        <inkml:traceFormat>
-          <inkml:channel name="X" type="integer" min="-2.14748E9" max="2.14748E9" units="cm"/>
-          <inkml:channel name="Y" type="integer" min="-2.14748E9" max="2.14748E9" units="cm"/>
-          <inkml:channel name="F" type="integer" max="32767" units="dev"/>
-        </inkml:traceFormat>
-        <inkml:channelProperties>
-          <inkml:channelProperty channel="X" name="resolution" value="1000" units="1/cm"/>
-          <inkml:channelProperty channel="Y" name="resolution" value="1000" units="1/cm"/>
-          <inkml:channelProperty channel="F" name="resolution" value="0" units="1/dev"/>
-        </inkml:channelProperties>
-      </inkml:inkSource>
-      <inkml:timestamp xml:id="ts0" timeString="2024-11-25T00:02:37.939"/>
-    </inkml:context>
-    <inkml:brush xml:id="br0">
-      <inkml:brushProperty name="width" value="0.035" units="cm"/>
-      <inkml:brushProperty name="height" value="0.035" units="cm"/>
-      <inkml:brushProperty name="color" value="#E71224"/>
-    </inkml:brush>
-  </inkml:definitions>
-  <inkml:trace contextRef="#ctx0" brushRef="#br0">1 432 24575,'4'0'0,"0"1"0,0-1 0,0 1 0,0 0 0,0 0 0,0 1 0,0-1 0,0 1 0,0 0 0,-1-1 0,1 2 0,-1-1 0,0 0 0,1 1 0,-1 0 0,0-1 0,0 1 0,-1 1 0,1-1 0,-1 0 0,1 0 0,1 5 0,6 11 0,0 0 0,-1 1 0,7 26 0,-11-30 0,1 0 0,15 29 0,-20-44 0,0 0 0,-1 0 0,1 0 0,0 0 0,-1 0 0,1 0 0,0 0 0,0-1 0,0 1 0,0 0 0,0 0 0,0 0 0,0-1 0,0 1 0,0-1 0,0 1 0,0-1 0,0 1 0,0-1 0,0 0 0,1 1 0,-1-1 0,0 0 0,0 0 0,0 0 0,1 0 0,1 0 0,-1-1 0,0 0 0,1 0 0,-1 0 0,0 0 0,0-1 0,0 1 0,1-1 0,-1 1 0,-1-1 0,1 0 0,0 0 0,2-3 0,7-9 0,-1-1 0,-1-1 0,8-17 0,-13 25 0,22-46-111,220-403-1143,-208 396-5572</inkml:trace>
-</inkml:ink>
-</file>
-
-<file path=ppt/ink/ink20.xml><?xml version="1.0" encoding="utf-8"?>
-<inkml:ink xmlns:inkml="http://www.w3.org/2003/InkML">
-  <inkml:definitions>
-    <inkml:context xml:id="ctx0">
-      <inkml:inkSource xml:id="inkSrc0">
-        <inkml:traceFormat>
-          <inkml:channel name="X" type="integer" min="-2.14748E9" max="2.14748E9" units="cm"/>
-          <inkml:channel name="Y" type="integer" min="-2.14748E9" max="2.14748E9" units="cm"/>
-          <inkml:channel name="F" type="integer" max="32767" units="dev"/>
-        </inkml:traceFormat>
-        <inkml:channelProperties>
-          <inkml:channelProperty channel="X" name="resolution" value="1000" units="1/cm"/>
-          <inkml:channelProperty channel="Y" name="resolution" value="1000" units="1/cm"/>
-          <inkml:channelProperty channel="F" name="resolution" value="0" units="1/dev"/>
-        </inkml:channelProperties>
-      </inkml:inkSource>
-      <inkml:timestamp xml:id="ts0" timeString="2024-12-01T17:54:52.596"/>
-    </inkml:context>
-    <inkml:brush xml:id="br0">
-      <inkml:brushProperty name="width" value="0.035" units="cm"/>
-      <inkml:brushProperty name="height" value="0.035" units="cm"/>
-      <inkml:brushProperty name="color" value="#E71224"/>
-    </inkml:brush>
-  </inkml:definitions>
-  <inkml:trace contextRef="#ctx0" brushRef="#br0">1 490 24575,'62'65'0,"-3"2"0,-3 3 0,88 145 0,-142-211 0,0-1 0,0 1 0,0-1 0,0 0 0,0 0 0,0 0 0,1 0 0,-1 0 0,1-1 0,0 1 0,0-1 0,0 1 0,0-1 0,6 3 0,-6-5 0,0-1 0,-1 1 0,1 0 0,0-1 0,-1 1 0,1-1 0,0 0 0,-1 0 0,1 0 0,-1 0 0,1 0 0,-1-1 0,0 1 0,0-1 0,1 1 0,-1-1 0,0 0 0,0 0 0,-1 0 0,1 0 0,2-3 0,102-99 0,168-128 0,140-59 0,28 23-1365,-387 240-5461</inkml:trace>
-</inkml:ink>
-</file>
-
-<file path=ppt/ink/ink21.xml><?xml version="1.0" encoding="utf-8"?>
-<inkml:ink xmlns:inkml="http://www.w3.org/2003/InkML">
-  <inkml:definitions>
-    <inkml:context xml:id="ctx0">
-      <inkml:inkSource xml:id="inkSrc0">
-        <inkml:traceFormat>
-          <inkml:channel name="X" type="integer" min="-2.14748E9" max="2.14748E9" units="cm"/>
-          <inkml:channel name="Y" type="integer" min="-2.14748E9" max="2.14748E9" units="cm"/>
-          <inkml:channel name="F" type="integer" max="32767" units="dev"/>
-        </inkml:traceFormat>
-        <inkml:channelProperties>
-          <inkml:channelProperty channel="X" name="resolution" value="1000" units="1/cm"/>
-          <inkml:channelProperty channel="Y" name="resolution" value="1000" units="1/cm"/>
-          <inkml:channelProperty channel="F" name="resolution" value="0" units="1/dev"/>
-        </inkml:channelProperties>
-      </inkml:inkSource>
-      <inkml:timestamp xml:id="ts0" timeString="2024-12-01T17:55:19.282"/>
-    </inkml:context>
-    <inkml:brush xml:id="br0">
-      <inkml:brushProperty name="width" value="0.035" units="cm"/>
-      <inkml:brushProperty name="height" value="0.035" units="cm"/>
-      <inkml:brushProperty name="color" value="#E71224"/>
-    </inkml:brush>
-  </inkml:definitions>
-  <inkml:trace contextRef="#ctx0" brushRef="#br0">1 378 24575,'0'27'0,"1"-1"0,1 0 0,1 0 0,2 0 0,0 0 0,2-1 0,1 1 0,13 28 0,-20-53 0,-1 0 0,1 0 0,-1 0 0,1 0 0,0 0 0,-1-1 0,1 1 0,0 0 0,-1 0 0,1-1 0,0 1 0,0-1 0,0 1 0,0 0 0,0-1 0,0 0 0,0 1 0,0-1 0,0 0 0,0 1 0,0-1 0,0 0 0,0 0 0,0 0 0,0 0 0,0 0 0,0 0 0,0 0 0,0 0 0,0 0 0,0 0 0,0-1 0,0 1 0,0 0 0,0-1 0,0 1 0,0-1 0,0 1 0,1-2 0,37-28 0,-37 28 0,154-155 0,28-28 0,-95 108-16,89-86-1333,-146 129-5477</inkml:trace>
-</inkml:ink>
-</file>
-
-<file path=ppt/ink/ink22.xml><?xml version="1.0" encoding="utf-8"?>
-<inkml:ink xmlns:inkml="http://www.w3.org/2003/InkML">
-  <inkml:definitions>
-    <inkml:context xml:id="ctx0">
-      <inkml:inkSource xml:id="inkSrc0">
-        <inkml:traceFormat>
-          <inkml:channel name="X" type="integer" min="-2.14748E9" max="2.14748E9" units="cm"/>
-          <inkml:channel name="Y" type="integer" min="-2.14748E9" max="2.14748E9" units="cm"/>
-          <inkml:channel name="F" type="integer" max="32767" units="dev"/>
-        </inkml:traceFormat>
-        <inkml:channelProperties>
-          <inkml:channelProperty channel="X" name="resolution" value="1000" units="1/cm"/>
-          <inkml:channelProperty channel="Y" name="resolution" value="1000" units="1/cm"/>
-          <inkml:channelProperty channel="F" name="resolution" value="0" units="1/dev"/>
-        </inkml:channelProperties>
-      </inkml:inkSource>
-      <inkml:timestamp xml:id="ts0" timeString="2024-12-01T23:32:34.381"/>
-    </inkml:context>
-    <inkml:brush xml:id="br0">
-      <inkml:brushProperty name="width" value="0.035" units="cm"/>
-      <inkml:brushProperty name="height" value="0.035" units="cm"/>
-      <inkml:brushProperty name="color" value="#E71224"/>
-    </inkml:brush>
-  </inkml:definitions>
-  <inkml:trace contextRef="#ctx0" brushRef="#br0">1 486 24575,'0'0'0,"-1"0"0,1 0 0,0 0 0,0-1 0,0 1 0,0 0 0,0 0 0,0 0 0,0 0 0,0 0 0,0-1 0,0 1 0,0 0 0,0 0 0,0 0 0,0 0 0,0 0 0,0-1 0,0 1 0,1 0 0,-1 0 0,0 0 0,0 0 0,0 0 0,0-1 0,0 1 0,0 0 0,0 0 0,0 0 0,0 0 0,1 0 0,-1 0 0,0 0 0,0 0 0,0 0 0,0 0 0,0-1 0,0 1 0,1 0 0,-1 0 0,0 0 0,0 0 0,0 0 0,0 0 0,0 0 0,1 0 0,-1 0 0,0 0 0,0 0 0,0 0 0,0 0 0,0 0 0,1 0 0,-1 0 0,0 0 0,0 1 0,0-1 0,0 0 0,1 0 0,10 10 0,9 16 0,75 111 0,-94-135 0,1 0 0,0 1 0,-1-1 0,1 0 0,0 0 0,0 0 0,0 0 0,1 0 0,-1-1 0,0 1 0,1-1 0,-1 1 0,1-1 0,-1 0 0,1 0 0,0 0 0,-1 0 0,1-1 0,0 1 0,0-1 0,-1 1 0,1-1 0,0 0 0,0 0 0,0 0 0,-1-1 0,1 1 0,0-1 0,0 1 0,-1-1 0,1 0 0,0 0 0,-1 0 0,1-1 0,-1 1 0,1 0 0,-1-1 0,3-2 0,6-4 0,0-2 0,0 0 0,-1 0 0,0 0 0,-1-1 0,10-15 0,-6 7 0,112-150 0,-80 102 0,-31 45 0,27-32 0,20-23 0,10-12 0,-60 76-341,-1 0 0,-1-1-1,10-18 1,-10 16-6485</inkml:trace>
-</inkml:ink>
-</file>
-
-<file path=ppt/ink/ink23.xml><?xml version="1.0" encoding="utf-8"?>
-<inkml:ink xmlns:inkml="http://www.w3.org/2003/InkML">
-  <inkml:definitions>
-    <inkml:context xml:id="ctx0">
-      <inkml:inkSource xml:id="inkSrc0">
-        <inkml:traceFormat>
-          <inkml:channel name="X" type="integer" min="-2.14748E9" max="2.14748E9" units="cm"/>
-          <inkml:channel name="Y" type="integer" min="-2.14748E9" max="2.14748E9" units="cm"/>
-          <inkml:channel name="F" type="integer" max="32767" units="dev"/>
-        </inkml:traceFormat>
-        <inkml:channelProperties>
-          <inkml:channelProperty channel="X" name="resolution" value="1000" units="1/cm"/>
-          <inkml:channelProperty channel="Y" name="resolution" value="1000" units="1/cm"/>
-          <inkml:channelProperty channel="F" name="resolution" value="0" units="1/dev"/>
-        </inkml:channelProperties>
-      </inkml:inkSource>
-      <inkml:timestamp xml:id="ts0" timeString="2024-12-01T23:32:41.174"/>
-    </inkml:context>
-    <inkml:brush xml:id="br0">
-      <inkml:brushProperty name="width" value="0.035" units="cm"/>
-      <inkml:brushProperty name="height" value="0.035" units="cm"/>
-      <inkml:brushProperty name="color" value="#E71224"/>
-    </inkml:brush>
-  </inkml:definitions>
-  <inkml:trace contextRef="#ctx0" brushRef="#br0">1 367 24575,'6'0'0,"-1"1"0,1 0 0,0 0 0,-1 0 0,1 1 0,-1-1 0,0 1 0,1 1 0,-1-1 0,7 5 0,46 37 0,-38-28 0,-10-7 0,0 1 0,-1-1 0,14 20 0,18 19 0,-40-47 0,1 0 0,-1 1 0,0-1 0,1 0 0,-1 0 0,1 0 0,-1-1 0,1 1 0,-1 0 0,1 0 0,0-1 0,-1 1 0,1-1 0,0 0 0,0 1 0,-1-1 0,1 0 0,0 0 0,0 0 0,-1 0 0,1-1 0,0 1 0,-1 0 0,1-1 0,0 1 0,-1-1 0,1 1 0,0-1 0,-1 0 0,1 0 0,-1 0 0,1 0 0,-1 0 0,1 0 0,-1 0 0,0 0 0,0 0 0,0-1 0,2-1 0,5-8 0,0 1 0,-1-1 0,-1 0 0,8-16 0,-9 18 0,10-21 0,6-14 0,2 1 0,2 0 0,59-74 0,-3 37 92,-50 52-820,35-41-1,-55 54-6097</inkml:trace>
-</inkml:ink>
-</file>
-
-<file path=ppt/ink/ink3.xml><?xml version="1.0" encoding="utf-8"?>
-<inkml:ink xmlns:inkml="http://www.w3.org/2003/InkML">
-  <inkml:definitions>
-    <inkml:context xml:id="ctx0">
-      <inkml:inkSource xml:id="inkSrc0">
-        <inkml:traceFormat>
-          <inkml:channel name="X" type="integer" min="-2.14748E9" max="2.14748E9" units="cm"/>
-          <inkml:channel name="Y" type="integer" min="-2.14748E9" max="2.14748E9" units="cm"/>
-          <inkml:channel name="F" type="integer" max="32767" units="dev"/>
-        </inkml:traceFormat>
-        <inkml:channelProperties>
-          <inkml:channelProperty channel="X" name="resolution" value="1000" units="1/cm"/>
-          <inkml:channelProperty channel="Y" name="resolution" value="1000" units="1/cm"/>
-          <inkml:channelProperty channel="F" name="resolution" value="0" units="1/dev"/>
-        </inkml:channelProperties>
-      </inkml:inkSource>
-      <inkml:timestamp xml:id="ts0" timeString="2024-11-25T00:02:40.925"/>
-    </inkml:context>
-    <inkml:brush xml:id="br0">
-      <inkml:brushProperty name="width" value="0.035" units="cm"/>
-      <inkml:brushProperty name="height" value="0.035" units="cm"/>
-      <inkml:brushProperty name="color" value="#E71224"/>
-    </inkml:brush>
-  </inkml:definitions>
-  <inkml:trace contextRef="#ctx0" brushRef="#br0">0 515 24575,'2'0'0,"1"1"0,-1 0 0,0-1 0,0 1 0,0 0 0,0 0 0,0 0 0,0 0 0,0 1 0,0-1 0,0 1 0,0-1 0,-1 1 0,1-1 0,1 3 0,27 34 0,-19-24 0,-1 1 0,0 0 0,-1 0 0,-1 1 0,11 28 0,18 33 0,-36-75 0,0-1 0,0 1 0,0-1 0,0 1 0,0-1 0,0 1 0,0-1 0,0 0 0,1 0 0,-1 0 0,1 0 0,-1 0 0,1 0 0,-1 0 0,1 0 0,-1 0 0,1-1 0,0 1 0,-1-1 0,1 1 0,0-1 0,0 0 0,-1 1 0,1-1 0,0 0 0,0 0 0,-1 0 0,4-1 0,2-1 0,0-1 0,0 1 0,0-1 0,-1-1 0,13-7 0,-18 11 0,87-61 0,96-83 0,-31 22 0,362-214-520,-437 289-325,14-10-5981</inkml:trace>
-</inkml:ink>
-</file>
-
-<file path=ppt/ink/ink4.xml><?xml version="1.0" encoding="utf-8"?>
-<inkml:ink xmlns:inkml="http://www.w3.org/2003/InkML">
-  <inkml:definitions>
-    <inkml:context xml:id="ctx0">
-      <inkml:inkSource xml:id="inkSrc0">
-        <inkml:traceFormat>
-          <inkml:channel name="X" type="integer" min="-2.14748E9" max="2.14748E9" units="cm"/>
-          <inkml:channel name="Y" type="integer" min="-2.14748E9" max="2.14748E9" units="cm"/>
-          <inkml:channel name="F" type="integer" max="32767" units="dev"/>
-        </inkml:traceFormat>
-        <inkml:channelProperties>
-          <inkml:channelProperty channel="X" name="resolution" value="1000" units="1/cm"/>
-          <inkml:channelProperty channel="Y" name="resolution" value="1000" units="1/cm"/>
-          <inkml:channelProperty channel="F" name="resolution" value="0" units="1/dev"/>
-        </inkml:channelProperties>
-      </inkml:inkSource>
-      <inkml:timestamp xml:id="ts0" timeString="2024-11-25T00:02:49.823"/>
-    </inkml:context>
-    <inkml:brush xml:id="br0">
-      <inkml:brushProperty name="width" value="0.035" units="cm"/>
-      <inkml:brushProperty name="height" value="0.035" units="cm"/>
-      <inkml:brushProperty name="color" value="#E71224"/>
-    </inkml:brush>
-  </inkml:definitions>
-  <inkml:trace contextRef="#ctx0" brushRef="#br0">0 472 24575,'2'11'0,"0"-1"0,1 1 0,0-1 0,1 0 0,0 0 0,0 0 0,9 13 0,4 13 0,-1 3 0,-9-19 0,0-1 0,2 0 0,0-1 0,1 1 0,22 28 0,-31-45 0,1-1 0,-1 1 0,0-1 0,1 1 0,-1-1 0,1 1 0,0-1 0,0 0 0,-1 0 0,1 0 0,0 0 0,0 0 0,0 0 0,0-1 0,0 1 0,0-1 0,0 1 0,0-1 0,0 0 0,0 1 0,0-1 0,0 0 0,0 0 0,1-1 0,-1 1 0,0 0 0,0-1 0,0 1 0,0-1 0,0 0 0,0 0 0,-1 0 0,1 0 0,0 0 0,0 0 0,0 0 0,-1 0 0,1-1 0,-1 1 0,1-1 0,-1 1 0,3-4 0,5-6 0,-1 0 0,0-1 0,0 0 0,11-25 0,142-304 0,-145 314 0,1 0 0,26-31 0,-25 35 0,-1-1 0,26-46 0,-29 40-73,-6 11-357,2-1-1,14-21 0,-9 22-6395</inkml:trace>
-</inkml:ink>
-</file>
-
-<file path=ppt/ink/ink5.xml><?xml version="1.0" encoding="utf-8"?>
-<inkml:ink xmlns:inkml="http://www.w3.org/2003/InkML">
-  <inkml:definitions>
-    <inkml:context xml:id="ctx0">
-      <inkml:inkSource xml:id="inkSrc0">
-        <inkml:traceFormat>
-          <inkml:channel name="X" type="integer" min="-2.14748E9" max="2.14748E9" units="cm"/>
-          <inkml:channel name="Y" type="integer" min="-2.14748E9" max="2.14748E9" units="cm"/>
-          <inkml:channel name="F" type="integer" max="32767" units="dev"/>
-        </inkml:traceFormat>
-        <inkml:channelProperties>
-          <inkml:channelProperty channel="X" name="resolution" value="1000" units="1/cm"/>
-          <inkml:channelProperty channel="Y" name="resolution" value="1000" units="1/cm"/>
-          <inkml:channelProperty channel="F" name="resolution" value="0" units="1/dev"/>
-        </inkml:channelProperties>
-      </inkml:inkSource>
-      <inkml:timestamp xml:id="ts0" timeString="2024-11-25T00:02:53.130"/>
-    </inkml:context>
-    <inkml:brush xml:id="br0">
-      <inkml:brushProperty name="width" value="0.035" units="cm"/>
-      <inkml:brushProperty name="height" value="0.035" units="cm"/>
-      <inkml:brushProperty name="color" value="#E71224"/>
-    </inkml:brush>
-  </inkml:definitions>
-  <inkml:trace contextRef="#ctx0" brushRef="#br0">1 464 24575,'3'26'0,"1"-1"0,1 1 0,1-1 0,2 0 0,0-1 0,15 29 0,-12-25 0,-6-17 0,23 51 0,-27-60 0,1 1 0,-1 0 0,1 0 0,0-1 0,0 1 0,0-1 0,0 0 0,0 0 0,1 1 0,-1-1 0,1-1 0,-1 1 0,1 0 0,0-1 0,0 1 0,5 1 0,-6-3 0,0 0 0,0 0 0,0 0 0,0 0 0,0-1 0,0 1 0,0-1 0,-1 1 0,1-1 0,0 0 0,0 0 0,0 0 0,-1 0 0,1 0 0,0 0 0,-1 0 0,1-1 0,-1 1 0,1 0 0,-1-1 0,0 1 0,2-3 0,24-40 0,-25 41 0,34-62 0,-3-1 0,39-114 0,-58 145 0,0 1 0,3 0 0,0 1 0,3 1 0,29-39 0,27-44 0,-43 62-1365,-21 32-5461</inkml:trace>
-</inkml:ink>
-</file>
-
-<file path=ppt/ink/ink6.xml><?xml version="1.0" encoding="utf-8"?>
-<inkml:ink xmlns:inkml="http://www.w3.org/2003/InkML">
-  <inkml:definitions>
-    <inkml:context xml:id="ctx0">
-      <inkml:inkSource xml:id="inkSrc0">
-        <inkml:traceFormat>
-          <inkml:channel name="X" type="integer" min="-2.14748E9" max="2.14748E9" units="cm"/>
-          <inkml:channel name="Y" type="integer" min="-2.14748E9" max="2.14748E9" units="cm"/>
-          <inkml:channel name="F" type="integer" max="32767" units="dev"/>
-        </inkml:traceFormat>
-        <inkml:channelProperties>
-          <inkml:channelProperty channel="X" name="resolution" value="1000" units="1/cm"/>
-          <inkml:channelProperty channel="Y" name="resolution" value="1000" units="1/cm"/>
-          <inkml:channelProperty channel="F" name="resolution" value="0" units="1/dev"/>
-        </inkml:channelProperties>
-      </inkml:inkSource>
-      <inkml:timestamp xml:id="ts0" timeString="2024-11-25T00:03:26.756"/>
-    </inkml:context>
-    <inkml:brush xml:id="br0">
-      <inkml:brushProperty name="width" value="0.035" units="cm"/>
-      <inkml:brushProperty name="height" value="0.035" units="cm"/>
-      <inkml:brushProperty name="color" value="#E71224"/>
-    </inkml:brush>
-  </inkml:definitions>
-  <inkml:trace contextRef="#ctx0" brushRef="#br0">0 221 24575,'1'5'0,"0"-1"0,0 1 0,0 0 0,1 0 0,-1 0 0,1-1 0,0 1 0,1-1 0,3 6 0,7 15 0,4 39 0,-15-51 0,1 1 0,1-1 0,9 23 0,-12-35 0,-1 0 0,0 0 0,1 0 0,-1 0 0,1 0 0,0 0 0,-1 0 0,1 0 0,0 0 0,-1 0 0,1 0 0,0-1 0,0 1 0,0 0 0,-1-1 0,1 1 0,0 0 0,0-1 0,0 1 0,0-1 0,0 1 0,0-1 0,1 0 0,-1 0 0,0 1 0,0-1 0,0 0 0,0 0 0,0 0 0,0 0 0,0 0 0,0 0 0,1 0 0,-1-1 0,0 1 0,0 0 0,0-1 0,0 1 0,0 0 0,0-1 0,0 1 0,0-1 0,0 0 0,0 1 0,0-1 0,-1 0 0,1 0 0,1-1 0,6-6 0,0 0 0,-1-1 0,0 0 0,6-10 0,-4 6 0,50-70 0,96-122 0,-144 194-151,0 1-1,1 0 0,-1 1 0,2 0 1,-1 1-1,1 1 0,0 0 1,17-6-1,-10 4-6674</inkml:trace>
-</inkml:ink>
-</file>
-
-<file path=ppt/ink/ink7.xml><?xml version="1.0" encoding="utf-8"?>
-<inkml:ink xmlns:inkml="http://www.w3.org/2003/InkML">
-  <inkml:definitions>
-    <inkml:context xml:id="ctx0">
-      <inkml:inkSource xml:id="inkSrc0">
-        <inkml:traceFormat>
-          <inkml:channel name="X" type="integer" min="-2.14748E9" max="2.14748E9" units="cm"/>
-          <inkml:channel name="Y" type="integer" min="-2.14748E9" max="2.14748E9" units="cm"/>
-          <inkml:channel name="F" type="integer" max="32767" units="dev"/>
-        </inkml:traceFormat>
-        <inkml:channelProperties>
-          <inkml:channelProperty channel="X" name="resolution" value="1000" units="1/cm"/>
-          <inkml:channelProperty channel="Y" name="resolution" value="1000" units="1/cm"/>
-          <inkml:channelProperty channel="F" name="resolution" value="0" units="1/dev"/>
-        </inkml:channelProperties>
-      </inkml:inkSource>
-      <inkml:timestamp xml:id="ts0" timeString="2024-11-28T02:52:37.936"/>
-    </inkml:context>
-    <inkml:brush xml:id="br0">
-      <inkml:brushProperty name="width" value="0.035" units="cm"/>
-      <inkml:brushProperty name="height" value="0.035" units="cm"/>
-      <inkml:brushProperty name="color" value="#E71224"/>
-    </inkml:brush>
-  </inkml:definitions>
-  <inkml:trace contextRef="#ctx0" brushRef="#br0">1 525 24575,'2'0'0,"1"1"0,0 0 0,-1 0 0,1-1 0,-1 2 0,1-1 0,-1 0 0,0 0 0,1 1 0,-1-1 0,0 1 0,0 0 0,0 0 0,0 0 0,3 4 0,27 37 0,-27-35 0,24 38 0,-2 1 0,-2 1 0,32 89 0,-56-134 0,0 0 0,0 0 0,0 0 0,0 0 0,0 0 0,1-1 0,-1 1 0,1 0 0,0-1 0,0 1 0,0-1 0,0 0 0,0 0 0,0 0 0,0 0 0,1 0 0,-1 0 0,4 1 0,-4-2 0,1-1 0,-1-1 0,0 1 0,1 0 0,-1 0 0,1-1 0,-1 0 0,0 1 0,0-1 0,1 0 0,-1 0 0,0 0 0,0 0 0,0-1 0,0 1 0,0 0 0,0-1 0,0 0 0,-1 1 0,1-1 0,0 0 0,-1 0 0,3-3 0,25-33 0,-2-1 0,32-60 0,-4 7 0,149-244 0,-166 271-87,-3 6-552,41-92 0,-68 131-6187</inkml:trace>
-</inkml:ink>
-</file>
-
-<file path=ppt/ink/ink8.xml><?xml version="1.0" encoding="utf-8"?>
-<inkml:ink xmlns:inkml="http://www.w3.org/2003/InkML">
-  <inkml:definitions>
-    <inkml:context xml:id="ctx0">
-      <inkml:inkSource xml:id="inkSrc0">
-        <inkml:traceFormat>
-          <inkml:channel name="X" type="integer" min="-2.14748E9" max="2.14748E9" units="cm"/>
-          <inkml:channel name="Y" type="integer" min="-2.14748E9" max="2.14748E9" units="cm"/>
-          <inkml:channel name="F" type="integer" max="32767" units="dev"/>
-        </inkml:traceFormat>
-        <inkml:channelProperties>
-          <inkml:channelProperty channel="X" name="resolution" value="1000" units="1/cm"/>
-          <inkml:channelProperty channel="Y" name="resolution" value="1000" units="1/cm"/>
-          <inkml:channelProperty channel="F" name="resolution" value="0" units="1/dev"/>
-        </inkml:channelProperties>
-      </inkml:inkSource>
-      <inkml:timestamp xml:id="ts0" timeString="2024-11-28T02:53:12.169"/>
-    </inkml:context>
-    <inkml:brush xml:id="br0">
-      <inkml:brushProperty name="width" value="0.035" units="cm"/>
-      <inkml:brushProperty name="height" value="0.035" units="cm"/>
-    </inkml:brush>
-  </inkml:definitions>
-  <inkml:trace contextRef="#ctx0" brushRef="#br0">85 80 24575,'0'0'0,"1"0"0,-1 0 0,1 0 0,-1 0 0,1 0 0,-1 0 0,1-1 0,-1 1 0,1 0 0,-1 0 0,1-1 0,-1 1 0,1 0 0,-1 0 0,0-1 0,1 1 0,-1-1 0,1 1 0,-1 0 0,0-1 0,1 1 0,-1-1 0,0 1 0,0-1 0,0 1 0,1 0 0,-1-1 0,0 1 0,0-1 0,0 1 0,0-1 0,0 0 0,0 1 0,0-1 0,0 0 0,0 1 0,0-1 0,1 1 0,-1 0 0,0-1 0,0 1 0,0-1 0,0 1 0,0-1 0,0 1 0,1-1 0,-1 1 0,0 0 0,0-1 0,1 1 0,-1-1 0,0 1 0,0 0 0,1-1 0,-1 1 0,0 0 0,1 0 0,-1-1 0,1 1 0,-1 0 0,0 0 0,1-1 0,-1 1 0,1 0 0,-1 0 0,1 0 0,-1 0 0,1 0 0,-1 0 0,0 0 0,1 0 0,-1 0 0,1 0 0,-1 0 0,1 0 0,-1 0 0,1 0 0,-1 0 0,1 0 0,-1 0 0,0 0 0,1 1 0,-1-1 0,1 0 0,-1 0 0,0 1 0,1-1 0,-1 0 0,1 1 0,3 5 0,-14-1 0,-13 0 0,5-8 0,16 2 0,0 1 0,1-1 0,-1 0 0,0 1 0,0 0 0,0-1 0,0 1 0,0 0 0,0 0 0,0 0 0,0 0 0,0 1 0,0-1 0,0 0 0,1 1 0,-1-1 0,0 1 0,0 0 0,-3 1 0,11 13 0,-6-15 0,1 0 0,-1 1 0,0-1 0,0 0 0,0 0 0,0 1 0,0-1 0,0 0 0,0 1 0,0-1 0,0 0 0,0 0 0,0 1 0,0-1 0,0 0 0,0 1 0,0-1 0,0 0 0,0 0 0,0 1 0,0-1 0,0 0 0,0 1 0,-1-1 0,1 0 0,0 0 0,0 1 0,0-1 0,0 0 0,-1 0 0,1 0 0,0 1 0,0-1 0,-1 0 0,1 0 0,0 0 0,0 0 0,-1 1 0,1-1 0,0 0 0,0 0 0,-1 0 0,1 0 0,0 0 0,-1 0 0,1 0 0,0 0 0,0 0 0,-1 0 0,1 0 0,0 0 0,-1 0 0,1 0 0,0 0 0,0 0 0,-1 0 0,1 0 0,0 0 0,-1-1 0,1 1 0,0 0 0,0 0 0,-1 0 0,1 0 0,0-1 0,0 1 0,0 0 0,-1-1 0,-1 0 0,1 0 0,-1 0 0,1-1 0,-1 1 0,1-1 0,-1 1 0,1-1 0,0 0 0,0 0 0,-1 1 0,1-1 0,1 0 0,-1 0 0,0 0 0,0 0 0,1 0 0,-1 0 0,1 0 0,0-1 0,-1 1 0,1 0 0,0 0 0,0 0 0,1 0 0,-1 0 0,0 0 0,1 0 0,-1 0 0,1-1 0,0 1 0,-1 1 0,1-1 0,0 0 0,0 0 0,0 0 0,1 0 0,-1 1 0,2-3 0,-2 2 0,0 0 0,1 1 0,-1-1 0,0 1 0,1-1 0,-1 1 0,1-1 0,-1 1 0,1 0 0,0 0 0,0 0 0,-1 0 0,1 0 0,0 0 0,0 0 0,3 0 0,-3 1 0,-1 0 0,0 0 0,0 0 0,1 0 0,-1 0 0,0 1 0,0-1 0,0 1 0,1-1 0,-1 1 0,0-1 0,0 1 0,0 0 0,0-1 0,0 1 0,0 0 0,0 0 0,0 0 0,0 0 0,0 0 0,-1 0 0,1 0 0,0 0 0,-1 0 0,1 0 0,-1 0 0,1 0 0,-1 1 0,1 1 0,0 0 0,-1 1 0,0-1 0,0 0 0,0 1 0,0-1 0,-1 0 0,1 1 0,-1-1 0,-1 5 0,-7 9 0,9-17 0,0 0 0,-1 0 0,1 1 0,0-1 0,0 0 0,-1 0 0,1 0 0,0 1 0,-1-1 0,1 0 0,0 0 0,-1 0 0,1 0 0,0 0 0,0 0 0,-1 0 0,1 0 0,0 0 0,-1 0 0,1 0 0,0 0 0,-1 0 0,1 0 0,0 0 0,-1 0 0,1 0 0,0 0 0,-1 0 0,1 0 0,0 0 0,-1-1 0,1 1 0,0 0 0,0 0 0,-1 0 0,1-1 0,0 1 0,-1-1 0,1 1 2,0 0 0,0 0 0,-1 0 0,1 0 0,0-1 0,0 1 0,0 0 0,-1 0 0,1 0 0,0-1 0,0 1 0,0 0 0,0 0 0,-1-1 0,1 1 0,0 0 0,0 0 0,0-1 0,0 1 0,0 0-1,0-1 1,0 1 0,0 0 0,0 0 0,0-1 0,0 1 0,0 0 0,0-1 0,0 1 0,0 0 0,0 0 0,0-1 0,1 1 0,-1 0 0,0 0 0,0-1 0,0 1 0,0 0 0,0 0 0,1-1 0,-1 1 0,0 0 0,0 0 0,0 0 0,1 0 0,-1-1 0,0 1-1,0 0 1,1 0 0,-1 0 0,0 0 0,0 0 0,1 0 0,-1-1 0,0 1 0,1 0 0,-1 0 0,0 0 0,0 0 0,1 0 0,6 0-203,-9 4-1083,-5 0-5542</inkml:trace>
-</inkml:ink>
-</file>
-
-<file path=ppt/ink/ink9.xml><?xml version="1.0" encoding="utf-8"?>
-<inkml:ink xmlns:inkml="http://www.w3.org/2003/InkML">
-  <inkml:definitions>
-    <inkml:context xml:id="ctx0">
-      <inkml:inkSource xml:id="inkSrc0">
-        <inkml:traceFormat>
-          <inkml:channel name="X" type="integer" min="-2.14748E9" max="2.14748E9" units="cm"/>
-          <inkml:channel name="Y" type="integer" min="-2.14748E9" max="2.14748E9" units="cm"/>
-          <inkml:channel name="F" type="integer" max="32767" units="dev"/>
-        </inkml:traceFormat>
-        <inkml:channelProperties>
-          <inkml:channelProperty channel="X" name="resolution" value="1000" units="1/cm"/>
-          <inkml:channelProperty channel="Y" name="resolution" value="1000" units="1/cm"/>
-          <inkml:channelProperty channel="F" name="resolution" value="0" units="1/dev"/>
-        </inkml:channelProperties>
-      </inkml:inkSource>
-      <inkml:timestamp xml:id="ts0" timeString="2024-11-28T02:53:22.079"/>
-    </inkml:context>
-    <inkml:brush xml:id="br0">
-      <inkml:brushProperty name="width" value="0.035" units="cm"/>
-      <inkml:brushProperty name="height" value="0.035" units="cm"/>
-    </inkml:brush>
-  </inkml:definitions>
-  <inkml:trace contextRef="#ctx0" brushRef="#br0">1 1 24575,'193'15'0,"4"0"0,-37-16-1365,-135 1-5461</inkml:trace>
-</inkml:ink>
 </file>
 
 <file path=ppt/notesMasters/notesMaster1.xml><?xml version="1.0" encoding="utf-8"?>
@@ -3266,7 +2720,7 @@
     </p:spTree>
     <p:extLst>
       <p:ext uri="{BB962C8B-B14F-4D97-AF65-F5344CB8AC3E}">
-        <p14:creationId xmlns:p14="http://schemas.microsoft.com/office/powerpoint/2010/main" val="2833423737"/>
+        <p14:creationId xmlns:p14="http://schemas.microsoft.com/office/powerpoint/2010/main" val="3916535676"/>
       </p:ext>
     </p:extLst>
   </p:cSld>
@@ -3322,7 +2776,7 @@
           <a:p>
             <a:r>
               <a:rPr lang="en-US" dirty="0"/>
-              <a:t>Gantt chart</a:t>
+              <a:t>What went well</a:t>
             </a:r>
           </a:p>
         </p:txBody>
@@ -3413,7 +2867,7 @@
     </p:spTree>
     <p:extLst>
       <p:ext uri="{BB962C8B-B14F-4D97-AF65-F5344CB8AC3E}">
-        <p14:creationId xmlns:p14="http://schemas.microsoft.com/office/powerpoint/2010/main" val="3951096213"/>
+        <p14:creationId xmlns:p14="http://schemas.microsoft.com/office/powerpoint/2010/main" val="3973045885"/>
       </p:ext>
     </p:extLst>
   </p:cSld>
@@ -3469,7 +2923,7 @@
           <a:p>
             <a:r>
               <a:rPr lang="en-US" dirty="0"/>
-              <a:t>What went well</a:t>
+              <a:t>What did not go well</a:t>
             </a:r>
           </a:p>
         </p:txBody>
@@ -3560,7 +3014,7 @@
     </p:spTree>
     <p:extLst>
       <p:ext uri="{BB962C8B-B14F-4D97-AF65-F5344CB8AC3E}">
-        <p14:creationId xmlns:p14="http://schemas.microsoft.com/office/powerpoint/2010/main" val="3973045885"/>
+        <p14:creationId xmlns:p14="http://schemas.microsoft.com/office/powerpoint/2010/main" val="219917651"/>
       </p:ext>
     </p:extLst>
   </p:cSld>
@@ -3616,7 +3070,7 @@
           <a:p>
             <a:r>
               <a:rPr lang="en-US" dirty="0"/>
-              <a:t>What did not go well</a:t>
+              <a:t>Links for reference</a:t>
             </a:r>
           </a:p>
         </p:txBody>
@@ -3707,153 +3161,6 @@
     </p:spTree>
     <p:extLst>
       <p:ext uri="{BB962C8B-B14F-4D97-AF65-F5344CB8AC3E}">
-        <p14:creationId xmlns:p14="http://schemas.microsoft.com/office/powerpoint/2010/main" val="219917651"/>
-      </p:ext>
-    </p:extLst>
-  </p:cSld>
-  <p:clrMapOvr>
-    <a:masterClrMapping/>
-  </p:clrMapOvr>
-</p:notes>
-</file>
-
-<file path=ppt/notesSlides/notesSlide13.xml><?xml version="1.0" encoding="utf-8"?>
-<p:notes xmlns:a="http://schemas.openxmlformats.org/drawingml/2006/main" xmlns:r="http://schemas.openxmlformats.org/officeDocument/2006/relationships" xmlns:p="http://schemas.openxmlformats.org/presentationml/2006/main">
-  <p:cSld>
-    <p:spTree>
-      <p:nvGrpSpPr>
-        <p:cNvPr id="1" name=""/>
-        <p:cNvGrpSpPr/>
-        <p:nvPr/>
-      </p:nvGrpSpPr>
-      <p:grpSpPr>
-        <a:xfrm>
-          <a:off x="0" y="0"/>
-          <a:ext cx="0" cy="0"/>
-          <a:chOff x="0" y="0"/>
-          <a:chExt cx="0" cy="0"/>
-        </a:xfrm>
-      </p:grpSpPr>
-      <p:sp>
-        <p:nvSpPr>
-          <p:cNvPr id="2" name="Slide Image Placeholder 1"/>
-          <p:cNvSpPr>
-            <a:spLocks noGrp="1" noRot="1" noChangeAspect="1"/>
-          </p:cNvSpPr>
-          <p:nvPr>
-            <p:ph type="sldImg"/>
-          </p:nvPr>
-        </p:nvSpPr>
-        <p:spPr/>
-      </p:sp>
-      <p:sp>
-        <p:nvSpPr>
-          <p:cNvPr id="3" name="Notes Placeholder 2"/>
-          <p:cNvSpPr>
-            <a:spLocks noGrp="1"/>
-          </p:cNvSpPr>
-          <p:nvPr>
-            <p:ph type="body" idx="1"/>
-          </p:nvPr>
-        </p:nvSpPr>
-        <p:spPr/>
-        <p:txBody>
-          <a:bodyPr/>
-          <a:lstStyle/>
-          <a:p>
-            <a:r>
-              <a:rPr lang="en-US" dirty="0"/>
-              <a:t>Links for reference</a:t>
-            </a:r>
-          </a:p>
-        </p:txBody>
-      </p:sp>
-      <p:sp>
-        <p:nvSpPr>
-          <p:cNvPr id="4" name="Slide Number Placeholder 3"/>
-          <p:cNvSpPr>
-            <a:spLocks noGrp="1"/>
-          </p:cNvSpPr>
-          <p:nvPr>
-            <p:ph type="sldNum" sz="quarter" idx="5"/>
-          </p:nvPr>
-        </p:nvSpPr>
-        <p:spPr/>
-        <p:txBody>
-          <a:bodyPr/>
-          <a:lstStyle/>
-          <a:p>
-            <a:pPr marL="0" marR="0" lvl="0" indent="0" algn="r" defTabSz="914400" rtl="0" eaLnBrk="1" fontAlgn="auto" latinLnBrk="0" hangingPunct="1">
-              <a:lnSpc>
-                <a:spcPct val="100000"/>
-              </a:lnSpc>
-              <a:spcBef>
-                <a:spcPts val="0"/>
-              </a:spcBef>
-              <a:spcAft>
-                <a:spcPts val="0"/>
-              </a:spcAft>
-              <a:buClrTx/>
-              <a:buSzTx/>
-              <a:buFontTx/>
-              <a:buNone/>
-              <a:tabLst/>
-              <a:defRPr/>
-            </a:pPr>
-            <a:fld id="{D6A8178F-AE4E-4C74-AD8C-CF72EAB6F6E9}" type="slidenum">
-              <a:rPr kumimoji="0" lang="en-US" sz="1200" b="0" i="0" u="none" strike="noStrike" kern="1200" cap="none" spc="0" normalizeH="0" baseline="0" noProof="0" smtClean="0">
-                <a:ln>
-                  <a:noFill/>
-                </a:ln>
-                <a:solidFill>
-                  <a:prstClr val="black"/>
-                </a:solidFill>
-                <a:effectLst/>
-                <a:uLnTx/>
-                <a:uFillTx/>
-                <a:latin typeface="Aptos" panose="02110004020202020204"/>
-                <a:ea typeface="+mn-ea"/>
-                <a:cs typeface="+mn-cs"/>
-              </a:rPr>
-              <a:pPr marL="0" marR="0" lvl="0" indent="0" algn="r" defTabSz="914400" rtl="0" eaLnBrk="1" fontAlgn="auto" latinLnBrk="0" hangingPunct="1">
-                <a:lnSpc>
-                  <a:spcPct val="100000"/>
-                </a:lnSpc>
-                <a:spcBef>
-                  <a:spcPts val="0"/>
-                </a:spcBef>
-                <a:spcAft>
-                  <a:spcPts val="0"/>
-                </a:spcAft>
-                <a:buClrTx/>
-                <a:buSzTx/>
-                <a:buFontTx/>
-                <a:buNone/>
-                <a:tabLst/>
-                <a:defRPr/>
-              </a:pPr>
-              <a:t>13</a:t>
-            </a:fld>
-            <a:endParaRPr kumimoji="0" lang="en-US" sz="1200" b="0" i="0" u="none" strike="noStrike" kern="1200" cap="none" spc="0" normalizeH="0" baseline="0" noProof="0">
-              <a:ln>
-                <a:noFill/>
-              </a:ln>
-              <a:solidFill>
-                <a:prstClr val="black"/>
-              </a:solidFill>
-              <a:effectLst/>
-              <a:uLnTx/>
-              <a:uFillTx/>
-              <a:latin typeface="Aptos" panose="02110004020202020204"/>
-              <a:ea typeface="+mn-ea"/>
-              <a:cs typeface="+mn-cs"/>
-            </a:endParaRPr>
-          </a:p>
-        </p:txBody>
-      </p:sp>
-    </p:spTree>
-    <p:extLst>
-      <p:ext uri="{BB962C8B-B14F-4D97-AF65-F5344CB8AC3E}">
         <p14:creationId xmlns:p14="http://schemas.microsoft.com/office/powerpoint/2010/main" val="3564474907"/>
       </p:ext>
     </p:extLst>
@@ -3908,140 +3215,10 @@
           <a:bodyPr/>
           <a:lstStyle/>
           <a:p>
-            <a:pPr algn="l"/>
             <a:r>
-              <a:rPr lang="en-US" b="1" i="0" dirty="0">
-                <a:solidFill>
-                  <a:srgbClr val="2D3B45"/>
-                </a:solidFill>
-                <a:effectLst/>
-                <a:latin typeface="Lato Extended"/>
-              </a:rPr>
-              <a:t>Overall Presentation Requirements</a:t>
+              <a:rPr lang="en-US" dirty="0"/>
+              <a:t>Members page</a:t>
             </a:r>
-            <a:endParaRPr lang="en-US" b="0" i="0" dirty="0">
-              <a:solidFill>
-                <a:srgbClr val="2D3B45"/>
-              </a:solidFill>
-              <a:effectLst/>
-              <a:latin typeface="Lato Extended"/>
-            </a:endParaRPr>
-          </a:p>
-          <a:p>
-            <a:pPr algn="l">
-              <a:buFont typeface="Arial" panose="020B0604020202020204" pitchFamily="34" charset="0"/>
-              <a:buChar char="•"/>
-            </a:pPr>
-            <a:r>
-              <a:rPr lang="en-US" b="0" i="0" dirty="0">
-                <a:solidFill>
-                  <a:srgbClr val="2D3B45"/>
-                </a:solidFill>
-                <a:effectLst/>
-                <a:latin typeface="Lato Extended"/>
-              </a:rPr>
-              <a:t>5 minutes for </a:t>
-            </a:r>
-            <a:r>
-              <a:rPr lang="en-US" b="0" i="0" dirty="0" err="1">
-                <a:solidFill>
-                  <a:srgbClr val="2D3B45"/>
-                </a:solidFill>
-                <a:effectLst/>
-                <a:latin typeface="Lato Extended"/>
-              </a:rPr>
-              <a:t>Powerpoint</a:t>
-            </a:r>
-            <a:endParaRPr lang="en-US" b="0" i="0" dirty="0">
-              <a:solidFill>
-                <a:srgbClr val="2D3B45"/>
-              </a:solidFill>
-              <a:effectLst/>
-              <a:latin typeface="Lato Extended"/>
-            </a:endParaRPr>
-          </a:p>
-          <a:p>
-            <a:pPr algn="l">
-              <a:buFont typeface="Arial" panose="020B0604020202020204" pitchFamily="34" charset="0"/>
-              <a:buChar char="•"/>
-            </a:pPr>
-            <a:r>
-              <a:rPr lang="en-US" b="0" i="0" dirty="0">
-                <a:solidFill>
-                  <a:srgbClr val="2D3B45"/>
-                </a:solidFill>
-                <a:effectLst/>
-                <a:latin typeface="Lato Extended"/>
-              </a:rPr>
-              <a:t>5 minutes for demonstration</a:t>
-            </a:r>
-          </a:p>
-          <a:p>
-            <a:pPr algn="l">
-              <a:buFont typeface="Arial" panose="020B0604020202020204" pitchFamily="34" charset="0"/>
-              <a:buChar char="•"/>
-            </a:pPr>
-            <a:r>
-              <a:rPr lang="en-US" b="0" i="0" dirty="0">
-                <a:solidFill>
-                  <a:srgbClr val="2D3B45"/>
-                </a:solidFill>
-                <a:effectLst/>
-                <a:latin typeface="Lato Extended"/>
-              </a:rPr>
-              <a:t>Talk about what went well and what did not go well</a:t>
-            </a:r>
-          </a:p>
-          <a:p>
-            <a:pPr algn="l">
-              <a:buFont typeface="Arial" panose="020B0604020202020204" pitchFamily="34" charset="0"/>
-              <a:buChar char="•"/>
-            </a:pPr>
-            <a:r>
-              <a:rPr lang="en-US" b="0" i="0" dirty="0">
-                <a:solidFill>
-                  <a:srgbClr val="2D3B45"/>
-                </a:solidFill>
-                <a:effectLst/>
-                <a:latin typeface="Lato Extended"/>
-              </a:rPr>
-              <a:t>Leave time for questions</a:t>
-            </a:r>
-          </a:p>
-          <a:p>
-            <a:pPr algn="l">
-              <a:buFont typeface="Arial" panose="020B0604020202020204" pitchFamily="34" charset="0"/>
-              <a:buChar char="•"/>
-            </a:pPr>
-            <a:endParaRPr lang="en-US" b="0" i="0" dirty="0">
-              <a:solidFill>
-                <a:srgbClr val="2D3B45"/>
-              </a:solidFill>
-              <a:effectLst/>
-              <a:latin typeface="Lato Extended"/>
-            </a:endParaRPr>
-          </a:p>
-          <a:p>
-            <a:pPr algn="l">
-              <a:buFont typeface="Arial" panose="020B0604020202020204" pitchFamily="34" charset="0"/>
-              <a:buNone/>
-            </a:pPr>
-            <a:r>
-              <a:rPr lang="en-US" b="0" i="0" dirty="0">
-                <a:solidFill>
-                  <a:srgbClr val="2D3B45"/>
-                </a:solidFill>
-                <a:effectLst/>
-                <a:latin typeface="Lato Extended"/>
-              </a:rPr>
-              <a:t>Title Page</a:t>
-            </a:r>
-          </a:p>
-          <a:p>
-            <a:endParaRPr lang="en-US" dirty="0"/>
-          </a:p>
-          <a:p>
-            <a:endParaRPr lang="en-US" dirty="0"/>
           </a:p>
         </p:txBody>
       </p:sp>
@@ -4071,7 +3248,7 @@
     </p:spTree>
     <p:extLst>
       <p:ext uri="{BB962C8B-B14F-4D97-AF65-F5344CB8AC3E}">
-        <p14:creationId xmlns:p14="http://schemas.microsoft.com/office/powerpoint/2010/main" val="3916535676"/>
+        <p14:creationId xmlns:p14="http://schemas.microsoft.com/office/powerpoint/2010/main" val="3887482894"/>
       </p:ext>
     </p:extLst>
   </p:cSld>
@@ -4125,9 +3302,32 @@
           <a:bodyPr/>
           <a:lstStyle/>
           <a:p>
+            <a:pPr marL="0" marR="0" lvl="0" indent="0" algn="l" defTabSz="914400" rtl="0" eaLnBrk="1" fontAlgn="auto" latinLnBrk="0" hangingPunct="1">
+              <a:lnSpc>
+                <a:spcPct val="100000"/>
+              </a:lnSpc>
+              <a:spcBef>
+                <a:spcPts val="0"/>
+              </a:spcBef>
+              <a:spcAft>
+                <a:spcPts val="0"/>
+              </a:spcAft>
+              <a:buClrTx/>
+              <a:buSzTx/>
+              <a:buFontTx/>
+              <a:buNone/>
+              <a:tabLst/>
+              <a:defRPr/>
+            </a:pPr>
             <a:r>
-              <a:rPr lang="en-US" dirty="0"/>
-              <a:t>Members page</a:t>
+              <a:rPr lang="en-US" b="0" i="0" dirty="0">
+                <a:solidFill>
+                  <a:srgbClr val="2D3B45"/>
+                </a:solidFill>
+                <a:effectLst/>
+                <a:latin typeface="Lato Extended"/>
+              </a:rPr>
+              <a:t>Explain what the project is and how it was developed</a:t>
             </a:r>
           </a:p>
         </p:txBody>
@@ -4158,7 +3358,7 @@
     </p:spTree>
     <p:extLst>
       <p:ext uri="{BB962C8B-B14F-4D97-AF65-F5344CB8AC3E}">
-        <p14:creationId xmlns:p14="http://schemas.microsoft.com/office/powerpoint/2010/main" val="3887482894"/>
+        <p14:creationId xmlns:p14="http://schemas.microsoft.com/office/powerpoint/2010/main" val="3524903361"/>
       </p:ext>
     </p:extLst>
   </p:cSld>
@@ -4212,7 +3412,29 @@
           <a:bodyPr/>
           <a:lstStyle/>
           <a:p>
-            <a:pPr marL="0" marR="0" lvl="0" indent="0" algn="l" defTabSz="914400" rtl="0" eaLnBrk="1" fontAlgn="auto" latinLnBrk="0" hangingPunct="1">
+            <a:r>
+              <a:rPr lang="en-US" dirty="0"/>
+              <a:t>Could be taken out</a:t>
+            </a:r>
+          </a:p>
+        </p:txBody>
+      </p:sp>
+      <p:sp>
+        <p:nvSpPr>
+          <p:cNvPr id="4" name="Slide Number Placeholder 3"/>
+          <p:cNvSpPr>
+            <a:spLocks noGrp="1"/>
+          </p:cNvSpPr>
+          <p:nvPr>
+            <p:ph type="sldNum" sz="quarter" idx="5"/>
+          </p:nvPr>
+        </p:nvSpPr>
+        <p:spPr/>
+        <p:txBody>
+          <a:bodyPr/>
+          <a:lstStyle/>
+          <a:p>
+            <a:pPr marL="0" marR="0" lvl="0" indent="0" algn="r" defTabSz="914400" rtl="0" eaLnBrk="1" fontAlgn="auto" latinLnBrk="0" hangingPunct="1">
               <a:lnSpc>
                 <a:spcPct val="100000"/>
               </a:lnSpc>
@@ -4229,46 +3451,61 @@
               <a:tabLst/>
               <a:defRPr/>
             </a:pPr>
-            <a:r>
-              <a:rPr lang="en-US" b="0" i="0" dirty="0">
+            <a:fld id="{D6A8178F-AE4E-4C74-AD8C-CF72EAB6F6E9}" type="slidenum">
+              <a:rPr kumimoji="0" lang="en-US" sz="1200" b="0" i="0" u="none" strike="noStrike" kern="1200" cap="none" spc="0" normalizeH="0" baseline="0" noProof="0" smtClean="0">
+                <a:ln>
+                  <a:noFill/>
+                </a:ln>
                 <a:solidFill>
-                  <a:srgbClr val="2D3B45"/>
+                  <a:prstClr val="black"/>
                 </a:solidFill>
                 <a:effectLst/>
-                <a:latin typeface="Lato Extended"/>
+                <a:uLnTx/>
+                <a:uFillTx/>
+                <a:latin typeface="Aptos" panose="02110004020202020204"/>
+                <a:ea typeface="+mn-ea"/>
+                <a:cs typeface="+mn-cs"/>
               </a:rPr>
-              <a:t>Explain what the project is and how it was developed</a:t>
-            </a:r>
-          </a:p>
-        </p:txBody>
-      </p:sp>
-      <p:sp>
-        <p:nvSpPr>
-          <p:cNvPr id="4" name="Slide Number Placeholder 3"/>
-          <p:cNvSpPr>
-            <a:spLocks noGrp="1"/>
-          </p:cNvSpPr>
-          <p:nvPr>
-            <p:ph type="sldNum" sz="quarter" idx="5"/>
-          </p:nvPr>
-        </p:nvSpPr>
-        <p:spPr/>
-        <p:txBody>
-          <a:bodyPr/>
-          <a:lstStyle/>
-          <a:p>
-            <a:fld id="{D6A8178F-AE4E-4C74-AD8C-CF72EAB6F6E9}" type="slidenum">
-              <a:rPr lang="en-US" smtClean="0"/>
+              <a:pPr marL="0" marR="0" lvl="0" indent="0" algn="r" defTabSz="914400" rtl="0" eaLnBrk="1" fontAlgn="auto" latinLnBrk="0" hangingPunct="1">
+                <a:lnSpc>
+                  <a:spcPct val="100000"/>
+                </a:lnSpc>
+                <a:spcBef>
+                  <a:spcPts val="0"/>
+                </a:spcBef>
+                <a:spcAft>
+                  <a:spcPts val="0"/>
+                </a:spcAft>
+                <a:buClrTx/>
+                <a:buSzTx/>
+                <a:buFontTx/>
+                <a:buNone/>
+                <a:tabLst/>
+                <a:defRPr/>
+              </a:pPr>
               <a:t>4</a:t>
             </a:fld>
-            <a:endParaRPr lang="en-US"/>
+            <a:endParaRPr kumimoji="0" lang="en-US" sz="1200" b="0" i="0" u="none" strike="noStrike" kern="1200" cap="none" spc="0" normalizeH="0" baseline="0" noProof="0">
+              <a:ln>
+                <a:noFill/>
+              </a:ln>
+              <a:solidFill>
+                <a:prstClr val="black"/>
+              </a:solidFill>
+              <a:effectLst/>
+              <a:uLnTx/>
+              <a:uFillTx/>
+              <a:latin typeface="Aptos" panose="02110004020202020204"/>
+              <a:ea typeface="+mn-ea"/>
+              <a:cs typeface="+mn-cs"/>
+            </a:endParaRPr>
           </a:p>
         </p:txBody>
       </p:sp>
     </p:spTree>
     <p:extLst>
       <p:ext uri="{BB962C8B-B14F-4D97-AF65-F5344CB8AC3E}">
-        <p14:creationId xmlns:p14="http://schemas.microsoft.com/office/powerpoint/2010/main" val="3524903361"/>
+        <p14:creationId xmlns:p14="http://schemas.microsoft.com/office/powerpoint/2010/main" val="880053567"/>
       </p:ext>
     </p:extLst>
   </p:cSld>
@@ -4322,9 +3559,26 @@
           <a:bodyPr/>
           <a:lstStyle/>
           <a:p>
+            <a:pPr marL="0" marR="0" lvl="0" indent="0" algn="l" defTabSz="914400" rtl="0" eaLnBrk="1" fontAlgn="auto" latinLnBrk="0" hangingPunct="1">
+              <a:lnSpc>
+                <a:spcPct val="100000"/>
+              </a:lnSpc>
+              <a:spcBef>
+                <a:spcPts val="0"/>
+              </a:spcBef>
+              <a:spcAft>
+                <a:spcPts val="0"/>
+              </a:spcAft>
+              <a:buClrTx/>
+              <a:buSzTx/>
+              <a:buFontTx/>
+              <a:buNone/>
+              <a:tabLst/>
+              <a:defRPr/>
+            </a:pPr>
             <a:r>
               <a:rPr lang="en-US" dirty="0"/>
-              <a:t>Could be taken out</a:t>
+              <a:t>Explanation of tech used for project</a:t>
             </a:r>
           </a:p>
         </p:txBody>
@@ -4415,7 +3669,7 @@
     </p:spTree>
     <p:extLst>
       <p:ext uri="{BB962C8B-B14F-4D97-AF65-F5344CB8AC3E}">
-        <p14:creationId xmlns:p14="http://schemas.microsoft.com/office/powerpoint/2010/main" val="880053567"/>
+        <p14:creationId xmlns:p14="http://schemas.microsoft.com/office/powerpoint/2010/main" val="2469660480"/>
       </p:ext>
     </p:extLst>
   </p:cSld>
@@ -4469,26 +3723,9 @@
           <a:bodyPr/>
           <a:lstStyle/>
           <a:p>
-            <a:pPr marL="0" marR="0" lvl="0" indent="0" algn="l" defTabSz="914400" rtl="0" eaLnBrk="1" fontAlgn="auto" latinLnBrk="0" hangingPunct="1">
-              <a:lnSpc>
-                <a:spcPct val="100000"/>
-              </a:lnSpc>
-              <a:spcBef>
-                <a:spcPts val="0"/>
-              </a:spcBef>
-              <a:spcAft>
-                <a:spcPts val="0"/>
-              </a:spcAft>
-              <a:buClrTx/>
-              <a:buSzTx/>
-              <a:buFontTx/>
-              <a:buNone/>
-              <a:tabLst/>
-              <a:defRPr/>
-            </a:pPr>
             <a:r>
               <a:rPr lang="en-US" dirty="0"/>
-              <a:t>Explanation of tech used for project</a:t>
+              <a:t>Activity OR sequence diagram</a:t>
             </a:r>
           </a:p>
         </p:txBody>
@@ -4579,7 +3816,7 @@
     </p:spTree>
     <p:extLst>
       <p:ext uri="{BB962C8B-B14F-4D97-AF65-F5344CB8AC3E}">
-        <p14:creationId xmlns:p14="http://schemas.microsoft.com/office/powerpoint/2010/main" val="2469660480"/>
+        <p14:creationId xmlns:p14="http://schemas.microsoft.com/office/powerpoint/2010/main" val="3355221475"/>
       </p:ext>
     </p:extLst>
   </p:cSld>
@@ -4635,7 +3872,7 @@
           <a:p>
             <a:r>
               <a:rPr lang="en-US" dirty="0"/>
-              <a:t>Activity OR sequence diagram</a:t>
+              <a:t>Use case diagram</a:t>
             </a:r>
           </a:p>
         </p:txBody>
@@ -4726,7 +3963,7 @@
     </p:spTree>
     <p:extLst>
       <p:ext uri="{BB962C8B-B14F-4D97-AF65-F5344CB8AC3E}">
-        <p14:creationId xmlns:p14="http://schemas.microsoft.com/office/powerpoint/2010/main" val="3355221475"/>
+        <p14:creationId xmlns:p14="http://schemas.microsoft.com/office/powerpoint/2010/main" val="3439793756"/>
       </p:ext>
     </p:extLst>
   </p:cSld>
@@ -4782,7 +4019,7 @@
           <a:p>
             <a:r>
               <a:rPr lang="en-US" dirty="0"/>
-              <a:t>Use case diagram</a:t>
+              <a:t>Entity Relationship Diagram</a:t>
             </a:r>
           </a:p>
         </p:txBody>
@@ -4873,7 +4110,7 @@
     </p:spTree>
     <p:extLst>
       <p:ext uri="{BB962C8B-B14F-4D97-AF65-F5344CB8AC3E}">
-        <p14:creationId xmlns:p14="http://schemas.microsoft.com/office/powerpoint/2010/main" val="3439793756"/>
+        <p14:creationId xmlns:p14="http://schemas.microsoft.com/office/powerpoint/2010/main" val="1778648675"/>
       </p:ext>
     </p:extLst>
   </p:cSld>
@@ -4929,7 +4166,7 @@
           <a:p>
             <a:r>
               <a:rPr lang="en-US" dirty="0"/>
-              <a:t>Entity Relationship Diagram</a:t>
+              <a:t>Gantt chart</a:t>
             </a:r>
           </a:p>
         </p:txBody>
@@ -5020,7 +4257,7 @@
     </p:spTree>
     <p:extLst>
       <p:ext uri="{BB962C8B-B14F-4D97-AF65-F5344CB8AC3E}">
-        <p14:creationId xmlns:p14="http://schemas.microsoft.com/office/powerpoint/2010/main" val="1778648675"/>
+        <p14:creationId xmlns:p14="http://schemas.microsoft.com/office/powerpoint/2010/main" val="3951096213"/>
       </p:ext>
     </p:extLst>
   </p:cSld>
@@ -8252,6 +7489,42 @@
           <a:chExt cx="0" cy="0"/>
         </a:xfrm>
       </p:grpSpPr>
+      <p:pic>
+        <p:nvPicPr>
+          <p:cNvPr id="5" name="Picture 4" descr="A logo with a compass&#10;&#10;Description automatically generated">
+            <a:extLst>
+              <a:ext uri="{FF2B5EF4-FFF2-40B4-BE49-F238E27FC236}">
+                <a16:creationId xmlns:a16="http://schemas.microsoft.com/office/drawing/2014/main" id="{060F2BAE-B75D-A3D6-FD93-292738321EB3}"/>
+              </a:ext>
+            </a:extLst>
+          </p:cNvPr>
+          <p:cNvPicPr>
+            <a:picLocks noChangeAspect="1"/>
+          </p:cNvPicPr>
+          <p:nvPr/>
+        </p:nvPicPr>
+        <p:blipFill>
+          <a:blip r:embed="rId3">
+            <a:extLst>
+              <a:ext uri="{28A0092B-C50C-407E-A947-70E740481C1C}">
+                <a14:useLocalDpi xmlns:a14="http://schemas.microsoft.com/office/drawing/2010/main" val="0"/>
+              </a:ext>
+            </a:extLst>
+          </a:blip>
+          <a:stretch>
+            <a:fillRect/>
+          </a:stretch>
+        </p:blipFill>
+        <p:spPr>
+          <a:xfrm>
+            <a:off x="8035159" y="2734552"/>
+            <a:ext cx="4156841" cy="4156841"/>
+          </a:xfrm>
+          <a:prstGeom prst="rect">
+            <a:avLst/>
+          </a:prstGeom>
+        </p:spPr>
+      </p:pic>
       <p:sp>
         <p:nvSpPr>
           <p:cNvPr id="2" name="Title 1">
@@ -8270,14 +7543,12 @@
         </p:nvSpPr>
         <p:spPr>
           <a:xfrm>
-            <a:off x="0" y="207963"/>
+            <a:off x="0" y="1122363"/>
             <a:ext cx="12192000" cy="2387600"/>
           </a:xfrm>
         </p:spPr>
         <p:txBody>
-          <a:bodyPr>
-            <a:normAutofit/>
-          </a:bodyPr>
+          <a:bodyPr/>
           <a:lstStyle/>
           <a:p>
             <a:r>
@@ -8288,1371 +7559,51 @@
                 <a:latin typeface="Inter" panose="020B0502030000000004" pitchFamily="34" charset="0"/>
                 <a:ea typeface="Inter" panose="020B0502030000000004" pitchFamily="34" charset="0"/>
               </a:rPr>
-              <a:t>What we need for the presentation </a:t>
+              <a:t>Nutrition Compass</a:t>
             </a:r>
-            <a:br>
-              <a:rPr lang="en-US" b="1" dirty="0">
+          </a:p>
+        </p:txBody>
+      </p:sp>
+      <p:sp>
+        <p:nvSpPr>
+          <p:cNvPr id="3" name="Subtitle 2">
+            <a:extLst>
+              <a:ext uri="{FF2B5EF4-FFF2-40B4-BE49-F238E27FC236}">
+                <a16:creationId xmlns:a16="http://schemas.microsoft.com/office/drawing/2014/main" id="{824B6F0A-0C03-EAD9-E4D0-FAA78AAD3B99}"/>
+              </a:ext>
+            </a:extLst>
+          </p:cNvPr>
+          <p:cNvSpPr>
+            <a:spLocks noGrp="1"/>
+          </p:cNvSpPr>
+          <p:nvPr>
+            <p:ph type="subTitle" idx="1"/>
+          </p:nvPr>
+        </p:nvSpPr>
+        <p:spPr/>
+        <p:txBody>
+          <a:bodyPr>
+            <a:normAutofit/>
+          </a:bodyPr>
+          <a:lstStyle/>
+          <a:p>
+            <a:r>
+              <a:rPr lang="en-US" sz="4400" b="1" dirty="0">
                 <a:solidFill>
                   <a:srgbClr val="00004B"/>
                 </a:solidFill>
                 <a:latin typeface="Inter" panose="020B0502030000000004" pitchFamily="34" charset="0"/>
                 <a:ea typeface="Inter" panose="020B0502030000000004" pitchFamily="34" charset="0"/>
               </a:rPr>
-            </a:br>
-            <a:r>
-              <a:rPr lang="en-US" b="1" dirty="0">
-                <a:solidFill>
-                  <a:srgbClr val="00004B"/>
-                </a:solidFill>
-                <a:highlight>
-                  <a:srgbClr val="FFFF00"/>
-                </a:highlight>
-                <a:latin typeface="Inter" panose="020B0502030000000004" pitchFamily="34" charset="0"/>
-                <a:ea typeface="Inter" panose="020B0502030000000004" pitchFamily="34" charset="0"/>
-              </a:rPr>
-              <a:t>(will delete slide before submission) </a:t>
+              <a:t>Group 17</a:t>
             </a:r>
           </a:p>
         </p:txBody>
       </p:sp>
-      <p:pic>
-        <p:nvPicPr>
-          <p:cNvPr id="8" name="Picture 7">
-            <a:extLst>
-              <a:ext uri="{FF2B5EF4-FFF2-40B4-BE49-F238E27FC236}">
-                <a16:creationId xmlns:a16="http://schemas.microsoft.com/office/drawing/2014/main" id="{149EA3C2-901B-1952-1CF5-A59B1ABAA8AB}"/>
-              </a:ext>
-            </a:extLst>
-          </p:cNvPr>
-          <p:cNvPicPr>
-            <a:picLocks noChangeAspect="1"/>
-          </p:cNvPicPr>
-          <p:nvPr/>
-        </p:nvPicPr>
-        <p:blipFill>
-          <a:blip r:embed="rId3"/>
-          <a:stretch>
-            <a:fillRect/>
-          </a:stretch>
-        </p:blipFill>
-        <p:spPr>
-          <a:xfrm>
-            <a:off x="133028" y="2595563"/>
-            <a:ext cx="6111787" cy="3864064"/>
-          </a:xfrm>
-          <a:prstGeom prst="rect">
-            <a:avLst/>
-          </a:prstGeom>
-        </p:spPr>
-      </p:pic>
-      <p:pic>
-        <p:nvPicPr>
-          <p:cNvPr id="10" name="Picture 9">
-            <a:extLst>
-              <a:ext uri="{FF2B5EF4-FFF2-40B4-BE49-F238E27FC236}">
-                <a16:creationId xmlns:a16="http://schemas.microsoft.com/office/drawing/2014/main" id="{933E71F2-9F22-4F86-CFEC-837D4391A204}"/>
-              </a:ext>
-            </a:extLst>
-          </p:cNvPr>
-          <p:cNvPicPr>
-            <a:picLocks noChangeAspect="1"/>
-          </p:cNvPicPr>
-          <p:nvPr/>
-        </p:nvPicPr>
-        <p:blipFill>
-          <a:blip r:embed="rId4"/>
-          <a:stretch>
-            <a:fillRect/>
-          </a:stretch>
-        </p:blipFill>
-        <p:spPr>
-          <a:xfrm>
-            <a:off x="6377843" y="2595562"/>
-            <a:ext cx="5642072" cy="1926561"/>
-          </a:xfrm>
-          <a:prstGeom prst="rect">
-            <a:avLst/>
-          </a:prstGeom>
-        </p:spPr>
-      </p:pic>
-      <mc:AlternateContent xmlns:mc="http://schemas.openxmlformats.org/markup-compatibility/2006" xmlns:p14="http://schemas.microsoft.com/office/powerpoint/2010/main">
-        <mc:Choice Requires="p14">
-          <p:contentPart p14:bwMode="auto" r:id="rId5">
-            <p14:nvContentPartPr>
-              <p14:cNvPr id="3" name="Ink 2">
-                <a:extLst>
-                  <a:ext uri="{FF2B5EF4-FFF2-40B4-BE49-F238E27FC236}">
-                    <a16:creationId xmlns:a16="http://schemas.microsoft.com/office/drawing/2014/main" id="{6B4D69D2-1AD8-95B7-6334-3D4D594A1CCC}"/>
-                  </a:ext>
-                </a:extLst>
-              </p14:cNvPr>
-              <p14:cNvContentPartPr/>
-              <p14:nvPr/>
-            </p14:nvContentPartPr>
-            <p14:xfrm>
-              <a:off x="2766803" y="3000277"/>
-              <a:ext cx="488520" cy="367200"/>
-            </p14:xfrm>
-          </p:contentPart>
-        </mc:Choice>
-        <mc:Fallback xmlns="">
-          <p:pic>
-            <p:nvPicPr>
-              <p:cNvPr id="3" name="Ink 2">
-                <a:extLst>
-                  <a:ext uri="{FF2B5EF4-FFF2-40B4-BE49-F238E27FC236}">
-                    <a16:creationId xmlns:a16="http://schemas.microsoft.com/office/drawing/2014/main" id="{6B4D69D2-1AD8-95B7-6334-3D4D594A1CCC}"/>
-                  </a:ext>
-                </a:extLst>
-              </p:cNvPr>
-              <p:cNvPicPr/>
-              <p:nvPr/>
-            </p:nvPicPr>
-            <p:blipFill>
-              <a:blip r:embed="rId6"/>
-              <a:stretch>
-                <a:fillRect/>
-              </a:stretch>
-            </p:blipFill>
-            <p:spPr>
-              <a:xfrm>
-                <a:off x="2760683" y="2994157"/>
-                <a:ext cx="500760" cy="379440"/>
-              </a:xfrm>
-              <a:prstGeom prst="rect">
-                <a:avLst/>
-              </a:prstGeom>
-            </p:spPr>
-          </p:pic>
-        </mc:Fallback>
-      </mc:AlternateContent>
-      <p:grpSp>
-        <p:nvGrpSpPr>
-          <p:cNvPr id="6" name="Group 5">
-            <a:extLst>
-              <a:ext uri="{FF2B5EF4-FFF2-40B4-BE49-F238E27FC236}">
-                <a16:creationId xmlns:a16="http://schemas.microsoft.com/office/drawing/2014/main" id="{6773178C-E067-896D-2C1C-D44FF635F712}"/>
-              </a:ext>
-            </a:extLst>
-          </p:cNvPr>
-          <p:cNvGrpSpPr/>
-          <p:nvPr/>
-        </p:nvGrpSpPr>
-        <p:grpSpPr>
-          <a:xfrm>
-            <a:off x="5087363" y="3337957"/>
-            <a:ext cx="730440" cy="595440"/>
-            <a:chOff x="5087363" y="3337957"/>
-            <a:chExt cx="730440" cy="595440"/>
-          </a:xfrm>
-        </p:grpSpPr>
-        <mc:AlternateContent xmlns:mc="http://schemas.openxmlformats.org/markup-compatibility/2006" xmlns:p14="http://schemas.microsoft.com/office/powerpoint/2010/main">
-          <mc:Choice Requires="p14">
-            <p:contentPart p14:bwMode="auto" r:id="rId7">
-              <p14:nvContentPartPr>
-                <p14:cNvPr id="4" name="Ink 3">
-                  <a:extLst>
-                    <a:ext uri="{FF2B5EF4-FFF2-40B4-BE49-F238E27FC236}">
-                      <a16:creationId xmlns:a16="http://schemas.microsoft.com/office/drawing/2014/main" id="{B081522D-D4AF-5A21-05CA-A0E274579686}"/>
-                    </a:ext>
-                  </a:extLst>
-                </p14:cNvPr>
-                <p14:cNvContentPartPr/>
-                <p14:nvPr/>
-              </p14:nvContentPartPr>
-              <p14:xfrm>
-                <a:off x="5087363" y="3337957"/>
-                <a:ext cx="208080" cy="245160"/>
-              </p14:xfrm>
-            </p:contentPart>
-          </mc:Choice>
-          <mc:Fallback xmlns="">
-            <p:pic>
-              <p:nvPicPr>
-                <p:cNvPr id="4" name="Ink 3">
-                  <a:extLst>
-                    <a:ext uri="{FF2B5EF4-FFF2-40B4-BE49-F238E27FC236}">
-                      <a16:creationId xmlns:a16="http://schemas.microsoft.com/office/drawing/2014/main" id="{B081522D-D4AF-5A21-05CA-A0E274579686}"/>
-                    </a:ext>
-                  </a:extLst>
-                </p:cNvPr>
-                <p:cNvPicPr/>
-                <p:nvPr/>
-              </p:nvPicPr>
-              <p:blipFill>
-                <a:blip r:embed="rId8"/>
-                <a:stretch>
-                  <a:fillRect/>
-                </a:stretch>
-              </p:blipFill>
-              <p:spPr>
-                <a:xfrm>
-                  <a:off x="5081243" y="3331837"/>
-                  <a:ext cx="220320" cy="257400"/>
-                </a:xfrm>
-                <a:prstGeom prst="rect">
-                  <a:avLst/>
-                </a:prstGeom>
-              </p:spPr>
-            </p:pic>
-          </mc:Fallback>
-        </mc:AlternateContent>
-        <mc:AlternateContent xmlns:mc="http://schemas.openxmlformats.org/markup-compatibility/2006" xmlns:p14="http://schemas.microsoft.com/office/powerpoint/2010/main">
-          <mc:Choice Requires="p14">
-            <p:contentPart p14:bwMode="auto" r:id="rId9">
-              <p14:nvContentPartPr>
-                <p14:cNvPr id="5" name="Ink 4">
-                  <a:extLst>
-                    <a:ext uri="{FF2B5EF4-FFF2-40B4-BE49-F238E27FC236}">
-                      <a16:creationId xmlns:a16="http://schemas.microsoft.com/office/drawing/2014/main" id="{B1804638-B0C0-436B-F6F1-D047AF0555DA}"/>
-                    </a:ext>
-                  </a:extLst>
-                </p14:cNvPr>
-                <p14:cNvContentPartPr/>
-                <p14:nvPr/>
-              </p14:nvContentPartPr>
-              <p14:xfrm>
-                <a:off x="5322083" y="3647917"/>
-                <a:ext cx="495720" cy="285480"/>
-              </p14:xfrm>
-            </p:contentPart>
-          </mc:Choice>
-          <mc:Fallback xmlns="">
-            <p:pic>
-              <p:nvPicPr>
-                <p:cNvPr id="5" name="Ink 4">
-                  <a:extLst>
-                    <a:ext uri="{FF2B5EF4-FFF2-40B4-BE49-F238E27FC236}">
-                      <a16:creationId xmlns:a16="http://schemas.microsoft.com/office/drawing/2014/main" id="{B1804638-B0C0-436B-F6F1-D047AF0555DA}"/>
-                    </a:ext>
-                  </a:extLst>
-                </p:cNvPr>
-                <p:cNvPicPr/>
-                <p:nvPr/>
-              </p:nvPicPr>
-              <p:blipFill>
-                <a:blip r:embed="rId10"/>
-                <a:stretch>
-                  <a:fillRect/>
-                </a:stretch>
-              </p:blipFill>
-              <p:spPr>
-                <a:xfrm>
-                  <a:off x="5315963" y="3641797"/>
-                  <a:ext cx="507960" cy="297720"/>
-                </a:xfrm>
-                <a:prstGeom prst="rect">
-                  <a:avLst/>
-                </a:prstGeom>
-              </p:spPr>
-            </p:pic>
-          </mc:Fallback>
-        </mc:AlternateContent>
-      </p:grpSp>
-      <mc:AlternateContent xmlns:mc="http://schemas.openxmlformats.org/markup-compatibility/2006" xmlns:p14="http://schemas.microsoft.com/office/powerpoint/2010/main">
-        <mc:Choice Requires="p14">
-          <p:contentPart p14:bwMode="auto" r:id="rId11">
-            <p14:nvContentPartPr>
-              <p14:cNvPr id="7" name="Ink 6">
-                <a:extLst>
-                  <a:ext uri="{FF2B5EF4-FFF2-40B4-BE49-F238E27FC236}">
-                    <a16:creationId xmlns:a16="http://schemas.microsoft.com/office/drawing/2014/main" id="{9036923E-9DC9-8E8A-CA74-976D05506352}"/>
-                  </a:ext>
-                </a:extLst>
-              </p14:cNvPr>
-              <p14:cNvContentPartPr/>
-              <p14:nvPr/>
-            </p14:nvContentPartPr>
-            <p14:xfrm>
-              <a:off x="9436883" y="3569797"/>
-              <a:ext cx="237960" cy="289800"/>
-            </p14:xfrm>
-          </p:contentPart>
-        </mc:Choice>
-        <mc:Fallback xmlns="">
-          <p:pic>
-            <p:nvPicPr>
-              <p:cNvPr id="7" name="Ink 6">
-                <a:extLst>
-                  <a:ext uri="{FF2B5EF4-FFF2-40B4-BE49-F238E27FC236}">
-                    <a16:creationId xmlns:a16="http://schemas.microsoft.com/office/drawing/2014/main" id="{9036923E-9DC9-8E8A-CA74-976D05506352}"/>
-                  </a:ext>
-                </a:extLst>
-              </p:cNvPr>
-              <p:cNvPicPr/>
-              <p:nvPr/>
-            </p:nvPicPr>
-            <p:blipFill>
-              <a:blip r:embed="rId12"/>
-              <a:stretch>
-                <a:fillRect/>
-              </a:stretch>
-            </p:blipFill>
-            <p:spPr>
-              <a:xfrm>
-                <a:off x="9430763" y="3563677"/>
-                <a:ext cx="250200" cy="302040"/>
-              </a:xfrm>
-              <a:prstGeom prst="rect">
-                <a:avLst/>
-              </a:prstGeom>
-            </p:spPr>
-          </p:pic>
-        </mc:Fallback>
-      </mc:AlternateContent>
-      <mc:AlternateContent xmlns:mc="http://schemas.openxmlformats.org/markup-compatibility/2006" xmlns:p14="http://schemas.microsoft.com/office/powerpoint/2010/main">
-        <mc:Choice Requires="p14">
-          <p:contentPart p14:bwMode="auto" r:id="rId13">
-            <p14:nvContentPartPr>
-              <p14:cNvPr id="9" name="Ink 8">
-                <a:extLst>
-                  <a:ext uri="{FF2B5EF4-FFF2-40B4-BE49-F238E27FC236}">
-                    <a16:creationId xmlns:a16="http://schemas.microsoft.com/office/drawing/2014/main" id="{2C427A7F-A006-276C-FD77-C8B792CD7BE7}"/>
-                  </a:ext>
-                </a:extLst>
-              </p14:cNvPr>
-              <p14:cNvContentPartPr/>
-              <p14:nvPr/>
-            </p14:nvContentPartPr>
-            <p14:xfrm>
-              <a:off x="11921963" y="2857717"/>
-              <a:ext cx="218880" cy="290880"/>
-            </p14:xfrm>
-          </p:contentPart>
-        </mc:Choice>
-        <mc:Fallback xmlns="">
-          <p:pic>
-            <p:nvPicPr>
-              <p:cNvPr id="9" name="Ink 8">
-                <a:extLst>
-                  <a:ext uri="{FF2B5EF4-FFF2-40B4-BE49-F238E27FC236}">
-                    <a16:creationId xmlns:a16="http://schemas.microsoft.com/office/drawing/2014/main" id="{2C427A7F-A006-276C-FD77-C8B792CD7BE7}"/>
-                  </a:ext>
-                </a:extLst>
-              </p:cNvPr>
-              <p:cNvPicPr/>
-              <p:nvPr/>
-            </p:nvPicPr>
-            <p:blipFill>
-              <a:blip r:embed="rId14"/>
-              <a:stretch>
-                <a:fillRect/>
-              </a:stretch>
-            </p:blipFill>
-            <p:spPr>
-              <a:xfrm>
-                <a:off x="11915843" y="2851597"/>
-                <a:ext cx="231120" cy="303120"/>
-              </a:xfrm>
-              <a:prstGeom prst="rect">
-                <a:avLst/>
-              </a:prstGeom>
-            </p:spPr>
-          </p:pic>
-        </mc:Fallback>
-      </mc:AlternateContent>
-      <mc:AlternateContent xmlns:mc="http://schemas.openxmlformats.org/markup-compatibility/2006" xmlns:p14="http://schemas.microsoft.com/office/powerpoint/2010/main">
-        <mc:Choice Requires="p14">
-          <p:contentPart p14:bwMode="auto" r:id="rId15">
-            <p14:nvContentPartPr>
-              <p14:cNvPr id="26" name="Ink 25">
-                <a:extLst>
-                  <a:ext uri="{FF2B5EF4-FFF2-40B4-BE49-F238E27FC236}">
-                    <a16:creationId xmlns:a16="http://schemas.microsoft.com/office/drawing/2014/main" id="{900404E9-2E4B-9594-2AD4-3714B970CFA1}"/>
-                  </a:ext>
-                </a:extLst>
-              </p14:cNvPr>
-              <p14:cNvContentPartPr/>
-              <p14:nvPr/>
-            </p14:nvContentPartPr>
-            <p14:xfrm>
-              <a:off x="2121683" y="4597957"/>
-              <a:ext cx="190800" cy="164880"/>
-            </p14:xfrm>
-          </p:contentPart>
-        </mc:Choice>
-        <mc:Fallback xmlns="">
-          <p:pic>
-            <p:nvPicPr>
-              <p:cNvPr id="26" name="Ink 25">
-                <a:extLst>
-                  <a:ext uri="{FF2B5EF4-FFF2-40B4-BE49-F238E27FC236}">
-                    <a16:creationId xmlns:a16="http://schemas.microsoft.com/office/drawing/2014/main" id="{900404E9-2E4B-9594-2AD4-3714B970CFA1}"/>
-                  </a:ext>
-                </a:extLst>
-              </p:cNvPr>
-              <p:cNvPicPr/>
-              <p:nvPr/>
-            </p:nvPicPr>
-            <p:blipFill>
-              <a:blip r:embed="rId16"/>
-              <a:stretch>
-                <a:fillRect/>
-              </a:stretch>
-            </p:blipFill>
-            <p:spPr>
-              <a:xfrm>
-                <a:off x="2115563" y="4591837"/>
-                <a:ext cx="203040" cy="177120"/>
-              </a:xfrm>
-              <a:prstGeom prst="rect">
-                <a:avLst/>
-              </a:prstGeom>
-            </p:spPr>
-          </p:pic>
-        </mc:Fallback>
-      </mc:AlternateContent>
-      <p:sp>
-        <p:nvSpPr>
-          <p:cNvPr id="15" name="TextBox 14">
-            <a:extLst>
-              <a:ext uri="{FF2B5EF4-FFF2-40B4-BE49-F238E27FC236}">
-                <a16:creationId xmlns:a16="http://schemas.microsoft.com/office/drawing/2014/main" id="{5283D054-9531-359E-4495-DD6640300AFC}"/>
-              </a:ext>
-            </a:extLst>
-          </p:cNvPr>
-          <p:cNvSpPr txBox="1"/>
-          <p:nvPr/>
-        </p:nvSpPr>
-        <p:spPr>
-          <a:xfrm>
-            <a:off x="6377655" y="4642135"/>
-            <a:ext cx="5642260" cy="1477328"/>
-          </a:xfrm>
-          <a:prstGeom prst="rect">
-            <a:avLst/>
-          </a:prstGeom>
-          <a:noFill/>
-        </p:spPr>
-        <p:txBody>
-          <a:bodyPr wrap="square" rtlCol="0">
-            <a:spAutoFit/>
-          </a:bodyPr>
-          <a:lstStyle/>
-          <a:p>
-            <a:r>
-              <a:rPr lang="en-US" dirty="0"/>
-              <a:t>Need to show:</a:t>
-            </a:r>
-          </a:p>
-          <a:p>
-            <a:r>
-              <a:rPr lang="en-US" dirty="0"/>
-              <a:t>PowerPoint</a:t>
-            </a:r>
-          </a:p>
-          <a:p>
-            <a:r>
-              <a:rPr lang="en-US" dirty="0"/>
-              <a:t>Demonstration of working project</a:t>
-            </a:r>
-          </a:p>
-          <a:p>
-            <a:r>
-              <a:rPr lang="en-US" dirty="0"/>
-              <a:t>Demonstration of at least one API endpoint</a:t>
-            </a:r>
-          </a:p>
-          <a:p>
-            <a:r>
-              <a:rPr lang="en-US" dirty="0"/>
-              <a:t>Description of demonstration of reasonable unit testing</a:t>
-            </a:r>
-          </a:p>
-        </p:txBody>
-      </p:sp>
-      <mc:AlternateContent xmlns:mc="http://schemas.openxmlformats.org/markup-compatibility/2006" xmlns:p14="http://schemas.microsoft.com/office/powerpoint/2010/main">
-        <mc:Choice Requires="p14">
-          <p:contentPart p14:bwMode="auto" r:id="rId17">
-            <p14:nvContentPartPr>
-              <p14:cNvPr id="16" name="Ink 15">
-                <a:extLst>
-                  <a:ext uri="{FF2B5EF4-FFF2-40B4-BE49-F238E27FC236}">
-                    <a16:creationId xmlns:a16="http://schemas.microsoft.com/office/drawing/2014/main" id="{19EA36C2-0181-85AB-8921-3E0F308EF9C2}"/>
-                  </a:ext>
-                </a:extLst>
-              </p14:cNvPr>
-              <p14:cNvContentPartPr/>
-              <p14:nvPr/>
-            </p14:nvContentPartPr>
-            <p14:xfrm>
-              <a:off x="8260544" y="4164807"/>
-              <a:ext cx="300600" cy="334080"/>
-            </p14:xfrm>
-          </p:contentPart>
-        </mc:Choice>
-        <mc:Fallback xmlns="">
-          <p:pic>
-            <p:nvPicPr>
-              <p:cNvPr id="16" name="Ink 15">
-                <a:extLst>
-                  <a:ext uri="{FF2B5EF4-FFF2-40B4-BE49-F238E27FC236}">
-                    <a16:creationId xmlns:a16="http://schemas.microsoft.com/office/drawing/2014/main" id="{19EA36C2-0181-85AB-8921-3E0F308EF9C2}"/>
-                  </a:ext>
-                </a:extLst>
-              </p:cNvPr>
-              <p:cNvPicPr/>
-              <p:nvPr/>
-            </p:nvPicPr>
-            <p:blipFill>
-              <a:blip r:embed="rId18"/>
-              <a:stretch>
-                <a:fillRect/>
-              </a:stretch>
-            </p:blipFill>
-            <p:spPr>
-              <a:xfrm>
-                <a:off x="8254424" y="4158687"/>
-                <a:ext cx="312840" cy="346320"/>
-              </a:xfrm>
-              <a:prstGeom prst="rect">
-                <a:avLst/>
-              </a:prstGeom>
-            </p:spPr>
-          </p:pic>
-        </mc:Fallback>
-      </mc:AlternateContent>
-      <mc:AlternateContent xmlns:mc="http://schemas.openxmlformats.org/markup-compatibility/2006" xmlns:p14="http://schemas.microsoft.com/office/powerpoint/2010/main">
-        <mc:Choice Requires="p14">
-          <p:contentPart p14:bwMode="auto" r:id="rId19">
-            <p14:nvContentPartPr>
-              <p14:cNvPr id="23" name="Ink 22">
-                <a:extLst>
-                  <a:ext uri="{FF2B5EF4-FFF2-40B4-BE49-F238E27FC236}">
-                    <a16:creationId xmlns:a16="http://schemas.microsoft.com/office/drawing/2014/main" id="{31B7D61C-3454-5C50-E31A-54E4532148C4}"/>
-                  </a:ext>
-                </a:extLst>
-              </p14:cNvPr>
-              <p14:cNvContentPartPr/>
-              <p14:nvPr/>
-            </p14:nvContentPartPr>
-            <p14:xfrm>
-              <a:off x="416144" y="4667727"/>
-              <a:ext cx="42840" cy="36360"/>
-            </p14:xfrm>
-          </p:contentPart>
-        </mc:Choice>
-        <mc:Fallback xmlns="">
-          <p:pic>
-            <p:nvPicPr>
-              <p:cNvPr id="23" name="Ink 22">
-                <a:extLst>
-                  <a:ext uri="{FF2B5EF4-FFF2-40B4-BE49-F238E27FC236}">
-                    <a16:creationId xmlns:a16="http://schemas.microsoft.com/office/drawing/2014/main" id="{31B7D61C-3454-5C50-E31A-54E4532148C4}"/>
-                  </a:ext>
-                </a:extLst>
-              </p:cNvPr>
-              <p:cNvPicPr/>
-              <p:nvPr/>
-            </p:nvPicPr>
-            <p:blipFill>
-              <a:blip r:embed="rId20"/>
-              <a:stretch>
-                <a:fillRect/>
-              </a:stretch>
-            </p:blipFill>
-            <p:spPr>
-              <a:xfrm>
-                <a:off x="410024" y="4661607"/>
-                <a:ext cx="55080" cy="48600"/>
-              </a:xfrm>
-              <a:prstGeom prst="rect">
-                <a:avLst/>
-              </a:prstGeom>
-            </p:spPr>
-          </p:pic>
-        </mc:Fallback>
-      </mc:AlternateContent>
-      <mc:AlternateContent xmlns:mc="http://schemas.openxmlformats.org/markup-compatibility/2006" xmlns:p14="http://schemas.microsoft.com/office/powerpoint/2010/main">
-        <mc:Choice Requires="p14">
-          <p:contentPart p14:bwMode="auto" r:id="rId21">
-            <p14:nvContentPartPr>
-              <p14:cNvPr id="37" name="Ink 36">
-                <a:extLst>
-                  <a:ext uri="{FF2B5EF4-FFF2-40B4-BE49-F238E27FC236}">
-                    <a16:creationId xmlns:a16="http://schemas.microsoft.com/office/drawing/2014/main" id="{E470AB8E-1AFF-11FF-ED5B-FEC0EC26FF08}"/>
-                  </a:ext>
-                </a:extLst>
-              </p14:cNvPr>
-              <p14:cNvContentPartPr/>
-              <p14:nvPr/>
-            </p14:nvContentPartPr>
-            <p14:xfrm>
-              <a:off x="623144" y="4654767"/>
-              <a:ext cx="207360" cy="11520"/>
-            </p14:xfrm>
-          </p:contentPart>
-        </mc:Choice>
-        <mc:Fallback xmlns="">
-          <p:pic>
-            <p:nvPicPr>
-              <p:cNvPr id="37" name="Ink 36">
-                <a:extLst>
-                  <a:ext uri="{FF2B5EF4-FFF2-40B4-BE49-F238E27FC236}">
-                    <a16:creationId xmlns:a16="http://schemas.microsoft.com/office/drawing/2014/main" id="{E470AB8E-1AFF-11FF-ED5B-FEC0EC26FF08}"/>
-                  </a:ext>
-                </a:extLst>
-              </p:cNvPr>
-              <p:cNvPicPr/>
-              <p:nvPr/>
-            </p:nvPicPr>
-            <p:blipFill>
-              <a:blip r:embed="rId22"/>
-              <a:stretch>
-                <a:fillRect/>
-              </a:stretch>
-            </p:blipFill>
-            <p:spPr>
-              <a:xfrm>
-                <a:off x="617024" y="4648647"/>
-                <a:ext cx="219600" cy="23760"/>
-              </a:xfrm>
-              <a:prstGeom prst="rect">
-                <a:avLst/>
-              </a:prstGeom>
-            </p:spPr>
-          </p:pic>
-        </mc:Fallback>
-      </mc:AlternateContent>
-      <mc:AlternateContent xmlns:mc="http://schemas.openxmlformats.org/markup-compatibility/2006" xmlns:p14="http://schemas.microsoft.com/office/powerpoint/2010/main">
-        <mc:Choice Requires="p14">
-          <p:contentPart p14:bwMode="auto" r:id="rId23">
-            <p14:nvContentPartPr>
-              <p14:cNvPr id="38" name="Ink 37">
-                <a:extLst>
-                  <a:ext uri="{FF2B5EF4-FFF2-40B4-BE49-F238E27FC236}">
-                    <a16:creationId xmlns:a16="http://schemas.microsoft.com/office/drawing/2014/main" id="{CDB49362-9B04-4BC0-49E2-708E4FD7408B}"/>
-                  </a:ext>
-                </a:extLst>
-              </p14:cNvPr>
-              <p14:cNvContentPartPr/>
-              <p14:nvPr/>
-            </p14:nvContentPartPr>
-            <p14:xfrm>
-              <a:off x="737624" y="4686087"/>
-              <a:ext cx="40320" cy="118800"/>
-            </p14:xfrm>
-          </p:contentPart>
-        </mc:Choice>
-        <mc:Fallback xmlns="">
-          <p:pic>
-            <p:nvPicPr>
-              <p:cNvPr id="38" name="Ink 37">
-                <a:extLst>
-                  <a:ext uri="{FF2B5EF4-FFF2-40B4-BE49-F238E27FC236}">
-                    <a16:creationId xmlns:a16="http://schemas.microsoft.com/office/drawing/2014/main" id="{CDB49362-9B04-4BC0-49E2-708E4FD7408B}"/>
-                  </a:ext>
-                </a:extLst>
-              </p:cNvPr>
-              <p:cNvPicPr/>
-              <p:nvPr/>
-            </p:nvPicPr>
-            <p:blipFill>
-              <a:blip r:embed="rId24"/>
-              <a:stretch>
-                <a:fillRect/>
-              </a:stretch>
-            </p:blipFill>
-            <p:spPr>
-              <a:xfrm>
-                <a:off x="731504" y="4679967"/>
-                <a:ext cx="52560" cy="131040"/>
-              </a:xfrm>
-              <a:prstGeom prst="rect">
-                <a:avLst/>
-              </a:prstGeom>
-            </p:spPr>
-          </p:pic>
-        </mc:Fallback>
-      </mc:AlternateContent>
-      <mc:AlternateContent xmlns:mc="http://schemas.openxmlformats.org/markup-compatibility/2006" xmlns:p14="http://schemas.microsoft.com/office/powerpoint/2010/main">
-        <mc:Choice Requires="p14">
-          <p:contentPart p14:bwMode="auto" r:id="rId25">
-            <p14:nvContentPartPr>
-              <p14:cNvPr id="39" name="Ink 38">
-                <a:extLst>
-                  <a:ext uri="{FF2B5EF4-FFF2-40B4-BE49-F238E27FC236}">
-                    <a16:creationId xmlns:a16="http://schemas.microsoft.com/office/drawing/2014/main" id="{73A10C35-1D79-5671-06F8-E870BF5D5698}"/>
-                  </a:ext>
-                </a:extLst>
-              </p14:cNvPr>
-              <p14:cNvContentPartPr/>
-              <p14:nvPr/>
-            </p14:nvContentPartPr>
-            <p14:xfrm>
-              <a:off x="862544" y="4659087"/>
-              <a:ext cx="195480" cy="134280"/>
-            </p14:xfrm>
-          </p:contentPart>
-        </mc:Choice>
-        <mc:Fallback xmlns="">
-          <p:pic>
-            <p:nvPicPr>
-              <p:cNvPr id="39" name="Ink 38">
-                <a:extLst>
-                  <a:ext uri="{FF2B5EF4-FFF2-40B4-BE49-F238E27FC236}">
-                    <a16:creationId xmlns:a16="http://schemas.microsoft.com/office/drawing/2014/main" id="{73A10C35-1D79-5671-06F8-E870BF5D5698}"/>
-                  </a:ext>
-                </a:extLst>
-              </p:cNvPr>
-              <p:cNvPicPr/>
-              <p:nvPr/>
-            </p:nvPicPr>
-            <p:blipFill>
-              <a:blip r:embed="rId26"/>
-              <a:stretch>
-                <a:fillRect/>
-              </a:stretch>
-            </p:blipFill>
-            <p:spPr>
-              <a:xfrm>
-                <a:off x="856424" y="4652967"/>
-                <a:ext cx="207720" cy="146520"/>
-              </a:xfrm>
-              <a:prstGeom prst="rect">
-                <a:avLst/>
-              </a:prstGeom>
-            </p:spPr>
-          </p:pic>
-        </mc:Fallback>
-      </mc:AlternateContent>
-      <mc:AlternateContent xmlns:mc="http://schemas.openxmlformats.org/markup-compatibility/2006" xmlns:p14="http://schemas.microsoft.com/office/powerpoint/2010/main">
-        <mc:Choice Requires="p14">
-          <p:contentPart p14:bwMode="auto" r:id="rId27">
-            <p14:nvContentPartPr>
-              <p14:cNvPr id="40" name="Ink 39">
-                <a:extLst>
-                  <a:ext uri="{FF2B5EF4-FFF2-40B4-BE49-F238E27FC236}">
-                    <a16:creationId xmlns:a16="http://schemas.microsoft.com/office/drawing/2014/main" id="{DEA283C4-59B0-052F-00E5-88134C5A2204}"/>
-                  </a:ext>
-                </a:extLst>
-              </p14:cNvPr>
-              <p14:cNvContentPartPr/>
-              <p14:nvPr/>
-            </p14:nvContentPartPr>
-            <p14:xfrm>
-              <a:off x="1067744" y="4668087"/>
-              <a:ext cx="73440" cy="114120"/>
-            </p14:xfrm>
-          </p:contentPart>
-        </mc:Choice>
-        <mc:Fallback xmlns="">
-          <p:pic>
-            <p:nvPicPr>
-              <p:cNvPr id="40" name="Ink 39">
-                <a:extLst>
-                  <a:ext uri="{FF2B5EF4-FFF2-40B4-BE49-F238E27FC236}">
-                    <a16:creationId xmlns:a16="http://schemas.microsoft.com/office/drawing/2014/main" id="{DEA283C4-59B0-052F-00E5-88134C5A2204}"/>
-                  </a:ext>
-                </a:extLst>
-              </p:cNvPr>
-              <p:cNvPicPr/>
-              <p:nvPr/>
-            </p:nvPicPr>
-            <p:blipFill>
-              <a:blip r:embed="rId28"/>
-              <a:stretch>
-                <a:fillRect/>
-              </a:stretch>
-            </p:blipFill>
-            <p:spPr>
-              <a:xfrm>
-                <a:off x="1061624" y="4661967"/>
-                <a:ext cx="85680" cy="126360"/>
-              </a:xfrm>
-              <a:prstGeom prst="rect">
-                <a:avLst/>
-              </a:prstGeom>
-            </p:spPr>
-          </p:pic>
-        </mc:Fallback>
-      </mc:AlternateContent>
-      <mc:AlternateContent xmlns:mc="http://schemas.openxmlformats.org/markup-compatibility/2006" xmlns:p14="http://schemas.microsoft.com/office/powerpoint/2010/main">
-        <mc:Choice Requires="p14">
-          <p:contentPart p14:bwMode="auto" r:id="rId29">
-            <p14:nvContentPartPr>
-              <p14:cNvPr id="50" name="Ink 49">
-                <a:extLst>
-                  <a:ext uri="{FF2B5EF4-FFF2-40B4-BE49-F238E27FC236}">
-                    <a16:creationId xmlns:a16="http://schemas.microsoft.com/office/drawing/2014/main" id="{A20F35A5-0183-187D-3FE4-FE346FDB7436}"/>
-                  </a:ext>
-                </a:extLst>
-              </p14:cNvPr>
-              <p14:cNvContentPartPr/>
-              <p14:nvPr/>
-            </p14:nvContentPartPr>
-            <p14:xfrm>
-              <a:off x="1846064" y="4614447"/>
-              <a:ext cx="104400" cy="155880"/>
-            </p14:xfrm>
-          </p:contentPart>
-        </mc:Choice>
-        <mc:Fallback xmlns="">
-          <p:pic>
-            <p:nvPicPr>
-              <p:cNvPr id="50" name="Ink 49">
-                <a:extLst>
-                  <a:ext uri="{FF2B5EF4-FFF2-40B4-BE49-F238E27FC236}">
-                    <a16:creationId xmlns:a16="http://schemas.microsoft.com/office/drawing/2014/main" id="{A20F35A5-0183-187D-3FE4-FE346FDB7436}"/>
-                  </a:ext>
-                </a:extLst>
-              </p:cNvPr>
-              <p:cNvPicPr/>
-              <p:nvPr/>
-            </p:nvPicPr>
-            <p:blipFill>
-              <a:blip r:embed="rId30"/>
-              <a:stretch>
-                <a:fillRect/>
-              </a:stretch>
-            </p:blipFill>
-            <p:spPr>
-              <a:xfrm>
-                <a:off x="1839944" y="4608327"/>
-                <a:ext cx="116640" cy="168120"/>
-              </a:xfrm>
-              <a:prstGeom prst="rect">
-                <a:avLst/>
-              </a:prstGeom>
-            </p:spPr>
-          </p:pic>
-        </mc:Fallback>
-      </mc:AlternateContent>
-      <p:grpSp>
-        <p:nvGrpSpPr>
-          <p:cNvPr id="55" name="Group 54">
-            <a:extLst>
-              <a:ext uri="{FF2B5EF4-FFF2-40B4-BE49-F238E27FC236}">
-                <a16:creationId xmlns:a16="http://schemas.microsoft.com/office/drawing/2014/main" id="{D9068134-09FF-E128-6FD5-10ED01AF3727}"/>
-              </a:ext>
-            </a:extLst>
-          </p:cNvPr>
-          <p:cNvGrpSpPr/>
-          <p:nvPr/>
-        </p:nvGrpSpPr>
-        <p:grpSpPr>
-          <a:xfrm>
-            <a:off x="1214624" y="4592847"/>
-            <a:ext cx="594360" cy="264960"/>
-            <a:chOff x="1214624" y="4592847"/>
-            <a:chExt cx="594360" cy="264960"/>
-          </a:xfrm>
-        </p:grpSpPr>
-        <mc:AlternateContent xmlns:mc="http://schemas.openxmlformats.org/markup-compatibility/2006" xmlns:p14="http://schemas.microsoft.com/office/powerpoint/2010/main">
-          <mc:Choice Requires="p14">
-            <p:contentPart p14:bwMode="auto" r:id="rId31">
-              <p14:nvContentPartPr>
-                <p14:cNvPr id="43" name="Ink 42">
-                  <a:extLst>
-                    <a:ext uri="{FF2B5EF4-FFF2-40B4-BE49-F238E27FC236}">
-                      <a16:creationId xmlns:a16="http://schemas.microsoft.com/office/drawing/2014/main" id="{B541517E-3FFA-109B-AAE7-19DCEAB1D41C}"/>
-                    </a:ext>
-                  </a:extLst>
-                </p14:cNvPr>
-                <p14:cNvContentPartPr/>
-                <p14:nvPr/>
-              </p14:nvContentPartPr>
-              <p14:xfrm>
-                <a:off x="1214624" y="4592847"/>
-                <a:ext cx="134640" cy="240120"/>
-              </p14:xfrm>
-            </p:contentPart>
-          </mc:Choice>
-          <mc:Fallback xmlns="">
-            <p:pic>
-              <p:nvPicPr>
-                <p:cNvPr id="43" name="Ink 42">
-                  <a:extLst>
-                    <a:ext uri="{FF2B5EF4-FFF2-40B4-BE49-F238E27FC236}">
-                      <a16:creationId xmlns:a16="http://schemas.microsoft.com/office/drawing/2014/main" id="{B541517E-3FFA-109B-AAE7-19DCEAB1D41C}"/>
-                    </a:ext>
-                  </a:extLst>
-                </p:cNvPr>
-                <p:cNvPicPr/>
-                <p:nvPr/>
-              </p:nvPicPr>
-              <p:blipFill>
-                <a:blip r:embed="rId32"/>
-                <a:stretch>
-                  <a:fillRect/>
-                </a:stretch>
-              </p:blipFill>
-              <p:spPr>
-                <a:xfrm>
-                  <a:off x="1208504" y="4586727"/>
-                  <a:ext cx="146880" cy="252360"/>
-                </a:xfrm>
-                <a:prstGeom prst="rect">
-                  <a:avLst/>
-                </a:prstGeom>
-              </p:spPr>
-            </p:pic>
-          </mc:Fallback>
-        </mc:AlternateContent>
-        <mc:AlternateContent xmlns:mc="http://schemas.openxmlformats.org/markup-compatibility/2006" xmlns:p14="http://schemas.microsoft.com/office/powerpoint/2010/main">
-          <mc:Choice Requires="p14">
-            <p:contentPart p14:bwMode="auto" r:id="rId33">
-              <p14:nvContentPartPr>
-                <p14:cNvPr id="44" name="Ink 43">
-                  <a:extLst>
-                    <a:ext uri="{FF2B5EF4-FFF2-40B4-BE49-F238E27FC236}">
-                      <a16:creationId xmlns:a16="http://schemas.microsoft.com/office/drawing/2014/main" id="{EAB22F7D-E54A-0050-764B-1454CBB73419}"/>
-                    </a:ext>
-                  </a:extLst>
-                </p14:cNvPr>
-                <p14:cNvContentPartPr/>
-                <p14:nvPr/>
-              </p14:nvContentPartPr>
-              <p14:xfrm>
-                <a:off x="1443944" y="4727847"/>
-                <a:ext cx="360" cy="124200"/>
-              </p14:xfrm>
-            </p:contentPart>
-          </mc:Choice>
-          <mc:Fallback xmlns="">
-            <p:pic>
-              <p:nvPicPr>
-                <p:cNvPr id="44" name="Ink 43">
-                  <a:extLst>
-                    <a:ext uri="{FF2B5EF4-FFF2-40B4-BE49-F238E27FC236}">
-                      <a16:creationId xmlns:a16="http://schemas.microsoft.com/office/drawing/2014/main" id="{EAB22F7D-E54A-0050-764B-1454CBB73419}"/>
-                    </a:ext>
-                  </a:extLst>
-                </p:cNvPr>
-                <p:cNvPicPr/>
-                <p:nvPr/>
-              </p:nvPicPr>
-              <p:blipFill>
-                <a:blip r:embed="rId34"/>
-                <a:stretch>
-                  <a:fillRect/>
-                </a:stretch>
-              </p:blipFill>
-              <p:spPr>
-                <a:xfrm>
-                  <a:off x="1437824" y="4721727"/>
-                  <a:ext cx="12600" cy="136440"/>
-                </a:xfrm>
-                <a:prstGeom prst="rect">
-                  <a:avLst/>
-                </a:prstGeom>
-              </p:spPr>
-            </p:pic>
-          </mc:Fallback>
-        </mc:AlternateContent>
-        <mc:AlternateContent xmlns:mc="http://schemas.openxmlformats.org/markup-compatibility/2006" xmlns:p14="http://schemas.microsoft.com/office/powerpoint/2010/main">
-          <mc:Choice Requires="p14">
-            <p:contentPart p14:bwMode="auto" r:id="rId35">
-              <p14:nvContentPartPr>
-                <p14:cNvPr id="45" name="Ink 44">
-                  <a:extLst>
-                    <a:ext uri="{FF2B5EF4-FFF2-40B4-BE49-F238E27FC236}">
-                      <a16:creationId xmlns:a16="http://schemas.microsoft.com/office/drawing/2014/main" id="{B8BEF1E0-1972-DF9D-2353-C817EF3D4B22}"/>
-                    </a:ext>
-                  </a:extLst>
-                </p14:cNvPr>
-                <p14:cNvContentPartPr/>
-                <p14:nvPr/>
-              </p14:nvContentPartPr>
-              <p14:xfrm>
-                <a:off x="1452224" y="4648287"/>
-                <a:ext cx="66600" cy="134640"/>
-              </p14:xfrm>
-            </p:contentPart>
-          </mc:Choice>
-          <mc:Fallback xmlns="">
-            <p:pic>
-              <p:nvPicPr>
-                <p:cNvPr id="45" name="Ink 44">
-                  <a:extLst>
-                    <a:ext uri="{FF2B5EF4-FFF2-40B4-BE49-F238E27FC236}">
-                      <a16:creationId xmlns:a16="http://schemas.microsoft.com/office/drawing/2014/main" id="{B8BEF1E0-1972-DF9D-2353-C817EF3D4B22}"/>
-                    </a:ext>
-                  </a:extLst>
-                </p:cNvPr>
-                <p:cNvPicPr/>
-                <p:nvPr/>
-              </p:nvPicPr>
-              <p:blipFill>
-                <a:blip r:embed="rId36"/>
-                <a:stretch>
-                  <a:fillRect/>
-                </a:stretch>
-              </p:blipFill>
-              <p:spPr>
-                <a:xfrm>
-                  <a:off x="1446104" y="4642167"/>
-                  <a:ext cx="78840" cy="146880"/>
-                </a:xfrm>
-                <a:prstGeom prst="rect">
-                  <a:avLst/>
-                </a:prstGeom>
-              </p:spPr>
-            </p:pic>
-          </mc:Fallback>
-        </mc:AlternateContent>
-        <mc:AlternateContent xmlns:mc="http://schemas.openxmlformats.org/markup-compatibility/2006" xmlns:p14="http://schemas.microsoft.com/office/powerpoint/2010/main">
-          <mc:Choice Requires="p14">
-            <p:contentPart p14:bwMode="auto" r:id="rId37">
-              <p14:nvContentPartPr>
-                <p14:cNvPr id="47" name="Ink 46">
-                  <a:extLst>
-                    <a:ext uri="{FF2B5EF4-FFF2-40B4-BE49-F238E27FC236}">
-                      <a16:creationId xmlns:a16="http://schemas.microsoft.com/office/drawing/2014/main" id="{461F6F3C-D8F2-532E-701D-9B880E0F5A0C}"/>
-                    </a:ext>
-                  </a:extLst>
-                </p14:cNvPr>
-                <p14:cNvContentPartPr/>
-                <p14:nvPr/>
-              </p14:nvContentPartPr>
-              <p14:xfrm>
-                <a:off x="1544744" y="4674567"/>
-                <a:ext cx="147960" cy="85320"/>
-              </p14:xfrm>
-            </p:contentPart>
-          </mc:Choice>
-          <mc:Fallback xmlns="">
-            <p:pic>
-              <p:nvPicPr>
-                <p:cNvPr id="47" name="Ink 46">
-                  <a:extLst>
-                    <a:ext uri="{FF2B5EF4-FFF2-40B4-BE49-F238E27FC236}">
-                      <a16:creationId xmlns:a16="http://schemas.microsoft.com/office/drawing/2014/main" id="{461F6F3C-D8F2-532E-701D-9B880E0F5A0C}"/>
-                    </a:ext>
-                  </a:extLst>
-                </p:cNvPr>
-                <p:cNvPicPr/>
-                <p:nvPr/>
-              </p:nvPicPr>
-              <p:blipFill>
-                <a:blip r:embed="rId38"/>
-                <a:stretch>
-                  <a:fillRect/>
-                </a:stretch>
-              </p:blipFill>
-              <p:spPr>
-                <a:xfrm>
-                  <a:off x="1538624" y="4668447"/>
-                  <a:ext cx="160200" cy="97560"/>
-                </a:xfrm>
-                <a:prstGeom prst="rect">
-                  <a:avLst/>
-                </a:prstGeom>
-              </p:spPr>
-            </p:pic>
-          </mc:Fallback>
-        </mc:AlternateContent>
-        <mc:AlternateContent xmlns:mc="http://schemas.openxmlformats.org/markup-compatibility/2006" xmlns:p14="http://schemas.microsoft.com/office/powerpoint/2010/main">
-          <mc:Choice Requires="p14">
-            <p:contentPart p14:bwMode="auto" r:id="rId39">
-              <p14:nvContentPartPr>
-                <p14:cNvPr id="54" name="Ink 53">
-                  <a:extLst>
-                    <a:ext uri="{FF2B5EF4-FFF2-40B4-BE49-F238E27FC236}">
-                      <a16:creationId xmlns:a16="http://schemas.microsoft.com/office/drawing/2014/main" id="{74D96753-33D1-D490-F89D-0EA62A521A87}"/>
-                    </a:ext>
-                  </a:extLst>
-                </p14:cNvPr>
-                <p14:cNvContentPartPr/>
-                <p14:nvPr/>
-              </p14:nvContentPartPr>
-              <p14:xfrm>
-                <a:off x="1651664" y="4629927"/>
-                <a:ext cx="157320" cy="227880"/>
-              </p14:xfrm>
-            </p:contentPart>
-          </mc:Choice>
-          <mc:Fallback xmlns="">
-            <p:pic>
-              <p:nvPicPr>
-                <p:cNvPr id="54" name="Ink 53">
-                  <a:extLst>
-                    <a:ext uri="{FF2B5EF4-FFF2-40B4-BE49-F238E27FC236}">
-                      <a16:creationId xmlns:a16="http://schemas.microsoft.com/office/drawing/2014/main" id="{74D96753-33D1-D490-F89D-0EA62A521A87}"/>
-                    </a:ext>
-                  </a:extLst>
-                </p:cNvPr>
-                <p:cNvPicPr/>
-                <p:nvPr/>
-              </p:nvPicPr>
-              <p:blipFill>
-                <a:blip r:embed="rId40"/>
-                <a:stretch>
-                  <a:fillRect/>
-                </a:stretch>
-              </p:blipFill>
-              <p:spPr>
-                <a:xfrm>
-                  <a:off x="1645544" y="4623807"/>
-                  <a:ext cx="169560" cy="240120"/>
-                </a:xfrm>
-                <a:prstGeom prst="rect">
-                  <a:avLst/>
-                </a:prstGeom>
-              </p:spPr>
-            </p:pic>
-          </mc:Fallback>
-        </mc:AlternateContent>
-      </p:grpSp>
-      <mc:AlternateContent xmlns:mc="http://schemas.openxmlformats.org/markup-compatibility/2006">
-        <mc:Choice xmlns:p14="http://schemas.microsoft.com/office/powerpoint/2010/main" Requires="p14">
-          <p:contentPart p14:bwMode="auto" r:id="rId41">
-            <p14:nvContentPartPr>
-              <p14:cNvPr id="12" name="Ink 11">
-                <a:extLst>
-                  <a:ext uri="{FF2B5EF4-FFF2-40B4-BE49-F238E27FC236}">
-                    <a16:creationId xmlns:a16="http://schemas.microsoft.com/office/drawing/2014/main" id="{F54434DE-4D5F-F9B1-593C-CCCC52924F48}"/>
-                  </a:ext>
-                </a:extLst>
-              </p14:cNvPr>
-              <p14:cNvContentPartPr/>
-              <p14:nvPr/>
-            </p14:nvContentPartPr>
-            <p14:xfrm>
-              <a:off x="3033704" y="4310607"/>
-              <a:ext cx="355680" cy="259920"/>
-            </p14:xfrm>
-          </p:contentPart>
-        </mc:Choice>
-        <mc:Fallback>
-          <p:pic>
-            <p:nvPicPr>
-              <p:cNvPr id="12" name="Ink 11">
-                <a:extLst>
-                  <a:ext uri="{FF2B5EF4-FFF2-40B4-BE49-F238E27FC236}">
-                    <a16:creationId xmlns:a16="http://schemas.microsoft.com/office/drawing/2014/main" id="{F54434DE-4D5F-F9B1-593C-CCCC52924F48}"/>
-                  </a:ext>
-                </a:extLst>
-              </p:cNvPr>
-              <p:cNvPicPr/>
-              <p:nvPr/>
-            </p:nvPicPr>
-            <p:blipFill>
-              <a:blip r:embed="rId42"/>
-              <a:stretch>
-                <a:fillRect/>
-              </a:stretch>
-            </p:blipFill>
-            <p:spPr>
-              <a:xfrm>
-                <a:off x="3027578" y="4304487"/>
-                <a:ext cx="367932" cy="272160"/>
-              </a:xfrm>
-              <a:prstGeom prst="rect">
-                <a:avLst/>
-              </a:prstGeom>
-            </p:spPr>
-          </p:pic>
-        </mc:Fallback>
-      </mc:AlternateContent>
-      <mc:AlternateContent xmlns:mc="http://schemas.openxmlformats.org/markup-compatibility/2006" xmlns:p14="http://schemas.microsoft.com/office/powerpoint/2010/main">
-        <mc:Choice Requires="p14">
-          <p:contentPart p14:bwMode="auto" r:id="rId43">
-            <p14:nvContentPartPr>
-              <p14:cNvPr id="14" name="Ink 13">
-                <a:extLst>
-                  <a:ext uri="{FF2B5EF4-FFF2-40B4-BE49-F238E27FC236}">
-                    <a16:creationId xmlns:a16="http://schemas.microsoft.com/office/drawing/2014/main" id="{914BFAF2-1EFD-DC8F-90CF-DCEFB91444A9}"/>
-                  </a:ext>
-                </a:extLst>
-              </p14:cNvPr>
-              <p14:cNvContentPartPr/>
-              <p14:nvPr/>
-            </p14:nvContentPartPr>
-            <p14:xfrm>
-              <a:off x="4343024" y="4208727"/>
-              <a:ext cx="615600" cy="343080"/>
-            </p14:xfrm>
-          </p:contentPart>
-        </mc:Choice>
-        <mc:Fallback xmlns="">
-          <p:pic>
-            <p:nvPicPr>
-              <p:cNvPr id="14" name="Ink 13">
-                <a:extLst>
-                  <a:ext uri="{FF2B5EF4-FFF2-40B4-BE49-F238E27FC236}">
-                    <a16:creationId xmlns:a16="http://schemas.microsoft.com/office/drawing/2014/main" id="{914BFAF2-1EFD-DC8F-90CF-DCEFB91444A9}"/>
-                  </a:ext>
-                </a:extLst>
-              </p:cNvPr>
-              <p:cNvPicPr/>
-              <p:nvPr/>
-            </p:nvPicPr>
-            <p:blipFill>
-              <a:blip r:embed="rId46"/>
-              <a:stretch>
-                <a:fillRect/>
-              </a:stretch>
-            </p:blipFill>
-            <p:spPr>
-              <a:xfrm>
-                <a:off x="4336904" y="4202607"/>
-                <a:ext cx="627840" cy="355320"/>
-              </a:xfrm>
-              <a:prstGeom prst="rect">
-                <a:avLst/>
-              </a:prstGeom>
-            </p:spPr>
-          </p:pic>
-        </mc:Fallback>
-      </mc:AlternateContent>
-      <mc:AlternateContent xmlns:mc="http://schemas.openxmlformats.org/markup-compatibility/2006" xmlns:p14="http://schemas.microsoft.com/office/powerpoint/2010/main">
-        <mc:Choice Requires="p14">
-          <p:contentPart p14:bwMode="auto" r:id="rId47">
-            <p14:nvContentPartPr>
-              <p14:cNvPr id="17" name="Ink 16">
-                <a:extLst>
-                  <a:ext uri="{FF2B5EF4-FFF2-40B4-BE49-F238E27FC236}">
-                    <a16:creationId xmlns:a16="http://schemas.microsoft.com/office/drawing/2014/main" id="{E6F18DB0-1A94-25F0-9F20-AAF27AD18C4B}"/>
-                  </a:ext>
-                </a:extLst>
-              </p14:cNvPr>
-              <p14:cNvContentPartPr/>
-              <p14:nvPr/>
-            </p14:nvContentPartPr>
-            <p14:xfrm>
-              <a:off x="10702424" y="3261567"/>
-              <a:ext cx="277560" cy="235800"/>
-            </p14:xfrm>
-          </p:contentPart>
-        </mc:Choice>
-        <mc:Fallback xmlns="">
-          <p:pic>
-            <p:nvPicPr>
-              <p:cNvPr id="17" name="Ink 16">
-                <a:extLst>
-                  <a:ext uri="{FF2B5EF4-FFF2-40B4-BE49-F238E27FC236}">
-                    <a16:creationId xmlns:a16="http://schemas.microsoft.com/office/drawing/2014/main" id="{E6F18DB0-1A94-25F0-9F20-AAF27AD18C4B}"/>
-                  </a:ext>
-                </a:extLst>
-              </p:cNvPr>
-              <p:cNvPicPr/>
-              <p:nvPr/>
-            </p:nvPicPr>
-            <p:blipFill>
-              <a:blip r:embed="rId48"/>
-              <a:stretch>
-                <a:fillRect/>
-              </a:stretch>
-            </p:blipFill>
-            <p:spPr>
-              <a:xfrm>
-                <a:off x="10696304" y="3255447"/>
-                <a:ext cx="289800" cy="248040"/>
-              </a:xfrm>
-              <a:prstGeom prst="rect">
-                <a:avLst/>
-              </a:prstGeom>
-            </p:spPr>
-          </p:pic>
-        </mc:Fallback>
-      </mc:AlternateContent>
-      <mc:AlternateContent xmlns:mc="http://schemas.openxmlformats.org/markup-compatibility/2006">
-        <mc:Choice xmlns:p14="http://schemas.microsoft.com/office/powerpoint/2010/main" Requires="p14">
-          <p:contentPart p14:bwMode="auto" r:id="rId49">
-            <p14:nvContentPartPr>
-              <p14:cNvPr id="20" name="Ink 19">
-                <a:extLst>
-                  <a:ext uri="{FF2B5EF4-FFF2-40B4-BE49-F238E27FC236}">
-                    <a16:creationId xmlns:a16="http://schemas.microsoft.com/office/drawing/2014/main" id="{50F204FF-81F6-29A3-39EE-E46ACA6141D0}"/>
-                  </a:ext>
-                </a:extLst>
-              </p14:cNvPr>
-              <p14:cNvContentPartPr/>
-              <p14:nvPr/>
-            </p14:nvContentPartPr>
-            <p14:xfrm>
-              <a:off x="8896278" y="3870148"/>
-              <a:ext cx="266040" cy="247320"/>
-            </p14:xfrm>
-          </p:contentPart>
-        </mc:Choice>
-        <mc:Fallback>
-          <p:pic>
-            <p:nvPicPr>
-              <p:cNvPr id="20" name="Ink 19">
-                <a:extLst>
-                  <a:ext uri="{FF2B5EF4-FFF2-40B4-BE49-F238E27FC236}">
-                    <a16:creationId xmlns:a16="http://schemas.microsoft.com/office/drawing/2014/main" id="{50F204FF-81F6-29A3-39EE-E46ACA6141D0}"/>
-                  </a:ext>
-                </a:extLst>
-              </p:cNvPr>
-              <p:cNvPicPr/>
-              <p:nvPr/>
-            </p:nvPicPr>
-            <p:blipFill>
-              <a:blip r:embed="rId50"/>
-              <a:stretch>
-                <a:fillRect/>
-              </a:stretch>
-            </p:blipFill>
-            <p:spPr>
-              <a:xfrm>
-                <a:off x="8890158" y="3864028"/>
-                <a:ext cx="278280" cy="259560"/>
-              </a:xfrm>
-              <a:prstGeom prst="rect">
-                <a:avLst/>
-              </a:prstGeom>
-            </p:spPr>
-          </p:pic>
-        </mc:Fallback>
-      </mc:AlternateContent>
-      <mc:AlternateContent xmlns:mc="http://schemas.openxmlformats.org/markup-compatibility/2006">
-        <mc:Choice xmlns:p14="http://schemas.microsoft.com/office/powerpoint/2010/main" Requires="p14">
-          <p:contentPart p14:bwMode="auto" r:id="rId51">
-            <p14:nvContentPartPr>
-              <p14:cNvPr id="21" name="Ink 20">
-                <a:extLst>
-                  <a:ext uri="{FF2B5EF4-FFF2-40B4-BE49-F238E27FC236}">
-                    <a16:creationId xmlns:a16="http://schemas.microsoft.com/office/drawing/2014/main" id="{69AC178C-BB2A-1032-3AF4-08161A53C744}"/>
-                  </a:ext>
-                </a:extLst>
-              </p14:cNvPr>
-              <p14:cNvContentPartPr/>
-              <p14:nvPr/>
-            </p14:nvContentPartPr>
-            <p14:xfrm>
-              <a:off x="1774758" y="4289188"/>
-              <a:ext cx="254520" cy="204120"/>
-            </p14:xfrm>
-          </p:contentPart>
-        </mc:Choice>
-        <mc:Fallback>
-          <p:pic>
-            <p:nvPicPr>
-              <p:cNvPr id="21" name="Ink 20">
-                <a:extLst>
-                  <a:ext uri="{FF2B5EF4-FFF2-40B4-BE49-F238E27FC236}">
-                    <a16:creationId xmlns:a16="http://schemas.microsoft.com/office/drawing/2014/main" id="{69AC178C-BB2A-1032-3AF4-08161A53C744}"/>
-                  </a:ext>
-                </a:extLst>
-              </p:cNvPr>
-              <p:cNvPicPr/>
-              <p:nvPr/>
-            </p:nvPicPr>
-            <p:blipFill>
-              <a:blip r:embed="rId52"/>
-              <a:stretch>
-                <a:fillRect/>
-              </a:stretch>
-            </p:blipFill>
-            <p:spPr>
-              <a:xfrm>
-                <a:off x="1768638" y="4283068"/>
-                <a:ext cx="266760" cy="216360"/>
-              </a:xfrm>
-              <a:prstGeom prst="rect">
-                <a:avLst/>
-              </a:prstGeom>
-            </p:spPr>
-          </p:pic>
-        </mc:Fallback>
-      </mc:AlternateContent>
     </p:spTree>
     <p:extLst>
       <p:ext uri="{BB962C8B-B14F-4D97-AF65-F5344CB8AC3E}">
-        <p14:creationId xmlns:p14="http://schemas.microsoft.com/office/powerpoint/2010/main" val="60783217"/>
+        <p14:creationId xmlns:p14="http://schemas.microsoft.com/office/powerpoint/2010/main" val="2678275478"/>
       </p:ext>
     </p:extLst>
   </p:cSld>
@@ -9663,462 +7614,6 @@
 </file>
 
 <file path=ppt/slides/slide10.xml><?xml version="1.0" encoding="utf-8"?>
-<p:sld xmlns:a="http://schemas.openxmlformats.org/drawingml/2006/main" xmlns:r="http://schemas.openxmlformats.org/officeDocument/2006/relationships" xmlns:p="http://schemas.openxmlformats.org/presentationml/2006/main">
-  <p:cSld>
-    <p:bg>
-      <p:bgPr>
-        <a:solidFill>
-          <a:srgbClr val="E2D5C4"/>
-        </a:solidFill>
-        <a:effectLst/>
-      </p:bgPr>
-    </p:bg>
-    <p:spTree>
-      <p:nvGrpSpPr>
-        <p:cNvPr id="1" name=""/>
-        <p:cNvGrpSpPr/>
-        <p:nvPr/>
-      </p:nvGrpSpPr>
-      <p:grpSpPr>
-        <a:xfrm>
-          <a:off x="0" y="0"/>
-          <a:ext cx="0" cy="0"/>
-          <a:chOff x="0" y="0"/>
-          <a:chExt cx="0" cy="0"/>
-        </a:xfrm>
-      </p:grpSpPr>
-      <p:grpSp>
-        <p:nvGrpSpPr>
-          <p:cNvPr id="7" name="Group 6">
-            <a:extLst>
-              <a:ext uri="{FF2B5EF4-FFF2-40B4-BE49-F238E27FC236}">
-                <a16:creationId xmlns:a16="http://schemas.microsoft.com/office/drawing/2014/main" id="{E8663F1F-705A-0949-9881-90C44B79F5E2}"/>
-              </a:ext>
-            </a:extLst>
-          </p:cNvPr>
-          <p:cNvGrpSpPr/>
-          <p:nvPr/>
-        </p:nvGrpSpPr>
-        <p:grpSpPr>
-          <a:xfrm>
-            <a:off x="0" y="0"/>
-            <a:ext cx="12192000" cy="1245476"/>
-            <a:chOff x="0" y="0"/>
-            <a:chExt cx="12192000" cy="1245476"/>
-          </a:xfrm>
-        </p:grpSpPr>
-        <p:sp>
-          <p:nvSpPr>
-            <p:cNvPr id="4" name="Rectangle 3">
-              <a:extLst>
-                <a:ext uri="{FF2B5EF4-FFF2-40B4-BE49-F238E27FC236}">
-                  <a16:creationId xmlns:a16="http://schemas.microsoft.com/office/drawing/2014/main" id="{690E2D33-FC5D-7F5E-F290-4A7F1385BA2A}"/>
-                </a:ext>
-              </a:extLst>
-            </p:cNvPr>
-            <p:cNvSpPr/>
-            <p:nvPr/>
-          </p:nvSpPr>
-          <p:spPr>
-            <a:xfrm>
-              <a:off x="0" y="0"/>
-              <a:ext cx="12192000" cy="1245476"/>
-            </a:xfrm>
-            <a:prstGeom prst="rect">
-              <a:avLst/>
-            </a:prstGeom>
-            <a:solidFill>
-              <a:srgbClr val="0F3874"/>
-            </a:solidFill>
-            <a:ln>
-              <a:noFill/>
-            </a:ln>
-          </p:spPr>
-          <p:style>
-            <a:lnRef idx="2">
-              <a:schemeClr val="accent1">
-                <a:shade val="15000"/>
-              </a:schemeClr>
-            </a:lnRef>
-            <a:fillRef idx="1">
-              <a:schemeClr val="accent1"/>
-            </a:fillRef>
-            <a:effectRef idx="0">
-              <a:schemeClr val="accent1"/>
-            </a:effectRef>
-            <a:fontRef idx="minor">
-              <a:schemeClr val="lt1"/>
-            </a:fontRef>
-          </p:style>
-          <p:txBody>
-            <a:bodyPr rtlCol="0" anchor="ctr"/>
-            <a:lstStyle/>
-            <a:p>
-              <a:pPr marL="0" marR="0" lvl="0" indent="0" algn="ctr" defTabSz="914400" rtl="0" eaLnBrk="1" fontAlgn="auto" latinLnBrk="0" hangingPunct="1">
-                <a:lnSpc>
-                  <a:spcPct val="100000"/>
-                </a:lnSpc>
-                <a:spcBef>
-                  <a:spcPts val="0"/>
-                </a:spcBef>
-                <a:spcAft>
-                  <a:spcPts val="0"/>
-                </a:spcAft>
-                <a:buClrTx/>
-                <a:buSzTx/>
-                <a:buFontTx/>
-                <a:buNone/>
-                <a:tabLst/>
-                <a:defRPr/>
-              </a:pPr>
-              <a:endParaRPr kumimoji="0" lang="en-US" sz="1800" b="0" i="0" u="none" strike="noStrike" kern="1200" cap="none" spc="0" normalizeH="0" baseline="0" noProof="0">
-                <a:ln>
-                  <a:noFill/>
-                </a:ln>
-                <a:solidFill>
-                  <a:prstClr val="white"/>
-                </a:solidFill>
-                <a:effectLst/>
-                <a:uLnTx/>
-                <a:uFillTx/>
-                <a:latin typeface="Aptos" panose="02110004020202020204"/>
-                <a:ea typeface="+mn-ea"/>
-                <a:cs typeface="+mn-cs"/>
-              </a:endParaRPr>
-            </a:p>
-          </p:txBody>
-        </p:sp>
-        <p:pic>
-          <p:nvPicPr>
-            <p:cNvPr id="5" name="Picture 4" descr="A logo with a compass&#10;&#10;Description automatically generated">
-              <a:extLst>
-                <a:ext uri="{FF2B5EF4-FFF2-40B4-BE49-F238E27FC236}">
-                  <a16:creationId xmlns:a16="http://schemas.microsoft.com/office/drawing/2014/main" id="{25BC63FE-D05E-4303-F5E9-DA1082EB80D6}"/>
-                </a:ext>
-              </a:extLst>
-            </p:cNvPr>
-            <p:cNvPicPr>
-              <a:picLocks noChangeAspect="1"/>
-            </p:cNvPicPr>
-            <p:nvPr/>
-          </p:nvPicPr>
-          <p:blipFill>
-            <a:blip r:embed="rId3">
-              <a:extLst>
-                <a:ext uri="{28A0092B-C50C-407E-A947-70E740481C1C}">
-                  <a14:useLocalDpi xmlns:a14="http://schemas.microsoft.com/office/drawing/2010/main" val="0"/>
-                </a:ext>
-              </a:extLst>
-            </a:blip>
-            <a:srcRect l="8106" t="6216" r="7263" b="7593"/>
-            <a:stretch/>
-          </p:blipFill>
-          <p:spPr>
-            <a:xfrm>
-              <a:off x="673101" y="126840"/>
-              <a:ext cx="994870" cy="1013202"/>
-            </a:xfrm>
-            <a:prstGeom prst="ellipse">
-              <a:avLst/>
-            </a:prstGeom>
-            <a:ln w="63500" cap="rnd">
-              <a:noFill/>
-            </a:ln>
-            <a:effectLst>
-              <a:outerShdw blurRad="381000" dist="292100" dir="5400000" sx="-80000" sy="-18000" rotWithShape="0">
-                <a:srgbClr val="000000">
-                  <a:alpha val="22000"/>
-                </a:srgbClr>
-              </a:outerShdw>
-            </a:effectLst>
-            <a:scene3d>
-              <a:camera prst="orthographicFront"/>
-              <a:lightRig rig="contrasting" dir="t">
-                <a:rot lat="0" lon="0" rev="3000000"/>
-              </a:lightRig>
-            </a:scene3d>
-            <a:sp3d contourW="7620">
-              <a:bevelT w="95250" h="31750"/>
-              <a:contourClr>
-                <a:srgbClr val="333333"/>
-              </a:contourClr>
-            </a:sp3d>
-          </p:spPr>
-        </p:pic>
-        <p:sp>
-          <p:nvSpPr>
-            <p:cNvPr id="6" name="Subtitle 2">
-              <a:extLst>
-                <a:ext uri="{FF2B5EF4-FFF2-40B4-BE49-F238E27FC236}">
-                  <a16:creationId xmlns:a16="http://schemas.microsoft.com/office/drawing/2014/main" id="{5EE7CEDC-FCBD-A471-D3FA-48F734209F83}"/>
-                </a:ext>
-              </a:extLst>
-            </p:cNvPr>
-            <p:cNvSpPr txBox="1">
-              <a:spLocks/>
-            </p:cNvSpPr>
-            <p:nvPr/>
-          </p:nvSpPr>
-          <p:spPr>
-            <a:xfrm>
-              <a:off x="0" y="21406"/>
-              <a:ext cx="12192000" cy="1224069"/>
-            </a:xfrm>
-            <a:prstGeom prst="rect">
-              <a:avLst/>
-            </a:prstGeom>
-          </p:spPr>
-          <p:txBody>
-            <a:bodyPr vert="horz" lIns="91440" tIns="45720" rIns="91440" bIns="45720" rtlCol="0" anchor="ctr">
-              <a:normAutofit/>
-            </a:bodyPr>
-            <a:lstStyle>
-              <a:lvl1pPr marL="228600" indent="-228600" algn="l" defTabSz="914400" rtl="0" eaLnBrk="1" latinLnBrk="0" hangingPunct="1">
-                <a:lnSpc>
-                  <a:spcPct val="90000"/>
-                </a:lnSpc>
-                <a:spcBef>
-                  <a:spcPts val="1000"/>
-                </a:spcBef>
-                <a:buFont typeface="Arial" panose="020B0604020202020204" pitchFamily="34" charset="0"/>
-                <a:buChar char="•"/>
-                <a:defRPr sz="2800" kern="1200">
-                  <a:solidFill>
-                    <a:schemeClr val="tx1"/>
-                  </a:solidFill>
-                  <a:latin typeface="+mn-lt"/>
-                  <a:ea typeface="+mn-ea"/>
-                  <a:cs typeface="+mn-cs"/>
-                </a:defRPr>
-              </a:lvl1pPr>
-              <a:lvl2pPr marL="685800" indent="-228600" algn="l" defTabSz="914400" rtl="0" eaLnBrk="1" latinLnBrk="0" hangingPunct="1">
-                <a:lnSpc>
-                  <a:spcPct val="90000"/>
-                </a:lnSpc>
-                <a:spcBef>
-                  <a:spcPts val="500"/>
-                </a:spcBef>
-                <a:buFont typeface="Arial" panose="020B0604020202020204" pitchFamily="34" charset="0"/>
-                <a:buChar char="•"/>
-                <a:defRPr sz="2400" kern="1200">
-                  <a:solidFill>
-                    <a:schemeClr val="tx1"/>
-                  </a:solidFill>
-                  <a:latin typeface="+mn-lt"/>
-                  <a:ea typeface="+mn-ea"/>
-                  <a:cs typeface="+mn-cs"/>
-                </a:defRPr>
-              </a:lvl2pPr>
-              <a:lvl3pPr marL="1143000" indent="-228600" algn="l" defTabSz="914400" rtl="0" eaLnBrk="1" latinLnBrk="0" hangingPunct="1">
-                <a:lnSpc>
-                  <a:spcPct val="90000"/>
-                </a:lnSpc>
-                <a:spcBef>
-                  <a:spcPts val="500"/>
-                </a:spcBef>
-                <a:buFont typeface="Arial" panose="020B0604020202020204" pitchFamily="34" charset="0"/>
-                <a:buChar char="•"/>
-                <a:defRPr sz="2000" kern="1200">
-                  <a:solidFill>
-                    <a:schemeClr val="tx1"/>
-                  </a:solidFill>
-                  <a:latin typeface="+mn-lt"/>
-                  <a:ea typeface="+mn-ea"/>
-                  <a:cs typeface="+mn-cs"/>
-                </a:defRPr>
-              </a:lvl3pPr>
-              <a:lvl4pPr marL="1600200" indent="-228600" algn="l" defTabSz="914400" rtl="0" eaLnBrk="1" latinLnBrk="0" hangingPunct="1">
-                <a:lnSpc>
-                  <a:spcPct val="90000"/>
-                </a:lnSpc>
-                <a:spcBef>
-                  <a:spcPts val="500"/>
-                </a:spcBef>
-                <a:buFont typeface="Arial" panose="020B0604020202020204" pitchFamily="34" charset="0"/>
-                <a:buChar char="•"/>
-                <a:defRPr sz="1800" kern="1200">
-                  <a:solidFill>
-                    <a:schemeClr val="tx1"/>
-                  </a:solidFill>
-                  <a:latin typeface="+mn-lt"/>
-                  <a:ea typeface="+mn-ea"/>
-                  <a:cs typeface="+mn-cs"/>
-                </a:defRPr>
-              </a:lvl4pPr>
-              <a:lvl5pPr marL="2057400" indent="-228600" algn="l" defTabSz="914400" rtl="0" eaLnBrk="1" latinLnBrk="0" hangingPunct="1">
-                <a:lnSpc>
-                  <a:spcPct val="90000"/>
-                </a:lnSpc>
-                <a:spcBef>
-                  <a:spcPts val="500"/>
-                </a:spcBef>
-                <a:buFont typeface="Arial" panose="020B0604020202020204" pitchFamily="34" charset="0"/>
-                <a:buChar char="•"/>
-                <a:defRPr sz="1800" kern="1200">
-                  <a:solidFill>
-                    <a:schemeClr val="tx1"/>
-                  </a:solidFill>
-                  <a:latin typeface="+mn-lt"/>
-                  <a:ea typeface="+mn-ea"/>
-                  <a:cs typeface="+mn-cs"/>
-                </a:defRPr>
-              </a:lvl5pPr>
-              <a:lvl6pPr marL="2514600" indent="-228600" algn="l" defTabSz="914400" rtl="0" eaLnBrk="1" latinLnBrk="0" hangingPunct="1">
-                <a:lnSpc>
-                  <a:spcPct val="90000"/>
-                </a:lnSpc>
-                <a:spcBef>
-                  <a:spcPts val="500"/>
-                </a:spcBef>
-                <a:buFont typeface="Arial" panose="020B0604020202020204" pitchFamily="34" charset="0"/>
-                <a:buChar char="•"/>
-                <a:defRPr sz="1800" kern="1200">
-                  <a:solidFill>
-                    <a:schemeClr val="tx1"/>
-                  </a:solidFill>
-                  <a:latin typeface="+mn-lt"/>
-                  <a:ea typeface="+mn-ea"/>
-                  <a:cs typeface="+mn-cs"/>
-                </a:defRPr>
-              </a:lvl6pPr>
-              <a:lvl7pPr marL="2971800" indent="-228600" algn="l" defTabSz="914400" rtl="0" eaLnBrk="1" latinLnBrk="0" hangingPunct="1">
-                <a:lnSpc>
-                  <a:spcPct val="90000"/>
-                </a:lnSpc>
-                <a:spcBef>
-                  <a:spcPts val="500"/>
-                </a:spcBef>
-                <a:buFont typeface="Arial" panose="020B0604020202020204" pitchFamily="34" charset="0"/>
-                <a:buChar char="•"/>
-                <a:defRPr sz="1800" kern="1200">
-                  <a:solidFill>
-                    <a:schemeClr val="tx1"/>
-                  </a:solidFill>
-                  <a:latin typeface="+mn-lt"/>
-                  <a:ea typeface="+mn-ea"/>
-                  <a:cs typeface="+mn-cs"/>
-                </a:defRPr>
-              </a:lvl7pPr>
-              <a:lvl8pPr marL="3429000" indent="-228600" algn="l" defTabSz="914400" rtl="0" eaLnBrk="1" latinLnBrk="0" hangingPunct="1">
-                <a:lnSpc>
-                  <a:spcPct val="90000"/>
-                </a:lnSpc>
-                <a:spcBef>
-                  <a:spcPts val="500"/>
-                </a:spcBef>
-                <a:buFont typeface="Arial" panose="020B0604020202020204" pitchFamily="34" charset="0"/>
-                <a:buChar char="•"/>
-                <a:defRPr sz="1800" kern="1200">
-                  <a:solidFill>
-                    <a:schemeClr val="tx1"/>
-                  </a:solidFill>
-                  <a:latin typeface="+mn-lt"/>
-                  <a:ea typeface="+mn-ea"/>
-                  <a:cs typeface="+mn-cs"/>
-                </a:defRPr>
-              </a:lvl8pPr>
-              <a:lvl9pPr marL="3886200" indent="-228600" algn="l" defTabSz="914400" rtl="0" eaLnBrk="1" latinLnBrk="0" hangingPunct="1">
-                <a:lnSpc>
-                  <a:spcPct val="90000"/>
-                </a:lnSpc>
-                <a:spcBef>
-                  <a:spcPts val="500"/>
-                </a:spcBef>
-                <a:buFont typeface="Arial" panose="020B0604020202020204" pitchFamily="34" charset="0"/>
-                <a:buChar char="•"/>
-                <a:defRPr sz="1800" kern="1200">
-                  <a:solidFill>
-                    <a:schemeClr val="tx1"/>
-                  </a:solidFill>
-                  <a:latin typeface="+mn-lt"/>
-                  <a:ea typeface="+mn-ea"/>
-                  <a:cs typeface="+mn-cs"/>
-                </a:defRPr>
-              </a:lvl9pPr>
-            </a:lstStyle>
-            <a:p>
-              <a:pPr marL="0" marR="0" lvl="0" indent="0" algn="ctr" defTabSz="914400" rtl="0" eaLnBrk="1" fontAlgn="auto" latinLnBrk="0" hangingPunct="1">
-                <a:lnSpc>
-                  <a:spcPct val="90000"/>
-                </a:lnSpc>
-                <a:spcBef>
-                  <a:spcPts val="1000"/>
-                </a:spcBef>
-                <a:spcAft>
-                  <a:spcPts val="0"/>
-                </a:spcAft>
-                <a:buClrTx/>
-                <a:buSzTx/>
-                <a:buFont typeface="Arial" panose="020B0604020202020204" pitchFamily="34" charset="0"/>
-                <a:buNone/>
-                <a:tabLst/>
-                <a:defRPr/>
-              </a:pPr>
-              <a:r>
-                <a:rPr kumimoji="0" lang="en-US" sz="4400" b="1" i="0" u="none" strike="noStrike" kern="1200" cap="none" spc="0" normalizeH="0" baseline="0" noProof="0" dirty="0">
-                  <a:ln>
-                    <a:noFill/>
-                  </a:ln>
-                  <a:solidFill>
-                    <a:srgbClr val="E2D5C4"/>
-                  </a:solidFill>
-                  <a:effectLst/>
-                  <a:uLnTx/>
-                  <a:uFillTx/>
-                  <a:latin typeface="Inter" panose="020B0502030000000004" pitchFamily="34" charset="0"/>
-                  <a:ea typeface="Inter" panose="020B0502030000000004" pitchFamily="34" charset="0"/>
-                  <a:cs typeface="+mn-cs"/>
-                </a:rPr>
-                <a:t>Gantt Chart</a:t>
-              </a:r>
-            </a:p>
-          </p:txBody>
-        </p:sp>
-      </p:grpSp>
-      <p:pic>
-        <p:nvPicPr>
-          <p:cNvPr id="3" name="Picture 2">
-            <a:extLst>
-              <a:ext uri="{FF2B5EF4-FFF2-40B4-BE49-F238E27FC236}">
-                <a16:creationId xmlns:a16="http://schemas.microsoft.com/office/drawing/2014/main" id="{271965D4-1C48-3FA7-D98E-9BBBD1D9BDDF}"/>
-              </a:ext>
-            </a:extLst>
-          </p:cNvPr>
-          <p:cNvPicPr>
-            <a:picLocks noChangeAspect="1"/>
-          </p:cNvPicPr>
-          <p:nvPr/>
-        </p:nvPicPr>
-        <p:blipFill>
-          <a:blip r:embed="rId4"/>
-          <a:stretch>
-            <a:fillRect/>
-          </a:stretch>
-        </p:blipFill>
-        <p:spPr>
-          <a:xfrm>
-            <a:off x="0" y="2050742"/>
-            <a:ext cx="12192000" cy="2756515"/>
-          </a:xfrm>
-          <a:prstGeom prst="rect">
-            <a:avLst/>
-          </a:prstGeom>
-        </p:spPr>
-      </p:pic>
-    </p:spTree>
-    <p:extLst>
-      <p:ext uri="{BB962C8B-B14F-4D97-AF65-F5344CB8AC3E}">
-        <p14:creationId xmlns:p14="http://schemas.microsoft.com/office/powerpoint/2010/main" val="1835518684"/>
-      </p:ext>
-    </p:extLst>
-  </p:cSld>
-  <p:clrMapOvr>
-    <a:masterClrMapping/>
-  </p:clrMapOvr>
-</p:sld>
-</file>
-
-<file path=ppt/slides/slide11.xml><?xml version="1.0" encoding="utf-8"?>
 <p:sld xmlns:a="http://schemas.openxmlformats.org/drawingml/2006/main" xmlns:r="http://schemas.openxmlformats.org/officeDocument/2006/relationships" xmlns:p="http://schemas.openxmlformats.org/presentationml/2006/main">
   <p:cSld>
     <p:bg>
@@ -10728,7 +8223,7 @@
               <a:buChar char="•"/>
             </a:pPr>
             <a:r>
-              <a:rPr lang="en-US" sz="3200" dirty="0">
+              <a:rPr lang="en-US" sz="3200" b="1" dirty="0">
                 <a:solidFill>
                   <a:srgbClr val="0F3874"/>
                 </a:solidFill>
@@ -10744,7 +8239,7 @@
               <a:buChar char="•"/>
             </a:pPr>
             <a:r>
-              <a:rPr lang="en-US" sz="3200" dirty="0">
+              <a:rPr lang="en-US" sz="3200" b="1" dirty="0">
                 <a:solidFill>
                   <a:srgbClr val="0F3874"/>
                 </a:solidFill>
@@ -10759,7 +8254,23 @@
               <a:buFont typeface="Arial" panose="020B0604020202020204" pitchFamily="34" charset="0"/>
               <a:buChar char="•"/>
             </a:pPr>
-            <a:endParaRPr lang="en-US" sz="4000" dirty="0">
+            <a:r>
+              <a:rPr lang="en-US" sz="3200" b="1" dirty="0">
+                <a:solidFill>
+                  <a:srgbClr val="0F3874"/>
+                </a:solidFill>
+                <a:latin typeface="Inter" panose="020B0502030000000004" pitchFamily="34" charset="0"/>
+                <a:ea typeface="Inter" panose="020B0502030000000004" pitchFamily="34" charset="0"/>
+              </a:rPr>
+              <a:t>Setting up login and registration was quick</a:t>
+            </a:r>
+          </a:p>
+          <a:p>
+            <a:pPr marL="571500" indent="-571500" algn="l">
+              <a:buFont typeface="Arial" panose="020B0604020202020204" pitchFamily="34" charset="0"/>
+              <a:buChar char="•"/>
+            </a:pPr>
+            <a:endParaRPr lang="en-US" sz="4000" b="1" dirty="0">
               <a:solidFill>
                 <a:srgbClr val="0F3874"/>
               </a:solidFill>
@@ -10782,7 +8293,7 @@
 </p:sld>
 </file>
 
-<file path=ppt/slides/slide12.xml><?xml version="1.0" encoding="utf-8"?>
+<file path=ppt/slides/slide11.xml><?xml version="1.0" encoding="utf-8"?>
 <p:sld xmlns:a="http://schemas.openxmlformats.org/drawingml/2006/main" xmlns:r="http://schemas.openxmlformats.org/officeDocument/2006/relationships" xmlns:p="http://schemas.openxmlformats.org/presentationml/2006/main">
   <p:cSld>
     <p:bg>
@@ -11392,24 +8903,30 @@
               <a:buChar char="•"/>
             </a:pPr>
             <a:r>
-              <a:rPr lang="en-US" sz="3200" dirty="0">
+              <a:rPr lang="en-US" sz="3200" b="1" dirty="0">
                 <a:solidFill>
                   <a:srgbClr val="0F3874"/>
                 </a:solidFill>
                 <a:latin typeface="Inter" panose="020B0502030000000004" pitchFamily="34" charset="0"/>
                 <a:ea typeface="Inter" panose="020B0502030000000004" pitchFamily="34" charset="0"/>
               </a:rPr>
-              <a:t>Time management was difficult as everyone had to balance other classes and finals towards the end </a:t>
+              <a:t>Time management was difficult as everyone had differing schedules</a:t>
             </a:r>
+          </a:p>
+          <a:p>
+            <a:pPr marL="571500" indent="-571500" algn="l">
+              <a:buFont typeface="Arial" panose="020B0604020202020204" pitchFamily="34" charset="0"/>
+              <a:buChar char="•"/>
+            </a:pPr>
             <a:r>
-              <a:rPr lang="en-US" sz="3200">
+              <a:rPr lang="en-US" sz="3200" b="1" dirty="0">
                 <a:solidFill>
                   <a:srgbClr val="0F3874"/>
                 </a:solidFill>
                 <a:latin typeface="Inter" panose="020B0502030000000004" pitchFamily="34" charset="0"/>
                 <a:ea typeface="Inter" panose="020B0502030000000004" pitchFamily="34" charset="0"/>
               </a:rPr>
-              <a:t>of the semester</a:t>
+              <a:t>Ran out of time to implement some features</a:t>
             </a:r>
           </a:p>
           <a:p>
@@ -11417,7 +8934,23 @@
               <a:buFont typeface="Arial" panose="020B0604020202020204" pitchFamily="34" charset="0"/>
               <a:buChar char="•"/>
             </a:pPr>
-            <a:endParaRPr lang="en-US" sz="3200" dirty="0">
+            <a:r>
+              <a:rPr lang="en-US" sz="3200" b="1" dirty="0">
+                <a:solidFill>
+                  <a:srgbClr val="0F3874"/>
+                </a:solidFill>
+                <a:latin typeface="Inter" panose="020B0502030000000004" pitchFamily="34" charset="0"/>
+                <a:ea typeface="Inter" panose="020B0502030000000004" pitchFamily="34" charset="0"/>
+              </a:rPr>
+              <a:t>Had some trouble setting up SSL</a:t>
+            </a:r>
+          </a:p>
+          <a:p>
+            <a:pPr marL="571500" indent="-571500" algn="l">
+              <a:buFont typeface="Arial" panose="020B0604020202020204" pitchFamily="34" charset="0"/>
+              <a:buChar char="•"/>
+            </a:pPr>
+            <a:endParaRPr lang="en-US" sz="3200" b="1" dirty="0">
               <a:solidFill>
                 <a:srgbClr val="0F3874"/>
               </a:solidFill>
@@ -11430,7 +8963,7 @@
               <a:buFont typeface="Arial" panose="020B0604020202020204" pitchFamily="34" charset="0"/>
               <a:buChar char="•"/>
             </a:pPr>
-            <a:endParaRPr lang="en-US" sz="4000" dirty="0">
+            <a:endParaRPr lang="en-US" sz="4000" b="1" dirty="0">
               <a:solidFill>
                 <a:srgbClr val="0F3874"/>
               </a:solidFill>
@@ -11453,7 +8986,7 @@
 </p:sld>
 </file>
 
-<file path=ppt/slides/slide13.xml><?xml version="1.0" encoding="utf-8"?>
+<file path=ppt/slides/slide12.xml><?xml version="1.0" encoding="utf-8"?>
 <p:sld xmlns:a="http://schemas.openxmlformats.org/drawingml/2006/main" xmlns:r="http://schemas.openxmlformats.org/officeDocument/2006/relationships" xmlns:p="http://schemas.openxmlformats.org/presentationml/2006/main">
   <p:cSld>
     <p:bg>
@@ -12265,7 +9798,7 @@
           <a:p>
             <a:pPr algn="l"/>
             <a:r>
-              <a:rPr lang="en-US" sz="3200" b="1" dirty="0">
+              <a:rPr lang="en-US" sz="2800" b="1" dirty="0">
                 <a:solidFill>
                   <a:srgbClr val="0F3874"/>
                 </a:solidFill>
@@ -12278,14 +9811,14 @@
           <a:p>
             <a:pPr algn="l"/>
             <a:r>
-              <a:rPr lang="en-US" sz="3200" b="1" dirty="0">
+              <a:rPr lang="en-US" sz="2800" b="1" dirty="0">
                 <a:solidFill>
                   <a:srgbClr val="0F3874"/>
                 </a:solidFill>
                 <a:latin typeface="Inter" panose="020B0502030000000004" pitchFamily="34" charset="0"/>
                 <a:ea typeface="Inter" panose="020B0502030000000004" pitchFamily="34" charset="0"/>
               </a:rPr>
-              <a:t>GitHub: </a:t>
+              <a:t>GitHub: https://github.com/matt11matthew/NutritionCompass </a:t>
             </a:r>
           </a:p>
         </p:txBody>
@@ -12304,155 +9837,6 @@
 </file>
 
 <file path=ppt/slides/slide2.xml><?xml version="1.0" encoding="utf-8"?>
-<p:sld xmlns:a="http://schemas.openxmlformats.org/drawingml/2006/main" xmlns:r="http://schemas.openxmlformats.org/officeDocument/2006/relationships" xmlns:p="http://schemas.openxmlformats.org/presentationml/2006/main">
-  <p:cSld>
-    <p:bg>
-      <p:bgPr>
-        <a:solidFill>
-          <a:srgbClr val="E2D5C4"/>
-        </a:solidFill>
-        <a:effectLst/>
-      </p:bgPr>
-    </p:bg>
-    <p:spTree>
-      <p:nvGrpSpPr>
-        <p:cNvPr id="1" name=""/>
-        <p:cNvGrpSpPr/>
-        <p:nvPr/>
-      </p:nvGrpSpPr>
-      <p:grpSpPr>
-        <a:xfrm>
-          <a:off x="0" y="0"/>
-          <a:ext cx="0" cy="0"/>
-          <a:chOff x="0" y="0"/>
-          <a:chExt cx="0" cy="0"/>
-        </a:xfrm>
-      </p:grpSpPr>
-      <p:pic>
-        <p:nvPicPr>
-          <p:cNvPr id="5" name="Picture 4" descr="A logo with a compass&#10;&#10;Description automatically generated">
-            <a:extLst>
-              <a:ext uri="{FF2B5EF4-FFF2-40B4-BE49-F238E27FC236}">
-                <a16:creationId xmlns:a16="http://schemas.microsoft.com/office/drawing/2014/main" id="{060F2BAE-B75D-A3D6-FD93-292738321EB3}"/>
-              </a:ext>
-            </a:extLst>
-          </p:cNvPr>
-          <p:cNvPicPr>
-            <a:picLocks noChangeAspect="1"/>
-          </p:cNvPicPr>
-          <p:nvPr/>
-        </p:nvPicPr>
-        <p:blipFill>
-          <a:blip r:embed="rId3">
-            <a:extLst>
-              <a:ext uri="{28A0092B-C50C-407E-A947-70E740481C1C}">
-                <a14:useLocalDpi xmlns:a14="http://schemas.microsoft.com/office/drawing/2010/main" val="0"/>
-              </a:ext>
-            </a:extLst>
-          </a:blip>
-          <a:stretch>
-            <a:fillRect/>
-          </a:stretch>
-        </p:blipFill>
-        <p:spPr>
-          <a:xfrm>
-            <a:off x="8035159" y="2734552"/>
-            <a:ext cx="4156841" cy="4156841"/>
-          </a:xfrm>
-          <a:prstGeom prst="rect">
-            <a:avLst/>
-          </a:prstGeom>
-        </p:spPr>
-      </p:pic>
-      <p:sp>
-        <p:nvSpPr>
-          <p:cNvPr id="2" name="Title 1">
-            <a:extLst>
-              <a:ext uri="{FF2B5EF4-FFF2-40B4-BE49-F238E27FC236}">
-                <a16:creationId xmlns:a16="http://schemas.microsoft.com/office/drawing/2014/main" id="{14FD27D0-DF5A-0E25-1BD6-C9C50971C36A}"/>
-              </a:ext>
-            </a:extLst>
-          </p:cNvPr>
-          <p:cNvSpPr>
-            <a:spLocks noGrp="1"/>
-          </p:cNvSpPr>
-          <p:nvPr>
-            <p:ph type="ctrTitle"/>
-          </p:nvPr>
-        </p:nvSpPr>
-        <p:spPr>
-          <a:xfrm>
-            <a:off x="0" y="1122363"/>
-            <a:ext cx="12192000" cy="2387600"/>
-          </a:xfrm>
-        </p:spPr>
-        <p:txBody>
-          <a:bodyPr/>
-          <a:lstStyle/>
-          <a:p>
-            <a:r>
-              <a:rPr lang="en-US" b="1" dirty="0">
-                <a:solidFill>
-                  <a:srgbClr val="00004B"/>
-                </a:solidFill>
-                <a:latin typeface="Inter" panose="020B0502030000000004" pitchFamily="34" charset="0"/>
-                <a:ea typeface="Inter" panose="020B0502030000000004" pitchFamily="34" charset="0"/>
-              </a:rPr>
-              <a:t>Nutrition Compass</a:t>
-            </a:r>
-          </a:p>
-        </p:txBody>
-      </p:sp>
-      <p:sp>
-        <p:nvSpPr>
-          <p:cNvPr id="3" name="Subtitle 2">
-            <a:extLst>
-              <a:ext uri="{FF2B5EF4-FFF2-40B4-BE49-F238E27FC236}">
-                <a16:creationId xmlns:a16="http://schemas.microsoft.com/office/drawing/2014/main" id="{824B6F0A-0C03-EAD9-E4D0-FAA78AAD3B99}"/>
-              </a:ext>
-            </a:extLst>
-          </p:cNvPr>
-          <p:cNvSpPr>
-            <a:spLocks noGrp="1"/>
-          </p:cNvSpPr>
-          <p:nvPr>
-            <p:ph type="subTitle" idx="1"/>
-          </p:nvPr>
-        </p:nvSpPr>
-        <p:spPr/>
-        <p:txBody>
-          <a:bodyPr>
-            <a:normAutofit/>
-          </a:bodyPr>
-          <a:lstStyle/>
-          <a:p>
-            <a:r>
-              <a:rPr lang="en-US" sz="4400" b="1" dirty="0">
-                <a:solidFill>
-                  <a:srgbClr val="00004B"/>
-                </a:solidFill>
-                <a:latin typeface="Inter" panose="020B0502030000000004" pitchFamily="34" charset="0"/>
-                <a:ea typeface="Inter" panose="020B0502030000000004" pitchFamily="34" charset="0"/>
-              </a:rPr>
-              <a:t>Group 17</a:t>
-            </a:r>
-          </a:p>
-        </p:txBody>
-      </p:sp>
-    </p:spTree>
-    <p:extLst>
-      <p:ext uri="{BB962C8B-B14F-4D97-AF65-F5344CB8AC3E}">
-        <p14:creationId xmlns:p14="http://schemas.microsoft.com/office/powerpoint/2010/main" val="2678275478"/>
-      </p:ext>
-    </p:extLst>
-  </p:cSld>
-  <p:clrMapOvr>
-    <a:masterClrMapping/>
-  </p:clrMapOvr>
-</p:sld>
-</file>
-
-<file path=ppt/slides/slide3.xml><?xml version="1.0" encoding="utf-8"?>
 <p:sld xmlns:a="http://schemas.openxmlformats.org/drawingml/2006/main" xmlns:r="http://schemas.openxmlformats.org/officeDocument/2006/relationships" xmlns:p="http://schemas.openxmlformats.org/presentationml/2006/main">
   <p:cSld>
     <p:bg>
@@ -13327,7 +10711,7 @@
 </p:sld>
 </file>
 
-<file path=ppt/slides/slide4.xml><?xml version="1.0" encoding="utf-8"?>
+<file path=ppt/slides/slide3.xml><?xml version="1.0" encoding="utf-8"?>
 <p:sld xmlns:a="http://schemas.openxmlformats.org/drawingml/2006/main" xmlns:r="http://schemas.openxmlformats.org/officeDocument/2006/relationships" xmlns:p="http://schemas.openxmlformats.org/presentationml/2006/main">
   <p:cSld>
     <p:bg>
@@ -13723,7 +11107,7 @@
               <a:buChar char="•"/>
             </a:pPr>
             <a:r>
-              <a:rPr lang="en-US" sz="3200" dirty="0">
+              <a:rPr lang="en-US" sz="3200" b="1" dirty="0">
                 <a:solidFill>
                   <a:srgbClr val="0F3874"/>
                 </a:solidFill>
@@ -13739,7 +11123,7 @@
               <a:buChar char="•"/>
             </a:pPr>
             <a:r>
-              <a:rPr lang="en-US" sz="3200" dirty="0">
+              <a:rPr lang="en-US" sz="3200" b="1" dirty="0">
                 <a:solidFill>
                   <a:srgbClr val="0F3874"/>
                 </a:solidFill>
@@ -13755,7 +11139,7 @@
               <a:buChar char="•"/>
             </a:pPr>
             <a:r>
-              <a:rPr lang="en-US" sz="3200" dirty="0">
+              <a:rPr lang="en-US" sz="3200" b="1" dirty="0">
                 <a:solidFill>
                   <a:srgbClr val="0F3874"/>
                 </a:solidFill>
@@ -13771,7 +11155,7 @@
               <a:buChar char="•"/>
             </a:pPr>
             <a:r>
-              <a:rPr lang="en-US" sz="3200" dirty="0">
+              <a:rPr lang="en-US" sz="3200" b="1" dirty="0">
                 <a:solidFill>
                   <a:srgbClr val="0F3874"/>
                 </a:solidFill>
@@ -13796,7 +11180,7 @@
 </p:sld>
 </file>
 
-<file path=ppt/slides/slide5.xml><?xml version="1.0" encoding="utf-8"?>
+<file path=ppt/slides/slide4.xml><?xml version="1.0" encoding="utf-8"?>
 <p:sld xmlns:a="http://schemas.openxmlformats.org/drawingml/2006/main" xmlns:r="http://schemas.openxmlformats.org/officeDocument/2006/relationships" xmlns:p="http://schemas.openxmlformats.org/presentationml/2006/main">
   <p:cSld>
     <p:bg>
@@ -14230,7 +11614,7 @@
         </p:nvSpPr>
         <p:spPr>
           <a:xfrm>
-            <a:off x="209550" y="1245476"/>
+            <a:off x="209550" y="1379577"/>
             <a:ext cx="11772900" cy="5478423"/>
           </a:xfrm>
           <a:prstGeom prst="rect">
@@ -14245,7 +11629,7 @@
           <a:lstStyle/>
           <a:p>
             <a:r>
-              <a:rPr lang="en-US" sz="2800" dirty="0">
+              <a:rPr lang="en-US" sz="2800" b="1" dirty="0">
                 <a:solidFill>
                   <a:srgbClr val="0F3874"/>
                 </a:solidFill>
@@ -14256,7 +11640,7 @@
             </a:r>
           </a:p>
           <a:p>
-            <a:endParaRPr lang="en-US" sz="2800" dirty="0">
+            <a:endParaRPr lang="en-US" sz="2800" b="1" dirty="0">
               <a:solidFill>
                 <a:srgbClr val="0F3874"/>
               </a:solidFill>
@@ -14266,7 +11650,7 @@
           </a:p>
           <a:p>
             <a:r>
-              <a:rPr lang="en-US" sz="2800" dirty="0">
+              <a:rPr lang="en-US" sz="2800" b="1" dirty="0">
                 <a:solidFill>
                   <a:srgbClr val="0F3874"/>
                 </a:solidFill>
@@ -14277,7 +11661,7 @@
             </a:r>
           </a:p>
           <a:p>
-            <a:endParaRPr lang="en-US" sz="2800" dirty="0">
+            <a:endParaRPr lang="en-US" sz="2800" b="1" dirty="0">
               <a:solidFill>
                 <a:srgbClr val="0F3874"/>
               </a:solidFill>
@@ -14287,7 +11671,7 @@
           </a:p>
           <a:p>
             <a:r>
-              <a:rPr lang="en-US" sz="2800" dirty="0">
+              <a:rPr lang="en-US" sz="2800" b="1" dirty="0">
                 <a:solidFill>
                   <a:srgbClr val="0F3874"/>
                 </a:solidFill>
@@ -14298,7 +11682,7 @@
             </a:r>
           </a:p>
           <a:p>
-            <a:endParaRPr lang="en-US" sz="2800" dirty="0">
+            <a:endParaRPr lang="en-US" sz="2800" b="1" dirty="0">
               <a:solidFill>
                 <a:srgbClr val="0F3874"/>
               </a:solidFill>
@@ -14308,7 +11692,7 @@
           </a:p>
           <a:p>
             <a:r>
-              <a:rPr lang="en-US" sz="2800" dirty="0">
+              <a:rPr lang="en-US" sz="2800" b="1" dirty="0">
                 <a:solidFill>
                   <a:srgbClr val="0F3874"/>
                 </a:solidFill>
@@ -14319,7 +11703,7 @@
             </a:r>
           </a:p>
           <a:p>
-            <a:endParaRPr lang="en-US" sz="2800" dirty="0">
+            <a:endParaRPr lang="en-US" sz="2800" b="1" dirty="0">
               <a:solidFill>
                 <a:srgbClr val="0F3874"/>
               </a:solidFill>
@@ -14329,7 +11713,7 @@
           </a:p>
           <a:p>
             <a:r>
-              <a:rPr lang="en-US" sz="2800" dirty="0">
+              <a:rPr lang="en-US" sz="2800" b="1" dirty="0">
                 <a:solidFill>
                   <a:srgbClr val="0F3874"/>
                 </a:solidFill>
@@ -14340,7 +11724,7 @@
             </a:r>
           </a:p>
           <a:p>
-            <a:endParaRPr lang="en-US" sz="2800" dirty="0">
+            <a:endParaRPr lang="en-US" sz="2000" b="1" dirty="0">
               <a:solidFill>
                 <a:srgbClr val="0F3874"/>
               </a:solidFill>
@@ -14350,7 +11734,7 @@
           </a:p>
           <a:p>
             <a:r>
-              <a:rPr lang="en-US" sz="1400" dirty="0">
+              <a:rPr lang="en-US" sz="1400" b="1" dirty="0">
                 <a:solidFill>
                   <a:srgbClr val="0F3874"/>
                 </a:solidFill>
@@ -14360,7 +11744,7 @@
               <a:t>For more information: </a:t>
             </a:r>
             <a:r>
-              <a:rPr lang="en-US" sz="1400" dirty="0">
+              <a:rPr lang="en-US" sz="1400" b="1" dirty="0">
                 <a:solidFill>
                   <a:srgbClr val="0F3874"/>
                 </a:solidFill>
@@ -14371,7 +11755,7 @@
               <a:t>https://steelfitusa.com/blogs/health-and-wellness/calculate-tdee</a:t>
             </a:r>
             <a:r>
-              <a:rPr lang="en-US" sz="1400" dirty="0">
+              <a:rPr lang="en-US" sz="1400" b="1" dirty="0">
                 <a:solidFill>
                   <a:srgbClr val="0F3874"/>
                 </a:solidFill>
@@ -14380,7 +11764,7 @@
               </a:rPr>
               <a:t> </a:t>
             </a:r>
-            <a:endParaRPr lang="en-US" dirty="0">
+            <a:endParaRPr lang="en-US" b="1" dirty="0">
               <a:solidFill>
                 <a:srgbClr val="0F3874"/>
               </a:solidFill>
@@ -14403,7 +11787,7 @@
 </p:sld>
 </file>
 
-<file path=ppt/slides/slide6.xml><?xml version="1.0" encoding="utf-8"?>
+<file path=ppt/slides/slide5.xml><?xml version="1.0" encoding="utf-8"?>
 <p:sld xmlns:a="http://schemas.openxmlformats.org/drawingml/2006/main" xmlns:r="http://schemas.openxmlformats.org/officeDocument/2006/relationships" xmlns:p="http://schemas.openxmlformats.org/presentationml/2006/main">
   <p:cSld>
     <p:bg>
@@ -14838,7 +12222,7 @@
         </p:blipFill>
         <p:spPr>
           <a:xfrm>
-            <a:off x="3518963" y="4981529"/>
+            <a:off x="3981413" y="4959527"/>
             <a:ext cx="2180791" cy="669541"/>
           </a:xfrm>
           <a:prstGeom prst="rect">
@@ -14897,7 +12281,7 @@
         </p:blipFill>
         <p:spPr>
           <a:xfrm>
-            <a:off x="836169" y="4737958"/>
+            <a:off x="130041" y="4618495"/>
             <a:ext cx="2313370" cy="1156685"/>
           </a:xfrm>
           <a:prstGeom prst="rect">
@@ -15636,6 +13020,42 @@
           </a:extLst>
         </p:spPr>
       </p:pic>
+      <p:pic>
+        <p:nvPicPr>
+          <p:cNvPr id="15" name="Picture 14" descr="A logo with a person in a suit&#10;&#10;Description automatically generated">
+            <a:extLst>
+              <a:ext uri="{FF2B5EF4-FFF2-40B4-BE49-F238E27FC236}">
+                <a16:creationId xmlns:a16="http://schemas.microsoft.com/office/drawing/2014/main" id="{1B16A866-2EC8-104C-373A-BE6792836D3F}"/>
+              </a:ext>
+            </a:extLst>
+          </p:cNvPr>
+          <p:cNvPicPr>
+            <a:picLocks noChangeAspect="1"/>
+          </p:cNvPicPr>
+          <p:nvPr/>
+        </p:nvPicPr>
+        <p:blipFill>
+          <a:blip r:embed="rId14">
+            <a:extLst>
+              <a:ext uri="{28A0092B-C50C-407E-A947-70E740481C1C}">
+                <a14:useLocalDpi xmlns:a14="http://schemas.microsoft.com/office/drawing/2010/main" val="0"/>
+              </a:ext>
+            </a:extLst>
+          </a:blip>
+          <a:stretch>
+            <a:fillRect/>
+          </a:stretch>
+        </p:blipFill>
+        <p:spPr>
+          <a:xfrm>
+            <a:off x="2480471" y="4494561"/>
+            <a:ext cx="1426821" cy="1280619"/>
+          </a:xfrm>
+          <a:prstGeom prst="rect">
+            <a:avLst/>
+          </a:prstGeom>
+        </p:spPr>
+      </p:pic>
     </p:spTree>
     <p:extLst>
       <p:ext uri="{BB962C8B-B14F-4D97-AF65-F5344CB8AC3E}">
@@ -15649,7 +13069,7 @@
 </p:sld>
 </file>
 
-<file path=ppt/slides/slide7.xml><?xml version="1.0" encoding="utf-8"?>
+<file path=ppt/slides/slide6.xml><?xml version="1.0" encoding="utf-8"?>
 <p:sld xmlns:a="http://schemas.openxmlformats.org/drawingml/2006/main" xmlns:r="http://schemas.openxmlformats.org/officeDocument/2006/relationships" xmlns:p="http://schemas.openxmlformats.org/presentationml/2006/main">
   <p:cSld>
     <p:bg>
@@ -17339,8 +14759,8 @@
         </p:nvCxnSpPr>
         <p:spPr>
           <a:xfrm>
-            <a:off x="9344028" y="5057308"/>
-            <a:ext cx="0" cy="379653"/>
+            <a:off x="9344028" y="5048904"/>
+            <a:ext cx="0" cy="388057"/>
           </a:xfrm>
           <a:prstGeom prst="straightConnector1">
             <a:avLst/>
@@ -18133,7 +15553,7 @@
 </p:sld>
 </file>
 
-<file path=ppt/slides/slide8.xml><?xml version="1.0" encoding="utf-8"?>
+<file path=ppt/slides/slide7.xml><?xml version="1.0" encoding="utf-8"?>
 <p:sld xmlns:a="http://schemas.openxmlformats.org/drawingml/2006/main" xmlns:r="http://schemas.openxmlformats.org/officeDocument/2006/relationships" xmlns:p="http://schemas.openxmlformats.org/presentationml/2006/main">
   <p:cSld>
     <p:bg>
@@ -18548,10 +15968,10 @@
       </p:grpSp>
       <p:pic>
         <p:nvPicPr>
-          <p:cNvPr id="1026" name="Picture 2">
+          <p:cNvPr id="2" name="Picture 2">
             <a:extLst>
               <a:ext uri="{FF2B5EF4-FFF2-40B4-BE49-F238E27FC236}">
-                <a16:creationId xmlns:a16="http://schemas.microsoft.com/office/drawing/2014/main" id="{369B355C-1A5A-F668-84D5-819757F979AF}"/>
+                <a16:creationId xmlns:a16="http://schemas.microsoft.com/office/drawing/2014/main" id="{8F154AC5-6D48-08DA-479D-C6F9C47FA923}"/>
               </a:ext>
             </a:extLst>
           </p:cNvPr>
@@ -18575,8 +15995,8 @@
         </p:blipFill>
         <p:spPr bwMode="auto">
           <a:xfrm>
-            <a:off x="673101" y="1266881"/>
-            <a:ext cx="10876023" cy="5569713"/>
+            <a:off x="753918" y="1245475"/>
+            <a:ext cx="10684163" cy="5563044"/>
           </a:xfrm>
           <a:prstGeom prst="rect">
             <a:avLst/>
@@ -18606,7 +16026,7 @@
 </p:sld>
 </file>
 
-<file path=ppt/slides/slide9.xml><?xml version="1.0" encoding="utf-8"?>
+<file path=ppt/slides/slide8.xml><?xml version="1.0" encoding="utf-8"?>
 <p:sld xmlns:a="http://schemas.openxmlformats.org/drawingml/2006/main" xmlns:r="http://schemas.openxmlformats.org/officeDocument/2006/relationships" xmlns:p="http://schemas.openxmlformats.org/presentationml/2006/main">
   <p:cSld>
     <p:bg>
@@ -20541,6 +17961,462 @@
 </p:sld>
 </file>
 
+<file path=ppt/slides/slide9.xml><?xml version="1.0" encoding="utf-8"?>
+<p:sld xmlns:a="http://schemas.openxmlformats.org/drawingml/2006/main" xmlns:r="http://schemas.openxmlformats.org/officeDocument/2006/relationships" xmlns:p="http://schemas.openxmlformats.org/presentationml/2006/main">
+  <p:cSld>
+    <p:bg>
+      <p:bgPr>
+        <a:solidFill>
+          <a:srgbClr val="E2D5C4"/>
+        </a:solidFill>
+        <a:effectLst/>
+      </p:bgPr>
+    </p:bg>
+    <p:spTree>
+      <p:nvGrpSpPr>
+        <p:cNvPr id="1" name=""/>
+        <p:cNvGrpSpPr/>
+        <p:nvPr/>
+      </p:nvGrpSpPr>
+      <p:grpSpPr>
+        <a:xfrm>
+          <a:off x="0" y="0"/>
+          <a:ext cx="0" cy="0"/>
+          <a:chOff x="0" y="0"/>
+          <a:chExt cx="0" cy="0"/>
+        </a:xfrm>
+      </p:grpSpPr>
+      <p:grpSp>
+        <p:nvGrpSpPr>
+          <p:cNvPr id="7" name="Group 6">
+            <a:extLst>
+              <a:ext uri="{FF2B5EF4-FFF2-40B4-BE49-F238E27FC236}">
+                <a16:creationId xmlns:a16="http://schemas.microsoft.com/office/drawing/2014/main" id="{E8663F1F-705A-0949-9881-90C44B79F5E2}"/>
+              </a:ext>
+            </a:extLst>
+          </p:cNvPr>
+          <p:cNvGrpSpPr/>
+          <p:nvPr/>
+        </p:nvGrpSpPr>
+        <p:grpSpPr>
+          <a:xfrm>
+            <a:off x="0" y="0"/>
+            <a:ext cx="12192000" cy="1245476"/>
+            <a:chOff x="0" y="0"/>
+            <a:chExt cx="12192000" cy="1245476"/>
+          </a:xfrm>
+        </p:grpSpPr>
+        <p:sp>
+          <p:nvSpPr>
+            <p:cNvPr id="4" name="Rectangle 3">
+              <a:extLst>
+                <a:ext uri="{FF2B5EF4-FFF2-40B4-BE49-F238E27FC236}">
+                  <a16:creationId xmlns:a16="http://schemas.microsoft.com/office/drawing/2014/main" id="{690E2D33-FC5D-7F5E-F290-4A7F1385BA2A}"/>
+                </a:ext>
+              </a:extLst>
+            </p:cNvPr>
+            <p:cNvSpPr/>
+            <p:nvPr/>
+          </p:nvSpPr>
+          <p:spPr>
+            <a:xfrm>
+              <a:off x="0" y="0"/>
+              <a:ext cx="12192000" cy="1245476"/>
+            </a:xfrm>
+            <a:prstGeom prst="rect">
+              <a:avLst/>
+            </a:prstGeom>
+            <a:solidFill>
+              <a:srgbClr val="0F3874"/>
+            </a:solidFill>
+            <a:ln>
+              <a:noFill/>
+            </a:ln>
+          </p:spPr>
+          <p:style>
+            <a:lnRef idx="2">
+              <a:schemeClr val="accent1">
+                <a:shade val="15000"/>
+              </a:schemeClr>
+            </a:lnRef>
+            <a:fillRef idx="1">
+              <a:schemeClr val="accent1"/>
+            </a:fillRef>
+            <a:effectRef idx="0">
+              <a:schemeClr val="accent1"/>
+            </a:effectRef>
+            <a:fontRef idx="minor">
+              <a:schemeClr val="lt1"/>
+            </a:fontRef>
+          </p:style>
+          <p:txBody>
+            <a:bodyPr rtlCol="0" anchor="ctr"/>
+            <a:lstStyle/>
+            <a:p>
+              <a:pPr marL="0" marR="0" lvl="0" indent="0" algn="ctr" defTabSz="914400" rtl="0" eaLnBrk="1" fontAlgn="auto" latinLnBrk="0" hangingPunct="1">
+                <a:lnSpc>
+                  <a:spcPct val="100000"/>
+                </a:lnSpc>
+                <a:spcBef>
+                  <a:spcPts val="0"/>
+                </a:spcBef>
+                <a:spcAft>
+                  <a:spcPts val="0"/>
+                </a:spcAft>
+                <a:buClrTx/>
+                <a:buSzTx/>
+                <a:buFontTx/>
+                <a:buNone/>
+                <a:tabLst/>
+                <a:defRPr/>
+              </a:pPr>
+              <a:endParaRPr kumimoji="0" lang="en-US" sz="1800" b="0" i="0" u="none" strike="noStrike" kern="1200" cap="none" spc="0" normalizeH="0" baseline="0" noProof="0">
+                <a:ln>
+                  <a:noFill/>
+                </a:ln>
+                <a:solidFill>
+                  <a:prstClr val="white"/>
+                </a:solidFill>
+                <a:effectLst/>
+                <a:uLnTx/>
+                <a:uFillTx/>
+                <a:latin typeface="Aptos" panose="02110004020202020204"/>
+                <a:ea typeface="+mn-ea"/>
+                <a:cs typeface="+mn-cs"/>
+              </a:endParaRPr>
+            </a:p>
+          </p:txBody>
+        </p:sp>
+        <p:pic>
+          <p:nvPicPr>
+            <p:cNvPr id="5" name="Picture 4" descr="A logo with a compass&#10;&#10;Description automatically generated">
+              <a:extLst>
+                <a:ext uri="{FF2B5EF4-FFF2-40B4-BE49-F238E27FC236}">
+                  <a16:creationId xmlns:a16="http://schemas.microsoft.com/office/drawing/2014/main" id="{25BC63FE-D05E-4303-F5E9-DA1082EB80D6}"/>
+                </a:ext>
+              </a:extLst>
+            </p:cNvPr>
+            <p:cNvPicPr>
+              <a:picLocks noChangeAspect="1"/>
+            </p:cNvPicPr>
+            <p:nvPr/>
+          </p:nvPicPr>
+          <p:blipFill>
+            <a:blip r:embed="rId3">
+              <a:extLst>
+                <a:ext uri="{28A0092B-C50C-407E-A947-70E740481C1C}">
+                  <a14:useLocalDpi xmlns:a14="http://schemas.microsoft.com/office/drawing/2010/main" val="0"/>
+                </a:ext>
+              </a:extLst>
+            </a:blip>
+            <a:srcRect l="8106" t="6216" r="7263" b="7593"/>
+            <a:stretch/>
+          </p:blipFill>
+          <p:spPr>
+            <a:xfrm>
+              <a:off x="673101" y="126840"/>
+              <a:ext cx="994870" cy="1013202"/>
+            </a:xfrm>
+            <a:prstGeom prst="ellipse">
+              <a:avLst/>
+            </a:prstGeom>
+            <a:ln w="63500" cap="rnd">
+              <a:noFill/>
+            </a:ln>
+            <a:effectLst>
+              <a:outerShdw blurRad="381000" dist="292100" dir="5400000" sx="-80000" sy="-18000" rotWithShape="0">
+                <a:srgbClr val="000000">
+                  <a:alpha val="22000"/>
+                </a:srgbClr>
+              </a:outerShdw>
+            </a:effectLst>
+            <a:scene3d>
+              <a:camera prst="orthographicFront"/>
+              <a:lightRig rig="contrasting" dir="t">
+                <a:rot lat="0" lon="0" rev="3000000"/>
+              </a:lightRig>
+            </a:scene3d>
+            <a:sp3d contourW="7620">
+              <a:bevelT w="95250" h="31750"/>
+              <a:contourClr>
+                <a:srgbClr val="333333"/>
+              </a:contourClr>
+            </a:sp3d>
+          </p:spPr>
+        </p:pic>
+        <p:sp>
+          <p:nvSpPr>
+            <p:cNvPr id="6" name="Subtitle 2">
+              <a:extLst>
+                <a:ext uri="{FF2B5EF4-FFF2-40B4-BE49-F238E27FC236}">
+                  <a16:creationId xmlns:a16="http://schemas.microsoft.com/office/drawing/2014/main" id="{5EE7CEDC-FCBD-A471-D3FA-48F734209F83}"/>
+                </a:ext>
+              </a:extLst>
+            </p:cNvPr>
+            <p:cNvSpPr txBox="1">
+              <a:spLocks/>
+            </p:cNvSpPr>
+            <p:nvPr/>
+          </p:nvSpPr>
+          <p:spPr>
+            <a:xfrm>
+              <a:off x="0" y="21406"/>
+              <a:ext cx="12192000" cy="1224069"/>
+            </a:xfrm>
+            <a:prstGeom prst="rect">
+              <a:avLst/>
+            </a:prstGeom>
+          </p:spPr>
+          <p:txBody>
+            <a:bodyPr vert="horz" lIns="91440" tIns="45720" rIns="91440" bIns="45720" rtlCol="0" anchor="ctr">
+              <a:normAutofit/>
+            </a:bodyPr>
+            <a:lstStyle>
+              <a:lvl1pPr marL="228600" indent="-228600" algn="l" defTabSz="914400" rtl="0" eaLnBrk="1" latinLnBrk="0" hangingPunct="1">
+                <a:lnSpc>
+                  <a:spcPct val="90000"/>
+                </a:lnSpc>
+                <a:spcBef>
+                  <a:spcPts val="1000"/>
+                </a:spcBef>
+                <a:buFont typeface="Arial" panose="020B0604020202020204" pitchFamily="34" charset="0"/>
+                <a:buChar char="•"/>
+                <a:defRPr sz="2800" kern="1200">
+                  <a:solidFill>
+                    <a:schemeClr val="tx1"/>
+                  </a:solidFill>
+                  <a:latin typeface="+mn-lt"/>
+                  <a:ea typeface="+mn-ea"/>
+                  <a:cs typeface="+mn-cs"/>
+                </a:defRPr>
+              </a:lvl1pPr>
+              <a:lvl2pPr marL="685800" indent="-228600" algn="l" defTabSz="914400" rtl="0" eaLnBrk="1" latinLnBrk="0" hangingPunct="1">
+                <a:lnSpc>
+                  <a:spcPct val="90000"/>
+                </a:lnSpc>
+                <a:spcBef>
+                  <a:spcPts val="500"/>
+                </a:spcBef>
+                <a:buFont typeface="Arial" panose="020B0604020202020204" pitchFamily="34" charset="0"/>
+                <a:buChar char="•"/>
+                <a:defRPr sz="2400" kern="1200">
+                  <a:solidFill>
+                    <a:schemeClr val="tx1"/>
+                  </a:solidFill>
+                  <a:latin typeface="+mn-lt"/>
+                  <a:ea typeface="+mn-ea"/>
+                  <a:cs typeface="+mn-cs"/>
+                </a:defRPr>
+              </a:lvl2pPr>
+              <a:lvl3pPr marL="1143000" indent="-228600" algn="l" defTabSz="914400" rtl="0" eaLnBrk="1" latinLnBrk="0" hangingPunct="1">
+                <a:lnSpc>
+                  <a:spcPct val="90000"/>
+                </a:lnSpc>
+                <a:spcBef>
+                  <a:spcPts val="500"/>
+                </a:spcBef>
+                <a:buFont typeface="Arial" panose="020B0604020202020204" pitchFamily="34" charset="0"/>
+                <a:buChar char="•"/>
+                <a:defRPr sz="2000" kern="1200">
+                  <a:solidFill>
+                    <a:schemeClr val="tx1"/>
+                  </a:solidFill>
+                  <a:latin typeface="+mn-lt"/>
+                  <a:ea typeface="+mn-ea"/>
+                  <a:cs typeface="+mn-cs"/>
+                </a:defRPr>
+              </a:lvl3pPr>
+              <a:lvl4pPr marL="1600200" indent="-228600" algn="l" defTabSz="914400" rtl="0" eaLnBrk="1" latinLnBrk="0" hangingPunct="1">
+                <a:lnSpc>
+                  <a:spcPct val="90000"/>
+                </a:lnSpc>
+                <a:spcBef>
+                  <a:spcPts val="500"/>
+                </a:spcBef>
+                <a:buFont typeface="Arial" panose="020B0604020202020204" pitchFamily="34" charset="0"/>
+                <a:buChar char="•"/>
+                <a:defRPr sz="1800" kern="1200">
+                  <a:solidFill>
+                    <a:schemeClr val="tx1"/>
+                  </a:solidFill>
+                  <a:latin typeface="+mn-lt"/>
+                  <a:ea typeface="+mn-ea"/>
+                  <a:cs typeface="+mn-cs"/>
+                </a:defRPr>
+              </a:lvl4pPr>
+              <a:lvl5pPr marL="2057400" indent="-228600" algn="l" defTabSz="914400" rtl="0" eaLnBrk="1" latinLnBrk="0" hangingPunct="1">
+                <a:lnSpc>
+                  <a:spcPct val="90000"/>
+                </a:lnSpc>
+                <a:spcBef>
+                  <a:spcPts val="500"/>
+                </a:spcBef>
+                <a:buFont typeface="Arial" panose="020B0604020202020204" pitchFamily="34" charset="0"/>
+                <a:buChar char="•"/>
+                <a:defRPr sz="1800" kern="1200">
+                  <a:solidFill>
+                    <a:schemeClr val="tx1"/>
+                  </a:solidFill>
+                  <a:latin typeface="+mn-lt"/>
+                  <a:ea typeface="+mn-ea"/>
+                  <a:cs typeface="+mn-cs"/>
+                </a:defRPr>
+              </a:lvl5pPr>
+              <a:lvl6pPr marL="2514600" indent="-228600" algn="l" defTabSz="914400" rtl="0" eaLnBrk="1" latinLnBrk="0" hangingPunct="1">
+                <a:lnSpc>
+                  <a:spcPct val="90000"/>
+                </a:lnSpc>
+                <a:spcBef>
+                  <a:spcPts val="500"/>
+                </a:spcBef>
+                <a:buFont typeface="Arial" panose="020B0604020202020204" pitchFamily="34" charset="0"/>
+                <a:buChar char="•"/>
+                <a:defRPr sz="1800" kern="1200">
+                  <a:solidFill>
+                    <a:schemeClr val="tx1"/>
+                  </a:solidFill>
+                  <a:latin typeface="+mn-lt"/>
+                  <a:ea typeface="+mn-ea"/>
+                  <a:cs typeface="+mn-cs"/>
+                </a:defRPr>
+              </a:lvl6pPr>
+              <a:lvl7pPr marL="2971800" indent="-228600" algn="l" defTabSz="914400" rtl="0" eaLnBrk="1" latinLnBrk="0" hangingPunct="1">
+                <a:lnSpc>
+                  <a:spcPct val="90000"/>
+                </a:lnSpc>
+                <a:spcBef>
+                  <a:spcPts val="500"/>
+                </a:spcBef>
+                <a:buFont typeface="Arial" panose="020B0604020202020204" pitchFamily="34" charset="0"/>
+                <a:buChar char="•"/>
+                <a:defRPr sz="1800" kern="1200">
+                  <a:solidFill>
+                    <a:schemeClr val="tx1"/>
+                  </a:solidFill>
+                  <a:latin typeface="+mn-lt"/>
+                  <a:ea typeface="+mn-ea"/>
+                  <a:cs typeface="+mn-cs"/>
+                </a:defRPr>
+              </a:lvl7pPr>
+              <a:lvl8pPr marL="3429000" indent="-228600" algn="l" defTabSz="914400" rtl="0" eaLnBrk="1" latinLnBrk="0" hangingPunct="1">
+                <a:lnSpc>
+                  <a:spcPct val="90000"/>
+                </a:lnSpc>
+                <a:spcBef>
+                  <a:spcPts val="500"/>
+                </a:spcBef>
+                <a:buFont typeface="Arial" panose="020B0604020202020204" pitchFamily="34" charset="0"/>
+                <a:buChar char="•"/>
+                <a:defRPr sz="1800" kern="1200">
+                  <a:solidFill>
+                    <a:schemeClr val="tx1"/>
+                  </a:solidFill>
+                  <a:latin typeface="+mn-lt"/>
+                  <a:ea typeface="+mn-ea"/>
+                  <a:cs typeface="+mn-cs"/>
+                </a:defRPr>
+              </a:lvl8pPr>
+              <a:lvl9pPr marL="3886200" indent="-228600" algn="l" defTabSz="914400" rtl="0" eaLnBrk="1" latinLnBrk="0" hangingPunct="1">
+                <a:lnSpc>
+                  <a:spcPct val="90000"/>
+                </a:lnSpc>
+                <a:spcBef>
+                  <a:spcPts val="500"/>
+                </a:spcBef>
+                <a:buFont typeface="Arial" panose="020B0604020202020204" pitchFamily="34" charset="0"/>
+                <a:buChar char="•"/>
+                <a:defRPr sz="1800" kern="1200">
+                  <a:solidFill>
+                    <a:schemeClr val="tx1"/>
+                  </a:solidFill>
+                  <a:latin typeface="+mn-lt"/>
+                  <a:ea typeface="+mn-ea"/>
+                  <a:cs typeface="+mn-cs"/>
+                </a:defRPr>
+              </a:lvl9pPr>
+            </a:lstStyle>
+            <a:p>
+              <a:pPr marL="0" marR="0" lvl="0" indent="0" algn="ctr" defTabSz="914400" rtl="0" eaLnBrk="1" fontAlgn="auto" latinLnBrk="0" hangingPunct="1">
+                <a:lnSpc>
+                  <a:spcPct val="90000"/>
+                </a:lnSpc>
+                <a:spcBef>
+                  <a:spcPts val="1000"/>
+                </a:spcBef>
+                <a:spcAft>
+                  <a:spcPts val="0"/>
+                </a:spcAft>
+                <a:buClrTx/>
+                <a:buSzTx/>
+                <a:buFont typeface="Arial" panose="020B0604020202020204" pitchFamily="34" charset="0"/>
+                <a:buNone/>
+                <a:tabLst/>
+                <a:defRPr/>
+              </a:pPr>
+              <a:r>
+                <a:rPr kumimoji="0" lang="en-US" sz="4400" b="1" i="0" u="none" strike="noStrike" kern="1200" cap="none" spc="0" normalizeH="0" baseline="0" noProof="0" dirty="0">
+                  <a:ln>
+                    <a:noFill/>
+                  </a:ln>
+                  <a:solidFill>
+                    <a:srgbClr val="E2D5C4"/>
+                  </a:solidFill>
+                  <a:effectLst/>
+                  <a:uLnTx/>
+                  <a:uFillTx/>
+                  <a:latin typeface="Inter" panose="020B0502030000000004" pitchFamily="34" charset="0"/>
+                  <a:ea typeface="Inter" panose="020B0502030000000004" pitchFamily="34" charset="0"/>
+                  <a:cs typeface="+mn-cs"/>
+                </a:rPr>
+                <a:t>Gantt Chart</a:t>
+              </a:r>
+            </a:p>
+          </p:txBody>
+        </p:sp>
+      </p:grpSp>
+      <p:pic>
+        <p:nvPicPr>
+          <p:cNvPr id="8" name="Picture 7">
+            <a:extLst>
+              <a:ext uri="{FF2B5EF4-FFF2-40B4-BE49-F238E27FC236}">
+                <a16:creationId xmlns:a16="http://schemas.microsoft.com/office/drawing/2014/main" id="{1CC687E5-FAC9-3832-9E53-A790F09908AC}"/>
+              </a:ext>
+            </a:extLst>
+          </p:cNvPr>
+          <p:cNvPicPr>
+            <a:picLocks noChangeAspect="1"/>
+          </p:cNvPicPr>
+          <p:nvPr/>
+        </p:nvPicPr>
+        <p:blipFill>
+          <a:blip r:embed="rId4"/>
+          <a:stretch>
+            <a:fillRect/>
+          </a:stretch>
+        </p:blipFill>
+        <p:spPr>
+          <a:xfrm>
+            <a:off x="0" y="2201740"/>
+            <a:ext cx="12192000" cy="2454519"/>
+          </a:xfrm>
+          <a:prstGeom prst="rect">
+            <a:avLst/>
+          </a:prstGeom>
+        </p:spPr>
+      </p:pic>
+    </p:spTree>
+    <p:extLst>
+      <p:ext uri="{BB962C8B-B14F-4D97-AF65-F5344CB8AC3E}">
+        <p14:creationId xmlns:p14="http://schemas.microsoft.com/office/powerpoint/2010/main" val="1835518684"/>
+      </p:ext>
+    </p:extLst>
+  </p:cSld>
+  <p:clrMapOvr>
+    <a:masterClrMapping/>
+  </p:clrMapOvr>
+</p:sld>
+</file>
+
 <file path=ppt/theme/theme1.xml><?xml version="1.0" encoding="utf-8"?>
 <a:theme xmlns:a="http://schemas.openxmlformats.org/drawingml/2006/main" name="Office Theme">
   <a:themeElements>
